--- a/docs/files/Block3-1_Excel-to-Scripting.pptx
+++ b/docs/files/Block3-1_Excel-to-Scripting.pptx
@@ -5,7 +5,7 @@
     <p:sldMasterId id="2147483673" r:id="rId1"/>
   </p:sldMasterIdLst>
   <p:notesMasterIdLst>
-    <p:notesMasterId r:id="rId48"/>
+    <p:notesMasterId r:id="rId49"/>
   </p:notesMasterIdLst>
   <p:sldIdLst>
     <p:sldId id="256" r:id="rId2"/>
@@ -31,32 +31,46 @@
     <p:sldId id="449" r:id="rId22"/>
     <p:sldId id="481" r:id="rId23"/>
     <p:sldId id="482" r:id="rId24"/>
-    <p:sldId id="483" r:id="rId25"/>
-    <p:sldId id="484" r:id="rId26"/>
-    <p:sldId id="486" r:id="rId27"/>
-    <p:sldId id="487" r:id="rId28"/>
-    <p:sldId id="488" r:id="rId29"/>
-    <p:sldId id="489" r:id="rId30"/>
-    <p:sldId id="490" r:id="rId31"/>
-    <p:sldId id="491" r:id="rId32"/>
-    <p:sldId id="493" r:id="rId33"/>
-    <p:sldId id="494" r:id="rId34"/>
-    <p:sldId id="495" r:id="rId35"/>
-    <p:sldId id="520" r:id="rId36"/>
-    <p:sldId id="505" r:id="rId37"/>
-    <p:sldId id="508" r:id="rId38"/>
-    <p:sldId id="509" r:id="rId39"/>
-    <p:sldId id="510" r:id="rId40"/>
-    <p:sldId id="511" r:id="rId41"/>
-    <p:sldId id="512" r:id="rId42"/>
-    <p:sldId id="513" r:id="rId43"/>
-    <p:sldId id="514" r:id="rId44"/>
-    <p:sldId id="515" r:id="rId45"/>
-    <p:sldId id="516" r:id="rId46"/>
-    <p:sldId id="517" r:id="rId47"/>
+    <p:sldId id="521" r:id="rId25"/>
+    <p:sldId id="483" r:id="rId26"/>
+    <p:sldId id="484" r:id="rId27"/>
+    <p:sldId id="486" r:id="rId28"/>
+    <p:sldId id="487" r:id="rId29"/>
+    <p:sldId id="488" r:id="rId30"/>
+    <p:sldId id="489" r:id="rId31"/>
+    <p:sldId id="490" r:id="rId32"/>
+    <p:sldId id="491" r:id="rId33"/>
+    <p:sldId id="493" r:id="rId34"/>
+    <p:sldId id="494" r:id="rId35"/>
+    <p:sldId id="495" r:id="rId36"/>
+    <p:sldId id="520" r:id="rId37"/>
+    <p:sldId id="505" r:id="rId38"/>
+    <p:sldId id="508" r:id="rId39"/>
+    <p:sldId id="509" r:id="rId40"/>
+    <p:sldId id="510" r:id="rId41"/>
+    <p:sldId id="511" r:id="rId42"/>
+    <p:sldId id="512" r:id="rId43"/>
+    <p:sldId id="513" r:id="rId44"/>
+    <p:sldId id="514" r:id="rId45"/>
+    <p:sldId id="515" r:id="rId46"/>
+    <p:sldId id="516" r:id="rId47"/>
+    <p:sldId id="517" r:id="rId48"/>
   </p:sldIdLst>
   <p:sldSz cx="9144000" cy="5143500" type="screen16x9"/>
   <p:notesSz cx="6858000" cy="9144000"/>
+  <p:embeddedFontLst>
+    <p:embeddedFont>
+      <p:font typeface="Nunito" pitchFamily="2" charset="77"/>
+      <p:regular r:id="rId50"/>
+      <p:bold r:id="rId51"/>
+      <p:italic r:id="rId52"/>
+      <p:boldItalic r:id="rId53"/>
+    </p:embeddedFont>
+    <p:embeddedFont>
+      <p:font typeface="Questrial" pitchFamily="2" charset="77"/>
+      <p:regular r:id="rId54"/>
+    </p:embeddedFont>
+  </p:embeddedFontLst>
   <p:defaultTextStyle>
     <a:defPPr marR="0" lvl="0" algn="l" rtl="0">
       <a:lnSpc>
@@ -4550,6 +4564,133 @@
         <p:cNvPr id="1" name="Shape 154">
           <a:extLst>
             <a:ext uri="{FF2B5EF4-FFF2-40B4-BE49-F238E27FC236}">
+              <a16:creationId xmlns:a16="http://schemas.microsoft.com/office/drawing/2014/main" id="{A804864E-0E19-F46A-34F0-C0D1BF60005A}"/>
+            </a:ext>
+          </a:extLst>
+        </p:cNvPr>
+        <p:cNvGrpSpPr/>
+        <p:nvPr/>
+      </p:nvGrpSpPr>
+      <p:grpSpPr>
+        <a:xfrm>
+          <a:off x="0" y="0"/>
+          <a:ext cx="0" cy="0"/>
+          <a:chOff x="0" y="0"/>
+          <a:chExt cx="0" cy="0"/>
+        </a:xfrm>
+      </p:grpSpPr>
+      <p:sp>
+        <p:nvSpPr>
+          <p:cNvPr id="155" name="Google Shape;155;ge1d838b627_4_100:notes">
+            <a:extLst>
+              <a:ext uri="{FF2B5EF4-FFF2-40B4-BE49-F238E27FC236}">
+                <a16:creationId xmlns:a16="http://schemas.microsoft.com/office/drawing/2014/main" id="{B82AD47C-6006-CED0-1F99-5CF293E9F13A}"/>
+              </a:ext>
+            </a:extLst>
+          </p:cNvPr>
+          <p:cNvSpPr>
+            <a:spLocks noGrp="1" noRot="1" noChangeAspect="1"/>
+          </p:cNvSpPr>
+          <p:nvPr>
+            <p:ph type="sldImg" idx="2"/>
+          </p:nvPr>
+        </p:nvSpPr>
+        <p:spPr>
+          <a:xfrm>
+            <a:off x="381000" y="685800"/>
+            <a:ext cx="6096000" cy="3429000"/>
+          </a:xfrm>
+          <a:custGeom>
+            <a:avLst/>
+            <a:gdLst/>
+            <a:ahLst/>
+            <a:cxnLst/>
+            <a:rect l="l" t="t" r="r" b="b"/>
+            <a:pathLst>
+              <a:path w="120000" h="120000" extrusionOk="0">
+                <a:moveTo>
+                  <a:pt x="0" y="0"/>
+                </a:moveTo>
+                <a:lnTo>
+                  <a:pt x="120000" y="0"/>
+                </a:lnTo>
+                <a:lnTo>
+                  <a:pt x="120000" y="120000"/>
+                </a:lnTo>
+                <a:lnTo>
+                  <a:pt x="0" y="120000"/>
+                </a:lnTo>
+                <a:close/>
+              </a:path>
+            </a:pathLst>
+          </a:custGeom>
+        </p:spPr>
+      </p:sp>
+      <p:sp>
+        <p:nvSpPr>
+          <p:cNvPr id="156" name="Google Shape;156;ge1d838b627_4_100:notes">
+            <a:extLst>
+              <a:ext uri="{FF2B5EF4-FFF2-40B4-BE49-F238E27FC236}">
+                <a16:creationId xmlns:a16="http://schemas.microsoft.com/office/drawing/2014/main" id="{F704869F-1C86-8BDC-669C-45ED68EF6D14}"/>
+              </a:ext>
+            </a:extLst>
+          </p:cNvPr>
+          <p:cNvSpPr txBox="1">
+            <a:spLocks noGrp="1"/>
+          </p:cNvSpPr>
+          <p:nvPr>
+            <p:ph type="body" idx="1"/>
+          </p:nvPr>
+        </p:nvSpPr>
+        <p:spPr>
+          <a:xfrm>
+            <a:off x="685800" y="4343400"/>
+            <a:ext cx="5486400" cy="4114800"/>
+          </a:xfrm>
+          <a:prstGeom prst="rect">
+            <a:avLst/>
+          </a:prstGeom>
+        </p:spPr>
+        <p:txBody>
+          <a:bodyPr spcFirstLastPara="1" wrap="square" lIns="91425" tIns="91425" rIns="91425" bIns="91425" anchor="t" anchorCtr="0">
+            <a:noAutofit/>
+          </a:bodyPr>
+          <a:lstStyle/>
+          <a:p>
+            <a:pPr marL="0" lvl="0" indent="0" algn="l" rtl="0">
+              <a:spcBef>
+                <a:spcPts val="0"/>
+              </a:spcBef>
+              <a:spcAft>
+                <a:spcPts val="0"/>
+              </a:spcAft>
+              <a:buNone/>
+            </a:pPr>
+            <a:endParaRPr dirty="0"/>
+          </a:p>
+        </p:txBody>
+      </p:sp>
+    </p:spTree>
+    <p:extLst>
+      <p:ext uri="{BB962C8B-B14F-4D97-AF65-F5344CB8AC3E}">
+        <p14:creationId xmlns:p14="http://schemas.microsoft.com/office/powerpoint/2010/main" val="2618899252"/>
+      </p:ext>
+    </p:extLst>
+  </p:cSld>
+  <p:clrMapOvr>
+    <a:masterClrMapping/>
+  </p:clrMapOvr>
+</p:notes>
+</file>
+
+<file path=ppt/notesSlides/notesSlide25.xml><?xml version="1.0" encoding="utf-8"?>
+<p:notes xmlns:a="http://schemas.openxmlformats.org/drawingml/2006/main" xmlns:r="http://schemas.openxmlformats.org/officeDocument/2006/relationships" xmlns:p="http://schemas.openxmlformats.org/presentationml/2006/main" showMasterSp="0" showMasterPhAnim="0">
+  <p:cSld>
+    <p:spTree>
+      <p:nvGrpSpPr>
+        <p:cNvPr id="1" name="Shape 154">
+          <a:extLst>
+            <a:ext uri="{FF2B5EF4-FFF2-40B4-BE49-F238E27FC236}">
               <a16:creationId xmlns:a16="http://schemas.microsoft.com/office/drawing/2014/main" id="{DD3777C2-3D57-6FA8-9D9C-5A2C9F88310E}"/>
             </a:ext>
           </a:extLst>
@@ -4669,7 +4810,7 @@
 </p:notes>
 </file>
 
-<file path=ppt/notesSlides/notesSlide25.xml><?xml version="1.0" encoding="utf-8"?>
+<file path=ppt/notesSlides/notesSlide26.xml><?xml version="1.0" encoding="utf-8"?>
 <p:notes xmlns:a="http://schemas.openxmlformats.org/drawingml/2006/main" xmlns:r="http://schemas.openxmlformats.org/officeDocument/2006/relationships" xmlns:p="http://schemas.openxmlformats.org/presentationml/2006/main" showMasterSp="0" showMasterPhAnim="0">
   <p:cSld>
     <p:spTree>
@@ -4796,7 +4937,7 @@
 </p:notes>
 </file>
 
-<file path=ppt/notesSlides/notesSlide26.xml><?xml version="1.0" encoding="utf-8"?>
+<file path=ppt/notesSlides/notesSlide27.xml><?xml version="1.0" encoding="utf-8"?>
 <p:notes xmlns:a="http://schemas.openxmlformats.org/drawingml/2006/main" xmlns:r="http://schemas.openxmlformats.org/officeDocument/2006/relationships" xmlns:p="http://schemas.openxmlformats.org/presentationml/2006/main" showMasterSp="0" showMasterPhAnim="0">
   <p:cSld>
     <p:spTree>
@@ -4923,7 +5064,7 @@
 </p:notes>
 </file>
 
-<file path=ppt/notesSlides/notesSlide27.xml><?xml version="1.0" encoding="utf-8"?>
+<file path=ppt/notesSlides/notesSlide28.xml><?xml version="1.0" encoding="utf-8"?>
 <p:notes xmlns:a="http://schemas.openxmlformats.org/drawingml/2006/main" xmlns:r="http://schemas.openxmlformats.org/officeDocument/2006/relationships" xmlns:p="http://schemas.openxmlformats.org/presentationml/2006/main" showMasterSp="0" showMasterPhAnim="0">
   <p:cSld>
     <p:spTree>
@@ -5050,7 +5191,7 @@
 </p:notes>
 </file>
 
-<file path=ppt/notesSlides/notesSlide28.xml><?xml version="1.0" encoding="utf-8"?>
+<file path=ppt/notesSlides/notesSlide29.xml><?xml version="1.0" encoding="utf-8"?>
 <p:notes xmlns:a="http://schemas.openxmlformats.org/drawingml/2006/main" xmlns:r="http://schemas.openxmlformats.org/officeDocument/2006/relationships" xmlns:p="http://schemas.openxmlformats.org/presentationml/2006/main" showMasterSp="0" showMasterPhAnim="0">
   <p:cSld>
     <p:spTree>
@@ -5168,133 +5309,6 @@
     <p:extLst>
       <p:ext uri="{BB962C8B-B14F-4D97-AF65-F5344CB8AC3E}">
         <p14:creationId xmlns:p14="http://schemas.microsoft.com/office/powerpoint/2010/main" val="982479690"/>
-      </p:ext>
-    </p:extLst>
-  </p:cSld>
-  <p:clrMapOvr>
-    <a:masterClrMapping/>
-  </p:clrMapOvr>
-</p:notes>
-</file>
-
-<file path=ppt/notesSlides/notesSlide29.xml><?xml version="1.0" encoding="utf-8"?>
-<p:notes xmlns:a="http://schemas.openxmlformats.org/drawingml/2006/main" xmlns:r="http://schemas.openxmlformats.org/officeDocument/2006/relationships" xmlns:p="http://schemas.openxmlformats.org/presentationml/2006/main" showMasterSp="0" showMasterPhAnim="0">
-  <p:cSld>
-    <p:spTree>
-      <p:nvGrpSpPr>
-        <p:cNvPr id="1" name="Shape 154">
-          <a:extLst>
-            <a:ext uri="{FF2B5EF4-FFF2-40B4-BE49-F238E27FC236}">
-              <a16:creationId xmlns:a16="http://schemas.microsoft.com/office/drawing/2014/main" id="{A0314CA3-635D-EF74-CAB8-77BC89CD9BDE}"/>
-            </a:ext>
-          </a:extLst>
-        </p:cNvPr>
-        <p:cNvGrpSpPr/>
-        <p:nvPr/>
-      </p:nvGrpSpPr>
-      <p:grpSpPr>
-        <a:xfrm>
-          <a:off x="0" y="0"/>
-          <a:ext cx="0" cy="0"/>
-          <a:chOff x="0" y="0"/>
-          <a:chExt cx="0" cy="0"/>
-        </a:xfrm>
-      </p:grpSpPr>
-      <p:sp>
-        <p:nvSpPr>
-          <p:cNvPr id="155" name="Google Shape;155;ge1d838b627_4_100:notes">
-            <a:extLst>
-              <a:ext uri="{FF2B5EF4-FFF2-40B4-BE49-F238E27FC236}">
-                <a16:creationId xmlns:a16="http://schemas.microsoft.com/office/drawing/2014/main" id="{1DC547AF-6047-F90E-C272-816B0D582051}"/>
-              </a:ext>
-            </a:extLst>
-          </p:cNvPr>
-          <p:cNvSpPr>
-            <a:spLocks noGrp="1" noRot="1" noChangeAspect="1"/>
-          </p:cNvSpPr>
-          <p:nvPr>
-            <p:ph type="sldImg" idx="2"/>
-          </p:nvPr>
-        </p:nvSpPr>
-        <p:spPr>
-          <a:xfrm>
-            <a:off x="381000" y="685800"/>
-            <a:ext cx="6096000" cy="3429000"/>
-          </a:xfrm>
-          <a:custGeom>
-            <a:avLst/>
-            <a:gdLst/>
-            <a:ahLst/>
-            <a:cxnLst/>
-            <a:rect l="l" t="t" r="r" b="b"/>
-            <a:pathLst>
-              <a:path w="120000" h="120000" extrusionOk="0">
-                <a:moveTo>
-                  <a:pt x="0" y="0"/>
-                </a:moveTo>
-                <a:lnTo>
-                  <a:pt x="120000" y="0"/>
-                </a:lnTo>
-                <a:lnTo>
-                  <a:pt x="120000" y="120000"/>
-                </a:lnTo>
-                <a:lnTo>
-                  <a:pt x="0" y="120000"/>
-                </a:lnTo>
-                <a:close/>
-              </a:path>
-            </a:pathLst>
-          </a:custGeom>
-        </p:spPr>
-      </p:sp>
-      <p:sp>
-        <p:nvSpPr>
-          <p:cNvPr id="156" name="Google Shape;156;ge1d838b627_4_100:notes">
-            <a:extLst>
-              <a:ext uri="{FF2B5EF4-FFF2-40B4-BE49-F238E27FC236}">
-                <a16:creationId xmlns:a16="http://schemas.microsoft.com/office/drawing/2014/main" id="{2CA49F0B-8DCA-95AF-A1D4-C48876294DA0}"/>
-              </a:ext>
-            </a:extLst>
-          </p:cNvPr>
-          <p:cNvSpPr txBox="1">
-            <a:spLocks noGrp="1"/>
-          </p:cNvSpPr>
-          <p:nvPr>
-            <p:ph type="body" idx="1"/>
-          </p:nvPr>
-        </p:nvSpPr>
-        <p:spPr>
-          <a:xfrm>
-            <a:off x="685800" y="4343400"/>
-            <a:ext cx="5486400" cy="4114800"/>
-          </a:xfrm>
-          <a:prstGeom prst="rect">
-            <a:avLst/>
-          </a:prstGeom>
-        </p:spPr>
-        <p:txBody>
-          <a:bodyPr spcFirstLastPara="1" wrap="square" lIns="91425" tIns="91425" rIns="91425" bIns="91425" anchor="t" anchorCtr="0">
-            <a:noAutofit/>
-          </a:bodyPr>
-          <a:lstStyle/>
-          <a:p>
-            <a:pPr marL="0" lvl="0" indent="0" algn="l" rtl="0">
-              <a:spcBef>
-                <a:spcPts val="0"/>
-              </a:spcBef>
-              <a:spcAft>
-                <a:spcPts val="0"/>
-              </a:spcAft>
-              <a:buNone/>
-            </a:pPr>
-            <a:endParaRPr dirty="0"/>
-          </a:p>
-        </p:txBody>
-      </p:sp>
-    </p:spTree>
-    <p:extLst>
-      <p:ext uri="{BB962C8B-B14F-4D97-AF65-F5344CB8AC3E}">
-        <p14:creationId xmlns:p14="http://schemas.microsoft.com/office/powerpoint/2010/main" val="1624036975"/>
       </p:ext>
     </p:extLst>
   </p:cSld>
@@ -5439,6 +5453,133 @@
         <p:cNvPr id="1" name="Shape 154">
           <a:extLst>
             <a:ext uri="{FF2B5EF4-FFF2-40B4-BE49-F238E27FC236}">
+              <a16:creationId xmlns:a16="http://schemas.microsoft.com/office/drawing/2014/main" id="{A0314CA3-635D-EF74-CAB8-77BC89CD9BDE}"/>
+            </a:ext>
+          </a:extLst>
+        </p:cNvPr>
+        <p:cNvGrpSpPr/>
+        <p:nvPr/>
+      </p:nvGrpSpPr>
+      <p:grpSpPr>
+        <a:xfrm>
+          <a:off x="0" y="0"/>
+          <a:ext cx="0" cy="0"/>
+          <a:chOff x="0" y="0"/>
+          <a:chExt cx="0" cy="0"/>
+        </a:xfrm>
+      </p:grpSpPr>
+      <p:sp>
+        <p:nvSpPr>
+          <p:cNvPr id="155" name="Google Shape;155;ge1d838b627_4_100:notes">
+            <a:extLst>
+              <a:ext uri="{FF2B5EF4-FFF2-40B4-BE49-F238E27FC236}">
+                <a16:creationId xmlns:a16="http://schemas.microsoft.com/office/drawing/2014/main" id="{1DC547AF-6047-F90E-C272-816B0D582051}"/>
+              </a:ext>
+            </a:extLst>
+          </p:cNvPr>
+          <p:cNvSpPr>
+            <a:spLocks noGrp="1" noRot="1" noChangeAspect="1"/>
+          </p:cNvSpPr>
+          <p:nvPr>
+            <p:ph type="sldImg" idx="2"/>
+          </p:nvPr>
+        </p:nvSpPr>
+        <p:spPr>
+          <a:xfrm>
+            <a:off x="381000" y="685800"/>
+            <a:ext cx="6096000" cy="3429000"/>
+          </a:xfrm>
+          <a:custGeom>
+            <a:avLst/>
+            <a:gdLst/>
+            <a:ahLst/>
+            <a:cxnLst/>
+            <a:rect l="l" t="t" r="r" b="b"/>
+            <a:pathLst>
+              <a:path w="120000" h="120000" extrusionOk="0">
+                <a:moveTo>
+                  <a:pt x="0" y="0"/>
+                </a:moveTo>
+                <a:lnTo>
+                  <a:pt x="120000" y="0"/>
+                </a:lnTo>
+                <a:lnTo>
+                  <a:pt x="120000" y="120000"/>
+                </a:lnTo>
+                <a:lnTo>
+                  <a:pt x="0" y="120000"/>
+                </a:lnTo>
+                <a:close/>
+              </a:path>
+            </a:pathLst>
+          </a:custGeom>
+        </p:spPr>
+      </p:sp>
+      <p:sp>
+        <p:nvSpPr>
+          <p:cNvPr id="156" name="Google Shape;156;ge1d838b627_4_100:notes">
+            <a:extLst>
+              <a:ext uri="{FF2B5EF4-FFF2-40B4-BE49-F238E27FC236}">
+                <a16:creationId xmlns:a16="http://schemas.microsoft.com/office/drawing/2014/main" id="{2CA49F0B-8DCA-95AF-A1D4-C48876294DA0}"/>
+              </a:ext>
+            </a:extLst>
+          </p:cNvPr>
+          <p:cNvSpPr txBox="1">
+            <a:spLocks noGrp="1"/>
+          </p:cNvSpPr>
+          <p:nvPr>
+            <p:ph type="body" idx="1"/>
+          </p:nvPr>
+        </p:nvSpPr>
+        <p:spPr>
+          <a:xfrm>
+            <a:off x="685800" y="4343400"/>
+            <a:ext cx="5486400" cy="4114800"/>
+          </a:xfrm>
+          <a:prstGeom prst="rect">
+            <a:avLst/>
+          </a:prstGeom>
+        </p:spPr>
+        <p:txBody>
+          <a:bodyPr spcFirstLastPara="1" wrap="square" lIns="91425" tIns="91425" rIns="91425" bIns="91425" anchor="t" anchorCtr="0">
+            <a:noAutofit/>
+          </a:bodyPr>
+          <a:lstStyle/>
+          <a:p>
+            <a:pPr marL="0" lvl="0" indent="0" algn="l" rtl="0">
+              <a:spcBef>
+                <a:spcPts val="0"/>
+              </a:spcBef>
+              <a:spcAft>
+                <a:spcPts val="0"/>
+              </a:spcAft>
+              <a:buNone/>
+            </a:pPr>
+            <a:endParaRPr dirty="0"/>
+          </a:p>
+        </p:txBody>
+      </p:sp>
+    </p:spTree>
+    <p:extLst>
+      <p:ext uri="{BB962C8B-B14F-4D97-AF65-F5344CB8AC3E}">
+        <p14:creationId xmlns:p14="http://schemas.microsoft.com/office/powerpoint/2010/main" val="1624036975"/>
+      </p:ext>
+    </p:extLst>
+  </p:cSld>
+  <p:clrMapOvr>
+    <a:masterClrMapping/>
+  </p:clrMapOvr>
+</p:notes>
+</file>
+
+<file path=ppt/notesSlides/notesSlide31.xml><?xml version="1.0" encoding="utf-8"?>
+<p:notes xmlns:a="http://schemas.openxmlformats.org/drawingml/2006/main" xmlns:r="http://schemas.openxmlformats.org/officeDocument/2006/relationships" xmlns:p="http://schemas.openxmlformats.org/presentationml/2006/main" showMasterSp="0" showMasterPhAnim="0">
+  <p:cSld>
+    <p:spTree>
+      <p:nvGrpSpPr>
+        <p:cNvPr id="1" name="Shape 154">
+          <a:extLst>
+            <a:ext uri="{FF2B5EF4-FFF2-40B4-BE49-F238E27FC236}">
               <a16:creationId xmlns:a16="http://schemas.microsoft.com/office/drawing/2014/main" id="{C86B1E57-F9ED-6994-4B97-F7F4040BD856}"/>
             </a:ext>
           </a:extLst>
@@ -5558,7 +5699,7 @@
 </p:notes>
 </file>
 
-<file path=ppt/notesSlides/notesSlide31.xml><?xml version="1.0" encoding="utf-8"?>
+<file path=ppt/notesSlides/notesSlide32.xml><?xml version="1.0" encoding="utf-8"?>
 <p:notes xmlns:a="http://schemas.openxmlformats.org/drawingml/2006/main" xmlns:r="http://schemas.openxmlformats.org/officeDocument/2006/relationships" xmlns:p="http://schemas.openxmlformats.org/presentationml/2006/main" showMasterSp="0" showMasterPhAnim="0">
   <p:cSld>
     <p:spTree>
@@ -5685,7 +5826,7 @@
 </p:notes>
 </file>
 
-<file path=ppt/notesSlides/notesSlide32.xml><?xml version="1.0" encoding="utf-8"?>
+<file path=ppt/notesSlides/notesSlide33.xml><?xml version="1.0" encoding="utf-8"?>
 <p:notes xmlns:a="http://schemas.openxmlformats.org/drawingml/2006/main" xmlns:r="http://schemas.openxmlformats.org/officeDocument/2006/relationships" xmlns:p="http://schemas.openxmlformats.org/presentationml/2006/main" showMasterSp="0" showMasterPhAnim="0">
   <p:cSld>
     <p:spTree>
@@ -5812,7 +5953,7 @@
 </p:notes>
 </file>
 
-<file path=ppt/notesSlides/notesSlide33.xml><?xml version="1.0" encoding="utf-8"?>
+<file path=ppt/notesSlides/notesSlide34.xml><?xml version="1.0" encoding="utf-8"?>
 <p:notes xmlns:a="http://schemas.openxmlformats.org/drawingml/2006/main" xmlns:r="http://schemas.openxmlformats.org/officeDocument/2006/relationships" xmlns:p="http://schemas.openxmlformats.org/presentationml/2006/main" showMasterSp="0" showMasterPhAnim="0">
   <p:cSld>
     <p:spTree>
@@ -5939,7 +6080,7 @@
 </p:notes>
 </file>
 
-<file path=ppt/notesSlides/notesSlide34.xml><?xml version="1.0" encoding="utf-8"?>
+<file path=ppt/notesSlides/notesSlide35.xml><?xml version="1.0" encoding="utf-8"?>
 <p:notes xmlns:a="http://schemas.openxmlformats.org/drawingml/2006/main" xmlns:r="http://schemas.openxmlformats.org/officeDocument/2006/relationships" xmlns:p="http://schemas.openxmlformats.org/presentationml/2006/main" showMasterSp="0" showMasterPhAnim="0">
   <p:cSld>
     <p:spTree>
@@ -6066,7 +6207,7 @@
 </p:notes>
 </file>
 
-<file path=ppt/notesSlides/notesSlide35.xml><?xml version="1.0" encoding="utf-8"?>
+<file path=ppt/notesSlides/notesSlide36.xml><?xml version="1.0" encoding="utf-8"?>
 <p:notes xmlns:a="http://schemas.openxmlformats.org/drawingml/2006/main" xmlns:r="http://schemas.openxmlformats.org/officeDocument/2006/relationships" xmlns:p="http://schemas.openxmlformats.org/presentationml/2006/main" showMasterSp="0" showMasterPhAnim="0">
   <p:cSld>
     <p:spTree>
@@ -6193,7 +6334,7 @@
 </p:notes>
 </file>
 
-<file path=ppt/notesSlides/notesSlide36.xml><?xml version="1.0" encoding="utf-8"?>
+<file path=ppt/notesSlides/notesSlide37.xml><?xml version="1.0" encoding="utf-8"?>
 <p:notes xmlns:a="http://schemas.openxmlformats.org/drawingml/2006/main" xmlns:r="http://schemas.openxmlformats.org/officeDocument/2006/relationships" xmlns:p="http://schemas.openxmlformats.org/presentationml/2006/main" showMasterSp="0" showMasterPhAnim="0">
   <p:cSld>
     <p:spTree>
@@ -6320,7 +6461,7 @@
 </p:notes>
 </file>
 
-<file path=ppt/notesSlides/notesSlide37.xml><?xml version="1.0" encoding="utf-8"?>
+<file path=ppt/notesSlides/notesSlide38.xml><?xml version="1.0" encoding="utf-8"?>
 <p:notes xmlns:a="http://schemas.openxmlformats.org/drawingml/2006/main" xmlns:r="http://schemas.openxmlformats.org/officeDocument/2006/relationships" xmlns:p="http://schemas.openxmlformats.org/presentationml/2006/main" showMasterSp="0" showMasterPhAnim="0">
   <p:cSld>
     <p:spTree>
@@ -6447,7 +6588,7 @@
 </p:notes>
 </file>
 
-<file path=ppt/notesSlides/notesSlide38.xml><?xml version="1.0" encoding="utf-8"?>
+<file path=ppt/notesSlides/notesSlide39.xml><?xml version="1.0" encoding="utf-8"?>
 <p:notes xmlns:a="http://schemas.openxmlformats.org/drawingml/2006/main" xmlns:r="http://schemas.openxmlformats.org/officeDocument/2006/relationships" xmlns:p="http://schemas.openxmlformats.org/presentationml/2006/main" showMasterSp="0" showMasterPhAnim="0">
   <p:cSld>
     <p:spTree>
@@ -6565,133 +6706,6 @@
     <p:extLst>
       <p:ext uri="{BB962C8B-B14F-4D97-AF65-F5344CB8AC3E}">
         <p14:creationId xmlns:p14="http://schemas.microsoft.com/office/powerpoint/2010/main" val="1904458114"/>
-      </p:ext>
-    </p:extLst>
-  </p:cSld>
-  <p:clrMapOvr>
-    <a:masterClrMapping/>
-  </p:clrMapOvr>
-</p:notes>
-</file>
-
-<file path=ppt/notesSlides/notesSlide39.xml><?xml version="1.0" encoding="utf-8"?>
-<p:notes xmlns:a="http://schemas.openxmlformats.org/drawingml/2006/main" xmlns:r="http://schemas.openxmlformats.org/officeDocument/2006/relationships" xmlns:p="http://schemas.openxmlformats.org/presentationml/2006/main" showMasterSp="0" showMasterPhAnim="0">
-  <p:cSld>
-    <p:spTree>
-      <p:nvGrpSpPr>
-        <p:cNvPr id="1" name="Shape 154">
-          <a:extLst>
-            <a:ext uri="{FF2B5EF4-FFF2-40B4-BE49-F238E27FC236}">
-              <a16:creationId xmlns:a16="http://schemas.microsoft.com/office/drawing/2014/main" id="{F520A944-A6F9-6988-C487-D26777AFFDEF}"/>
-            </a:ext>
-          </a:extLst>
-        </p:cNvPr>
-        <p:cNvGrpSpPr/>
-        <p:nvPr/>
-      </p:nvGrpSpPr>
-      <p:grpSpPr>
-        <a:xfrm>
-          <a:off x="0" y="0"/>
-          <a:ext cx="0" cy="0"/>
-          <a:chOff x="0" y="0"/>
-          <a:chExt cx="0" cy="0"/>
-        </a:xfrm>
-      </p:grpSpPr>
-      <p:sp>
-        <p:nvSpPr>
-          <p:cNvPr id="155" name="Google Shape;155;ge1d838b627_4_100:notes">
-            <a:extLst>
-              <a:ext uri="{FF2B5EF4-FFF2-40B4-BE49-F238E27FC236}">
-                <a16:creationId xmlns:a16="http://schemas.microsoft.com/office/drawing/2014/main" id="{949F9711-ED93-773F-E05F-677A3919954E}"/>
-              </a:ext>
-            </a:extLst>
-          </p:cNvPr>
-          <p:cNvSpPr>
-            <a:spLocks noGrp="1" noRot="1" noChangeAspect="1"/>
-          </p:cNvSpPr>
-          <p:nvPr>
-            <p:ph type="sldImg" idx="2"/>
-          </p:nvPr>
-        </p:nvSpPr>
-        <p:spPr>
-          <a:xfrm>
-            <a:off x="381000" y="685800"/>
-            <a:ext cx="6096000" cy="3429000"/>
-          </a:xfrm>
-          <a:custGeom>
-            <a:avLst/>
-            <a:gdLst/>
-            <a:ahLst/>
-            <a:cxnLst/>
-            <a:rect l="l" t="t" r="r" b="b"/>
-            <a:pathLst>
-              <a:path w="120000" h="120000" extrusionOk="0">
-                <a:moveTo>
-                  <a:pt x="0" y="0"/>
-                </a:moveTo>
-                <a:lnTo>
-                  <a:pt x="120000" y="0"/>
-                </a:lnTo>
-                <a:lnTo>
-                  <a:pt x="120000" y="120000"/>
-                </a:lnTo>
-                <a:lnTo>
-                  <a:pt x="0" y="120000"/>
-                </a:lnTo>
-                <a:close/>
-              </a:path>
-            </a:pathLst>
-          </a:custGeom>
-        </p:spPr>
-      </p:sp>
-      <p:sp>
-        <p:nvSpPr>
-          <p:cNvPr id="156" name="Google Shape;156;ge1d838b627_4_100:notes">
-            <a:extLst>
-              <a:ext uri="{FF2B5EF4-FFF2-40B4-BE49-F238E27FC236}">
-                <a16:creationId xmlns:a16="http://schemas.microsoft.com/office/drawing/2014/main" id="{7E27FC89-D2DC-7E1F-E052-72598E806C76}"/>
-              </a:ext>
-            </a:extLst>
-          </p:cNvPr>
-          <p:cNvSpPr txBox="1">
-            <a:spLocks noGrp="1"/>
-          </p:cNvSpPr>
-          <p:nvPr>
-            <p:ph type="body" idx="1"/>
-          </p:nvPr>
-        </p:nvSpPr>
-        <p:spPr>
-          <a:xfrm>
-            <a:off x="685800" y="4343400"/>
-            <a:ext cx="5486400" cy="4114800"/>
-          </a:xfrm>
-          <a:prstGeom prst="rect">
-            <a:avLst/>
-          </a:prstGeom>
-        </p:spPr>
-        <p:txBody>
-          <a:bodyPr spcFirstLastPara="1" wrap="square" lIns="91425" tIns="91425" rIns="91425" bIns="91425" anchor="t" anchorCtr="0">
-            <a:noAutofit/>
-          </a:bodyPr>
-          <a:lstStyle/>
-          <a:p>
-            <a:pPr marL="0" lvl="0" indent="0" algn="l" rtl="0">
-              <a:spcBef>
-                <a:spcPts val="0"/>
-              </a:spcBef>
-              <a:spcAft>
-                <a:spcPts val="0"/>
-              </a:spcAft>
-              <a:buNone/>
-            </a:pPr>
-            <a:endParaRPr dirty="0"/>
-          </a:p>
-        </p:txBody>
-      </p:sp>
-    </p:spTree>
-    <p:extLst>
-      <p:ext uri="{BB962C8B-B14F-4D97-AF65-F5344CB8AC3E}">
-        <p14:creationId xmlns:p14="http://schemas.microsoft.com/office/powerpoint/2010/main" val="2655301605"/>
       </p:ext>
     </p:extLst>
   </p:cSld>
@@ -6836,6 +6850,133 @@
         <p:cNvPr id="1" name="Shape 154">
           <a:extLst>
             <a:ext uri="{FF2B5EF4-FFF2-40B4-BE49-F238E27FC236}">
+              <a16:creationId xmlns:a16="http://schemas.microsoft.com/office/drawing/2014/main" id="{F520A944-A6F9-6988-C487-D26777AFFDEF}"/>
+            </a:ext>
+          </a:extLst>
+        </p:cNvPr>
+        <p:cNvGrpSpPr/>
+        <p:nvPr/>
+      </p:nvGrpSpPr>
+      <p:grpSpPr>
+        <a:xfrm>
+          <a:off x="0" y="0"/>
+          <a:ext cx="0" cy="0"/>
+          <a:chOff x="0" y="0"/>
+          <a:chExt cx="0" cy="0"/>
+        </a:xfrm>
+      </p:grpSpPr>
+      <p:sp>
+        <p:nvSpPr>
+          <p:cNvPr id="155" name="Google Shape;155;ge1d838b627_4_100:notes">
+            <a:extLst>
+              <a:ext uri="{FF2B5EF4-FFF2-40B4-BE49-F238E27FC236}">
+                <a16:creationId xmlns:a16="http://schemas.microsoft.com/office/drawing/2014/main" id="{949F9711-ED93-773F-E05F-677A3919954E}"/>
+              </a:ext>
+            </a:extLst>
+          </p:cNvPr>
+          <p:cNvSpPr>
+            <a:spLocks noGrp="1" noRot="1" noChangeAspect="1"/>
+          </p:cNvSpPr>
+          <p:nvPr>
+            <p:ph type="sldImg" idx="2"/>
+          </p:nvPr>
+        </p:nvSpPr>
+        <p:spPr>
+          <a:xfrm>
+            <a:off x="381000" y="685800"/>
+            <a:ext cx="6096000" cy="3429000"/>
+          </a:xfrm>
+          <a:custGeom>
+            <a:avLst/>
+            <a:gdLst/>
+            <a:ahLst/>
+            <a:cxnLst/>
+            <a:rect l="l" t="t" r="r" b="b"/>
+            <a:pathLst>
+              <a:path w="120000" h="120000" extrusionOk="0">
+                <a:moveTo>
+                  <a:pt x="0" y="0"/>
+                </a:moveTo>
+                <a:lnTo>
+                  <a:pt x="120000" y="0"/>
+                </a:lnTo>
+                <a:lnTo>
+                  <a:pt x="120000" y="120000"/>
+                </a:lnTo>
+                <a:lnTo>
+                  <a:pt x="0" y="120000"/>
+                </a:lnTo>
+                <a:close/>
+              </a:path>
+            </a:pathLst>
+          </a:custGeom>
+        </p:spPr>
+      </p:sp>
+      <p:sp>
+        <p:nvSpPr>
+          <p:cNvPr id="156" name="Google Shape;156;ge1d838b627_4_100:notes">
+            <a:extLst>
+              <a:ext uri="{FF2B5EF4-FFF2-40B4-BE49-F238E27FC236}">
+                <a16:creationId xmlns:a16="http://schemas.microsoft.com/office/drawing/2014/main" id="{7E27FC89-D2DC-7E1F-E052-72598E806C76}"/>
+              </a:ext>
+            </a:extLst>
+          </p:cNvPr>
+          <p:cNvSpPr txBox="1">
+            <a:spLocks noGrp="1"/>
+          </p:cNvSpPr>
+          <p:nvPr>
+            <p:ph type="body" idx="1"/>
+          </p:nvPr>
+        </p:nvSpPr>
+        <p:spPr>
+          <a:xfrm>
+            <a:off x="685800" y="4343400"/>
+            <a:ext cx="5486400" cy="4114800"/>
+          </a:xfrm>
+          <a:prstGeom prst="rect">
+            <a:avLst/>
+          </a:prstGeom>
+        </p:spPr>
+        <p:txBody>
+          <a:bodyPr spcFirstLastPara="1" wrap="square" lIns="91425" tIns="91425" rIns="91425" bIns="91425" anchor="t" anchorCtr="0">
+            <a:noAutofit/>
+          </a:bodyPr>
+          <a:lstStyle/>
+          <a:p>
+            <a:pPr marL="0" lvl="0" indent="0" algn="l" rtl="0">
+              <a:spcBef>
+                <a:spcPts val="0"/>
+              </a:spcBef>
+              <a:spcAft>
+                <a:spcPts val="0"/>
+              </a:spcAft>
+              <a:buNone/>
+            </a:pPr>
+            <a:endParaRPr dirty="0"/>
+          </a:p>
+        </p:txBody>
+      </p:sp>
+    </p:spTree>
+    <p:extLst>
+      <p:ext uri="{BB962C8B-B14F-4D97-AF65-F5344CB8AC3E}">
+        <p14:creationId xmlns:p14="http://schemas.microsoft.com/office/powerpoint/2010/main" val="2655301605"/>
+      </p:ext>
+    </p:extLst>
+  </p:cSld>
+  <p:clrMapOvr>
+    <a:masterClrMapping/>
+  </p:clrMapOvr>
+</p:notes>
+</file>
+
+<file path=ppt/notesSlides/notesSlide41.xml><?xml version="1.0" encoding="utf-8"?>
+<p:notes xmlns:a="http://schemas.openxmlformats.org/drawingml/2006/main" xmlns:r="http://schemas.openxmlformats.org/officeDocument/2006/relationships" xmlns:p="http://schemas.openxmlformats.org/presentationml/2006/main" showMasterSp="0" showMasterPhAnim="0">
+  <p:cSld>
+    <p:spTree>
+      <p:nvGrpSpPr>
+        <p:cNvPr id="1" name="Shape 154">
+          <a:extLst>
+            <a:ext uri="{FF2B5EF4-FFF2-40B4-BE49-F238E27FC236}">
               <a16:creationId xmlns:a16="http://schemas.microsoft.com/office/drawing/2014/main" id="{5FCFCA69-0B39-1272-5FA8-4ED1803C2146}"/>
             </a:ext>
           </a:extLst>
@@ -6955,7 +7096,7 @@
 </p:notes>
 </file>
 
-<file path=ppt/notesSlides/notesSlide41.xml><?xml version="1.0" encoding="utf-8"?>
+<file path=ppt/notesSlides/notesSlide42.xml><?xml version="1.0" encoding="utf-8"?>
 <p:notes xmlns:a="http://schemas.openxmlformats.org/drawingml/2006/main" xmlns:r="http://schemas.openxmlformats.org/officeDocument/2006/relationships" xmlns:p="http://schemas.openxmlformats.org/presentationml/2006/main" showMasterSp="0" showMasterPhAnim="0">
   <p:cSld>
     <p:spTree>
@@ -7082,7 +7223,7 @@
 </p:notes>
 </file>
 
-<file path=ppt/notesSlides/notesSlide42.xml><?xml version="1.0" encoding="utf-8"?>
+<file path=ppt/notesSlides/notesSlide43.xml><?xml version="1.0" encoding="utf-8"?>
 <p:notes xmlns:a="http://schemas.openxmlformats.org/drawingml/2006/main" xmlns:r="http://schemas.openxmlformats.org/officeDocument/2006/relationships" xmlns:p="http://schemas.openxmlformats.org/presentationml/2006/main" showMasterSp="0" showMasterPhAnim="0">
   <p:cSld>
     <p:spTree>
@@ -7209,7 +7350,7 @@
 </p:notes>
 </file>
 
-<file path=ppt/notesSlides/notesSlide43.xml><?xml version="1.0" encoding="utf-8"?>
+<file path=ppt/notesSlides/notesSlide44.xml><?xml version="1.0" encoding="utf-8"?>
 <p:notes xmlns:a="http://schemas.openxmlformats.org/drawingml/2006/main" xmlns:r="http://schemas.openxmlformats.org/officeDocument/2006/relationships" xmlns:p="http://schemas.openxmlformats.org/presentationml/2006/main" showMasterSp="0" showMasterPhAnim="0">
   <p:cSld>
     <p:spTree>
@@ -7336,7 +7477,7 @@
 </p:notes>
 </file>
 
-<file path=ppt/notesSlides/notesSlide44.xml><?xml version="1.0" encoding="utf-8"?>
+<file path=ppt/notesSlides/notesSlide45.xml><?xml version="1.0" encoding="utf-8"?>
 <p:notes xmlns:a="http://schemas.openxmlformats.org/drawingml/2006/main" xmlns:r="http://schemas.openxmlformats.org/officeDocument/2006/relationships" xmlns:p="http://schemas.openxmlformats.org/presentationml/2006/main" showMasterSp="0" showMasterPhAnim="0">
   <p:cSld>
     <p:spTree>
@@ -7463,7 +7604,7 @@
 </p:notes>
 </file>
 
-<file path=ppt/notesSlides/notesSlide45.xml><?xml version="1.0" encoding="utf-8"?>
+<file path=ppt/notesSlides/notesSlide46.xml><?xml version="1.0" encoding="utf-8"?>
 <p:notes xmlns:a="http://schemas.openxmlformats.org/drawingml/2006/main" xmlns:r="http://schemas.openxmlformats.org/officeDocument/2006/relationships" xmlns:p="http://schemas.openxmlformats.org/presentationml/2006/main" showMasterSp="0" showMasterPhAnim="0">
   <p:cSld>
     <p:spTree>
@@ -7590,7 +7731,7 @@
 </p:notes>
 </file>
 
-<file path=ppt/notesSlides/notesSlide46.xml><?xml version="1.0" encoding="utf-8"?>
+<file path=ppt/notesSlides/notesSlide47.xml><?xml version="1.0" encoding="utf-8"?>
 <p:notes xmlns:a="http://schemas.openxmlformats.org/drawingml/2006/main" xmlns:r="http://schemas.openxmlformats.org/officeDocument/2006/relationships" xmlns:p="http://schemas.openxmlformats.org/presentationml/2006/main" showMasterSp="0" showMasterPhAnim="0">
   <p:cSld>
     <p:spTree>
@@ -13489,13 +13630,8 @@
             </a:pPr>
             <a:r>
               <a:rPr lang="es" sz="1600" b="1" dirty="0"/>
-              <a:t>FAIR </a:t>
-            </a:r>
-            <a:r>
-              <a:rPr lang="es" sz="1600" b="1" err="1"/>
-              <a:t>Principles</a:t>
-            </a:r>
-            <a:endParaRPr lang="es" sz="1600" b="1"/>
+              <a:t>FAIR Principles</a:t>
+            </a:r>
           </a:p>
           <a:p>
             <a:pPr marL="285750" indent="-285750">
@@ -13556,60 +13692,12 @@
               <a:buChar char="•"/>
             </a:pPr>
             <a:r>
-              <a:rPr lang="es" sz="1600" err="1"/>
-              <a:t>Ensuring</a:t>
-            </a:r>
-            <a:r>
-              <a:rPr lang="es" sz="1600" dirty="0"/>
-              <a:t> </a:t>
-            </a:r>
-            <a:r>
-              <a:rPr lang="es" sz="1600" err="1"/>
-              <a:t>materials</a:t>
-            </a:r>
-            <a:r>
-              <a:rPr lang="es" sz="1600" dirty="0"/>
-              <a:t> are in open file </a:t>
-            </a:r>
-            <a:r>
-              <a:rPr lang="es" sz="1600" err="1"/>
-              <a:t>formats</a:t>
-            </a:r>
-            <a:r>
-              <a:rPr lang="es" sz="1600" dirty="0"/>
-              <a:t> </a:t>
-            </a:r>
-            <a:r>
-              <a:rPr lang="es" sz="1600" err="1"/>
-              <a:t>to</a:t>
-            </a:r>
-            <a:r>
-              <a:rPr lang="es" sz="1600" dirty="0"/>
-              <a:t> </a:t>
-            </a:r>
-            <a:r>
-              <a:rPr lang="es" sz="1600" err="1"/>
-              <a:t>enable</a:t>
-            </a:r>
-            <a:r>
-              <a:rPr lang="es" sz="1600" dirty="0"/>
-              <a:t> </a:t>
-            </a:r>
-            <a:r>
-              <a:rPr lang="es" sz="1600" err="1"/>
-              <a:t>openness</a:t>
-            </a:r>
-            <a:r>
-              <a:rPr lang="es" sz="1600" dirty="0"/>
-              <a:t>(</a:t>
-            </a:r>
-            <a:r>
-              <a:rPr lang="es" sz="1600" b="1" err="1"/>
-              <a:t>Accessible</a:t>
+              <a:rPr lang="es" sz="1600" dirty="0"/>
+              <a:t>Ensuring materials are in open file formats (</a:t>
             </a:r>
             <a:r>
               <a:rPr lang="es" sz="1600" b="1" dirty="0"/>
-              <a:t>, Interoperable</a:t>
+              <a:t>Accessible, Interoperable</a:t>
             </a:r>
             <a:r>
               <a:rPr lang="es" sz="1600" dirty="0"/>
@@ -13690,12 +13778,10 @@
             </a:r>
           </a:p>
           <a:p>
-            <a:pPr marL="285750" indent="-285750">
+            <a:pPr marL="0" indent="0">
               <a:lnSpc>
                 <a:spcPct val="150000"/>
               </a:lnSpc>
-              <a:buFont typeface="Arial"/>
-              <a:buChar char="•"/>
             </a:pPr>
             <a:endParaRPr lang="es" sz="1600" dirty="0"/>
           </a:p>
@@ -17229,6 +17315,169 @@
         <p:cNvPr id="1" name="Shape 157">
           <a:extLst>
             <a:ext uri="{FF2B5EF4-FFF2-40B4-BE49-F238E27FC236}">
+              <a16:creationId xmlns:a16="http://schemas.microsoft.com/office/drawing/2014/main" id="{1D7A74B5-3167-1267-2191-00AB41293E4F}"/>
+            </a:ext>
+          </a:extLst>
+        </p:cNvPr>
+        <p:cNvGrpSpPr/>
+        <p:nvPr/>
+      </p:nvGrpSpPr>
+      <p:grpSpPr>
+        <a:xfrm>
+          <a:off x="0" y="0"/>
+          <a:ext cx="0" cy="0"/>
+          <a:chOff x="0" y="0"/>
+          <a:chExt cx="0" cy="0"/>
+        </a:xfrm>
+      </p:grpSpPr>
+      <p:sp>
+        <p:nvSpPr>
+          <p:cNvPr id="158" name="Google Shape;158;p30">
+            <a:extLst>
+              <a:ext uri="{FF2B5EF4-FFF2-40B4-BE49-F238E27FC236}">
+                <a16:creationId xmlns:a16="http://schemas.microsoft.com/office/drawing/2014/main" id="{EDE1B9FE-63F4-DC1F-3015-94E46DD56934}"/>
+              </a:ext>
+            </a:extLst>
+          </p:cNvPr>
+          <p:cNvSpPr txBox="1">
+            <a:spLocks noGrp="1"/>
+          </p:cNvSpPr>
+          <p:nvPr>
+            <p:ph type="title" idx="6"/>
+          </p:nvPr>
+        </p:nvSpPr>
+        <p:spPr>
+          <a:xfrm>
+            <a:off x="710750" y="387250"/>
+            <a:ext cx="7779839" cy="711702"/>
+          </a:xfrm>
+          <a:prstGeom prst="rect">
+            <a:avLst/>
+          </a:prstGeom>
+        </p:spPr>
+        <p:txBody>
+          <a:bodyPr spcFirstLastPara="1" wrap="square" lIns="91425" tIns="91425" rIns="91425" bIns="91425" anchor="t" anchorCtr="0">
+            <a:noAutofit/>
+          </a:bodyPr>
+          <a:lstStyle/>
+          <a:p>
+            <a:r>
+              <a:rPr lang="es" dirty="0"/>
+              <a:t>.</a:t>
+            </a:r>
+            <a:r>
+              <a:rPr lang="es" dirty="0" err="1"/>
+              <a:t>csv</a:t>
+            </a:r>
+            <a:r>
+              <a:rPr lang="es" dirty="0"/>
+              <a:t> Files</a:t>
+            </a:r>
+          </a:p>
+        </p:txBody>
+      </p:sp>
+      <p:cxnSp>
+        <p:nvCxnSpPr>
+          <p:cNvPr id="166" name="Google Shape;166;p30">
+            <a:extLst>
+              <a:ext uri="{FF2B5EF4-FFF2-40B4-BE49-F238E27FC236}">
+                <a16:creationId xmlns:a16="http://schemas.microsoft.com/office/drawing/2014/main" id="{CFFEDD6D-B638-158A-ABB2-E9C94392CEA7}"/>
+              </a:ext>
+            </a:extLst>
+          </p:cNvPr>
+          <p:cNvCxnSpPr>
+            <a:cxnSpLocks/>
+          </p:cNvCxnSpPr>
+          <p:nvPr/>
+        </p:nvCxnSpPr>
+        <p:spPr>
+          <a:xfrm>
+            <a:off x="812499" y="1045726"/>
+            <a:ext cx="5239958" cy="0"/>
+          </a:xfrm>
+          <a:prstGeom prst="straightConnector1">
+            <a:avLst/>
+          </a:prstGeom>
+          <a:noFill/>
+          <a:ln w="19050" cap="flat" cmpd="sng">
+            <a:solidFill>
+              <a:schemeClr val="dk1"/>
+            </a:solidFill>
+            <a:prstDash val="solid"/>
+            <a:round/>
+            <a:headEnd type="none" w="med" len="med"/>
+            <a:tailEnd type="none" w="med" len="med"/>
+          </a:ln>
+        </p:spPr>
+      </p:cxnSp>
+      <p:pic>
+        <p:nvPicPr>
+          <p:cNvPr id="2" name="Picture 2" descr="Open CSV File and Chart CSV Data - Peltier Tech">
+            <a:extLst>
+              <a:ext uri="{FF2B5EF4-FFF2-40B4-BE49-F238E27FC236}">
+                <a16:creationId xmlns:a16="http://schemas.microsoft.com/office/drawing/2014/main" id="{A636A3FC-A3C7-71C7-D329-F5E09C0CDD3E}"/>
+              </a:ext>
+            </a:extLst>
+          </p:cNvPr>
+          <p:cNvPicPr>
+            <a:picLocks noChangeAspect="1" noChangeArrowheads="1"/>
+          </p:cNvPicPr>
+          <p:nvPr/>
+        </p:nvPicPr>
+        <p:blipFill>
+          <a:blip r:embed="rId3">
+            <a:extLst>
+              <a:ext uri="{28A0092B-C50C-407E-A947-70E740481C1C}">
+                <a14:useLocalDpi xmlns:a14="http://schemas.microsoft.com/office/drawing/2010/main" val="0"/>
+              </a:ext>
+            </a:extLst>
+          </a:blip>
+          <a:srcRect/>
+          <a:stretch>
+            <a:fillRect/>
+          </a:stretch>
+        </p:blipFill>
+        <p:spPr bwMode="auto">
+          <a:xfrm>
+            <a:off x="2110522" y="1246815"/>
+            <a:ext cx="4762225" cy="3599101"/>
+          </a:xfrm>
+          <a:prstGeom prst="rect">
+            <a:avLst/>
+          </a:prstGeom>
+          <a:noFill/>
+          <a:extLst>
+            <a:ext uri="{909E8E84-426E-40DD-AFC4-6F175D3DCCD1}">
+              <a14:hiddenFill xmlns:a14="http://schemas.microsoft.com/office/drawing/2010/main">
+                <a:solidFill>
+                  <a:srgbClr val="FFFFFF"/>
+                </a:solidFill>
+              </a14:hiddenFill>
+            </a:ext>
+          </a:extLst>
+        </p:spPr>
+      </p:pic>
+    </p:spTree>
+    <p:extLst>
+      <p:ext uri="{BB962C8B-B14F-4D97-AF65-F5344CB8AC3E}">
+        <p14:creationId xmlns:p14="http://schemas.microsoft.com/office/powerpoint/2010/main" val="3052033162"/>
+      </p:ext>
+    </p:extLst>
+  </p:cSld>
+  <p:clrMapOvr>
+    <a:masterClrMapping/>
+  </p:clrMapOvr>
+</p:sld>
+</file>
+
+<file path=ppt/slides/slide25.xml><?xml version="1.0" encoding="utf-8"?>
+<p:sld xmlns:a="http://schemas.openxmlformats.org/drawingml/2006/main" xmlns:r="http://schemas.openxmlformats.org/officeDocument/2006/relationships" xmlns:p="http://schemas.openxmlformats.org/presentationml/2006/main">
+  <p:cSld>
+    <p:spTree>
+      <p:nvGrpSpPr>
+        <p:cNvPr id="1" name="Shape 157">
+          <a:extLst>
+            <a:ext uri="{FF2B5EF4-FFF2-40B4-BE49-F238E27FC236}">
               <a16:creationId xmlns:a16="http://schemas.microsoft.com/office/drawing/2014/main" id="{40270116-6159-D058-FB79-5B178E5558F1}"/>
             </a:ext>
           </a:extLst>
@@ -17676,156 +17925,8 @@
               <a:buChar char="•"/>
             </a:pPr>
             <a:r>
-              <a:rPr lang="es" sz="1800" dirty="0" err="1"/>
-              <a:t>While</a:t>
-            </a:r>
-            <a:r>
               <a:rPr lang="es" sz="1800" dirty="0"/>
-              <a:t> </a:t>
-            </a:r>
-            <a:r>
-              <a:rPr lang="es" sz="1800" dirty="0" err="1"/>
-              <a:t>it</a:t>
-            </a:r>
-            <a:r>
-              <a:rPr lang="es" sz="1800" dirty="0"/>
-              <a:t> </a:t>
-            </a:r>
-            <a:r>
-              <a:rPr lang="es" sz="1800" dirty="0" err="1"/>
-              <a:t>is</a:t>
-            </a:r>
-            <a:r>
-              <a:rPr lang="es" sz="1800" dirty="0"/>
-              <a:t> </a:t>
-            </a:r>
-            <a:r>
-              <a:rPr lang="es" sz="1800" dirty="0" err="1"/>
-              <a:t>possible</a:t>
-            </a:r>
-            <a:r>
-              <a:rPr lang="es" sz="1800" dirty="0"/>
-              <a:t> </a:t>
-            </a:r>
-            <a:r>
-              <a:rPr lang="es" sz="1800" dirty="0" err="1"/>
-              <a:t>to</a:t>
-            </a:r>
-            <a:r>
-              <a:rPr lang="es" sz="1800" dirty="0"/>
-              <a:t> </a:t>
-            </a:r>
-            <a:r>
-              <a:rPr lang="es" sz="1800" dirty="0" err="1"/>
-              <a:t>handle</a:t>
-            </a:r>
-            <a:r>
-              <a:rPr lang="es" sz="1800" dirty="0"/>
-              <a:t> Excel files in </a:t>
-            </a:r>
-            <a:r>
-              <a:rPr lang="es" sz="1800" dirty="0" err="1"/>
-              <a:t>coding</a:t>
-            </a:r>
-            <a:r>
-              <a:rPr lang="es" sz="1800" dirty="0"/>
-              <a:t> </a:t>
-            </a:r>
-            <a:r>
-              <a:rPr lang="es" sz="1800" dirty="0" err="1"/>
-              <a:t>languages</a:t>
-            </a:r>
-            <a:r>
-              <a:rPr lang="es" sz="1800" dirty="0"/>
-              <a:t> </a:t>
-            </a:r>
-            <a:r>
-              <a:rPr lang="es" sz="1800" dirty="0" err="1"/>
-              <a:t>like</a:t>
-            </a:r>
-            <a:r>
-              <a:rPr lang="es" sz="1800" dirty="0"/>
-              <a:t> R and </a:t>
-            </a:r>
-            <a:r>
-              <a:rPr lang="es" sz="1800" dirty="0" err="1"/>
-              <a:t>Pythong</a:t>
-            </a:r>
-            <a:r>
-              <a:rPr lang="es" sz="1800" dirty="0"/>
-              <a:t>, .</a:t>
-            </a:r>
-            <a:r>
-              <a:rPr lang="es" sz="1800" dirty="0" err="1"/>
-              <a:t>csv</a:t>
-            </a:r>
-            <a:r>
-              <a:rPr lang="es" sz="1800" dirty="0"/>
-              <a:t> files are </a:t>
-            </a:r>
-            <a:r>
-              <a:rPr lang="es" sz="1800" dirty="0" err="1"/>
-              <a:t>generally</a:t>
-            </a:r>
-            <a:r>
-              <a:rPr lang="es" sz="1800" dirty="0"/>
-              <a:t> </a:t>
-            </a:r>
-            <a:r>
-              <a:rPr lang="es" sz="1800" dirty="0" err="1"/>
-              <a:t>the</a:t>
-            </a:r>
-            <a:r>
-              <a:rPr lang="es" sz="1800" dirty="0"/>
-              <a:t> </a:t>
-            </a:r>
-            <a:r>
-              <a:rPr lang="es" sz="1800" dirty="0" err="1"/>
-              <a:t>preferred</a:t>
-            </a:r>
-            <a:r>
-              <a:rPr lang="es" sz="1800" dirty="0"/>
-              <a:t> </a:t>
-            </a:r>
-            <a:r>
-              <a:rPr lang="es" sz="1800" dirty="0" err="1"/>
-              <a:t>format</a:t>
-            </a:r>
-            <a:r>
-              <a:rPr lang="es" sz="1800" dirty="0"/>
-              <a:t> </a:t>
-            </a:r>
-            <a:r>
-              <a:rPr lang="es" sz="1800" dirty="0" err="1"/>
-              <a:t>due</a:t>
-            </a:r>
-            <a:r>
-              <a:rPr lang="es" sz="1800" dirty="0"/>
-              <a:t> </a:t>
-            </a:r>
-            <a:r>
-              <a:rPr lang="es" sz="1800" dirty="0" err="1"/>
-              <a:t>to</a:t>
-            </a:r>
-            <a:r>
-              <a:rPr lang="es" sz="1800" dirty="0"/>
-              <a:t> </a:t>
-            </a:r>
-            <a:r>
-              <a:rPr lang="es" sz="1800" dirty="0" err="1"/>
-              <a:t>their</a:t>
-            </a:r>
-            <a:r>
-              <a:rPr lang="es" sz="1800" dirty="0"/>
-              <a:t> open and simple </a:t>
-            </a:r>
-            <a:r>
-              <a:rPr lang="es" sz="1800" dirty="0" err="1"/>
-              <a:t>nature</a:t>
-            </a:r>
-            <a:r>
-              <a:rPr lang="es" sz="1800" dirty="0"/>
-              <a:t>.</a:t>
+              <a:t>While it is possible to handle Excel files in coding languages like R and Python, .csv files are generally the preferred format due to their open and simple nature.</a:t>
             </a:r>
           </a:p>
           <a:p>
@@ -17916,7 +18017,7 @@
 </p:sld>
 </file>
 
-<file path=ppt/slides/slide25.xml><?xml version="1.0" encoding="utf-8"?>
+<file path=ppt/slides/slide26.xml><?xml version="1.0" encoding="utf-8"?>
 <p:sld xmlns:a="http://schemas.openxmlformats.org/drawingml/2006/main" xmlns:r="http://schemas.openxmlformats.org/officeDocument/2006/relationships" xmlns:p="http://schemas.openxmlformats.org/presentationml/2006/main">
   <p:cSld>
     <p:spTree>
@@ -18396,7 +18497,7 @@
 </p:sld>
 </file>
 
-<file path=ppt/slides/slide26.xml><?xml version="1.0" encoding="utf-8"?>
+<file path=ppt/slides/slide27.xml><?xml version="1.0" encoding="utf-8"?>
 <p:sld xmlns:a="http://schemas.openxmlformats.org/drawingml/2006/main" xmlns:r="http://schemas.openxmlformats.org/officeDocument/2006/relationships" xmlns:p="http://schemas.openxmlformats.org/presentationml/2006/main">
   <p:cSld>
     <p:spTree>
@@ -18531,14 +18632,14 @@
           <p:nvPr>
             <p:extLst>
               <p:ext uri="{D42A27DB-BD31-4B8C-83A1-F6EECF244321}">
-                <p14:modId xmlns:p14="http://schemas.microsoft.com/office/powerpoint/2010/main" val="3633346631"/>
+                <p14:modId xmlns:p14="http://schemas.microsoft.com/office/powerpoint/2010/main" val="963497622"/>
               </p:ext>
             </p:extLst>
           </p:nvPr>
         </p:nvGraphicFramePr>
         <p:xfrm>
-          <a:off x="1488056" y="1111074"/>
-          <a:ext cx="6178796" cy="3547555"/>
+          <a:off x="1140542" y="1111074"/>
+          <a:ext cx="6526311" cy="3547555"/>
         </p:xfrm>
         <a:graphic>
           <a:graphicData uri="http://schemas.openxmlformats.org/drawingml/2006/table">
@@ -18547,28 +18648,28 @@
                 <a:tableStyleId>{F4D96701-E8FE-463B-87FB-9BB30AE51F1A}</a:tableStyleId>
               </a:tblPr>
               <a:tblGrid>
-                <a:gridCol w="1479682">
+                <a:gridCol w="1562904">
                   <a:extLst>
                     <a:ext uri="{9D8B030D-6E8A-4147-A177-3AD203B41FA5}">
                       <a16:colId xmlns:a16="http://schemas.microsoft.com/office/drawing/2014/main" val="3285619433"/>
                     </a:ext>
                   </a:extLst>
                 </a:gridCol>
-                <a:gridCol w="1817914">
+                <a:gridCol w="1920159">
                   <a:extLst>
                     <a:ext uri="{9D8B030D-6E8A-4147-A177-3AD203B41FA5}">
                       <a16:colId xmlns:a16="http://schemas.microsoft.com/office/drawing/2014/main" val="1685201688"/>
                     </a:ext>
                   </a:extLst>
                 </a:gridCol>
-                <a:gridCol w="1336500">
+                <a:gridCol w="1411669">
                   <a:extLst>
                     <a:ext uri="{9D8B030D-6E8A-4147-A177-3AD203B41FA5}">
                       <a16:colId xmlns:a16="http://schemas.microsoft.com/office/drawing/2014/main" val="4094457387"/>
                     </a:ext>
                   </a:extLst>
                 </a:gridCol>
-                <a:gridCol w="1544700">
+                <a:gridCol w="1631579">
                   <a:extLst>
                     <a:ext uri="{9D8B030D-6E8A-4147-A177-3AD203B41FA5}">
                       <a16:colId xmlns:a16="http://schemas.microsoft.com/office/drawing/2014/main" val="3742916496"/>
@@ -18589,16 +18690,16 @@
                         <a:buNone/>
                       </a:pPr>
                       <a:r>
-                        <a:rPr lang="en-US" sz="1400" b="1">
+                        <a:rPr lang="en-US" sz="1400" b="1" dirty="0">
                           <a:solidFill>
                             <a:srgbClr val="FFFFFF"/>
                           </a:solidFill>
                           <a:effectLst/>
                           <a:latin typeface="Arial" panose="020B0604020202020204" pitchFamily="34" charset="0"/>
                         </a:rPr>
-                        <a:t>Original value/format</a:t>
+                        <a:t>Original value/ format</a:t>
                       </a:r>
-                      <a:endParaRPr lang="en-US" b="1">
+                      <a:endParaRPr lang="en-US" b="1" dirty="0">
                         <a:solidFill>
                           <a:srgbClr val="FFFFFF"/>
                         </a:solidFill>
@@ -19093,7 +19194,7 @@
                         <a:buNone/>
                       </a:pPr>
                       <a:r>
-                        <a:rPr lang="en-US" sz="1200">
+                        <a:rPr lang="en-US" sz="1200" dirty="0">
                           <a:solidFill>
                             <a:srgbClr val="002060"/>
                           </a:solidFill>
@@ -19102,7 +19203,7 @@
                         </a:rPr>
                         <a:t>Treated as a whole number</a:t>
                       </a:r>
-                      <a:endParaRPr lang="en-US">
+                      <a:endParaRPr lang="en-US" dirty="0">
                         <a:solidFill>
                           <a:srgbClr val="1A9988"/>
                         </a:solidFill>
@@ -20551,7 +20652,7 @@
                         <a:buNone/>
                       </a:pPr>
                       <a:r>
-                        <a:rPr lang="en-US" sz="1200">
+                        <a:rPr lang="en-US" sz="1200" dirty="0">
                           <a:solidFill>
                             <a:srgbClr val="002060"/>
                           </a:solidFill>
@@ -20560,7 +20661,7 @@
                         </a:rPr>
                         <a:t>Precision limits</a:t>
                       </a:r>
-                      <a:endParaRPr lang="en-US">
+                      <a:endParaRPr lang="en-US" dirty="0">
                         <a:solidFill>
                           <a:srgbClr val="1A9988"/>
                         </a:solidFill>
@@ -20633,7 +20734,7 @@
 </p:sld>
 </file>
 
-<file path=ppt/slides/slide27.xml><?xml version="1.0" encoding="utf-8"?>
+<file path=ppt/slides/slide28.xml><?xml version="1.0" encoding="utf-8"?>
 <p:sld xmlns:a="http://schemas.openxmlformats.org/drawingml/2006/main" xmlns:r="http://schemas.openxmlformats.org/officeDocument/2006/relationships" xmlns:p="http://schemas.openxmlformats.org/presentationml/2006/main">
   <p:cSld>
     <p:spTree>
@@ -20808,7 +20909,7 @@
 </p:sld>
 </file>
 
-<file path=ppt/slides/slide28.xml><?xml version="1.0" encoding="utf-8"?>
+<file path=ppt/slides/slide29.xml><?xml version="1.0" encoding="utf-8"?>
 <p:sld xmlns:a="http://schemas.openxmlformats.org/drawingml/2006/main" xmlns:r="http://schemas.openxmlformats.org/officeDocument/2006/relationships" xmlns:p="http://schemas.openxmlformats.org/presentationml/2006/main">
   <p:cSld>
     <p:spTree>
@@ -21251,197 +21352,6 @@
     <p:extLst>
       <p:ext uri="{BB962C8B-B14F-4D97-AF65-F5344CB8AC3E}">
         <p14:creationId xmlns:p14="http://schemas.microsoft.com/office/powerpoint/2010/main" val="3399144286"/>
-      </p:ext>
-    </p:extLst>
-  </p:cSld>
-  <p:clrMapOvr>
-    <a:masterClrMapping/>
-  </p:clrMapOvr>
-</p:sld>
-</file>
-
-<file path=ppt/slides/slide29.xml><?xml version="1.0" encoding="utf-8"?>
-<p:sld xmlns:a="http://schemas.openxmlformats.org/drawingml/2006/main" xmlns:r="http://schemas.openxmlformats.org/officeDocument/2006/relationships" xmlns:p="http://schemas.openxmlformats.org/presentationml/2006/main">
-  <p:cSld>
-    <p:spTree>
-      <p:nvGrpSpPr>
-        <p:cNvPr id="1" name="Shape 157">
-          <a:extLst>
-            <a:ext uri="{FF2B5EF4-FFF2-40B4-BE49-F238E27FC236}">
-              <a16:creationId xmlns:a16="http://schemas.microsoft.com/office/drawing/2014/main" id="{0A8AC226-BC57-6BA5-91F9-D65FC9BC4F75}"/>
-            </a:ext>
-          </a:extLst>
-        </p:cNvPr>
-        <p:cNvGrpSpPr/>
-        <p:nvPr/>
-      </p:nvGrpSpPr>
-      <p:grpSpPr>
-        <a:xfrm>
-          <a:off x="0" y="0"/>
-          <a:ext cx="0" cy="0"/>
-          <a:chOff x="0" y="0"/>
-          <a:chExt cx="0" cy="0"/>
-        </a:xfrm>
-      </p:grpSpPr>
-      <p:sp>
-        <p:nvSpPr>
-          <p:cNvPr id="158" name="Google Shape;158;p30">
-            <a:extLst>
-              <a:ext uri="{FF2B5EF4-FFF2-40B4-BE49-F238E27FC236}">
-                <a16:creationId xmlns:a16="http://schemas.microsoft.com/office/drawing/2014/main" id="{C16B7E38-02E2-EAB0-C195-312F56A5FA5E}"/>
-              </a:ext>
-            </a:extLst>
-          </p:cNvPr>
-          <p:cNvSpPr txBox="1">
-            <a:spLocks noGrp="1"/>
-          </p:cNvSpPr>
-          <p:nvPr>
-            <p:ph type="title" idx="6"/>
-          </p:nvPr>
-        </p:nvSpPr>
-        <p:spPr>
-          <a:xfrm>
-            <a:off x="710750" y="387250"/>
-            <a:ext cx="7779839" cy="711702"/>
-          </a:xfrm>
-          <a:prstGeom prst="rect">
-            <a:avLst/>
-          </a:prstGeom>
-        </p:spPr>
-        <p:txBody>
-          <a:bodyPr spcFirstLastPara="1" wrap="square" lIns="91425" tIns="91425" rIns="91425" bIns="91425" anchor="t" anchorCtr="0">
-            <a:noAutofit/>
-          </a:bodyPr>
-          <a:lstStyle/>
-          <a:p>
-            <a:r>
-              <a:rPr lang="es" dirty="0"/>
-              <a:t>Literate </a:t>
-            </a:r>
-            <a:r>
-              <a:rPr lang="es" dirty="0" err="1"/>
-              <a:t>Programming</a:t>
-            </a:r>
-            <a:endParaRPr lang="en-US" dirty="0"/>
-          </a:p>
-        </p:txBody>
-      </p:sp>
-      <p:sp>
-        <p:nvSpPr>
-          <p:cNvPr id="162" name="Google Shape;162;p30">
-            <a:extLst>
-              <a:ext uri="{FF2B5EF4-FFF2-40B4-BE49-F238E27FC236}">
-                <a16:creationId xmlns:a16="http://schemas.microsoft.com/office/drawing/2014/main" id="{A4A30B66-52EC-DA9A-7D1B-0575A4DA9105}"/>
-              </a:ext>
-            </a:extLst>
-          </p:cNvPr>
-          <p:cNvSpPr txBox="1">
-            <a:spLocks noGrp="1"/>
-          </p:cNvSpPr>
-          <p:nvPr>
-            <p:ph type="subTitle" idx="3"/>
-          </p:nvPr>
-        </p:nvSpPr>
-        <p:spPr>
-          <a:xfrm>
-            <a:off x="710749" y="1283957"/>
-            <a:ext cx="7350370" cy="3096454"/>
-          </a:xfrm>
-          <a:prstGeom prst="rect">
-            <a:avLst/>
-          </a:prstGeom>
-        </p:spPr>
-        <p:txBody>
-          <a:bodyPr spcFirstLastPara="1" wrap="square" lIns="91425" tIns="91425" rIns="91425" bIns="91425" anchor="t" anchorCtr="0">
-            <a:noAutofit/>
-          </a:bodyPr>
-          <a:lstStyle/>
-          <a:p>
-            <a:pPr marL="457200" lvl="1" indent="0"/>
-            <a:endParaRPr lang="es" sz="1600" dirty="0"/>
-          </a:p>
-          <a:p>
-            <a:pPr marL="285750" indent="-285750">
-              <a:buFont typeface="Arial" panose="020B0604020202020204" pitchFamily="34" charset="0"/>
-              <a:buChar char="•"/>
-            </a:pPr>
-            <a:r>
-              <a:rPr lang="es" sz="1600" dirty="0"/>
-              <a:t>Scripting was just referenced as instructions for a coding language/computer to perform, which is true, but a big focus of this series is making our work reproducible, which needs to include a second element of </a:t>
-            </a:r>
-            <a:r>
-              <a:rPr lang="es" sz="1600" b="1" dirty="0"/>
-              <a:t>instructions for humans to interpret.</a:t>
-            </a:r>
-          </a:p>
-          <a:p>
-            <a:pPr marL="285750" indent="-285750">
-              <a:buFont typeface="Arial" panose="020B0604020202020204" pitchFamily="34" charset="0"/>
-              <a:buChar char="•"/>
-            </a:pPr>
-            <a:endParaRPr lang="es" dirty="0"/>
-          </a:p>
-          <a:p>
-            <a:pPr marL="285750" indent="-285750">
-              <a:buFont typeface="Arial" panose="020B0604020202020204" pitchFamily="34" charset="0"/>
-              <a:buChar char="•"/>
-            </a:pPr>
-            <a:endParaRPr lang="es" dirty="0"/>
-          </a:p>
-          <a:p>
-            <a:pPr marL="285750" indent="-285750">
-              <a:buFont typeface="Arial" panose="020B0604020202020204" pitchFamily="34" charset="0"/>
-              <a:buChar char="•"/>
-            </a:pPr>
-            <a:endParaRPr lang="es" dirty="0"/>
-          </a:p>
-          <a:p>
-            <a:pPr marL="285750" indent="-285750">
-              <a:buFont typeface="Arial" panose="020B0604020202020204" pitchFamily="34" charset="0"/>
-              <a:buChar char="•"/>
-            </a:pPr>
-            <a:endParaRPr lang="es" dirty="0"/>
-          </a:p>
-        </p:txBody>
-      </p:sp>
-      <p:cxnSp>
-        <p:nvCxnSpPr>
-          <p:cNvPr id="166" name="Google Shape;166;p30">
-            <a:extLst>
-              <a:ext uri="{FF2B5EF4-FFF2-40B4-BE49-F238E27FC236}">
-                <a16:creationId xmlns:a16="http://schemas.microsoft.com/office/drawing/2014/main" id="{093C4D54-13D6-7FDC-017F-64101238A12F}"/>
-              </a:ext>
-            </a:extLst>
-          </p:cNvPr>
-          <p:cNvCxnSpPr>
-            <a:cxnSpLocks/>
-          </p:cNvCxnSpPr>
-          <p:nvPr/>
-        </p:nvCxnSpPr>
-        <p:spPr>
-          <a:xfrm>
-            <a:off x="812499" y="1045726"/>
-            <a:ext cx="6436873" cy="0"/>
-          </a:xfrm>
-          <a:prstGeom prst="straightConnector1">
-            <a:avLst/>
-          </a:prstGeom>
-          <a:noFill/>
-          <a:ln w="19050" cap="flat" cmpd="sng">
-            <a:solidFill>
-              <a:schemeClr val="dk1"/>
-            </a:solidFill>
-            <a:prstDash val="solid"/>
-            <a:round/>
-            <a:headEnd type="none" w="med" len="med"/>
-            <a:tailEnd type="none" w="med" len="med"/>
-          </a:ln>
-        </p:spPr>
-      </p:cxnSp>
-    </p:spTree>
-    <p:extLst>
-      <p:ext uri="{BB962C8B-B14F-4D97-AF65-F5344CB8AC3E}">
-        <p14:creationId xmlns:p14="http://schemas.microsoft.com/office/powerpoint/2010/main" val="3996324298"/>
       </p:ext>
     </p:extLst>
   </p:cSld>
@@ -21613,6 +21523,197 @@
         <p:cNvPr id="1" name="Shape 157">
           <a:extLst>
             <a:ext uri="{FF2B5EF4-FFF2-40B4-BE49-F238E27FC236}">
+              <a16:creationId xmlns:a16="http://schemas.microsoft.com/office/drawing/2014/main" id="{0A8AC226-BC57-6BA5-91F9-D65FC9BC4F75}"/>
+            </a:ext>
+          </a:extLst>
+        </p:cNvPr>
+        <p:cNvGrpSpPr/>
+        <p:nvPr/>
+      </p:nvGrpSpPr>
+      <p:grpSpPr>
+        <a:xfrm>
+          <a:off x="0" y="0"/>
+          <a:ext cx="0" cy="0"/>
+          <a:chOff x="0" y="0"/>
+          <a:chExt cx="0" cy="0"/>
+        </a:xfrm>
+      </p:grpSpPr>
+      <p:sp>
+        <p:nvSpPr>
+          <p:cNvPr id="158" name="Google Shape;158;p30">
+            <a:extLst>
+              <a:ext uri="{FF2B5EF4-FFF2-40B4-BE49-F238E27FC236}">
+                <a16:creationId xmlns:a16="http://schemas.microsoft.com/office/drawing/2014/main" id="{C16B7E38-02E2-EAB0-C195-312F56A5FA5E}"/>
+              </a:ext>
+            </a:extLst>
+          </p:cNvPr>
+          <p:cNvSpPr txBox="1">
+            <a:spLocks noGrp="1"/>
+          </p:cNvSpPr>
+          <p:nvPr>
+            <p:ph type="title" idx="6"/>
+          </p:nvPr>
+        </p:nvSpPr>
+        <p:spPr>
+          <a:xfrm>
+            <a:off x="710750" y="387250"/>
+            <a:ext cx="7779839" cy="711702"/>
+          </a:xfrm>
+          <a:prstGeom prst="rect">
+            <a:avLst/>
+          </a:prstGeom>
+        </p:spPr>
+        <p:txBody>
+          <a:bodyPr spcFirstLastPara="1" wrap="square" lIns="91425" tIns="91425" rIns="91425" bIns="91425" anchor="t" anchorCtr="0">
+            <a:noAutofit/>
+          </a:bodyPr>
+          <a:lstStyle/>
+          <a:p>
+            <a:r>
+              <a:rPr lang="es" dirty="0"/>
+              <a:t>Literate </a:t>
+            </a:r>
+            <a:r>
+              <a:rPr lang="es" dirty="0" err="1"/>
+              <a:t>Programming</a:t>
+            </a:r>
+            <a:endParaRPr lang="en-US" dirty="0"/>
+          </a:p>
+        </p:txBody>
+      </p:sp>
+      <p:sp>
+        <p:nvSpPr>
+          <p:cNvPr id="162" name="Google Shape;162;p30">
+            <a:extLst>
+              <a:ext uri="{FF2B5EF4-FFF2-40B4-BE49-F238E27FC236}">
+                <a16:creationId xmlns:a16="http://schemas.microsoft.com/office/drawing/2014/main" id="{A4A30B66-52EC-DA9A-7D1B-0575A4DA9105}"/>
+              </a:ext>
+            </a:extLst>
+          </p:cNvPr>
+          <p:cNvSpPr txBox="1">
+            <a:spLocks noGrp="1"/>
+          </p:cNvSpPr>
+          <p:nvPr>
+            <p:ph type="subTitle" idx="3"/>
+          </p:nvPr>
+        </p:nvSpPr>
+        <p:spPr>
+          <a:xfrm>
+            <a:off x="710749" y="1283957"/>
+            <a:ext cx="7350370" cy="3096454"/>
+          </a:xfrm>
+          <a:prstGeom prst="rect">
+            <a:avLst/>
+          </a:prstGeom>
+        </p:spPr>
+        <p:txBody>
+          <a:bodyPr spcFirstLastPara="1" wrap="square" lIns="91425" tIns="91425" rIns="91425" bIns="91425" anchor="t" anchorCtr="0">
+            <a:noAutofit/>
+          </a:bodyPr>
+          <a:lstStyle/>
+          <a:p>
+            <a:pPr marL="457200" lvl="1" indent="0"/>
+            <a:endParaRPr lang="es" sz="1600" dirty="0"/>
+          </a:p>
+          <a:p>
+            <a:pPr marL="285750" indent="-285750">
+              <a:buFont typeface="Arial" panose="020B0604020202020204" pitchFamily="34" charset="0"/>
+              <a:buChar char="•"/>
+            </a:pPr>
+            <a:r>
+              <a:rPr lang="es" sz="1600" dirty="0"/>
+              <a:t>Scripting was just referenced as instructions for a coding language/computer to perform, which is true, but a big focus of this series is making our work reproducible, which needs to include a second element of </a:t>
+            </a:r>
+            <a:r>
+              <a:rPr lang="es" sz="1600" b="1" dirty="0"/>
+              <a:t>instructions for humans to interpret.</a:t>
+            </a:r>
+          </a:p>
+          <a:p>
+            <a:pPr marL="285750" indent="-285750">
+              <a:buFont typeface="Arial" panose="020B0604020202020204" pitchFamily="34" charset="0"/>
+              <a:buChar char="•"/>
+            </a:pPr>
+            <a:endParaRPr lang="es" dirty="0"/>
+          </a:p>
+          <a:p>
+            <a:pPr marL="285750" indent="-285750">
+              <a:buFont typeface="Arial" panose="020B0604020202020204" pitchFamily="34" charset="0"/>
+              <a:buChar char="•"/>
+            </a:pPr>
+            <a:endParaRPr lang="es" dirty="0"/>
+          </a:p>
+          <a:p>
+            <a:pPr marL="285750" indent="-285750">
+              <a:buFont typeface="Arial" panose="020B0604020202020204" pitchFamily="34" charset="0"/>
+              <a:buChar char="•"/>
+            </a:pPr>
+            <a:endParaRPr lang="es" dirty="0"/>
+          </a:p>
+          <a:p>
+            <a:pPr marL="285750" indent="-285750">
+              <a:buFont typeface="Arial" panose="020B0604020202020204" pitchFamily="34" charset="0"/>
+              <a:buChar char="•"/>
+            </a:pPr>
+            <a:endParaRPr lang="es" dirty="0"/>
+          </a:p>
+        </p:txBody>
+      </p:sp>
+      <p:cxnSp>
+        <p:nvCxnSpPr>
+          <p:cNvPr id="166" name="Google Shape;166;p30">
+            <a:extLst>
+              <a:ext uri="{FF2B5EF4-FFF2-40B4-BE49-F238E27FC236}">
+                <a16:creationId xmlns:a16="http://schemas.microsoft.com/office/drawing/2014/main" id="{093C4D54-13D6-7FDC-017F-64101238A12F}"/>
+              </a:ext>
+            </a:extLst>
+          </p:cNvPr>
+          <p:cNvCxnSpPr>
+            <a:cxnSpLocks/>
+          </p:cNvCxnSpPr>
+          <p:nvPr/>
+        </p:nvCxnSpPr>
+        <p:spPr>
+          <a:xfrm>
+            <a:off x="812499" y="1045726"/>
+            <a:ext cx="6436873" cy="0"/>
+          </a:xfrm>
+          <a:prstGeom prst="straightConnector1">
+            <a:avLst/>
+          </a:prstGeom>
+          <a:noFill/>
+          <a:ln w="19050" cap="flat" cmpd="sng">
+            <a:solidFill>
+              <a:schemeClr val="dk1"/>
+            </a:solidFill>
+            <a:prstDash val="solid"/>
+            <a:round/>
+            <a:headEnd type="none" w="med" len="med"/>
+            <a:tailEnd type="none" w="med" len="med"/>
+          </a:ln>
+        </p:spPr>
+      </p:cxnSp>
+    </p:spTree>
+    <p:extLst>
+      <p:ext uri="{BB962C8B-B14F-4D97-AF65-F5344CB8AC3E}">
+        <p14:creationId xmlns:p14="http://schemas.microsoft.com/office/powerpoint/2010/main" val="3996324298"/>
+      </p:ext>
+    </p:extLst>
+  </p:cSld>
+  <p:clrMapOvr>
+    <a:masterClrMapping/>
+  </p:clrMapOvr>
+</p:sld>
+</file>
+
+<file path=ppt/slides/slide31.xml><?xml version="1.0" encoding="utf-8"?>
+<p:sld xmlns:a="http://schemas.openxmlformats.org/drawingml/2006/main" xmlns:r="http://schemas.openxmlformats.org/officeDocument/2006/relationships" xmlns:p="http://schemas.openxmlformats.org/presentationml/2006/main">
+  <p:cSld>
+    <p:spTree>
+      <p:nvGrpSpPr>
+        <p:cNvPr id="1" name="Shape 157">
+          <a:extLst>
+            <a:ext uri="{FF2B5EF4-FFF2-40B4-BE49-F238E27FC236}">
               <a16:creationId xmlns:a16="http://schemas.microsoft.com/office/drawing/2014/main" id="{DCAA55B3-6A59-F95A-2C34-39795E962B0F}"/>
             </a:ext>
           </a:extLst>
@@ -22157,7 +22258,7 @@
 </p:sld>
 </file>
 
-<file path=ppt/slides/slide31.xml><?xml version="1.0" encoding="utf-8"?>
+<file path=ppt/slides/slide32.xml><?xml version="1.0" encoding="utf-8"?>
 <p:sld xmlns:a="http://schemas.openxmlformats.org/drawingml/2006/main" xmlns:r="http://schemas.openxmlformats.org/officeDocument/2006/relationships" xmlns:p="http://schemas.openxmlformats.org/presentationml/2006/main">
   <p:cSld>
     <p:spTree>
@@ -22685,7 +22786,7 @@
 </p:sld>
 </file>
 
-<file path=ppt/slides/slide32.xml><?xml version="1.0" encoding="utf-8"?>
+<file path=ppt/slides/slide33.xml><?xml version="1.0" encoding="utf-8"?>
 <p:sld xmlns:a="http://schemas.openxmlformats.org/drawingml/2006/main" xmlns:r="http://schemas.openxmlformats.org/officeDocument/2006/relationships" xmlns:p="http://schemas.openxmlformats.org/presentationml/2006/main">
   <p:cSld>
     <p:spTree>
@@ -23073,7 +23174,7 @@
 </p:sld>
 </file>
 
-<file path=ppt/slides/slide33.xml><?xml version="1.0" encoding="utf-8"?>
+<file path=ppt/slides/slide34.xml><?xml version="1.0" encoding="utf-8"?>
 <p:sld xmlns:a="http://schemas.openxmlformats.org/drawingml/2006/main" xmlns:r="http://schemas.openxmlformats.org/officeDocument/2006/relationships" xmlns:p="http://schemas.openxmlformats.org/presentationml/2006/main">
   <p:cSld>
     <p:spTree>
@@ -23808,7 +23909,7 @@
 </p:sld>
 </file>
 
-<file path=ppt/slides/slide34.xml><?xml version="1.0" encoding="utf-8"?>
+<file path=ppt/slides/slide35.xml><?xml version="1.0" encoding="utf-8"?>
 <p:sld xmlns:a="http://schemas.openxmlformats.org/drawingml/2006/main" xmlns:r="http://schemas.openxmlformats.org/officeDocument/2006/relationships" xmlns:p="http://schemas.openxmlformats.org/presentationml/2006/main">
   <p:cSld>
     <p:spTree>
@@ -24157,7 +24258,7 @@
 </p:sld>
 </file>
 
-<file path=ppt/slides/slide35.xml><?xml version="1.0" encoding="utf-8"?>
+<file path=ppt/slides/slide36.xml><?xml version="1.0" encoding="utf-8"?>
 <p:sld xmlns:a="http://schemas.openxmlformats.org/drawingml/2006/main" xmlns:r="http://schemas.openxmlformats.org/officeDocument/2006/relationships" xmlns:p="http://schemas.openxmlformats.org/presentationml/2006/main">
   <p:cSld>
     <p:spTree>
@@ -24265,73 +24366,6 @@
           </a:ln>
         </p:spPr>
       </p:cxnSp>
-      <p:pic>
-        <p:nvPicPr>
-          <p:cNvPr id="4" name="Picture 3" descr="Memes: What they are &amp; how to use them (responsibly) – Engage">
-            <a:extLst>
-              <a:ext uri="{FF2B5EF4-FFF2-40B4-BE49-F238E27FC236}">
-                <a16:creationId xmlns:a16="http://schemas.microsoft.com/office/drawing/2014/main" id="{DAC40DB7-D3B0-99EA-78DB-C789E580B591}"/>
-              </a:ext>
-            </a:extLst>
-          </p:cNvPr>
-          <p:cNvPicPr>
-            <a:picLocks noChangeAspect="1"/>
-          </p:cNvPicPr>
-          <p:nvPr/>
-        </p:nvPicPr>
-        <p:blipFill>
-          <a:blip r:embed="rId3"/>
-          <a:stretch>
-            <a:fillRect/>
-          </a:stretch>
-        </p:blipFill>
-        <p:spPr>
-          <a:xfrm>
-            <a:off x="3384977" y="1287555"/>
-            <a:ext cx="2374046" cy="3588123"/>
-          </a:xfrm>
-          <a:prstGeom prst="rect">
-            <a:avLst/>
-          </a:prstGeom>
-        </p:spPr>
-      </p:pic>
-      <p:sp>
-        <p:nvSpPr>
-          <p:cNvPr id="6" name="TextBox 5">
-            <a:extLst>
-              <a:ext uri="{FF2B5EF4-FFF2-40B4-BE49-F238E27FC236}">
-                <a16:creationId xmlns:a16="http://schemas.microsoft.com/office/drawing/2014/main" id="{C61FF2B4-938D-9E3E-E004-3A28EAE3864B}"/>
-              </a:ext>
-            </a:extLst>
-          </p:cNvPr>
-          <p:cNvSpPr txBox="1"/>
-          <p:nvPr/>
-        </p:nvSpPr>
-        <p:spPr>
-          <a:xfrm>
-            <a:off x="8026106" y="4592665"/>
-            <a:ext cx="1911096" cy="215444"/>
-          </a:xfrm>
-          <a:prstGeom prst="rect">
-            <a:avLst/>
-          </a:prstGeom>
-          <a:noFill/>
-        </p:spPr>
-        <p:txBody>
-          <a:bodyPr wrap="square" lIns="91440" tIns="45720" rIns="91440" bIns="45720" rtlCol="0" anchor="t">
-            <a:spAutoFit/>
-          </a:bodyPr>
-          <a:lstStyle/>
-          <a:p>
-            <a:r>
-              <a:rPr lang="en-CA" sz="800" dirty="0">
-                <a:hlinkClick r:id="rId4"/>
-              </a:rPr>
-              <a:t>source</a:t>
-            </a:r>
-          </a:p>
-        </p:txBody>
-      </p:sp>
     </p:spTree>
     <p:extLst>
       <p:ext uri="{BB962C8B-B14F-4D97-AF65-F5344CB8AC3E}">
@@ -24345,7 +24379,7 @@
 </p:sld>
 </file>
 
-<file path=ppt/slides/slide36.xml><?xml version="1.0" encoding="utf-8"?>
+<file path=ppt/slides/slide37.xml><?xml version="1.0" encoding="utf-8"?>
 <p:sld xmlns:a="http://schemas.openxmlformats.org/drawingml/2006/main" xmlns:r="http://schemas.openxmlformats.org/officeDocument/2006/relationships" xmlns:p="http://schemas.openxmlformats.org/presentationml/2006/main">
   <p:cSld>
     <p:spTree>
@@ -24520,7 +24554,7 @@
 </p:sld>
 </file>
 
-<file path=ppt/slides/slide37.xml><?xml version="1.0" encoding="utf-8"?>
+<file path=ppt/slides/slide38.xml><?xml version="1.0" encoding="utf-8"?>
 <p:sld xmlns:a="http://schemas.openxmlformats.org/drawingml/2006/main" xmlns:r="http://schemas.openxmlformats.org/officeDocument/2006/relationships" xmlns:p="http://schemas.openxmlformats.org/presentationml/2006/main">
   <p:cSld>
     <p:spTree>
@@ -24675,7 +24709,7 @@
 </p:sld>
 </file>
 
-<file path=ppt/slides/slide38.xml><?xml version="1.0" encoding="utf-8"?>
+<file path=ppt/slides/slide39.xml><?xml version="1.0" encoding="utf-8"?>
 <p:sld xmlns:a="http://schemas.openxmlformats.org/drawingml/2006/main" xmlns:r="http://schemas.openxmlformats.org/officeDocument/2006/relationships" xmlns:p="http://schemas.openxmlformats.org/presentationml/2006/main">
   <p:cSld>
     <p:spTree>
@@ -24830,478 +24864,6 @@
 </p:sld>
 </file>
 
-<file path=ppt/slides/slide39.xml><?xml version="1.0" encoding="utf-8"?>
-<p:sld xmlns:a="http://schemas.openxmlformats.org/drawingml/2006/main" xmlns:r="http://schemas.openxmlformats.org/officeDocument/2006/relationships" xmlns:p="http://schemas.openxmlformats.org/presentationml/2006/main">
-  <p:cSld>
-    <p:spTree>
-      <p:nvGrpSpPr>
-        <p:cNvPr id="1" name="Shape 157">
-          <a:extLst>
-            <a:ext uri="{FF2B5EF4-FFF2-40B4-BE49-F238E27FC236}">
-              <a16:creationId xmlns:a16="http://schemas.microsoft.com/office/drawing/2014/main" id="{5FE69CE4-7E24-7E11-8FB3-3D6359561FA0}"/>
-            </a:ext>
-          </a:extLst>
-        </p:cNvPr>
-        <p:cNvGrpSpPr/>
-        <p:nvPr/>
-      </p:nvGrpSpPr>
-      <p:grpSpPr>
-        <a:xfrm>
-          <a:off x="0" y="0"/>
-          <a:ext cx="0" cy="0"/>
-          <a:chOff x="0" y="0"/>
-          <a:chExt cx="0" cy="0"/>
-        </a:xfrm>
-      </p:grpSpPr>
-      <p:sp>
-        <p:nvSpPr>
-          <p:cNvPr id="158" name="Google Shape;158;p30">
-            <a:extLst>
-              <a:ext uri="{FF2B5EF4-FFF2-40B4-BE49-F238E27FC236}">
-                <a16:creationId xmlns:a16="http://schemas.microsoft.com/office/drawing/2014/main" id="{640117CC-DFBB-8A5F-BC4F-39A1DE55FC8F}"/>
-              </a:ext>
-            </a:extLst>
-          </p:cNvPr>
-          <p:cNvSpPr txBox="1">
-            <a:spLocks noGrp="1"/>
-          </p:cNvSpPr>
-          <p:nvPr>
-            <p:ph type="title" idx="6"/>
-          </p:nvPr>
-        </p:nvSpPr>
-        <p:spPr>
-          <a:xfrm>
-            <a:off x="710750" y="387250"/>
-            <a:ext cx="7779839" cy="711702"/>
-          </a:xfrm>
-          <a:prstGeom prst="rect">
-            <a:avLst/>
-          </a:prstGeom>
-        </p:spPr>
-        <p:txBody>
-          <a:bodyPr spcFirstLastPara="1" wrap="square" lIns="91425" tIns="91425" rIns="91425" bIns="91425" anchor="t" anchorCtr="0">
-            <a:noAutofit/>
-          </a:bodyPr>
-          <a:lstStyle/>
-          <a:p>
-            <a:r>
-              <a:rPr lang="es" dirty="0" err="1"/>
-              <a:t>The</a:t>
-            </a:r>
-            <a:r>
-              <a:rPr lang="es" dirty="0"/>
-              <a:t> Data </a:t>
-            </a:r>
-            <a:r>
-              <a:rPr lang="es" dirty="0" err="1"/>
-              <a:t>Science</a:t>
-            </a:r>
-            <a:r>
-              <a:rPr lang="es" dirty="0"/>
-              <a:t> </a:t>
-            </a:r>
-            <a:r>
-              <a:rPr lang="es" dirty="0" err="1"/>
-              <a:t>Workflow</a:t>
-            </a:r>
-            <a:endParaRPr lang="en-US" dirty="0" err="1"/>
-          </a:p>
-        </p:txBody>
-      </p:sp>
-      <p:sp>
-        <p:nvSpPr>
-          <p:cNvPr id="162" name="Google Shape;162;p30">
-            <a:extLst>
-              <a:ext uri="{FF2B5EF4-FFF2-40B4-BE49-F238E27FC236}">
-                <a16:creationId xmlns:a16="http://schemas.microsoft.com/office/drawing/2014/main" id="{B41FD112-E465-AF89-D53C-DF055D59C832}"/>
-              </a:ext>
-            </a:extLst>
-          </p:cNvPr>
-          <p:cNvSpPr txBox="1">
-            <a:spLocks noGrp="1"/>
-          </p:cNvSpPr>
-          <p:nvPr>
-            <p:ph type="subTitle" idx="3"/>
-          </p:nvPr>
-        </p:nvSpPr>
-        <p:spPr>
-          <a:xfrm>
-            <a:off x="710749" y="1283957"/>
-            <a:ext cx="8169879" cy="3096454"/>
-          </a:xfrm>
-          <a:prstGeom prst="rect">
-            <a:avLst/>
-          </a:prstGeom>
-        </p:spPr>
-        <p:txBody>
-          <a:bodyPr spcFirstLastPara="1" wrap="square" lIns="91425" tIns="91425" rIns="91425" bIns="91425" anchor="t" anchorCtr="0">
-            <a:noAutofit/>
-          </a:bodyPr>
-          <a:lstStyle/>
-          <a:p>
-            <a:pPr marL="457200" lvl="1" indent="0"/>
-            <a:endParaRPr lang="es" sz="1600" dirty="0"/>
-          </a:p>
-          <a:p>
-            <a:pPr marL="285750" indent="-285750">
-              <a:buFont typeface="Arial" panose="020B0604020202020204" pitchFamily="34" charset="0"/>
-              <a:buChar char="•"/>
-            </a:pPr>
-            <a:r>
-              <a:rPr lang="es" sz="1600" dirty="0"/>
-              <a:t>A </a:t>
-            </a:r>
-            <a:r>
-              <a:rPr lang="es" sz="1600" dirty="0" err="1"/>
-              <a:t>framework</a:t>
-            </a:r>
-            <a:r>
-              <a:rPr lang="es" sz="1600" dirty="0"/>
-              <a:t> </a:t>
-            </a:r>
-            <a:r>
-              <a:rPr lang="es" sz="1600" dirty="0" err="1"/>
-              <a:t>to</a:t>
-            </a:r>
-            <a:r>
-              <a:rPr lang="es" sz="1600" dirty="0"/>
-              <a:t> </a:t>
-            </a:r>
-            <a:r>
-              <a:rPr lang="es" sz="1600" dirty="0" err="1"/>
-              <a:t>support</a:t>
-            </a:r>
-            <a:r>
-              <a:rPr lang="es" sz="1600" dirty="0"/>
-              <a:t> </a:t>
-            </a:r>
-            <a:r>
-              <a:rPr lang="es" sz="1600" dirty="0" err="1"/>
-              <a:t>transparent</a:t>
-            </a:r>
-            <a:r>
-              <a:rPr lang="es" sz="1600" dirty="0"/>
-              <a:t> and open </a:t>
-            </a:r>
-            <a:r>
-              <a:rPr lang="es" sz="1600" dirty="0" err="1"/>
-              <a:t>research</a:t>
-            </a:r>
-            <a:r>
-              <a:rPr lang="es" sz="1600" dirty="0"/>
-              <a:t> </a:t>
-            </a:r>
-            <a:r>
-              <a:rPr lang="es" sz="1600" dirty="0" err="1"/>
-              <a:t>processes</a:t>
-            </a:r>
-            <a:r>
-              <a:rPr lang="es" sz="1600" dirty="0"/>
-              <a:t> </a:t>
-            </a:r>
-            <a:r>
-              <a:rPr lang="es" sz="1600" dirty="0" err="1"/>
-              <a:t>throughout</a:t>
-            </a:r>
-            <a:r>
-              <a:rPr lang="es" sz="1600" dirty="0"/>
-              <a:t> </a:t>
-            </a:r>
-            <a:r>
-              <a:rPr lang="es" sz="1600" dirty="0" err="1"/>
-              <a:t>the</a:t>
-            </a:r>
-            <a:r>
-              <a:rPr lang="es" sz="1600" dirty="0"/>
-              <a:t> active </a:t>
-            </a:r>
-            <a:r>
-              <a:rPr lang="es" sz="1600" dirty="0" err="1"/>
-              <a:t>phases</a:t>
-            </a:r>
-            <a:r>
-              <a:rPr lang="es" sz="1600" dirty="0"/>
-              <a:t> </a:t>
-            </a:r>
-            <a:r>
-              <a:rPr lang="es" sz="1600" dirty="0" err="1"/>
-              <a:t>of</a:t>
-            </a:r>
-            <a:r>
-              <a:rPr lang="es" sz="1600" dirty="0"/>
-              <a:t> </a:t>
-            </a:r>
-            <a:r>
-              <a:rPr lang="es" sz="1600" dirty="0" err="1"/>
-              <a:t>the</a:t>
-            </a:r>
-            <a:r>
-              <a:rPr lang="es" sz="1600" dirty="0"/>
-              <a:t> </a:t>
-            </a:r>
-            <a:r>
-              <a:rPr lang="es" sz="1600" dirty="0" err="1"/>
-              <a:t>research</a:t>
-            </a:r>
-            <a:r>
-              <a:rPr lang="es" sz="1600" dirty="0"/>
-              <a:t> data </a:t>
-            </a:r>
-            <a:r>
-              <a:rPr lang="es" sz="1600" dirty="0" err="1"/>
-              <a:t>lifecycle</a:t>
-            </a:r>
-            <a:r>
-              <a:rPr lang="es" sz="1600" dirty="0"/>
-              <a:t>.</a:t>
-            </a:r>
-          </a:p>
-          <a:p>
-            <a:pPr marL="0" indent="0"/>
-            <a:endParaRPr lang="es" sz="1600" dirty="0"/>
-          </a:p>
-          <a:p>
-            <a:pPr marL="285750" indent="-285750">
-              <a:buFont typeface="Arial" panose="020B0604020202020204" pitchFamily="34" charset="0"/>
-              <a:buChar char="•"/>
-            </a:pPr>
-            <a:r>
-              <a:rPr lang="es" sz="1600" dirty="0" err="1"/>
-              <a:t>While</a:t>
-            </a:r>
-            <a:r>
-              <a:rPr lang="es" sz="1600" dirty="0"/>
-              <a:t> </a:t>
-            </a:r>
-            <a:r>
-              <a:rPr lang="es" sz="1600" dirty="0" err="1"/>
-              <a:t>the</a:t>
-            </a:r>
-            <a:r>
-              <a:rPr lang="es" sz="1600" dirty="0"/>
-              <a:t> </a:t>
-            </a:r>
-            <a:r>
-              <a:rPr lang="es" sz="1600" dirty="0" err="1"/>
-              <a:t>research</a:t>
-            </a:r>
-            <a:r>
-              <a:rPr lang="es" sz="1600" dirty="0"/>
-              <a:t> data </a:t>
-            </a:r>
-            <a:r>
-              <a:rPr lang="es" sz="1600" dirty="0" err="1"/>
-              <a:t>lifecycle</a:t>
-            </a:r>
-            <a:r>
-              <a:rPr lang="es" sz="1600" dirty="0"/>
-              <a:t> </a:t>
-            </a:r>
-            <a:r>
-              <a:rPr lang="es" sz="1600" dirty="0" err="1"/>
-              <a:t>is</a:t>
-            </a:r>
-            <a:r>
-              <a:rPr lang="es" sz="1600" dirty="0"/>
-              <a:t> </a:t>
-            </a:r>
-            <a:r>
-              <a:rPr lang="es" sz="1600" dirty="0" err="1"/>
-              <a:t>focused</a:t>
-            </a:r>
-            <a:r>
-              <a:rPr lang="es" sz="1600" dirty="0"/>
-              <a:t> </a:t>
-            </a:r>
-            <a:r>
-              <a:rPr lang="es" sz="1600" dirty="0" err="1"/>
-              <a:t>on</a:t>
-            </a:r>
-            <a:r>
-              <a:rPr lang="es" sz="1600" dirty="0"/>
-              <a:t> </a:t>
-            </a:r>
-            <a:r>
-              <a:rPr lang="es" sz="1600" dirty="0" err="1"/>
-              <a:t>making</a:t>
-            </a:r>
-            <a:r>
-              <a:rPr lang="es" sz="1600" dirty="0"/>
-              <a:t> </a:t>
-            </a:r>
-            <a:r>
-              <a:rPr lang="es" sz="1600" dirty="0" err="1"/>
-              <a:t>research</a:t>
-            </a:r>
-            <a:r>
-              <a:rPr lang="es" sz="1600" dirty="0"/>
-              <a:t> outputs FAIR, </a:t>
-            </a:r>
-            <a:r>
-              <a:rPr lang="es" sz="1600" dirty="0" err="1"/>
-              <a:t>the</a:t>
-            </a:r>
-            <a:r>
-              <a:rPr lang="es" sz="1600" dirty="0"/>
-              <a:t> data </a:t>
-            </a:r>
-            <a:r>
-              <a:rPr lang="es" sz="1600" dirty="0" err="1"/>
-              <a:t>science</a:t>
-            </a:r>
-            <a:r>
-              <a:rPr lang="es" sz="1600" dirty="0"/>
-              <a:t> </a:t>
-            </a:r>
-            <a:r>
-              <a:rPr lang="es" sz="1600" dirty="0" err="1"/>
-              <a:t>workflow</a:t>
-            </a:r>
-            <a:r>
-              <a:rPr lang="es" sz="1600" dirty="0"/>
-              <a:t> </a:t>
-            </a:r>
-            <a:r>
-              <a:rPr lang="es" sz="1600" dirty="0" err="1"/>
-              <a:t>focses</a:t>
-            </a:r>
-            <a:r>
-              <a:rPr lang="es" sz="1600" dirty="0"/>
-              <a:t> </a:t>
-            </a:r>
-            <a:r>
-              <a:rPr lang="es" sz="1600" dirty="0" err="1"/>
-              <a:t>on</a:t>
-            </a:r>
-            <a:r>
-              <a:rPr lang="es" sz="1600" dirty="0"/>
-              <a:t> </a:t>
-            </a:r>
-            <a:r>
-              <a:rPr lang="es" sz="1600" dirty="0" err="1"/>
-              <a:t>asking</a:t>
-            </a:r>
-            <a:r>
-              <a:rPr lang="es" sz="1600" dirty="0"/>
-              <a:t> </a:t>
-            </a:r>
-            <a:r>
-              <a:rPr lang="es" sz="1600" dirty="0" err="1"/>
-              <a:t>questions</a:t>
-            </a:r>
-            <a:r>
-              <a:rPr lang="es" sz="1600" dirty="0"/>
-              <a:t> </a:t>
-            </a:r>
-            <a:r>
-              <a:rPr lang="es" sz="1600" dirty="0" err="1"/>
-              <a:t>from</a:t>
-            </a:r>
-            <a:r>
-              <a:rPr lang="es" sz="1600" dirty="0"/>
-              <a:t> data in </a:t>
-            </a:r>
-            <a:r>
-              <a:rPr lang="es" sz="1600" dirty="0" err="1"/>
-              <a:t>an</a:t>
-            </a:r>
-            <a:r>
-              <a:rPr lang="es" sz="1600" dirty="0"/>
-              <a:t> open and reproducible </a:t>
-            </a:r>
-            <a:r>
-              <a:rPr lang="es" sz="1600" dirty="0" err="1"/>
-              <a:t>way</a:t>
-            </a:r>
-            <a:r>
-              <a:rPr lang="es" sz="1600" dirty="0"/>
-              <a:t>. </a:t>
-            </a:r>
-          </a:p>
-          <a:p>
-            <a:pPr marL="742950" lvl="1" indent="-285750">
-              <a:buFont typeface="Courier New" panose="020B0604020202020204" pitchFamily="34" charset="0"/>
-              <a:buChar char="o"/>
-            </a:pPr>
-            <a:endParaRPr lang="es" sz="1600" dirty="0"/>
-          </a:p>
-          <a:p>
-            <a:pPr marL="285750" indent="-285750">
-              <a:buFont typeface="Arial" panose="020B0604020202020204" pitchFamily="34" charset="0"/>
-              <a:buChar char="•"/>
-            </a:pPr>
-            <a:endParaRPr lang="es" dirty="0"/>
-          </a:p>
-          <a:p>
-            <a:pPr marL="285750" indent="-285750">
-              <a:buFont typeface="Arial" panose="020B0604020202020204" pitchFamily="34" charset="0"/>
-              <a:buChar char="•"/>
-            </a:pPr>
-            <a:endParaRPr lang="es" dirty="0"/>
-          </a:p>
-          <a:p>
-            <a:pPr marL="285750" indent="-285750">
-              <a:buFont typeface="Arial" panose="020B0604020202020204" pitchFamily="34" charset="0"/>
-              <a:buChar char="•"/>
-            </a:pPr>
-            <a:endParaRPr lang="es" dirty="0"/>
-          </a:p>
-          <a:p>
-            <a:pPr marL="285750" indent="-285750">
-              <a:buFont typeface="Arial" panose="020B0604020202020204" pitchFamily="34" charset="0"/>
-              <a:buChar char="•"/>
-            </a:pPr>
-            <a:endParaRPr lang="es" dirty="0"/>
-          </a:p>
-        </p:txBody>
-      </p:sp>
-      <p:cxnSp>
-        <p:nvCxnSpPr>
-          <p:cNvPr id="166" name="Google Shape;166;p30">
-            <a:extLst>
-              <a:ext uri="{FF2B5EF4-FFF2-40B4-BE49-F238E27FC236}">
-                <a16:creationId xmlns:a16="http://schemas.microsoft.com/office/drawing/2014/main" id="{06EE3378-107C-E8E4-2DFB-B1058B3C71C1}"/>
-              </a:ext>
-            </a:extLst>
-          </p:cNvPr>
-          <p:cNvCxnSpPr>
-            <a:cxnSpLocks/>
-          </p:cNvCxnSpPr>
-          <p:nvPr/>
-        </p:nvCxnSpPr>
-        <p:spPr>
-          <a:xfrm>
-            <a:off x="812499" y="1045726"/>
-            <a:ext cx="6436873" cy="0"/>
-          </a:xfrm>
-          <a:prstGeom prst="straightConnector1">
-            <a:avLst/>
-          </a:prstGeom>
-          <a:noFill/>
-          <a:ln w="19050" cap="flat" cmpd="sng">
-            <a:solidFill>
-              <a:schemeClr val="dk1"/>
-            </a:solidFill>
-            <a:prstDash val="solid"/>
-            <a:round/>
-            <a:headEnd type="none" w="med" len="med"/>
-            <a:tailEnd type="none" w="med" len="med"/>
-          </a:ln>
-        </p:spPr>
-      </p:cxnSp>
-    </p:spTree>
-    <p:extLst>
-      <p:ext uri="{BB962C8B-B14F-4D97-AF65-F5344CB8AC3E}">
-        <p14:creationId xmlns:p14="http://schemas.microsoft.com/office/powerpoint/2010/main" val="285520568"/>
-      </p:ext>
-    </p:extLst>
-  </p:cSld>
-  <p:clrMapOvr>
-    <a:masterClrMapping/>
-  </p:clrMapOvr>
-</p:sld>
-</file>
-
 <file path=ppt/slides/slide4.xml><?xml version="1.0" encoding="utf-8"?>
 <p:sld xmlns:a="http://schemas.openxmlformats.org/drawingml/2006/main" xmlns:r="http://schemas.openxmlformats.org/officeDocument/2006/relationships" xmlns:p="http://schemas.openxmlformats.org/presentationml/2006/main">
   <p:cSld>
@@ -25637,6 +25199,478 @@
         <p:cNvPr id="1" name="Shape 157">
           <a:extLst>
             <a:ext uri="{FF2B5EF4-FFF2-40B4-BE49-F238E27FC236}">
+              <a16:creationId xmlns:a16="http://schemas.microsoft.com/office/drawing/2014/main" id="{5FE69CE4-7E24-7E11-8FB3-3D6359561FA0}"/>
+            </a:ext>
+          </a:extLst>
+        </p:cNvPr>
+        <p:cNvGrpSpPr/>
+        <p:nvPr/>
+      </p:nvGrpSpPr>
+      <p:grpSpPr>
+        <a:xfrm>
+          <a:off x="0" y="0"/>
+          <a:ext cx="0" cy="0"/>
+          <a:chOff x="0" y="0"/>
+          <a:chExt cx="0" cy="0"/>
+        </a:xfrm>
+      </p:grpSpPr>
+      <p:sp>
+        <p:nvSpPr>
+          <p:cNvPr id="158" name="Google Shape;158;p30">
+            <a:extLst>
+              <a:ext uri="{FF2B5EF4-FFF2-40B4-BE49-F238E27FC236}">
+                <a16:creationId xmlns:a16="http://schemas.microsoft.com/office/drawing/2014/main" id="{640117CC-DFBB-8A5F-BC4F-39A1DE55FC8F}"/>
+              </a:ext>
+            </a:extLst>
+          </p:cNvPr>
+          <p:cNvSpPr txBox="1">
+            <a:spLocks noGrp="1"/>
+          </p:cNvSpPr>
+          <p:nvPr>
+            <p:ph type="title" idx="6"/>
+          </p:nvPr>
+        </p:nvSpPr>
+        <p:spPr>
+          <a:xfrm>
+            <a:off x="710750" y="387250"/>
+            <a:ext cx="7779839" cy="711702"/>
+          </a:xfrm>
+          <a:prstGeom prst="rect">
+            <a:avLst/>
+          </a:prstGeom>
+        </p:spPr>
+        <p:txBody>
+          <a:bodyPr spcFirstLastPara="1" wrap="square" lIns="91425" tIns="91425" rIns="91425" bIns="91425" anchor="t" anchorCtr="0">
+            <a:noAutofit/>
+          </a:bodyPr>
+          <a:lstStyle/>
+          <a:p>
+            <a:r>
+              <a:rPr lang="es" dirty="0" err="1"/>
+              <a:t>The</a:t>
+            </a:r>
+            <a:r>
+              <a:rPr lang="es" dirty="0"/>
+              <a:t> Data </a:t>
+            </a:r>
+            <a:r>
+              <a:rPr lang="es" dirty="0" err="1"/>
+              <a:t>Science</a:t>
+            </a:r>
+            <a:r>
+              <a:rPr lang="es" dirty="0"/>
+              <a:t> </a:t>
+            </a:r>
+            <a:r>
+              <a:rPr lang="es" dirty="0" err="1"/>
+              <a:t>Workflow</a:t>
+            </a:r>
+            <a:endParaRPr lang="en-US" dirty="0" err="1"/>
+          </a:p>
+        </p:txBody>
+      </p:sp>
+      <p:sp>
+        <p:nvSpPr>
+          <p:cNvPr id="162" name="Google Shape;162;p30">
+            <a:extLst>
+              <a:ext uri="{FF2B5EF4-FFF2-40B4-BE49-F238E27FC236}">
+                <a16:creationId xmlns:a16="http://schemas.microsoft.com/office/drawing/2014/main" id="{B41FD112-E465-AF89-D53C-DF055D59C832}"/>
+              </a:ext>
+            </a:extLst>
+          </p:cNvPr>
+          <p:cNvSpPr txBox="1">
+            <a:spLocks noGrp="1"/>
+          </p:cNvSpPr>
+          <p:nvPr>
+            <p:ph type="subTitle" idx="3"/>
+          </p:nvPr>
+        </p:nvSpPr>
+        <p:spPr>
+          <a:xfrm>
+            <a:off x="710749" y="1283957"/>
+            <a:ext cx="8169879" cy="3096454"/>
+          </a:xfrm>
+          <a:prstGeom prst="rect">
+            <a:avLst/>
+          </a:prstGeom>
+        </p:spPr>
+        <p:txBody>
+          <a:bodyPr spcFirstLastPara="1" wrap="square" lIns="91425" tIns="91425" rIns="91425" bIns="91425" anchor="t" anchorCtr="0">
+            <a:noAutofit/>
+          </a:bodyPr>
+          <a:lstStyle/>
+          <a:p>
+            <a:pPr marL="457200" lvl="1" indent="0"/>
+            <a:endParaRPr lang="es" sz="1600" dirty="0"/>
+          </a:p>
+          <a:p>
+            <a:pPr marL="285750" indent="-285750">
+              <a:buFont typeface="Arial" panose="020B0604020202020204" pitchFamily="34" charset="0"/>
+              <a:buChar char="•"/>
+            </a:pPr>
+            <a:r>
+              <a:rPr lang="es" sz="1600" dirty="0"/>
+              <a:t>A </a:t>
+            </a:r>
+            <a:r>
+              <a:rPr lang="es" sz="1600" dirty="0" err="1"/>
+              <a:t>framework</a:t>
+            </a:r>
+            <a:r>
+              <a:rPr lang="es" sz="1600" dirty="0"/>
+              <a:t> </a:t>
+            </a:r>
+            <a:r>
+              <a:rPr lang="es" sz="1600" dirty="0" err="1"/>
+              <a:t>to</a:t>
+            </a:r>
+            <a:r>
+              <a:rPr lang="es" sz="1600" dirty="0"/>
+              <a:t> </a:t>
+            </a:r>
+            <a:r>
+              <a:rPr lang="es" sz="1600" dirty="0" err="1"/>
+              <a:t>support</a:t>
+            </a:r>
+            <a:r>
+              <a:rPr lang="es" sz="1600" dirty="0"/>
+              <a:t> </a:t>
+            </a:r>
+            <a:r>
+              <a:rPr lang="es" sz="1600" dirty="0" err="1"/>
+              <a:t>transparent</a:t>
+            </a:r>
+            <a:r>
+              <a:rPr lang="es" sz="1600" dirty="0"/>
+              <a:t> and open </a:t>
+            </a:r>
+            <a:r>
+              <a:rPr lang="es" sz="1600" dirty="0" err="1"/>
+              <a:t>research</a:t>
+            </a:r>
+            <a:r>
+              <a:rPr lang="es" sz="1600" dirty="0"/>
+              <a:t> </a:t>
+            </a:r>
+            <a:r>
+              <a:rPr lang="es" sz="1600" dirty="0" err="1"/>
+              <a:t>processes</a:t>
+            </a:r>
+            <a:r>
+              <a:rPr lang="es" sz="1600" dirty="0"/>
+              <a:t> </a:t>
+            </a:r>
+            <a:r>
+              <a:rPr lang="es" sz="1600" dirty="0" err="1"/>
+              <a:t>throughout</a:t>
+            </a:r>
+            <a:r>
+              <a:rPr lang="es" sz="1600" dirty="0"/>
+              <a:t> </a:t>
+            </a:r>
+            <a:r>
+              <a:rPr lang="es" sz="1600" dirty="0" err="1"/>
+              <a:t>the</a:t>
+            </a:r>
+            <a:r>
+              <a:rPr lang="es" sz="1600" dirty="0"/>
+              <a:t> active </a:t>
+            </a:r>
+            <a:r>
+              <a:rPr lang="es" sz="1600" dirty="0" err="1"/>
+              <a:t>phases</a:t>
+            </a:r>
+            <a:r>
+              <a:rPr lang="es" sz="1600" dirty="0"/>
+              <a:t> </a:t>
+            </a:r>
+            <a:r>
+              <a:rPr lang="es" sz="1600" dirty="0" err="1"/>
+              <a:t>of</a:t>
+            </a:r>
+            <a:r>
+              <a:rPr lang="es" sz="1600" dirty="0"/>
+              <a:t> </a:t>
+            </a:r>
+            <a:r>
+              <a:rPr lang="es" sz="1600" dirty="0" err="1"/>
+              <a:t>the</a:t>
+            </a:r>
+            <a:r>
+              <a:rPr lang="es" sz="1600" dirty="0"/>
+              <a:t> </a:t>
+            </a:r>
+            <a:r>
+              <a:rPr lang="es" sz="1600" dirty="0" err="1"/>
+              <a:t>research</a:t>
+            </a:r>
+            <a:r>
+              <a:rPr lang="es" sz="1600" dirty="0"/>
+              <a:t> data </a:t>
+            </a:r>
+            <a:r>
+              <a:rPr lang="es" sz="1600" dirty="0" err="1"/>
+              <a:t>lifecycle</a:t>
+            </a:r>
+            <a:r>
+              <a:rPr lang="es" sz="1600" dirty="0"/>
+              <a:t>.</a:t>
+            </a:r>
+          </a:p>
+          <a:p>
+            <a:pPr marL="0" indent="0"/>
+            <a:endParaRPr lang="es" sz="1600" dirty="0"/>
+          </a:p>
+          <a:p>
+            <a:pPr marL="285750" indent="-285750">
+              <a:buFont typeface="Arial" panose="020B0604020202020204" pitchFamily="34" charset="0"/>
+              <a:buChar char="•"/>
+            </a:pPr>
+            <a:r>
+              <a:rPr lang="es" sz="1600" dirty="0" err="1"/>
+              <a:t>While</a:t>
+            </a:r>
+            <a:r>
+              <a:rPr lang="es" sz="1600" dirty="0"/>
+              <a:t> </a:t>
+            </a:r>
+            <a:r>
+              <a:rPr lang="es" sz="1600" dirty="0" err="1"/>
+              <a:t>the</a:t>
+            </a:r>
+            <a:r>
+              <a:rPr lang="es" sz="1600" dirty="0"/>
+              <a:t> </a:t>
+            </a:r>
+            <a:r>
+              <a:rPr lang="es" sz="1600" dirty="0" err="1"/>
+              <a:t>research</a:t>
+            </a:r>
+            <a:r>
+              <a:rPr lang="es" sz="1600" dirty="0"/>
+              <a:t> data </a:t>
+            </a:r>
+            <a:r>
+              <a:rPr lang="es" sz="1600" dirty="0" err="1"/>
+              <a:t>lifecycle</a:t>
+            </a:r>
+            <a:r>
+              <a:rPr lang="es" sz="1600" dirty="0"/>
+              <a:t> </a:t>
+            </a:r>
+            <a:r>
+              <a:rPr lang="es" sz="1600" dirty="0" err="1"/>
+              <a:t>is</a:t>
+            </a:r>
+            <a:r>
+              <a:rPr lang="es" sz="1600" dirty="0"/>
+              <a:t> </a:t>
+            </a:r>
+            <a:r>
+              <a:rPr lang="es" sz="1600" dirty="0" err="1"/>
+              <a:t>focused</a:t>
+            </a:r>
+            <a:r>
+              <a:rPr lang="es" sz="1600" dirty="0"/>
+              <a:t> </a:t>
+            </a:r>
+            <a:r>
+              <a:rPr lang="es" sz="1600" dirty="0" err="1"/>
+              <a:t>on</a:t>
+            </a:r>
+            <a:r>
+              <a:rPr lang="es" sz="1600" dirty="0"/>
+              <a:t> </a:t>
+            </a:r>
+            <a:r>
+              <a:rPr lang="es" sz="1600" dirty="0" err="1"/>
+              <a:t>making</a:t>
+            </a:r>
+            <a:r>
+              <a:rPr lang="es" sz="1600" dirty="0"/>
+              <a:t> </a:t>
+            </a:r>
+            <a:r>
+              <a:rPr lang="es" sz="1600" dirty="0" err="1"/>
+              <a:t>research</a:t>
+            </a:r>
+            <a:r>
+              <a:rPr lang="es" sz="1600" dirty="0"/>
+              <a:t> outputs FAIR, </a:t>
+            </a:r>
+            <a:r>
+              <a:rPr lang="es" sz="1600" dirty="0" err="1"/>
+              <a:t>the</a:t>
+            </a:r>
+            <a:r>
+              <a:rPr lang="es" sz="1600" dirty="0"/>
+              <a:t> data </a:t>
+            </a:r>
+            <a:r>
+              <a:rPr lang="es" sz="1600" dirty="0" err="1"/>
+              <a:t>science</a:t>
+            </a:r>
+            <a:r>
+              <a:rPr lang="es" sz="1600" dirty="0"/>
+              <a:t> </a:t>
+            </a:r>
+            <a:r>
+              <a:rPr lang="es" sz="1600" dirty="0" err="1"/>
+              <a:t>workflow</a:t>
+            </a:r>
+            <a:r>
+              <a:rPr lang="es" sz="1600" dirty="0"/>
+              <a:t> </a:t>
+            </a:r>
+            <a:r>
+              <a:rPr lang="es" sz="1600" dirty="0" err="1"/>
+              <a:t>focses</a:t>
+            </a:r>
+            <a:r>
+              <a:rPr lang="es" sz="1600" dirty="0"/>
+              <a:t> </a:t>
+            </a:r>
+            <a:r>
+              <a:rPr lang="es" sz="1600" dirty="0" err="1"/>
+              <a:t>on</a:t>
+            </a:r>
+            <a:r>
+              <a:rPr lang="es" sz="1600" dirty="0"/>
+              <a:t> </a:t>
+            </a:r>
+            <a:r>
+              <a:rPr lang="es" sz="1600" dirty="0" err="1"/>
+              <a:t>asking</a:t>
+            </a:r>
+            <a:r>
+              <a:rPr lang="es" sz="1600" dirty="0"/>
+              <a:t> </a:t>
+            </a:r>
+            <a:r>
+              <a:rPr lang="es" sz="1600" dirty="0" err="1"/>
+              <a:t>questions</a:t>
+            </a:r>
+            <a:r>
+              <a:rPr lang="es" sz="1600" dirty="0"/>
+              <a:t> </a:t>
+            </a:r>
+            <a:r>
+              <a:rPr lang="es" sz="1600" dirty="0" err="1"/>
+              <a:t>from</a:t>
+            </a:r>
+            <a:r>
+              <a:rPr lang="es" sz="1600" dirty="0"/>
+              <a:t> data in </a:t>
+            </a:r>
+            <a:r>
+              <a:rPr lang="es" sz="1600" dirty="0" err="1"/>
+              <a:t>an</a:t>
+            </a:r>
+            <a:r>
+              <a:rPr lang="es" sz="1600" dirty="0"/>
+              <a:t> open and reproducible </a:t>
+            </a:r>
+            <a:r>
+              <a:rPr lang="es" sz="1600" dirty="0" err="1"/>
+              <a:t>way</a:t>
+            </a:r>
+            <a:r>
+              <a:rPr lang="es" sz="1600" dirty="0"/>
+              <a:t>. </a:t>
+            </a:r>
+          </a:p>
+          <a:p>
+            <a:pPr marL="742950" lvl="1" indent="-285750">
+              <a:buFont typeface="Courier New" panose="020B0604020202020204" pitchFamily="34" charset="0"/>
+              <a:buChar char="o"/>
+            </a:pPr>
+            <a:endParaRPr lang="es" sz="1600" dirty="0"/>
+          </a:p>
+          <a:p>
+            <a:pPr marL="285750" indent="-285750">
+              <a:buFont typeface="Arial" panose="020B0604020202020204" pitchFamily="34" charset="0"/>
+              <a:buChar char="•"/>
+            </a:pPr>
+            <a:endParaRPr lang="es" dirty="0"/>
+          </a:p>
+          <a:p>
+            <a:pPr marL="285750" indent="-285750">
+              <a:buFont typeface="Arial" panose="020B0604020202020204" pitchFamily="34" charset="0"/>
+              <a:buChar char="•"/>
+            </a:pPr>
+            <a:endParaRPr lang="es" dirty="0"/>
+          </a:p>
+          <a:p>
+            <a:pPr marL="285750" indent="-285750">
+              <a:buFont typeface="Arial" panose="020B0604020202020204" pitchFamily="34" charset="0"/>
+              <a:buChar char="•"/>
+            </a:pPr>
+            <a:endParaRPr lang="es" dirty="0"/>
+          </a:p>
+          <a:p>
+            <a:pPr marL="285750" indent="-285750">
+              <a:buFont typeface="Arial" panose="020B0604020202020204" pitchFamily="34" charset="0"/>
+              <a:buChar char="•"/>
+            </a:pPr>
+            <a:endParaRPr lang="es" dirty="0"/>
+          </a:p>
+        </p:txBody>
+      </p:sp>
+      <p:cxnSp>
+        <p:nvCxnSpPr>
+          <p:cNvPr id="166" name="Google Shape;166;p30">
+            <a:extLst>
+              <a:ext uri="{FF2B5EF4-FFF2-40B4-BE49-F238E27FC236}">
+                <a16:creationId xmlns:a16="http://schemas.microsoft.com/office/drawing/2014/main" id="{06EE3378-107C-E8E4-2DFB-B1058B3C71C1}"/>
+              </a:ext>
+            </a:extLst>
+          </p:cNvPr>
+          <p:cNvCxnSpPr>
+            <a:cxnSpLocks/>
+          </p:cNvCxnSpPr>
+          <p:nvPr/>
+        </p:nvCxnSpPr>
+        <p:spPr>
+          <a:xfrm>
+            <a:off x="812499" y="1045726"/>
+            <a:ext cx="6436873" cy="0"/>
+          </a:xfrm>
+          <a:prstGeom prst="straightConnector1">
+            <a:avLst/>
+          </a:prstGeom>
+          <a:noFill/>
+          <a:ln w="19050" cap="flat" cmpd="sng">
+            <a:solidFill>
+              <a:schemeClr val="dk1"/>
+            </a:solidFill>
+            <a:prstDash val="solid"/>
+            <a:round/>
+            <a:headEnd type="none" w="med" len="med"/>
+            <a:tailEnd type="none" w="med" len="med"/>
+          </a:ln>
+        </p:spPr>
+      </p:cxnSp>
+    </p:spTree>
+    <p:extLst>
+      <p:ext uri="{BB962C8B-B14F-4D97-AF65-F5344CB8AC3E}">
+        <p14:creationId xmlns:p14="http://schemas.microsoft.com/office/powerpoint/2010/main" val="285520568"/>
+      </p:ext>
+    </p:extLst>
+  </p:cSld>
+  <p:clrMapOvr>
+    <a:masterClrMapping/>
+  </p:clrMapOvr>
+</p:sld>
+</file>
+
+<file path=ppt/slides/slide41.xml><?xml version="1.0" encoding="utf-8"?>
+<p:sld xmlns:a="http://schemas.openxmlformats.org/drawingml/2006/main" xmlns:r="http://schemas.openxmlformats.org/officeDocument/2006/relationships" xmlns:p="http://schemas.openxmlformats.org/presentationml/2006/main">
+  <p:cSld>
+    <p:spTree>
+      <p:nvGrpSpPr>
+        <p:cNvPr id="1" name="Shape 157">
+          <a:extLst>
+            <a:ext uri="{FF2B5EF4-FFF2-40B4-BE49-F238E27FC236}">
               <a16:creationId xmlns:a16="http://schemas.microsoft.com/office/drawing/2014/main" id="{4CD6DD5A-A3BD-F419-9EC1-EE1078BB8481}"/>
             </a:ext>
           </a:extLst>
@@ -26119,7 +26153,7 @@
 </p:sld>
 </file>
 
-<file path=ppt/slides/slide41.xml><?xml version="1.0" encoding="utf-8"?>
+<file path=ppt/slides/slide42.xml><?xml version="1.0" encoding="utf-8"?>
 <p:sld xmlns:a="http://schemas.openxmlformats.org/drawingml/2006/main" xmlns:r="http://schemas.openxmlformats.org/officeDocument/2006/relationships" xmlns:p="http://schemas.openxmlformats.org/presentationml/2006/main">
   <p:cSld>
     <p:spTree>
@@ -26481,7 +26515,7 @@
 </p:sld>
 </file>
 
-<file path=ppt/slides/slide42.xml><?xml version="1.0" encoding="utf-8"?>
+<file path=ppt/slides/slide43.xml><?xml version="1.0" encoding="utf-8"?>
 <p:sld xmlns:a="http://schemas.openxmlformats.org/drawingml/2006/main" xmlns:r="http://schemas.openxmlformats.org/officeDocument/2006/relationships" xmlns:p="http://schemas.openxmlformats.org/presentationml/2006/main">
   <p:cSld>
     <p:spTree>
@@ -26921,7 +26955,7 @@
 </p:sld>
 </file>
 
-<file path=ppt/slides/slide43.xml><?xml version="1.0" encoding="utf-8"?>
+<file path=ppt/slides/slide44.xml><?xml version="1.0" encoding="utf-8"?>
 <p:sld xmlns:a="http://schemas.openxmlformats.org/drawingml/2006/main" xmlns:r="http://schemas.openxmlformats.org/officeDocument/2006/relationships" xmlns:p="http://schemas.openxmlformats.org/presentationml/2006/main">
   <p:cSld>
     <p:spTree>
@@ -27100,7 +27134,7 @@
 </p:sld>
 </file>
 
-<file path=ppt/slides/slide44.xml><?xml version="1.0" encoding="utf-8"?>
+<file path=ppt/slides/slide45.xml><?xml version="1.0" encoding="utf-8"?>
 <p:sld xmlns:a="http://schemas.openxmlformats.org/drawingml/2006/main" xmlns:r="http://schemas.openxmlformats.org/officeDocument/2006/relationships" xmlns:p="http://schemas.openxmlformats.org/presentationml/2006/main">
   <p:cSld>
     <p:spTree>
@@ -27572,7 +27606,7 @@
 </p:sld>
 </file>
 
-<file path=ppt/slides/slide45.xml><?xml version="1.0" encoding="utf-8"?>
+<file path=ppt/slides/slide46.xml><?xml version="1.0" encoding="utf-8"?>
 <p:sld xmlns:a="http://schemas.openxmlformats.org/drawingml/2006/main" xmlns:r="http://schemas.openxmlformats.org/officeDocument/2006/relationships" xmlns:p="http://schemas.openxmlformats.org/presentationml/2006/main">
   <p:cSld>
     <p:spTree>
@@ -28028,7 +28062,7 @@
 </p:sld>
 </file>
 
-<file path=ppt/slides/slide46.xml><?xml version="1.0" encoding="utf-8"?>
+<file path=ppt/slides/slide47.xml><?xml version="1.0" encoding="utf-8"?>
 <p:sld xmlns:a="http://schemas.openxmlformats.org/drawingml/2006/main" xmlns:r="http://schemas.openxmlformats.org/officeDocument/2006/relationships" xmlns:p="http://schemas.openxmlformats.org/presentationml/2006/main">
   <p:cSld>
     <p:spTree>

--- a/docs/files/Block3-1_Excel-to-Scripting.pptx
+++ b/docs/files/Block3-1_Excel-to-Scripting.pptx
@@ -5,7 +5,7 @@
     <p:sldMasterId id="2147483673" r:id="rId1"/>
   </p:sldMasterIdLst>
   <p:notesMasterIdLst>
-    <p:notesMasterId r:id="rId49"/>
+    <p:notesMasterId r:id="rId55"/>
   </p:notesMasterIdLst>
   <p:sldIdLst>
     <p:sldId id="256" r:id="rId2"/>
@@ -44,31 +44,37 @@
     <p:sldId id="494" r:id="rId35"/>
     <p:sldId id="495" r:id="rId36"/>
     <p:sldId id="520" r:id="rId37"/>
-    <p:sldId id="505" r:id="rId38"/>
-    <p:sldId id="508" r:id="rId39"/>
-    <p:sldId id="509" r:id="rId40"/>
-    <p:sldId id="510" r:id="rId41"/>
-    <p:sldId id="511" r:id="rId42"/>
-    <p:sldId id="512" r:id="rId43"/>
-    <p:sldId id="513" r:id="rId44"/>
-    <p:sldId id="514" r:id="rId45"/>
-    <p:sldId id="515" r:id="rId46"/>
-    <p:sldId id="516" r:id="rId47"/>
-    <p:sldId id="517" r:id="rId48"/>
+    <p:sldId id="373" r:id="rId38"/>
+    <p:sldId id="522" r:id="rId39"/>
+    <p:sldId id="523" r:id="rId40"/>
+    <p:sldId id="524" r:id="rId41"/>
+    <p:sldId id="525" r:id="rId42"/>
+    <p:sldId id="526" r:id="rId43"/>
+    <p:sldId id="505" r:id="rId44"/>
+    <p:sldId id="508" r:id="rId45"/>
+    <p:sldId id="509" r:id="rId46"/>
+    <p:sldId id="510" r:id="rId47"/>
+    <p:sldId id="511" r:id="rId48"/>
+    <p:sldId id="512" r:id="rId49"/>
+    <p:sldId id="513" r:id="rId50"/>
+    <p:sldId id="514" r:id="rId51"/>
+    <p:sldId id="515" r:id="rId52"/>
+    <p:sldId id="516" r:id="rId53"/>
+    <p:sldId id="517" r:id="rId54"/>
   </p:sldIdLst>
   <p:sldSz cx="9144000" cy="5143500" type="screen16x9"/>
   <p:notesSz cx="6858000" cy="9144000"/>
   <p:embeddedFontLst>
     <p:embeddedFont>
       <p:font typeface="Nunito" pitchFamily="2" charset="77"/>
-      <p:regular r:id="rId50"/>
-      <p:bold r:id="rId51"/>
-      <p:italic r:id="rId52"/>
-      <p:boldItalic r:id="rId53"/>
+      <p:regular r:id="rId56"/>
+      <p:bold r:id="rId57"/>
+      <p:italic r:id="rId58"/>
+      <p:boldItalic r:id="rId59"/>
     </p:embeddedFont>
     <p:embeddedFont>
       <p:font typeface="Questrial" pitchFamily="2" charset="77"/>
-      <p:regular r:id="rId54"/>
+      <p:regular r:id="rId60"/>
     </p:embeddedFont>
   </p:embeddedFontLst>
   <p:defaultTextStyle>
@@ -6339,137 +6345,10 @@
   <p:cSld>
     <p:spTree>
       <p:nvGrpSpPr>
-        <p:cNvPr id="1" name="Shape 190">
-          <a:extLst>
-            <a:ext uri="{FF2B5EF4-FFF2-40B4-BE49-F238E27FC236}">
-              <a16:creationId xmlns:a16="http://schemas.microsoft.com/office/drawing/2014/main" id="{61EBA8C8-844E-727C-79F9-394B88F4E9E1}"/>
-            </a:ext>
-          </a:extLst>
-        </p:cNvPr>
-        <p:cNvGrpSpPr/>
-        <p:nvPr/>
-      </p:nvGrpSpPr>
-      <p:grpSpPr>
-        <a:xfrm>
-          <a:off x="0" y="0"/>
-          <a:ext cx="0" cy="0"/>
-          <a:chOff x="0" y="0"/>
-          <a:chExt cx="0" cy="0"/>
-        </a:xfrm>
-      </p:grpSpPr>
-      <p:sp>
-        <p:nvSpPr>
-          <p:cNvPr id="191" name="Google Shape;191;ge1d838b627_4_0:notes">
-            <a:extLst>
-              <a:ext uri="{FF2B5EF4-FFF2-40B4-BE49-F238E27FC236}">
-                <a16:creationId xmlns:a16="http://schemas.microsoft.com/office/drawing/2014/main" id="{08B35D9F-931E-EDCF-C1EE-7EC2C54EE3D9}"/>
-              </a:ext>
-            </a:extLst>
-          </p:cNvPr>
-          <p:cNvSpPr>
-            <a:spLocks noGrp="1" noRot="1" noChangeAspect="1"/>
-          </p:cNvSpPr>
-          <p:nvPr>
-            <p:ph type="sldImg" idx="2"/>
-          </p:nvPr>
-        </p:nvSpPr>
-        <p:spPr>
-          <a:xfrm>
-            <a:off x="381000" y="685800"/>
-            <a:ext cx="6096000" cy="3429000"/>
-          </a:xfrm>
-          <a:custGeom>
-            <a:avLst/>
-            <a:gdLst/>
-            <a:ahLst/>
-            <a:cxnLst/>
-            <a:rect l="l" t="t" r="r" b="b"/>
-            <a:pathLst>
-              <a:path w="120000" h="120000" extrusionOk="0">
-                <a:moveTo>
-                  <a:pt x="0" y="0"/>
-                </a:moveTo>
-                <a:lnTo>
-                  <a:pt x="120000" y="0"/>
-                </a:lnTo>
-                <a:lnTo>
-                  <a:pt x="120000" y="120000"/>
-                </a:lnTo>
-                <a:lnTo>
-                  <a:pt x="0" y="120000"/>
-                </a:lnTo>
-                <a:close/>
-              </a:path>
-            </a:pathLst>
-          </a:custGeom>
-        </p:spPr>
-      </p:sp>
-      <p:sp>
-        <p:nvSpPr>
-          <p:cNvPr id="192" name="Google Shape;192;ge1d838b627_4_0:notes">
-            <a:extLst>
-              <a:ext uri="{FF2B5EF4-FFF2-40B4-BE49-F238E27FC236}">
-                <a16:creationId xmlns:a16="http://schemas.microsoft.com/office/drawing/2014/main" id="{49375DF8-735C-0A59-21F5-530BFD9444C0}"/>
-              </a:ext>
-            </a:extLst>
-          </p:cNvPr>
-          <p:cNvSpPr txBox="1">
-            <a:spLocks noGrp="1"/>
-          </p:cNvSpPr>
-          <p:nvPr>
-            <p:ph type="body" idx="1"/>
-          </p:nvPr>
-        </p:nvSpPr>
-        <p:spPr>
-          <a:xfrm>
-            <a:off x="685800" y="4343400"/>
-            <a:ext cx="5486400" cy="4114800"/>
-          </a:xfrm>
-          <a:prstGeom prst="rect">
-            <a:avLst/>
-          </a:prstGeom>
-        </p:spPr>
-        <p:txBody>
-          <a:bodyPr spcFirstLastPara="1" wrap="square" lIns="91425" tIns="91425" rIns="91425" bIns="91425" anchor="t" anchorCtr="0">
-            <a:noAutofit/>
-          </a:bodyPr>
-          <a:lstStyle/>
-          <a:p>
-            <a:pPr marL="0" lvl="0" indent="0" algn="l" rtl="0">
-              <a:spcBef>
-                <a:spcPts val="0"/>
-              </a:spcBef>
-              <a:spcAft>
-                <a:spcPts val="0"/>
-              </a:spcAft>
-              <a:buNone/>
-            </a:pPr>
-            <a:endParaRPr dirty="0"/>
-          </a:p>
-        </p:txBody>
-      </p:sp>
-    </p:spTree>
-    <p:extLst>
-      <p:ext uri="{BB962C8B-B14F-4D97-AF65-F5344CB8AC3E}">
-        <p14:creationId xmlns:p14="http://schemas.microsoft.com/office/powerpoint/2010/main" val="1242654649"/>
-      </p:ext>
-    </p:extLst>
-  </p:cSld>
-  <p:clrMapOvr>
-    <a:masterClrMapping/>
-  </p:clrMapOvr>
-</p:notes>
-</file>
-
-<file path=ppt/notesSlides/notesSlide38.xml><?xml version="1.0" encoding="utf-8"?>
-<p:notes xmlns:a="http://schemas.openxmlformats.org/drawingml/2006/main" xmlns:r="http://schemas.openxmlformats.org/officeDocument/2006/relationships" xmlns:p="http://schemas.openxmlformats.org/presentationml/2006/main" showMasterSp="0" showMasterPhAnim="0">
-  <p:cSld>
-    <p:spTree>
-      <p:nvGrpSpPr>
         <p:cNvPr id="1" name="Shape 154">
           <a:extLst>
             <a:ext uri="{FF2B5EF4-FFF2-40B4-BE49-F238E27FC236}">
-              <a16:creationId xmlns:a16="http://schemas.microsoft.com/office/drawing/2014/main" id="{601CCEC0-0976-42C9-D606-13D0290F7F7C}"/>
+              <a16:creationId xmlns:a16="http://schemas.microsoft.com/office/drawing/2014/main" id="{DF7B4323-A90B-0540-9FEC-B27AABB014A5}"/>
             </a:ext>
           </a:extLst>
         </p:cNvPr>
@@ -6489,7 +6368,7 @@
           <p:cNvPr id="155" name="Google Shape;155;ge1d838b627_4_100:notes">
             <a:extLst>
               <a:ext uri="{FF2B5EF4-FFF2-40B4-BE49-F238E27FC236}">
-                <a16:creationId xmlns:a16="http://schemas.microsoft.com/office/drawing/2014/main" id="{9AE731BA-EB75-E6F8-6A5C-14E013E3F4EB}"/>
+                <a16:creationId xmlns:a16="http://schemas.microsoft.com/office/drawing/2014/main" id="{22372F75-2E3A-BB81-E55D-F532CF222E17}"/>
               </a:ext>
             </a:extLst>
           </p:cNvPr>
@@ -6536,7 +6415,7 @@
           <p:cNvPr id="156" name="Google Shape;156;ge1d838b627_4_100:notes">
             <a:extLst>
               <a:ext uri="{FF2B5EF4-FFF2-40B4-BE49-F238E27FC236}">
-                <a16:creationId xmlns:a16="http://schemas.microsoft.com/office/drawing/2014/main" id="{6621D89B-AE50-2DA5-6996-CBC78FA176E4}"/>
+                <a16:creationId xmlns:a16="http://schemas.microsoft.com/office/drawing/2014/main" id="{44861B11-DFAE-AFB3-420D-0420C3EAA39D}"/>
               </a:ext>
             </a:extLst>
           </p:cNvPr>
@@ -6571,6 +6450,14 @@
               </a:spcAft>
               <a:buNone/>
             </a:pPr>
+            <a:r>
+              <a:rPr lang="en-US" dirty="0"/>
+              <a:t>Mention </a:t>
+            </a:r>
+            <a:r>
+              <a:rPr lang="en-US" dirty="0" err="1"/>
+              <a:t>resourc</a:t>
+            </a:r>
             <a:endParaRPr dirty="0"/>
           </a:p>
         </p:txBody>
@@ -6578,7 +6465,7 @@
     </p:spTree>
     <p:extLst>
       <p:ext uri="{BB962C8B-B14F-4D97-AF65-F5344CB8AC3E}">
-        <p14:creationId xmlns:p14="http://schemas.microsoft.com/office/powerpoint/2010/main" val="162147231"/>
+        <p14:creationId xmlns:p14="http://schemas.microsoft.com/office/powerpoint/2010/main" val="763760753"/>
       </p:ext>
     </p:extLst>
   </p:cSld>
@@ -6588,7 +6475,7 @@
 </p:notes>
 </file>
 
-<file path=ppt/notesSlides/notesSlide39.xml><?xml version="1.0" encoding="utf-8"?>
+<file path=ppt/notesSlides/notesSlide38.xml><?xml version="1.0" encoding="utf-8"?>
 <p:notes xmlns:a="http://schemas.openxmlformats.org/drawingml/2006/main" xmlns:r="http://schemas.openxmlformats.org/officeDocument/2006/relationships" xmlns:p="http://schemas.openxmlformats.org/presentationml/2006/main" showMasterSp="0" showMasterPhAnim="0">
   <p:cSld>
     <p:spTree>
@@ -6596,7 +6483,7 @@
         <p:cNvPr id="1" name="Shape 154">
           <a:extLst>
             <a:ext uri="{FF2B5EF4-FFF2-40B4-BE49-F238E27FC236}">
-              <a16:creationId xmlns:a16="http://schemas.microsoft.com/office/drawing/2014/main" id="{788E1677-74FB-AE59-E4B4-15674BB2A37B}"/>
+              <a16:creationId xmlns:a16="http://schemas.microsoft.com/office/drawing/2014/main" id="{104BCE6E-1A5E-BE9A-6D95-33879BC546E6}"/>
             </a:ext>
           </a:extLst>
         </p:cNvPr>
@@ -6616,7 +6503,7 @@
           <p:cNvPr id="155" name="Google Shape;155;ge1d838b627_4_100:notes">
             <a:extLst>
               <a:ext uri="{FF2B5EF4-FFF2-40B4-BE49-F238E27FC236}">
-                <a16:creationId xmlns:a16="http://schemas.microsoft.com/office/drawing/2014/main" id="{35E2D63E-E160-963D-30B5-6C7CA35AB47F}"/>
+                <a16:creationId xmlns:a16="http://schemas.microsoft.com/office/drawing/2014/main" id="{608A6E80-36D8-A3E0-258E-3FD340ED2511}"/>
               </a:ext>
             </a:extLst>
           </p:cNvPr>
@@ -6663,7 +6550,7 @@
           <p:cNvPr id="156" name="Google Shape;156;ge1d838b627_4_100:notes">
             <a:extLst>
               <a:ext uri="{FF2B5EF4-FFF2-40B4-BE49-F238E27FC236}">
-                <a16:creationId xmlns:a16="http://schemas.microsoft.com/office/drawing/2014/main" id="{44EE9079-73E6-4549-F030-FA86288DBAEE}"/>
+                <a16:creationId xmlns:a16="http://schemas.microsoft.com/office/drawing/2014/main" id="{E3098C61-D053-483A-829F-02E23ECC6F1E}"/>
               </a:ext>
             </a:extLst>
           </p:cNvPr>
@@ -6698,14 +6585,141 @@
               </a:spcAft>
               <a:buNone/>
             </a:pPr>
-            <a:endParaRPr dirty="0"/>
+            <a:endParaRPr/>
           </a:p>
         </p:txBody>
       </p:sp>
     </p:spTree>
     <p:extLst>
       <p:ext uri="{BB962C8B-B14F-4D97-AF65-F5344CB8AC3E}">
-        <p14:creationId xmlns:p14="http://schemas.microsoft.com/office/powerpoint/2010/main" val="1904458114"/>
+        <p14:creationId xmlns:p14="http://schemas.microsoft.com/office/powerpoint/2010/main" val="2817488792"/>
+      </p:ext>
+    </p:extLst>
+  </p:cSld>
+  <p:clrMapOvr>
+    <a:masterClrMapping/>
+  </p:clrMapOvr>
+</p:notes>
+</file>
+
+<file path=ppt/notesSlides/notesSlide39.xml><?xml version="1.0" encoding="utf-8"?>
+<p:notes xmlns:a="http://schemas.openxmlformats.org/drawingml/2006/main" xmlns:r="http://schemas.openxmlformats.org/officeDocument/2006/relationships" xmlns:p="http://schemas.openxmlformats.org/presentationml/2006/main" showMasterSp="0" showMasterPhAnim="0">
+  <p:cSld>
+    <p:spTree>
+      <p:nvGrpSpPr>
+        <p:cNvPr id="1" name="Shape 154">
+          <a:extLst>
+            <a:ext uri="{FF2B5EF4-FFF2-40B4-BE49-F238E27FC236}">
+              <a16:creationId xmlns:a16="http://schemas.microsoft.com/office/drawing/2014/main" id="{434B5DA8-C6D2-AB64-EC51-D3CB424EBE78}"/>
+            </a:ext>
+          </a:extLst>
+        </p:cNvPr>
+        <p:cNvGrpSpPr/>
+        <p:nvPr/>
+      </p:nvGrpSpPr>
+      <p:grpSpPr>
+        <a:xfrm>
+          <a:off x="0" y="0"/>
+          <a:ext cx="0" cy="0"/>
+          <a:chOff x="0" y="0"/>
+          <a:chExt cx="0" cy="0"/>
+        </a:xfrm>
+      </p:grpSpPr>
+      <p:sp>
+        <p:nvSpPr>
+          <p:cNvPr id="155" name="Google Shape;155;ge1d838b627_4_100:notes">
+            <a:extLst>
+              <a:ext uri="{FF2B5EF4-FFF2-40B4-BE49-F238E27FC236}">
+                <a16:creationId xmlns:a16="http://schemas.microsoft.com/office/drawing/2014/main" id="{4CB6EE13-F2E2-CEA9-63A6-F18E677A4BEE}"/>
+              </a:ext>
+            </a:extLst>
+          </p:cNvPr>
+          <p:cNvSpPr>
+            <a:spLocks noGrp="1" noRot="1" noChangeAspect="1"/>
+          </p:cNvSpPr>
+          <p:nvPr>
+            <p:ph type="sldImg" idx="2"/>
+          </p:nvPr>
+        </p:nvSpPr>
+        <p:spPr>
+          <a:xfrm>
+            <a:off x="381000" y="685800"/>
+            <a:ext cx="6096000" cy="3429000"/>
+          </a:xfrm>
+          <a:custGeom>
+            <a:avLst/>
+            <a:gdLst/>
+            <a:ahLst/>
+            <a:cxnLst/>
+            <a:rect l="l" t="t" r="r" b="b"/>
+            <a:pathLst>
+              <a:path w="120000" h="120000" extrusionOk="0">
+                <a:moveTo>
+                  <a:pt x="0" y="0"/>
+                </a:moveTo>
+                <a:lnTo>
+                  <a:pt x="120000" y="0"/>
+                </a:lnTo>
+                <a:lnTo>
+                  <a:pt x="120000" y="120000"/>
+                </a:lnTo>
+                <a:lnTo>
+                  <a:pt x="0" y="120000"/>
+                </a:lnTo>
+                <a:close/>
+              </a:path>
+            </a:pathLst>
+          </a:custGeom>
+        </p:spPr>
+      </p:sp>
+      <p:sp>
+        <p:nvSpPr>
+          <p:cNvPr id="156" name="Google Shape;156;ge1d838b627_4_100:notes">
+            <a:extLst>
+              <a:ext uri="{FF2B5EF4-FFF2-40B4-BE49-F238E27FC236}">
+                <a16:creationId xmlns:a16="http://schemas.microsoft.com/office/drawing/2014/main" id="{7D524A4E-75E4-0478-F9B7-708A54D61AB7}"/>
+              </a:ext>
+            </a:extLst>
+          </p:cNvPr>
+          <p:cNvSpPr txBox="1">
+            <a:spLocks noGrp="1"/>
+          </p:cNvSpPr>
+          <p:nvPr>
+            <p:ph type="body" idx="1"/>
+          </p:nvPr>
+        </p:nvSpPr>
+        <p:spPr>
+          <a:xfrm>
+            <a:off x="685800" y="4343400"/>
+            <a:ext cx="5486400" cy="4114800"/>
+          </a:xfrm>
+          <a:prstGeom prst="rect">
+            <a:avLst/>
+          </a:prstGeom>
+        </p:spPr>
+        <p:txBody>
+          <a:bodyPr spcFirstLastPara="1" wrap="square" lIns="91425" tIns="91425" rIns="91425" bIns="91425" anchor="t" anchorCtr="0">
+            <a:noAutofit/>
+          </a:bodyPr>
+          <a:lstStyle/>
+          <a:p>
+            <a:pPr marL="0" lvl="0" indent="0" algn="l" rtl="0">
+              <a:spcBef>
+                <a:spcPts val="0"/>
+              </a:spcBef>
+              <a:spcAft>
+                <a:spcPts val="0"/>
+              </a:spcAft>
+              <a:buNone/>
+            </a:pPr>
+            <a:endParaRPr/>
+          </a:p>
+        </p:txBody>
+      </p:sp>
+    </p:spTree>
+    <p:extLst>
+      <p:ext uri="{BB962C8B-B14F-4D97-AF65-F5344CB8AC3E}">
+        <p14:creationId xmlns:p14="http://schemas.microsoft.com/office/powerpoint/2010/main" val="2911788681"/>
       </p:ext>
     </p:extLst>
   </p:cSld>
@@ -6850,6 +6864,768 @@
         <p:cNvPr id="1" name="Shape 154">
           <a:extLst>
             <a:ext uri="{FF2B5EF4-FFF2-40B4-BE49-F238E27FC236}">
+              <a16:creationId xmlns:a16="http://schemas.microsoft.com/office/drawing/2014/main" id="{4831E017-D5CA-AB03-815D-DD9B97C5CC22}"/>
+            </a:ext>
+          </a:extLst>
+        </p:cNvPr>
+        <p:cNvGrpSpPr/>
+        <p:nvPr/>
+      </p:nvGrpSpPr>
+      <p:grpSpPr>
+        <a:xfrm>
+          <a:off x="0" y="0"/>
+          <a:ext cx="0" cy="0"/>
+          <a:chOff x="0" y="0"/>
+          <a:chExt cx="0" cy="0"/>
+        </a:xfrm>
+      </p:grpSpPr>
+      <p:sp>
+        <p:nvSpPr>
+          <p:cNvPr id="155" name="Google Shape;155;ge1d838b627_4_100:notes">
+            <a:extLst>
+              <a:ext uri="{FF2B5EF4-FFF2-40B4-BE49-F238E27FC236}">
+                <a16:creationId xmlns:a16="http://schemas.microsoft.com/office/drawing/2014/main" id="{37464218-0F8E-1618-698B-783E8E42BE76}"/>
+              </a:ext>
+            </a:extLst>
+          </p:cNvPr>
+          <p:cNvSpPr>
+            <a:spLocks noGrp="1" noRot="1" noChangeAspect="1"/>
+          </p:cNvSpPr>
+          <p:nvPr>
+            <p:ph type="sldImg" idx="2"/>
+          </p:nvPr>
+        </p:nvSpPr>
+        <p:spPr>
+          <a:xfrm>
+            <a:off x="381000" y="685800"/>
+            <a:ext cx="6096000" cy="3429000"/>
+          </a:xfrm>
+          <a:custGeom>
+            <a:avLst/>
+            <a:gdLst/>
+            <a:ahLst/>
+            <a:cxnLst/>
+            <a:rect l="l" t="t" r="r" b="b"/>
+            <a:pathLst>
+              <a:path w="120000" h="120000" extrusionOk="0">
+                <a:moveTo>
+                  <a:pt x="0" y="0"/>
+                </a:moveTo>
+                <a:lnTo>
+                  <a:pt x="120000" y="0"/>
+                </a:lnTo>
+                <a:lnTo>
+                  <a:pt x="120000" y="120000"/>
+                </a:lnTo>
+                <a:lnTo>
+                  <a:pt x="0" y="120000"/>
+                </a:lnTo>
+                <a:close/>
+              </a:path>
+            </a:pathLst>
+          </a:custGeom>
+        </p:spPr>
+      </p:sp>
+      <p:sp>
+        <p:nvSpPr>
+          <p:cNvPr id="156" name="Google Shape;156;ge1d838b627_4_100:notes">
+            <a:extLst>
+              <a:ext uri="{FF2B5EF4-FFF2-40B4-BE49-F238E27FC236}">
+                <a16:creationId xmlns:a16="http://schemas.microsoft.com/office/drawing/2014/main" id="{BB2F45A1-D1CA-9860-E05D-106EF5A2333E}"/>
+              </a:ext>
+            </a:extLst>
+          </p:cNvPr>
+          <p:cNvSpPr txBox="1">
+            <a:spLocks noGrp="1"/>
+          </p:cNvSpPr>
+          <p:nvPr>
+            <p:ph type="body" idx="1"/>
+          </p:nvPr>
+        </p:nvSpPr>
+        <p:spPr>
+          <a:xfrm>
+            <a:off x="685800" y="4343400"/>
+            <a:ext cx="5486400" cy="4114800"/>
+          </a:xfrm>
+          <a:prstGeom prst="rect">
+            <a:avLst/>
+          </a:prstGeom>
+        </p:spPr>
+        <p:txBody>
+          <a:bodyPr spcFirstLastPara="1" wrap="square" lIns="91425" tIns="91425" rIns="91425" bIns="91425" anchor="t" anchorCtr="0">
+            <a:noAutofit/>
+          </a:bodyPr>
+          <a:lstStyle/>
+          <a:p>
+            <a:pPr marL="0" lvl="0" indent="0" algn="l" rtl="0">
+              <a:spcBef>
+                <a:spcPts val="0"/>
+              </a:spcBef>
+              <a:spcAft>
+                <a:spcPts val="0"/>
+              </a:spcAft>
+              <a:buNone/>
+            </a:pPr>
+            <a:endParaRPr/>
+          </a:p>
+        </p:txBody>
+      </p:sp>
+    </p:spTree>
+    <p:extLst>
+      <p:ext uri="{BB962C8B-B14F-4D97-AF65-F5344CB8AC3E}">
+        <p14:creationId xmlns:p14="http://schemas.microsoft.com/office/powerpoint/2010/main" val="604901759"/>
+      </p:ext>
+    </p:extLst>
+  </p:cSld>
+  <p:clrMapOvr>
+    <a:masterClrMapping/>
+  </p:clrMapOvr>
+</p:notes>
+</file>
+
+<file path=ppt/notesSlides/notesSlide41.xml><?xml version="1.0" encoding="utf-8"?>
+<p:notes xmlns:a="http://schemas.openxmlformats.org/drawingml/2006/main" xmlns:r="http://schemas.openxmlformats.org/officeDocument/2006/relationships" xmlns:p="http://schemas.openxmlformats.org/presentationml/2006/main" showMasterSp="0" showMasterPhAnim="0">
+  <p:cSld>
+    <p:spTree>
+      <p:nvGrpSpPr>
+        <p:cNvPr id="1" name="Shape 154">
+          <a:extLst>
+            <a:ext uri="{FF2B5EF4-FFF2-40B4-BE49-F238E27FC236}">
+              <a16:creationId xmlns:a16="http://schemas.microsoft.com/office/drawing/2014/main" id="{6E80A378-E2D9-314E-E521-6E82B98E68F8}"/>
+            </a:ext>
+          </a:extLst>
+        </p:cNvPr>
+        <p:cNvGrpSpPr/>
+        <p:nvPr/>
+      </p:nvGrpSpPr>
+      <p:grpSpPr>
+        <a:xfrm>
+          <a:off x="0" y="0"/>
+          <a:ext cx="0" cy="0"/>
+          <a:chOff x="0" y="0"/>
+          <a:chExt cx="0" cy="0"/>
+        </a:xfrm>
+      </p:grpSpPr>
+      <p:sp>
+        <p:nvSpPr>
+          <p:cNvPr id="155" name="Google Shape;155;ge1d838b627_4_100:notes">
+            <a:extLst>
+              <a:ext uri="{FF2B5EF4-FFF2-40B4-BE49-F238E27FC236}">
+                <a16:creationId xmlns:a16="http://schemas.microsoft.com/office/drawing/2014/main" id="{C08F2368-A1AB-A567-9386-35B7C86987A8}"/>
+              </a:ext>
+            </a:extLst>
+          </p:cNvPr>
+          <p:cNvSpPr>
+            <a:spLocks noGrp="1" noRot="1" noChangeAspect="1"/>
+          </p:cNvSpPr>
+          <p:nvPr>
+            <p:ph type="sldImg" idx="2"/>
+          </p:nvPr>
+        </p:nvSpPr>
+        <p:spPr>
+          <a:xfrm>
+            <a:off x="381000" y="685800"/>
+            <a:ext cx="6096000" cy="3429000"/>
+          </a:xfrm>
+          <a:custGeom>
+            <a:avLst/>
+            <a:gdLst/>
+            <a:ahLst/>
+            <a:cxnLst/>
+            <a:rect l="l" t="t" r="r" b="b"/>
+            <a:pathLst>
+              <a:path w="120000" h="120000" extrusionOk="0">
+                <a:moveTo>
+                  <a:pt x="0" y="0"/>
+                </a:moveTo>
+                <a:lnTo>
+                  <a:pt x="120000" y="0"/>
+                </a:lnTo>
+                <a:lnTo>
+                  <a:pt x="120000" y="120000"/>
+                </a:lnTo>
+                <a:lnTo>
+                  <a:pt x="0" y="120000"/>
+                </a:lnTo>
+                <a:close/>
+              </a:path>
+            </a:pathLst>
+          </a:custGeom>
+        </p:spPr>
+      </p:sp>
+      <p:sp>
+        <p:nvSpPr>
+          <p:cNvPr id="156" name="Google Shape;156;ge1d838b627_4_100:notes">
+            <a:extLst>
+              <a:ext uri="{FF2B5EF4-FFF2-40B4-BE49-F238E27FC236}">
+                <a16:creationId xmlns:a16="http://schemas.microsoft.com/office/drawing/2014/main" id="{8183C128-E21B-65AB-B28A-9CF40CDC580B}"/>
+              </a:ext>
+            </a:extLst>
+          </p:cNvPr>
+          <p:cNvSpPr txBox="1">
+            <a:spLocks noGrp="1"/>
+          </p:cNvSpPr>
+          <p:nvPr>
+            <p:ph type="body" idx="1"/>
+          </p:nvPr>
+        </p:nvSpPr>
+        <p:spPr>
+          <a:xfrm>
+            <a:off x="685800" y="4343400"/>
+            <a:ext cx="5486400" cy="4114800"/>
+          </a:xfrm>
+          <a:prstGeom prst="rect">
+            <a:avLst/>
+          </a:prstGeom>
+        </p:spPr>
+        <p:txBody>
+          <a:bodyPr spcFirstLastPara="1" wrap="square" lIns="91425" tIns="91425" rIns="91425" bIns="91425" anchor="t" anchorCtr="0">
+            <a:noAutofit/>
+          </a:bodyPr>
+          <a:lstStyle/>
+          <a:p>
+            <a:pPr marL="0" lvl="0" indent="0" algn="l" rtl="0">
+              <a:spcBef>
+                <a:spcPts val="0"/>
+              </a:spcBef>
+              <a:spcAft>
+                <a:spcPts val="0"/>
+              </a:spcAft>
+              <a:buNone/>
+            </a:pPr>
+            <a:endParaRPr/>
+          </a:p>
+        </p:txBody>
+      </p:sp>
+    </p:spTree>
+    <p:extLst>
+      <p:ext uri="{BB962C8B-B14F-4D97-AF65-F5344CB8AC3E}">
+        <p14:creationId xmlns:p14="http://schemas.microsoft.com/office/powerpoint/2010/main" val="192196275"/>
+      </p:ext>
+    </p:extLst>
+  </p:cSld>
+  <p:clrMapOvr>
+    <a:masterClrMapping/>
+  </p:clrMapOvr>
+</p:notes>
+</file>
+
+<file path=ppt/notesSlides/notesSlide42.xml><?xml version="1.0" encoding="utf-8"?>
+<p:notes xmlns:a="http://schemas.openxmlformats.org/drawingml/2006/main" xmlns:r="http://schemas.openxmlformats.org/officeDocument/2006/relationships" xmlns:p="http://schemas.openxmlformats.org/presentationml/2006/main" showMasterSp="0" showMasterPhAnim="0">
+  <p:cSld>
+    <p:spTree>
+      <p:nvGrpSpPr>
+        <p:cNvPr id="1" name="Shape 154">
+          <a:extLst>
+            <a:ext uri="{FF2B5EF4-FFF2-40B4-BE49-F238E27FC236}">
+              <a16:creationId xmlns:a16="http://schemas.microsoft.com/office/drawing/2014/main" id="{B19B744D-CBC7-1FCE-8AD6-EE4203D2A7E2}"/>
+            </a:ext>
+          </a:extLst>
+        </p:cNvPr>
+        <p:cNvGrpSpPr/>
+        <p:nvPr/>
+      </p:nvGrpSpPr>
+      <p:grpSpPr>
+        <a:xfrm>
+          <a:off x="0" y="0"/>
+          <a:ext cx="0" cy="0"/>
+          <a:chOff x="0" y="0"/>
+          <a:chExt cx="0" cy="0"/>
+        </a:xfrm>
+      </p:grpSpPr>
+      <p:sp>
+        <p:nvSpPr>
+          <p:cNvPr id="155" name="Google Shape;155;ge1d838b627_4_100:notes">
+            <a:extLst>
+              <a:ext uri="{FF2B5EF4-FFF2-40B4-BE49-F238E27FC236}">
+                <a16:creationId xmlns:a16="http://schemas.microsoft.com/office/drawing/2014/main" id="{3C4DBEFF-FCAC-E8A2-83F4-8F0D51CD2C6A}"/>
+              </a:ext>
+            </a:extLst>
+          </p:cNvPr>
+          <p:cNvSpPr>
+            <a:spLocks noGrp="1" noRot="1" noChangeAspect="1"/>
+          </p:cNvSpPr>
+          <p:nvPr>
+            <p:ph type="sldImg" idx="2"/>
+          </p:nvPr>
+        </p:nvSpPr>
+        <p:spPr>
+          <a:xfrm>
+            <a:off x="381000" y="685800"/>
+            <a:ext cx="6096000" cy="3429000"/>
+          </a:xfrm>
+          <a:custGeom>
+            <a:avLst/>
+            <a:gdLst/>
+            <a:ahLst/>
+            <a:cxnLst/>
+            <a:rect l="l" t="t" r="r" b="b"/>
+            <a:pathLst>
+              <a:path w="120000" h="120000" extrusionOk="0">
+                <a:moveTo>
+                  <a:pt x="0" y="0"/>
+                </a:moveTo>
+                <a:lnTo>
+                  <a:pt x="120000" y="0"/>
+                </a:lnTo>
+                <a:lnTo>
+                  <a:pt x="120000" y="120000"/>
+                </a:lnTo>
+                <a:lnTo>
+                  <a:pt x="0" y="120000"/>
+                </a:lnTo>
+                <a:close/>
+              </a:path>
+            </a:pathLst>
+          </a:custGeom>
+        </p:spPr>
+      </p:sp>
+      <p:sp>
+        <p:nvSpPr>
+          <p:cNvPr id="156" name="Google Shape;156;ge1d838b627_4_100:notes">
+            <a:extLst>
+              <a:ext uri="{FF2B5EF4-FFF2-40B4-BE49-F238E27FC236}">
+                <a16:creationId xmlns:a16="http://schemas.microsoft.com/office/drawing/2014/main" id="{4E813891-130F-DF93-57A9-3D901ABDCB8B}"/>
+              </a:ext>
+            </a:extLst>
+          </p:cNvPr>
+          <p:cNvSpPr txBox="1">
+            <a:spLocks noGrp="1"/>
+          </p:cNvSpPr>
+          <p:nvPr>
+            <p:ph type="body" idx="1"/>
+          </p:nvPr>
+        </p:nvSpPr>
+        <p:spPr>
+          <a:xfrm>
+            <a:off x="685800" y="4343400"/>
+            <a:ext cx="5486400" cy="4114800"/>
+          </a:xfrm>
+          <a:prstGeom prst="rect">
+            <a:avLst/>
+          </a:prstGeom>
+        </p:spPr>
+        <p:txBody>
+          <a:bodyPr spcFirstLastPara="1" wrap="square" lIns="91425" tIns="91425" rIns="91425" bIns="91425" anchor="t" anchorCtr="0">
+            <a:noAutofit/>
+          </a:bodyPr>
+          <a:lstStyle/>
+          <a:p>
+            <a:pPr marL="0" lvl="0" indent="0" algn="l" rtl="0">
+              <a:spcBef>
+                <a:spcPts val="0"/>
+              </a:spcBef>
+              <a:spcAft>
+                <a:spcPts val="0"/>
+              </a:spcAft>
+              <a:buNone/>
+            </a:pPr>
+            <a:endParaRPr/>
+          </a:p>
+        </p:txBody>
+      </p:sp>
+    </p:spTree>
+    <p:extLst>
+      <p:ext uri="{BB962C8B-B14F-4D97-AF65-F5344CB8AC3E}">
+        <p14:creationId xmlns:p14="http://schemas.microsoft.com/office/powerpoint/2010/main" val="3704554264"/>
+      </p:ext>
+    </p:extLst>
+  </p:cSld>
+  <p:clrMapOvr>
+    <a:masterClrMapping/>
+  </p:clrMapOvr>
+</p:notes>
+</file>
+
+<file path=ppt/notesSlides/notesSlide43.xml><?xml version="1.0" encoding="utf-8"?>
+<p:notes xmlns:a="http://schemas.openxmlformats.org/drawingml/2006/main" xmlns:r="http://schemas.openxmlformats.org/officeDocument/2006/relationships" xmlns:p="http://schemas.openxmlformats.org/presentationml/2006/main" showMasterSp="0" showMasterPhAnim="0">
+  <p:cSld>
+    <p:spTree>
+      <p:nvGrpSpPr>
+        <p:cNvPr id="1" name="Shape 190">
+          <a:extLst>
+            <a:ext uri="{FF2B5EF4-FFF2-40B4-BE49-F238E27FC236}">
+              <a16:creationId xmlns:a16="http://schemas.microsoft.com/office/drawing/2014/main" id="{61EBA8C8-844E-727C-79F9-394B88F4E9E1}"/>
+            </a:ext>
+          </a:extLst>
+        </p:cNvPr>
+        <p:cNvGrpSpPr/>
+        <p:nvPr/>
+      </p:nvGrpSpPr>
+      <p:grpSpPr>
+        <a:xfrm>
+          <a:off x="0" y="0"/>
+          <a:ext cx="0" cy="0"/>
+          <a:chOff x="0" y="0"/>
+          <a:chExt cx="0" cy="0"/>
+        </a:xfrm>
+      </p:grpSpPr>
+      <p:sp>
+        <p:nvSpPr>
+          <p:cNvPr id="191" name="Google Shape;191;ge1d838b627_4_0:notes">
+            <a:extLst>
+              <a:ext uri="{FF2B5EF4-FFF2-40B4-BE49-F238E27FC236}">
+                <a16:creationId xmlns:a16="http://schemas.microsoft.com/office/drawing/2014/main" id="{08B35D9F-931E-EDCF-C1EE-7EC2C54EE3D9}"/>
+              </a:ext>
+            </a:extLst>
+          </p:cNvPr>
+          <p:cNvSpPr>
+            <a:spLocks noGrp="1" noRot="1" noChangeAspect="1"/>
+          </p:cNvSpPr>
+          <p:nvPr>
+            <p:ph type="sldImg" idx="2"/>
+          </p:nvPr>
+        </p:nvSpPr>
+        <p:spPr>
+          <a:xfrm>
+            <a:off x="381000" y="685800"/>
+            <a:ext cx="6096000" cy="3429000"/>
+          </a:xfrm>
+          <a:custGeom>
+            <a:avLst/>
+            <a:gdLst/>
+            <a:ahLst/>
+            <a:cxnLst/>
+            <a:rect l="l" t="t" r="r" b="b"/>
+            <a:pathLst>
+              <a:path w="120000" h="120000" extrusionOk="0">
+                <a:moveTo>
+                  <a:pt x="0" y="0"/>
+                </a:moveTo>
+                <a:lnTo>
+                  <a:pt x="120000" y="0"/>
+                </a:lnTo>
+                <a:lnTo>
+                  <a:pt x="120000" y="120000"/>
+                </a:lnTo>
+                <a:lnTo>
+                  <a:pt x="0" y="120000"/>
+                </a:lnTo>
+                <a:close/>
+              </a:path>
+            </a:pathLst>
+          </a:custGeom>
+        </p:spPr>
+      </p:sp>
+      <p:sp>
+        <p:nvSpPr>
+          <p:cNvPr id="192" name="Google Shape;192;ge1d838b627_4_0:notes">
+            <a:extLst>
+              <a:ext uri="{FF2B5EF4-FFF2-40B4-BE49-F238E27FC236}">
+                <a16:creationId xmlns:a16="http://schemas.microsoft.com/office/drawing/2014/main" id="{49375DF8-735C-0A59-21F5-530BFD9444C0}"/>
+              </a:ext>
+            </a:extLst>
+          </p:cNvPr>
+          <p:cNvSpPr txBox="1">
+            <a:spLocks noGrp="1"/>
+          </p:cNvSpPr>
+          <p:nvPr>
+            <p:ph type="body" idx="1"/>
+          </p:nvPr>
+        </p:nvSpPr>
+        <p:spPr>
+          <a:xfrm>
+            <a:off x="685800" y="4343400"/>
+            <a:ext cx="5486400" cy="4114800"/>
+          </a:xfrm>
+          <a:prstGeom prst="rect">
+            <a:avLst/>
+          </a:prstGeom>
+        </p:spPr>
+        <p:txBody>
+          <a:bodyPr spcFirstLastPara="1" wrap="square" lIns="91425" tIns="91425" rIns="91425" bIns="91425" anchor="t" anchorCtr="0">
+            <a:noAutofit/>
+          </a:bodyPr>
+          <a:lstStyle/>
+          <a:p>
+            <a:pPr marL="0" lvl="0" indent="0" algn="l" rtl="0">
+              <a:spcBef>
+                <a:spcPts val="0"/>
+              </a:spcBef>
+              <a:spcAft>
+                <a:spcPts val="0"/>
+              </a:spcAft>
+              <a:buNone/>
+            </a:pPr>
+            <a:endParaRPr dirty="0"/>
+          </a:p>
+        </p:txBody>
+      </p:sp>
+    </p:spTree>
+    <p:extLst>
+      <p:ext uri="{BB962C8B-B14F-4D97-AF65-F5344CB8AC3E}">
+        <p14:creationId xmlns:p14="http://schemas.microsoft.com/office/powerpoint/2010/main" val="1242654649"/>
+      </p:ext>
+    </p:extLst>
+  </p:cSld>
+  <p:clrMapOvr>
+    <a:masterClrMapping/>
+  </p:clrMapOvr>
+</p:notes>
+</file>
+
+<file path=ppt/notesSlides/notesSlide44.xml><?xml version="1.0" encoding="utf-8"?>
+<p:notes xmlns:a="http://schemas.openxmlformats.org/drawingml/2006/main" xmlns:r="http://schemas.openxmlformats.org/officeDocument/2006/relationships" xmlns:p="http://schemas.openxmlformats.org/presentationml/2006/main" showMasterSp="0" showMasterPhAnim="0">
+  <p:cSld>
+    <p:spTree>
+      <p:nvGrpSpPr>
+        <p:cNvPr id="1" name="Shape 154">
+          <a:extLst>
+            <a:ext uri="{FF2B5EF4-FFF2-40B4-BE49-F238E27FC236}">
+              <a16:creationId xmlns:a16="http://schemas.microsoft.com/office/drawing/2014/main" id="{601CCEC0-0976-42C9-D606-13D0290F7F7C}"/>
+            </a:ext>
+          </a:extLst>
+        </p:cNvPr>
+        <p:cNvGrpSpPr/>
+        <p:nvPr/>
+      </p:nvGrpSpPr>
+      <p:grpSpPr>
+        <a:xfrm>
+          <a:off x="0" y="0"/>
+          <a:ext cx="0" cy="0"/>
+          <a:chOff x="0" y="0"/>
+          <a:chExt cx="0" cy="0"/>
+        </a:xfrm>
+      </p:grpSpPr>
+      <p:sp>
+        <p:nvSpPr>
+          <p:cNvPr id="155" name="Google Shape;155;ge1d838b627_4_100:notes">
+            <a:extLst>
+              <a:ext uri="{FF2B5EF4-FFF2-40B4-BE49-F238E27FC236}">
+                <a16:creationId xmlns:a16="http://schemas.microsoft.com/office/drawing/2014/main" id="{9AE731BA-EB75-E6F8-6A5C-14E013E3F4EB}"/>
+              </a:ext>
+            </a:extLst>
+          </p:cNvPr>
+          <p:cNvSpPr>
+            <a:spLocks noGrp="1" noRot="1" noChangeAspect="1"/>
+          </p:cNvSpPr>
+          <p:nvPr>
+            <p:ph type="sldImg" idx="2"/>
+          </p:nvPr>
+        </p:nvSpPr>
+        <p:spPr>
+          <a:xfrm>
+            <a:off x="381000" y="685800"/>
+            <a:ext cx="6096000" cy="3429000"/>
+          </a:xfrm>
+          <a:custGeom>
+            <a:avLst/>
+            <a:gdLst/>
+            <a:ahLst/>
+            <a:cxnLst/>
+            <a:rect l="l" t="t" r="r" b="b"/>
+            <a:pathLst>
+              <a:path w="120000" h="120000" extrusionOk="0">
+                <a:moveTo>
+                  <a:pt x="0" y="0"/>
+                </a:moveTo>
+                <a:lnTo>
+                  <a:pt x="120000" y="0"/>
+                </a:lnTo>
+                <a:lnTo>
+                  <a:pt x="120000" y="120000"/>
+                </a:lnTo>
+                <a:lnTo>
+                  <a:pt x="0" y="120000"/>
+                </a:lnTo>
+                <a:close/>
+              </a:path>
+            </a:pathLst>
+          </a:custGeom>
+        </p:spPr>
+      </p:sp>
+      <p:sp>
+        <p:nvSpPr>
+          <p:cNvPr id="156" name="Google Shape;156;ge1d838b627_4_100:notes">
+            <a:extLst>
+              <a:ext uri="{FF2B5EF4-FFF2-40B4-BE49-F238E27FC236}">
+                <a16:creationId xmlns:a16="http://schemas.microsoft.com/office/drawing/2014/main" id="{6621D89B-AE50-2DA5-6996-CBC78FA176E4}"/>
+              </a:ext>
+            </a:extLst>
+          </p:cNvPr>
+          <p:cNvSpPr txBox="1">
+            <a:spLocks noGrp="1"/>
+          </p:cNvSpPr>
+          <p:nvPr>
+            <p:ph type="body" idx="1"/>
+          </p:nvPr>
+        </p:nvSpPr>
+        <p:spPr>
+          <a:xfrm>
+            <a:off x="685800" y="4343400"/>
+            <a:ext cx="5486400" cy="4114800"/>
+          </a:xfrm>
+          <a:prstGeom prst="rect">
+            <a:avLst/>
+          </a:prstGeom>
+        </p:spPr>
+        <p:txBody>
+          <a:bodyPr spcFirstLastPara="1" wrap="square" lIns="91425" tIns="91425" rIns="91425" bIns="91425" anchor="t" anchorCtr="0">
+            <a:noAutofit/>
+          </a:bodyPr>
+          <a:lstStyle/>
+          <a:p>
+            <a:pPr marL="0" lvl="0" indent="0" algn="l" rtl="0">
+              <a:spcBef>
+                <a:spcPts val="0"/>
+              </a:spcBef>
+              <a:spcAft>
+                <a:spcPts val="0"/>
+              </a:spcAft>
+              <a:buNone/>
+            </a:pPr>
+            <a:endParaRPr dirty="0"/>
+          </a:p>
+        </p:txBody>
+      </p:sp>
+    </p:spTree>
+    <p:extLst>
+      <p:ext uri="{BB962C8B-B14F-4D97-AF65-F5344CB8AC3E}">
+        <p14:creationId xmlns:p14="http://schemas.microsoft.com/office/powerpoint/2010/main" val="162147231"/>
+      </p:ext>
+    </p:extLst>
+  </p:cSld>
+  <p:clrMapOvr>
+    <a:masterClrMapping/>
+  </p:clrMapOvr>
+</p:notes>
+</file>
+
+<file path=ppt/notesSlides/notesSlide45.xml><?xml version="1.0" encoding="utf-8"?>
+<p:notes xmlns:a="http://schemas.openxmlformats.org/drawingml/2006/main" xmlns:r="http://schemas.openxmlformats.org/officeDocument/2006/relationships" xmlns:p="http://schemas.openxmlformats.org/presentationml/2006/main" showMasterSp="0" showMasterPhAnim="0">
+  <p:cSld>
+    <p:spTree>
+      <p:nvGrpSpPr>
+        <p:cNvPr id="1" name="Shape 154">
+          <a:extLst>
+            <a:ext uri="{FF2B5EF4-FFF2-40B4-BE49-F238E27FC236}">
+              <a16:creationId xmlns:a16="http://schemas.microsoft.com/office/drawing/2014/main" id="{788E1677-74FB-AE59-E4B4-15674BB2A37B}"/>
+            </a:ext>
+          </a:extLst>
+        </p:cNvPr>
+        <p:cNvGrpSpPr/>
+        <p:nvPr/>
+      </p:nvGrpSpPr>
+      <p:grpSpPr>
+        <a:xfrm>
+          <a:off x="0" y="0"/>
+          <a:ext cx="0" cy="0"/>
+          <a:chOff x="0" y="0"/>
+          <a:chExt cx="0" cy="0"/>
+        </a:xfrm>
+      </p:grpSpPr>
+      <p:sp>
+        <p:nvSpPr>
+          <p:cNvPr id="155" name="Google Shape;155;ge1d838b627_4_100:notes">
+            <a:extLst>
+              <a:ext uri="{FF2B5EF4-FFF2-40B4-BE49-F238E27FC236}">
+                <a16:creationId xmlns:a16="http://schemas.microsoft.com/office/drawing/2014/main" id="{35E2D63E-E160-963D-30B5-6C7CA35AB47F}"/>
+              </a:ext>
+            </a:extLst>
+          </p:cNvPr>
+          <p:cNvSpPr>
+            <a:spLocks noGrp="1" noRot="1" noChangeAspect="1"/>
+          </p:cNvSpPr>
+          <p:nvPr>
+            <p:ph type="sldImg" idx="2"/>
+          </p:nvPr>
+        </p:nvSpPr>
+        <p:spPr>
+          <a:xfrm>
+            <a:off x="381000" y="685800"/>
+            <a:ext cx="6096000" cy="3429000"/>
+          </a:xfrm>
+          <a:custGeom>
+            <a:avLst/>
+            <a:gdLst/>
+            <a:ahLst/>
+            <a:cxnLst/>
+            <a:rect l="l" t="t" r="r" b="b"/>
+            <a:pathLst>
+              <a:path w="120000" h="120000" extrusionOk="0">
+                <a:moveTo>
+                  <a:pt x="0" y="0"/>
+                </a:moveTo>
+                <a:lnTo>
+                  <a:pt x="120000" y="0"/>
+                </a:lnTo>
+                <a:lnTo>
+                  <a:pt x="120000" y="120000"/>
+                </a:lnTo>
+                <a:lnTo>
+                  <a:pt x="0" y="120000"/>
+                </a:lnTo>
+                <a:close/>
+              </a:path>
+            </a:pathLst>
+          </a:custGeom>
+        </p:spPr>
+      </p:sp>
+      <p:sp>
+        <p:nvSpPr>
+          <p:cNvPr id="156" name="Google Shape;156;ge1d838b627_4_100:notes">
+            <a:extLst>
+              <a:ext uri="{FF2B5EF4-FFF2-40B4-BE49-F238E27FC236}">
+                <a16:creationId xmlns:a16="http://schemas.microsoft.com/office/drawing/2014/main" id="{44EE9079-73E6-4549-F030-FA86288DBAEE}"/>
+              </a:ext>
+            </a:extLst>
+          </p:cNvPr>
+          <p:cNvSpPr txBox="1">
+            <a:spLocks noGrp="1"/>
+          </p:cNvSpPr>
+          <p:nvPr>
+            <p:ph type="body" idx="1"/>
+          </p:nvPr>
+        </p:nvSpPr>
+        <p:spPr>
+          <a:xfrm>
+            <a:off x="685800" y="4343400"/>
+            <a:ext cx="5486400" cy="4114800"/>
+          </a:xfrm>
+          <a:prstGeom prst="rect">
+            <a:avLst/>
+          </a:prstGeom>
+        </p:spPr>
+        <p:txBody>
+          <a:bodyPr spcFirstLastPara="1" wrap="square" lIns="91425" tIns="91425" rIns="91425" bIns="91425" anchor="t" anchorCtr="0">
+            <a:noAutofit/>
+          </a:bodyPr>
+          <a:lstStyle/>
+          <a:p>
+            <a:pPr marL="0" lvl="0" indent="0" algn="l" rtl="0">
+              <a:spcBef>
+                <a:spcPts val="0"/>
+              </a:spcBef>
+              <a:spcAft>
+                <a:spcPts val="0"/>
+              </a:spcAft>
+              <a:buNone/>
+            </a:pPr>
+            <a:endParaRPr dirty="0"/>
+          </a:p>
+        </p:txBody>
+      </p:sp>
+    </p:spTree>
+    <p:extLst>
+      <p:ext uri="{BB962C8B-B14F-4D97-AF65-F5344CB8AC3E}">
+        <p14:creationId xmlns:p14="http://schemas.microsoft.com/office/powerpoint/2010/main" val="1904458114"/>
+      </p:ext>
+    </p:extLst>
+  </p:cSld>
+  <p:clrMapOvr>
+    <a:masterClrMapping/>
+  </p:clrMapOvr>
+</p:notes>
+</file>
+
+<file path=ppt/notesSlides/notesSlide46.xml><?xml version="1.0" encoding="utf-8"?>
+<p:notes xmlns:a="http://schemas.openxmlformats.org/drawingml/2006/main" xmlns:r="http://schemas.openxmlformats.org/officeDocument/2006/relationships" xmlns:p="http://schemas.openxmlformats.org/presentationml/2006/main" showMasterSp="0" showMasterPhAnim="0">
+  <p:cSld>
+    <p:spTree>
+      <p:nvGrpSpPr>
+        <p:cNvPr id="1" name="Shape 154">
+          <a:extLst>
+            <a:ext uri="{FF2B5EF4-FFF2-40B4-BE49-F238E27FC236}">
               <a16:creationId xmlns:a16="http://schemas.microsoft.com/office/drawing/2014/main" id="{F520A944-A6F9-6988-C487-D26777AFFDEF}"/>
             </a:ext>
           </a:extLst>
@@ -6969,7 +7745,7 @@
 </p:notes>
 </file>
 
-<file path=ppt/notesSlides/notesSlide41.xml><?xml version="1.0" encoding="utf-8"?>
+<file path=ppt/notesSlides/notesSlide47.xml><?xml version="1.0" encoding="utf-8"?>
 <p:notes xmlns:a="http://schemas.openxmlformats.org/drawingml/2006/main" xmlns:r="http://schemas.openxmlformats.org/officeDocument/2006/relationships" xmlns:p="http://schemas.openxmlformats.org/presentationml/2006/main" showMasterSp="0" showMasterPhAnim="0">
   <p:cSld>
     <p:spTree>
@@ -7096,7 +7872,7 @@
 </p:notes>
 </file>
 
-<file path=ppt/notesSlides/notesSlide42.xml><?xml version="1.0" encoding="utf-8"?>
+<file path=ppt/notesSlides/notesSlide48.xml><?xml version="1.0" encoding="utf-8"?>
 <p:notes xmlns:a="http://schemas.openxmlformats.org/drawingml/2006/main" xmlns:r="http://schemas.openxmlformats.org/officeDocument/2006/relationships" xmlns:p="http://schemas.openxmlformats.org/presentationml/2006/main" showMasterSp="0" showMasterPhAnim="0">
   <p:cSld>
     <p:spTree>
@@ -7223,7 +7999,7 @@
 </p:notes>
 </file>
 
-<file path=ppt/notesSlides/notesSlide43.xml><?xml version="1.0" encoding="utf-8"?>
+<file path=ppt/notesSlides/notesSlide49.xml><?xml version="1.0" encoding="utf-8"?>
 <p:notes xmlns:a="http://schemas.openxmlformats.org/drawingml/2006/main" xmlns:r="http://schemas.openxmlformats.org/officeDocument/2006/relationships" xmlns:p="http://schemas.openxmlformats.org/presentationml/2006/main" showMasterSp="0" showMasterPhAnim="0">
   <p:cSld>
     <p:spTree>
@@ -7341,514 +8117,6 @@
     <p:extLst>
       <p:ext uri="{BB962C8B-B14F-4D97-AF65-F5344CB8AC3E}">
         <p14:creationId xmlns:p14="http://schemas.microsoft.com/office/powerpoint/2010/main" val="2671679580"/>
-      </p:ext>
-    </p:extLst>
-  </p:cSld>
-  <p:clrMapOvr>
-    <a:masterClrMapping/>
-  </p:clrMapOvr>
-</p:notes>
-</file>
-
-<file path=ppt/notesSlides/notesSlide44.xml><?xml version="1.0" encoding="utf-8"?>
-<p:notes xmlns:a="http://schemas.openxmlformats.org/drawingml/2006/main" xmlns:r="http://schemas.openxmlformats.org/officeDocument/2006/relationships" xmlns:p="http://schemas.openxmlformats.org/presentationml/2006/main" showMasterSp="0" showMasterPhAnim="0">
-  <p:cSld>
-    <p:spTree>
-      <p:nvGrpSpPr>
-        <p:cNvPr id="1" name="Shape 190">
-          <a:extLst>
-            <a:ext uri="{FF2B5EF4-FFF2-40B4-BE49-F238E27FC236}">
-              <a16:creationId xmlns:a16="http://schemas.microsoft.com/office/drawing/2014/main" id="{A5674274-53DC-3F96-0EED-3D01F7DADBF6}"/>
-            </a:ext>
-          </a:extLst>
-        </p:cNvPr>
-        <p:cNvGrpSpPr/>
-        <p:nvPr/>
-      </p:nvGrpSpPr>
-      <p:grpSpPr>
-        <a:xfrm>
-          <a:off x="0" y="0"/>
-          <a:ext cx="0" cy="0"/>
-          <a:chOff x="0" y="0"/>
-          <a:chExt cx="0" cy="0"/>
-        </a:xfrm>
-      </p:grpSpPr>
-      <p:sp>
-        <p:nvSpPr>
-          <p:cNvPr id="191" name="Google Shape;191;ge1d838b627_4_0:notes">
-            <a:extLst>
-              <a:ext uri="{FF2B5EF4-FFF2-40B4-BE49-F238E27FC236}">
-                <a16:creationId xmlns:a16="http://schemas.microsoft.com/office/drawing/2014/main" id="{7C9C6ADB-A26B-C827-888C-21D3F27C9FBF}"/>
-              </a:ext>
-            </a:extLst>
-          </p:cNvPr>
-          <p:cNvSpPr>
-            <a:spLocks noGrp="1" noRot="1" noChangeAspect="1"/>
-          </p:cNvSpPr>
-          <p:nvPr>
-            <p:ph type="sldImg" idx="2"/>
-          </p:nvPr>
-        </p:nvSpPr>
-        <p:spPr>
-          <a:xfrm>
-            <a:off x="381000" y="685800"/>
-            <a:ext cx="6096000" cy="3429000"/>
-          </a:xfrm>
-          <a:custGeom>
-            <a:avLst/>
-            <a:gdLst/>
-            <a:ahLst/>
-            <a:cxnLst/>
-            <a:rect l="l" t="t" r="r" b="b"/>
-            <a:pathLst>
-              <a:path w="120000" h="120000" extrusionOk="0">
-                <a:moveTo>
-                  <a:pt x="0" y="0"/>
-                </a:moveTo>
-                <a:lnTo>
-                  <a:pt x="120000" y="0"/>
-                </a:lnTo>
-                <a:lnTo>
-                  <a:pt x="120000" y="120000"/>
-                </a:lnTo>
-                <a:lnTo>
-                  <a:pt x="0" y="120000"/>
-                </a:lnTo>
-                <a:close/>
-              </a:path>
-            </a:pathLst>
-          </a:custGeom>
-        </p:spPr>
-      </p:sp>
-      <p:sp>
-        <p:nvSpPr>
-          <p:cNvPr id="192" name="Google Shape;192;ge1d838b627_4_0:notes">
-            <a:extLst>
-              <a:ext uri="{FF2B5EF4-FFF2-40B4-BE49-F238E27FC236}">
-                <a16:creationId xmlns:a16="http://schemas.microsoft.com/office/drawing/2014/main" id="{ADB4BA6A-6461-7B9C-C6CE-23CD0A3E69DC}"/>
-              </a:ext>
-            </a:extLst>
-          </p:cNvPr>
-          <p:cNvSpPr txBox="1">
-            <a:spLocks noGrp="1"/>
-          </p:cNvSpPr>
-          <p:nvPr>
-            <p:ph type="body" idx="1"/>
-          </p:nvPr>
-        </p:nvSpPr>
-        <p:spPr>
-          <a:xfrm>
-            <a:off x="685800" y="4343400"/>
-            <a:ext cx="5486400" cy="4114800"/>
-          </a:xfrm>
-          <a:prstGeom prst="rect">
-            <a:avLst/>
-          </a:prstGeom>
-        </p:spPr>
-        <p:txBody>
-          <a:bodyPr spcFirstLastPara="1" wrap="square" lIns="91425" tIns="91425" rIns="91425" bIns="91425" anchor="t" anchorCtr="0">
-            <a:noAutofit/>
-          </a:bodyPr>
-          <a:lstStyle/>
-          <a:p>
-            <a:pPr marL="0" lvl="0" indent="0" algn="l" rtl="0">
-              <a:spcBef>
-                <a:spcPts val="0"/>
-              </a:spcBef>
-              <a:spcAft>
-                <a:spcPts val="0"/>
-              </a:spcAft>
-              <a:buNone/>
-            </a:pPr>
-            <a:endParaRPr dirty="0"/>
-          </a:p>
-        </p:txBody>
-      </p:sp>
-    </p:spTree>
-    <p:extLst>
-      <p:ext uri="{BB962C8B-B14F-4D97-AF65-F5344CB8AC3E}">
-        <p14:creationId xmlns:p14="http://schemas.microsoft.com/office/powerpoint/2010/main" val="3149614748"/>
-      </p:ext>
-    </p:extLst>
-  </p:cSld>
-  <p:clrMapOvr>
-    <a:masterClrMapping/>
-  </p:clrMapOvr>
-</p:notes>
-</file>
-
-<file path=ppt/notesSlides/notesSlide45.xml><?xml version="1.0" encoding="utf-8"?>
-<p:notes xmlns:a="http://schemas.openxmlformats.org/drawingml/2006/main" xmlns:r="http://schemas.openxmlformats.org/officeDocument/2006/relationships" xmlns:p="http://schemas.openxmlformats.org/presentationml/2006/main" showMasterSp="0" showMasterPhAnim="0">
-  <p:cSld>
-    <p:spTree>
-      <p:nvGrpSpPr>
-        <p:cNvPr id="1" name="Shape 154">
-          <a:extLst>
-            <a:ext uri="{FF2B5EF4-FFF2-40B4-BE49-F238E27FC236}">
-              <a16:creationId xmlns:a16="http://schemas.microsoft.com/office/drawing/2014/main" id="{5D9EC5A6-6FDE-64CF-486B-CCDDCA03DE1B}"/>
-            </a:ext>
-          </a:extLst>
-        </p:cNvPr>
-        <p:cNvGrpSpPr/>
-        <p:nvPr/>
-      </p:nvGrpSpPr>
-      <p:grpSpPr>
-        <a:xfrm>
-          <a:off x="0" y="0"/>
-          <a:ext cx="0" cy="0"/>
-          <a:chOff x="0" y="0"/>
-          <a:chExt cx="0" cy="0"/>
-        </a:xfrm>
-      </p:grpSpPr>
-      <p:sp>
-        <p:nvSpPr>
-          <p:cNvPr id="155" name="Google Shape;155;ge1d838b627_4_100:notes">
-            <a:extLst>
-              <a:ext uri="{FF2B5EF4-FFF2-40B4-BE49-F238E27FC236}">
-                <a16:creationId xmlns:a16="http://schemas.microsoft.com/office/drawing/2014/main" id="{9F326300-4BF9-1A81-5F7A-711A224AA64C}"/>
-              </a:ext>
-            </a:extLst>
-          </p:cNvPr>
-          <p:cNvSpPr>
-            <a:spLocks noGrp="1" noRot="1" noChangeAspect="1"/>
-          </p:cNvSpPr>
-          <p:nvPr>
-            <p:ph type="sldImg" idx="2"/>
-          </p:nvPr>
-        </p:nvSpPr>
-        <p:spPr>
-          <a:xfrm>
-            <a:off x="381000" y="685800"/>
-            <a:ext cx="6096000" cy="3429000"/>
-          </a:xfrm>
-          <a:custGeom>
-            <a:avLst/>
-            <a:gdLst/>
-            <a:ahLst/>
-            <a:cxnLst/>
-            <a:rect l="l" t="t" r="r" b="b"/>
-            <a:pathLst>
-              <a:path w="120000" h="120000" extrusionOk="0">
-                <a:moveTo>
-                  <a:pt x="0" y="0"/>
-                </a:moveTo>
-                <a:lnTo>
-                  <a:pt x="120000" y="0"/>
-                </a:lnTo>
-                <a:lnTo>
-                  <a:pt x="120000" y="120000"/>
-                </a:lnTo>
-                <a:lnTo>
-                  <a:pt x="0" y="120000"/>
-                </a:lnTo>
-                <a:close/>
-              </a:path>
-            </a:pathLst>
-          </a:custGeom>
-        </p:spPr>
-      </p:sp>
-      <p:sp>
-        <p:nvSpPr>
-          <p:cNvPr id="156" name="Google Shape;156;ge1d838b627_4_100:notes">
-            <a:extLst>
-              <a:ext uri="{FF2B5EF4-FFF2-40B4-BE49-F238E27FC236}">
-                <a16:creationId xmlns:a16="http://schemas.microsoft.com/office/drawing/2014/main" id="{BC65C50F-C472-EC47-3C2D-D5EE35F9F199}"/>
-              </a:ext>
-            </a:extLst>
-          </p:cNvPr>
-          <p:cNvSpPr txBox="1">
-            <a:spLocks noGrp="1"/>
-          </p:cNvSpPr>
-          <p:nvPr>
-            <p:ph type="body" idx="1"/>
-          </p:nvPr>
-        </p:nvSpPr>
-        <p:spPr>
-          <a:xfrm>
-            <a:off x="685800" y="4343400"/>
-            <a:ext cx="5486400" cy="4114800"/>
-          </a:xfrm>
-          <a:prstGeom prst="rect">
-            <a:avLst/>
-          </a:prstGeom>
-        </p:spPr>
-        <p:txBody>
-          <a:bodyPr spcFirstLastPara="1" wrap="square" lIns="91425" tIns="91425" rIns="91425" bIns="91425" anchor="t" anchorCtr="0">
-            <a:noAutofit/>
-          </a:bodyPr>
-          <a:lstStyle/>
-          <a:p>
-            <a:pPr marL="0" lvl="0" indent="0" algn="l" rtl="0">
-              <a:spcBef>
-                <a:spcPts val="0"/>
-              </a:spcBef>
-              <a:spcAft>
-                <a:spcPts val="0"/>
-              </a:spcAft>
-              <a:buNone/>
-            </a:pPr>
-            <a:endParaRPr dirty="0"/>
-          </a:p>
-        </p:txBody>
-      </p:sp>
-    </p:spTree>
-    <p:extLst>
-      <p:ext uri="{BB962C8B-B14F-4D97-AF65-F5344CB8AC3E}">
-        <p14:creationId xmlns:p14="http://schemas.microsoft.com/office/powerpoint/2010/main" val="2111890892"/>
-      </p:ext>
-    </p:extLst>
-  </p:cSld>
-  <p:clrMapOvr>
-    <a:masterClrMapping/>
-  </p:clrMapOvr>
-</p:notes>
-</file>
-
-<file path=ppt/notesSlides/notesSlide46.xml><?xml version="1.0" encoding="utf-8"?>
-<p:notes xmlns:a="http://schemas.openxmlformats.org/drawingml/2006/main" xmlns:r="http://schemas.openxmlformats.org/officeDocument/2006/relationships" xmlns:p="http://schemas.openxmlformats.org/presentationml/2006/main" showMasterSp="0" showMasterPhAnim="0">
-  <p:cSld>
-    <p:spTree>
-      <p:nvGrpSpPr>
-        <p:cNvPr id="1" name="Shape 154">
-          <a:extLst>
-            <a:ext uri="{FF2B5EF4-FFF2-40B4-BE49-F238E27FC236}">
-              <a16:creationId xmlns:a16="http://schemas.microsoft.com/office/drawing/2014/main" id="{BDD67E0D-0F4A-5514-DCBF-011937D90E62}"/>
-            </a:ext>
-          </a:extLst>
-        </p:cNvPr>
-        <p:cNvGrpSpPr/>
-        <p:nvPr/>
-      </p:nvGrpSpPr>
-      <p:grpSpPr>
-        <a:xfrm>
-          <a:off x="0" y="0"/>
-          <a:ext cx="0" cy="0"/>
-          <a:chOff x="0" y="0"/>
-          <a:chExt cx="0" cy="0"/>
-        </a:xfrm>
-      </p:grpSpPr>
-      <p:sp>
-        <p:nvSpPr>
-          <p:cNvPr id="155" name="Google Shape;155;ge1d838b627_4_100:notes">
-            <a:extLst>
-              <a:ext uri="{FF2B5EF4-FFF2-40B4-BE49-F238E27FC236}">
-                <a16:creationId xmlns:a16="http://schemas.microsoft.com/office/drawing/2014/main" id="{A934BF26-49E9-95B4-ABEF-21E4FD9103E3}"/>
-              </a:ext>
-            </a:extLst>
-          </p:cNvPr>
-          <p:cNvSpPr>
-            <a:spLocks noGrp="1" noRot="1" noChangeAspect="1"/>
-          </p:cNvSpPr>
-          <p:nvPr>
-            <p:ph type="sldImg" idx="2"/>
-          </p:nvPr>
-        </p:nvSpPr>
-        <p:spPr>
-          <a:xfrm>
-            <a:off x="381000" y="685800"/>
-            <a:ext cx="6096000" cy="3429000"/>
-          </a:xfrm>
-          <a:custGeom>
-            <a:avLst/>
-            <a:gdLst/>
-            <a:ahLst/>
-            <a:cxnLst/>
-            <a:rect l="l" t="t" r="r" b="b"/>
-            <a:pathLst>
-              <a:path w="120000" h="120000" extrusionOk="0">
-                <a:moveTo>
-                  <a:pt x="0" y="0"/>
-                </a:moveTo>
-                <a:lnTo>
-                  <a:pt x="120000" y="0"/>
-                </a:lnTo>
-                <a:lnTo>
-                  <a:pt x="120000" y="120000"/>
-                </a:lnTo>
-                <a:lnTo>
-                  <a:pt x="0" y="120000"/>
-                </a:lnTo>
-                <a:close/>
-              </a:path>
-            </a:pathLst>
-          </a:custGeom>
-        </p:spPr>
-      </p:sp>
-      <p:sp>
-        <p:nvSpPr>
-          <p:cNvPr id="156" name="Google Shape;156;ge1d838b627_4_100:notes">
-            <a:extLst>
-              <a:ext uri="{FF2B5EF4-FFF2-40B4-BE49-F238E27FC236}">
-                <a16:creationId xmlns:a16="http://schemas.microsoft.com/office/drawing/2014/main" id="{8A6982D5-0469-F6C7-76EE-74F2FEF84F98}"/>
-              </a:ext>
-            </a:extLst>
-          </p:cNvPr>
-          <p:cNvSpPr txBox="1">
-            <a:spLocks noGrp="1"/>
-          </p:cNvSpPr>
-          <p:nvPr>
-            <p:ph type="body" idx="1"/>
-          </p:nvPr>
-        </p:nvSpPr>
-        <p:spPr>
-          <a:xfrm>
-            <a:off x="685800" y="4343400"/>
-            <a:ext cx="5486400" cy="4114800"/>
-          </a:xfrm>
-          <a:prstGeom prst="rect">
-            <a:avLst/>
-          </a:prstGeom>
-        </p:spPr>
-        <p:txBody>
-          <a:bodyPr spcFirstLastPara="1" wrap="square" lIns="91425" tIns="91425" rIns="91425" bIns="91425" anchor="t" anchorCtr="0">
-            <a:noAutofit/>
-          </a:bodyPr>
-          <a:lstStyle/>
-          <a:p>
-            <a:pPr marL="0" lvl="0" indent="0" algn="l" rtl="0">
-              <a:spcBef>
-                <a:spcPts val="0"/>
-              </a:spcBef>
-              <a:spcAft>
-                <a:spcPts val="0"/>
-              </a:spcAft>
-              <a:buNone/>
-            </a:pPr>
-            <a:endParaRPr dirty="0"/>
-          </a:p>
-        </p:txBody>
-      </p:sp>
-    </p:spTree>
-    <p:extLst>
-      <p:ext uri="{BB962C8B-B14F-4D97-AF65-F5344CB8AC3E}">
-        <p14:creationId xmlns:p14="http://schemas.microsoft.com/office/powerpoint/2010/main" val="2836707662"/>
-      </p:ext>
-    </p:extLst>
-  </p:cSld>
-  <p:clrMapOvr>
-    <a:masterClrMapping/>
-  </p:clrMapOvr>
-</p:notes>
-</file>
-
-<file path=ppt/notesSlides/notesSlide47.xml><?xml version="1.0" encoding="utf-8"?>
-<p:notes xmlns:a="http://schemas.openxmlformats.org/drawingml/2006/main" xmlns:r="http://schemas.openxmlformats.org/officeDocument/2006/relationships" xmlns:p="http://schemas.openxmlformats.org/presentationml/2006/main" showMasterSp="0" showMasterPhAnim="0">
-  <p:cSld>
-    <p:spTree>
-      <p:nvGrpSpPr>
-        <p:cNvPr id="1" name="Shape 154">
-          <a:extLst>
-            <a:ext uri="{FF2B5EF4-FFF2-40B4-BE49-F238E27FC236}">
-              <a16:creationId xmlns:a16="http://schemas.microsoft.com/office/drawing/2014/main" id="{9545F657-E400-5126-7F74-1B1B51139203}"/>
-            </a:ext>
-          </a:extLst>
-        </p:cNvPr>
-        <p:cNvGrpSpPr/>
-        <p:nvPr/>
-      </p:nvGrpSpPr>
-      <p:grpSpPr>
-        <a:xfrm>
-          <a:off x="0" y="0"/>
-          <a:ext cx="0" cy="0"/>
-          <a:chOff x="0" y="0"/>
-          <a:chExt cx="0" cy="0"/>
-        </a:xfrm>
-      </p:grpSpPr>
-      <p:sp>
-        <p:nvSpPr>
-          <p:cNvPr id="155" name="Google Shape;155;ge1d838b627_4_100:notes">
-            <a:extLst>
-              <a:ext uri="{FF2B5EF4-FFF2-40B4-BE49-F238E27FC236}">
-                <a16:creationId xmlns:a16="http://schemas.microsoft.com/office/drawing/2014/main" id="{35DB0D36-E30E-D96C-4DAC-4D71EC8D7DBF}"/>
-              </a:ext>
-            </a:extLst>
-          </p:cNvPr>
-          <p:cNvSpPr>
-            <a:spLocks noGrp="1" noRot="1" noChangeAspect="1"/>
-          </p:cNvSpPr>
-          <p:nvPr>
-            <p:ph type="sldImg" idx="2"/>
-          </p:nvPr>
-        </p:nvSpPr>
-        <p:spPr>
-          <a:xfrm>
-            <a:off x="381000" y="685800"/>
-            <a:ext cx="6096000" cy="3429000"/>
-          </a:xfrm>
-          <a:custGeom>
-            <a:avLst/>
-            <a:gdLst/>
-            <a:ahLst/>
-            <a:cxnLst/>
-            <a:rect l="l" t="t" r="r" b="b"/>
-            <a:pathLst>
-              <a:path w="120000" h="120000" extrusionOk="0">
-                <a:moveTo>
-                  <a:pt x="0" y="0"/>
-                </a:moveTo>
-                <a:lnTo>
-                  <a:pt x="120000" y="0"/>
-                </a:lnTo>
-                <a:lnTo>
-                  <a:pt x="120000" y="120000"/>
-                </a:lnTo>
-                <a:lnTo>
-                  <a:pt x="0" y="120000"/>
-                </a:lnTo>
-                <a:close/>
-              </a:path>
-            </a:pathLst>
-          </a:custGeom>
-        </p:spPr>
-      </p:sp>
-      <p:sp>
-        <p:nvSpPr>
-          <p:cNvPr id="156" name="Google Shape;156;ge1d838b627_4_100:notes">
-            <a:extLst>
-              <a:ext uri="{FF2B5EF4-FFF2-40B4-BE49-F238E27FC236}">
-                <a16:creationId xmlns:a16="http://schemas.microsoft.com/office/drawing/2014/main" id="{1EE860EE-AB7D-D124-089C-393BB550DCF8}"/>
-              </a:ext>
-            </a:extLst>
-          </p:cNvPr>
-          <p:cNvSpPr txBox="1">
-            <a:spLocks noGrp="1"/>
-          </p:cNvSpPr>
-          <p:nvPr>
-            <p:ph type="body" idx="1"/>
-          </p:nvPr>
-        </p:nvSpPr>
-        <p:spPr>
-          <a:xfrm>
-            <a:off x="685800" y="4343400"/>
-            <a:ext cx="5486400" cy="4114800"/>
-          </a:xfrm>
-          <a:prstGeom prst="rect">
-            <a:avLst/>
-          </a:prstGeom>
-        </p:spPr>
-        <p:txBody>
-          <a:bodyPr spcFirstLastPara="1" wrap="square" lIns="91425" tIns="91425" rIns="91425" bIns="91425" anchor="t" anchorCtr="0">
-            <a:noAutofit/>
-          </a:bodyPr>
-          <a:lstStyle/>
-          <a:p>
-            <a:pPr marL="0" lvl="0" indent="0" algn="l" rtl="0">
-              <a:spcBef>
-                <a:spcPts val="0"/>
-              </a:spcBef>
-              <a:spcAft>
-                <a:spcPts val="0"/>
-              </a:spcAft>
-              <a:buNone/>
-            </a:pPr>
-            <a:endParaRPr dirty="0"/>
-          </a:p>
-        </p:txBody>
-      </p:sp>
-    </p:spTree>
-    <p:extLst>
-      <p:ext uri="{BB962C8B-B14F-4D97-AF65-F5344CB8AC3E}">
-        <p14:creationId xmlns:p14="http://schemas.microsoft.com/office/powerpoint/2010/main" val="3379481092"/>
       </p:ext>
     </p:extLst>
   </p:cSld>
@@ -7976,6 +8244,514 @@
     <p:extLst>
       <p:ext uri="{BB962C8B-B14F-4D97-AF65-F5344CB8AC3E}">
         <p14:creationId xmlns:p14="http://schemas.microsoft.com/office/powerpoint/2010/main" val="464039552"/>
+      </p:ext>
+    </p:extLst>
+  </p:cSld>
+  <p:clrMapOvr>
+    <a:masterClrMapping/>
+  </p:clrMapOvr>
+</p:notes>
+</file>
+
+<file path=ppt/notesSlides/notesSlide50.xml><?xml version="1.0" encoding="utf-8"?>
+<p:notes xmlns:a="http://schemas.openxmlformats.org/drawingml/2006/main" xmlns:r="http://schemas.openxmlformats.org/officeDocument/2006/relationships" xmlns:p="http://schemas.openxmlformats.org/presentationml/2006/main" showMasterSp="0" showMasterPhAnim="0">
+  <p:cSld>
+    <p:spTree>
+      <p:nvGrpSpPr>
+        <p:cNvPr id="1" name="Shape 190">
+          <a:extLst>
+            <a:ext uri="{FF2B5EF4-FFF2-40B4-BE49-F238E27FC236}">
+              <a16:creationId xmlns:a16="http://schemas.microsoft.com/office/drawing/2014/main" id="{A5674274-53DC-3F96-0EED-3D01F7DADBF6}"/>
+            </a:ext>
+          </a:extLst>
+        </p:cNvPr>
+        <p:cNvGrpSpPr/>
+        <p:nvPr/>
+      </p:nvGrpSpPr>
+      <p:grpSpPr>
+        <a:xfrm>
+          <a:off x="0" y="0"/>
+          <a:ext cx="0" cy="0"/>
+          <a:chOff x="0" y="0"/>
+          <a:chExt cx="0" cy="0"/>
+        </a:xfrm>
+      </p:grpSpPr>
+      <p:sp>
+        <p:nvSpPr>
+          <p:cNvPr id="191" name="Google Shape;191;ge1d838b627_4_0:notes">
+            <a:extLst>
+              <a:ext uri="{FF2B5EF4-FFF2-40B4-BE49-F238E27FC236}">
+                <a16:creationId xmlns:a16="http://schemas.microsoft.com/office/drawing/2014/main" id="{7C9C6ADB-A26B-C827-888C-21D3F27C9FBF}"/>
+              </a:ext>
+            </a:extLst>
+          </p:cNvPr>
+          <p:cNvSpPr>
+            <a:spLocks noGrp="1" noRot="1" noChangeAspect="1"/>
+          </p:cNvSpPr>
+          <p:nvPr>
+            <p:ph type="sldImg" idx="2"/>
+          </p:nvPr>
+        </p:nvSpPr>
+        <p:spPr>
+          <a:xfrm>
+            <a:off x="381000" y="685800"/>
+            <a:ext cx="6096000" cy="3429000"/>
+          </a:xfrm>
+          <a:custGeom>
+            <a:avLst/>
+            <a:gdLst/>
+            <a:ahLst/>
+            <a:cxnLst/>
+            <a:rect l="l" t="t" r="r" b="b"/>
+            <a:pathLst>
+              <a:path w="120000" h="120000" extrusionOk="0">
+                <a:moveTo>
+                  <a:pt x="0" y="0"/>
+                </a:moveTo>
+                <a:lnTo>
+                  <a:pt x="120000" y="0"/>
+                </a:lnTo>
+                <a:lnTo>
+                  <a:pt x="120000" y="120000"/>
+                </a:lnTo>
+                <a:lnTo>
+                  <a:pt x="0" y="120000"/>
+                </a:lnTo>
+                <a:close/>
+              </a:path>
+            </a:pathLst>
+          </a:custGeom>
+        </p:spPr>
+      </p:sp>
+      <p:sp>
+        <p:nvSpPr>
+          <p:cNvPr id="192" name="Google Shape;192;ge1d838b627_4_0:notes">
+            <a:extLst>
+              <a:ext uri="{FF2B5EF4-FFF2-40B4-BE49-F238E27FC236}">
+                <a16:creationId xmlns:a16="http://schemas.microsoft.com/office/drawing/2014/main" id="{ADB4BA6A-6461-7B9C-C6CE-23CD0A3E69DC}"/>
+              </a:ext>
+            </a:extLst>
+          </p:cNvPr>
+          <p:cNvSpPr txBox="1">
+            <a:spLocks noGrp="1"/>
+          </p:cNvSpPr>
+          <p:nvPr>
+            <p:ph type="body" idx="1"/>
+          </p:nvPr>
+        </p:nvSpPr>
+        <p:spPr>
+          <a:xfrm>
+            <a:off x="685800" y="4343400"/>
+            <a:ext cx="5486400" cy="4114800"/>
+          </a:xfrm>
+          <a:prstGeom prst="rect">
+            <a:avLst/>
+          </a:prstGeom>
+        </p:spPr>
+        <p:txBody>
+          <a:bodyPr spcFirstLastPara="1" wrap="square" lIns="91425" tIns="91425" rIns="91425" bIns="91425" anchor="t" anchorCtr="0">
+            <a:noAutofit/>
+          </a:bodyPr>
+          <a:lstStyle/>
+          <a:p>
+            <a:pPr marL="0" lvl="0" indent="0" algn="l" rtl="0">
+              <a:spcBef>
+                <a:spcPts val="0"/>
+              </a:spcBef>
+              <a:spcAft>
+                <a:spcPts val="0"/>
+              </a:spcAft>
+              <a:buNone/>
+            </a:pPr>
+            <a:endParaRPr dirty="0"/>
+          </a:p>
+        </p:txBody>
+      </p:sp>
+    </p:spTree>
+    <p:extLst>
+      <p:ext uri="{BB962C8B-B14F-4D97-AF65-F5344CB8AC3E}">
+        <p14:creationId xmlns:p14="http://schemas.microsoft.com/office/powerpoint/2010/main" val="3149614748"/>
+      </p:ext>
+    </p:extLst>
+  </p:cSld>
+  <p:clrMapOvr>
+    <a:masterClrMapping/>
+  </p:clrMapOvr>
+</p:notes>
+</file>
+
+<file path=ppt/notesSlides/notesSlide51.xml><?xml version="1.0" encoding="utf-8"?>
+<p:notes xmlns:a="http://schemas.openxmlformats.org/drawingml/2006/main" xmlns:r="http://schemas.openxmlformats.org/officeDocument/2006/relationships" xmlns:p="http://schemas.openxmlformats.org/presentationml/2006/main" showMasterSp="0" showMasterPhAnim="0">
+  <p:cSld>
+    <p:spTree>
+      <p:nvGrpSpPr>
+        <p:cNvPr id="1" name="Shape 154">
+          <a:extLst>
+            <a:ext uri="{FF2B5EF4-FFF2-40B4-BE49-F238E27FC236}">
+              <a16:creationId xmlns:a16="http://schemas.microsoft.com/office/drawing/2014/main" id="{5D9EC5A6-6FDE-64CF-486B-CCDDCA03DE1B}"/>
+            </a:ext>
+          </a:extLst>
+        </p:cNvPr>
+        <p:cNvGrpSpPr/>
+        <p:nvPr/>
+      </p:nvGrpSpPr>
+      <p:grpSpPr>
+        <a:xfrm>
+          <a:off x="0" y="0"/>
+          <a:ext cx="0" cy="0"/>
+          <a:chOff x="0" y="0"/>
+          <a:chExt cx="0" cy="0"/>
+        </a:xfrm>
+      </p:grpSpPr>
+      <p:sp>
+        <p:nvSpPr>
+          <p:cNvPr id="155" name="Google Shape;155;ge1d838b627_4_100:notes">
+            <a:extLst>
+              <a:ext uri="{FF2B5EF4-FFF2-40B4-BE49-F238E27FC236}">
+                <a16:creationId xmlns:a16="http://schemas.microsoft.com/office/drawing/2014/main" id="{9F326300-4BF9-1A81-5F7A-711A224AA64C}"/>
+              </a:ext>
+            </a:extLst>
+          </p:cNvPr>
+          <p:cNvSpPr>
+            <a:spLocks noGrp="1" noRot="1" noChangeAspect="1"/>
+          </p:cNvSpPr>
+          <p:nvPr>
+            <p:ph type="sldImg" idx="2"/>
+          </p:nvPr>
+        </p:nvSpPr>
+        <p:spPr>
+          <a:xfrm>
+            <a:off x="381000" y="685800"/>
+            <a:ext cx="6096000" cy="3429000"/>
+          </a:xfrm>
+          <a:custGeom>
+            <a:avLst/>
+            <a:gdLst/>
+            <a:ahLst/>
+            <a:cxnLst/>
+            <a:rect l="l" t="t" r="r" b="b"/>
+            <a:pathLst>
+              <a:path w="120000" h="120000" extrusionOk="0">
+                <a:moveTo>
+                  <a:pt x="0" y="0"/>
+                </a:moveTo>
+                <a:lnTo>
+                  <a:pt x="120000" y="0"/>
+                </a:lnTo>
+                <a:lnTo>
+                  <a:pt x="120000" y="120000"/>
+                </a:lnTo>
+                <a:lnTo>
+                  <a:pt x="0" y="120000"/>
+                </a:lnTo>
+                <a:close/>
+              </a:path>
+            </a:pathLst>
+          </a:custGeom>
+        </p:spPr>
+      </p:sp>
+      <p:sp>
+        <p:nvSpPr>
+          <p:cNvPr id="156" name="Google Shape;156;ge1d838b627_4_100:notes">
+            <a:extLst>
+              <a:ext uri="{FF2B5EF4-FFF2-40B4-BE49-F238E27FC236}">
+                <a16:creationId xmlns:a16="http://schemas.microsoft.com/office/drawing/2014/main" id="{BC65C50F-C472-EC47-3C2D-D5EE35F9F199}"/>
+              </a:ext>
+            </a:extLst>
+          </p:cNvPr>
+          <p:cNvSpPr txBox="1">
+            <a:spLocks noGrp="1"/>
+          </p:cNvSpPr>
+          <p:nvPr>
+            <p:ph type="body" idx="1"/>
+          </p:nvPr>
+        </p:nvSpPr>
+        <p:spPr>
+          <a:xfrm>
+            <a:off x="685800" y="4343400"/>
+            <a:ext cx="5486400" cy="4114800"/>
+          </a:xfrm>
+          <a:prstGeom prst="rect">
+            <a:avLst/>
+          </a:prstGeom>
+        </p:spPr>
+        <p:txBody>
+          <a:bodyPr spcFirstLastPara="1" wrap="square" lIns="91425" tIns="91425" rIns="91425" bIns="91425" anchor="t" anchorCtr="0">
+            <a:noAutofit/>
+          </a:bodyPr>
+          <a:lstStyle/>
+          <a:p>
+            <a:pPr marL="0" lvl="0" indent="0" algn="l" rtl="0">
+              <a:spcBef>
+                <a:spcPts val="0"/>
+              </a:spcBef>
+              <a:spcAft>
+                <a:spcPts val="0"/>
+              </a:spcAft>
+              <a:buNone/>
+            </a:pPr>
+            <a:endParaRPr dirty="0"/>
+          </a:p>
+        </p:txBody>
+      </p:sp>
+    </p:spTree>
+    <p:extLst>
+      <p:ext uri="{BB962C8B-B14F-4D97-AF65-F5344CB8AC3E}">
+        <p14:creationId xmlns:p14="http://schemas.microsoft.com/office/powerpoint/2010/main" val="2111890892"/>
+      </p:ext>
+    </p:extLst>
+  </p:cSld>
+  <p:clrMapOvr>
+    <a:masterClrMapping/>
+  </p:clrMapOvr>
+</p:notes>
+</file>
+
+<file path=ppt/notesSlides/notesSlide52.xml><?xml version="1.0" encoding="utf-8"?>
+<p:notes xmlns:a="http://schemas.openxmlformats.org/drawingml/2006/main" xmlns:r="http://schemas.openxmlformats.org/officeDocument/2006/relationships" xmlns:p="http://schemas.openxmlformats.org/presentationml/2006/main" showMasterSp="0" showMasterPhAnim="0">
+  <p:cSld>
+    <p:spTree>
+      <p:nvGrpSpPr>
+        <p:cNvPr id="1" name="Shape 154">
+          <a:extLst>
+            <a:ext uri="{FF2B5EF4-FFF2-40B4-BE49-F238E27FC236}">
+              <a16:creationId xmlns:a16="http://schemas.microsoft.com/office/drawing/2014/main" id="{BDD67E0D-0F4A-5514-DCBF-011937D90E62}"/>
+            </a:ext>
+          </a:extLst>
+        </p:cNvPr>
+        <p:cNvGrpSpPr/>
+        <p:nvPr/>
+      </p:nvGrpSpPr>
+      <p:grpSpPr>
+        <a:xfrm>
+          <a:off x="0" y="0"/>
+          <a:ext cx="0" cy="0"/>
+          <a:chOff x="0" y="0"/>
+          <a:chExt cx="0" cy="0"/>
+        </a:xfrm>
+      </p:grpSpPr>
+      <p:sp>
+        <p:nvSpPr>
+          <p:cNvPr id="155" name="Google Shape;155;ge1d838b627_4_100:notes">
+            <a:extLst>
+              <a:ext uri="{FF2B5EF4-FFF2-40B4-BE49-F238E27FC236}">
+                <a16:creationId xmlns:a16="http://schemas.microsoft.com/office/drawing/2014/main" id="{A934BF26-49E9-95B4-ABEF-21E4FD9103E3}"/>
+              </a:ext>
+            </a:extLst>
+          </p:cNvPr>
+          <p:cNvSpPr>
+            <a:spLocks noGrp="1" noRot="1" noChangeAspect="1"/>
+          </p:cNvSpPr>
+          <p:nvPr>
+            <p:ph type="sldImg" idx="2"/>
+          </p:nvPr>
+        </p:nvSpPr>
+        <p:spPr>
+          <a:xfrm>
+            <a:off x="381000" y="685800"/>
+            <a:ext cx="6096000" cy="3429000"/>
+          </a:xfrm>
+          <a:custGeom>
+            <a:avLst/>
+            <a:gdLst/>
+            <a:ahLst/>
+            <a:cxnLst/>
+            <a:rect l="l" t="t" r="r" b="b"/>
+            <a:pathLst>
+              <a:path w="120000" h="120000" extrusionOk="0">
+                <a:moveTo>
+                  <a:pt x="0" y="0"/>
+                </a:moveTo>
+                <a:lnTo>
+                  <a:pt x="120000" y="0"/>
+                </a:lnTo>
+                <a:lnTo>
+                  <a:pt x="120000" y="120000"/>
+                </a:lnTo>
+                <a:lnTo>
+                  <a:pt x="0" y="120000"/>
+                </a:lnTo>
+                <a:close/>
+              </a:path>
+            </a:pathLst>
+          </a:custGeom>
+        </p:spPr>
+      </p:sp>
+      <p:sp>
+        <p:nvSpPr>
+          <p:cNvPr id="156" name="Google Shape;156;ge1d838b627_4_100:notes">
+            <a:extLst>
+              <a:ext uri="{FF2B5EF4-FFF2-40B4-BE49-F238E27FC236}">
+                <a16:creationId xmlns:a16="http://schemas.microsoft.com/office/drawing/2014/main" id="{8A6982D5-0469-F6C7-76EE-74F2FEF84F98}"/>
+              </a:ext>
+            </a:extLst>
+          </p:cNvPr>
+          <p:cNvSpPr txBox="1">
+            <a:spLocks noGrp="1"/>
+          </p:cNvSpPr>
+          <p:nvPr>
+            <p:ph type="body" idx="1"/>
+          </p:nvPr>
+        </p:nvSpPr>
+        <p:spPr>
+          <a:xfrm>
+            <a:off x="685800" y="4343400"/>
+            <a:ext cx="5486400" cy="4114800"/>
+          </a:xfrm>
+          <a:prstGeom prst="rect">
+            <a:avLst/>
+          </a:prstGeom>
+        </p:spPr>
+        <p:txBody>
+          <a:bodyPr spcFirstLastPara="1" wrap="square" lIns="91425" tIns="91425" rIns="91425" bIns="91425" anchor="t" anchorCtr="0">
+            <a:noAutofit/>
+          </a:bodyPr>
+          <a:lstStyle/>
+          <a:p>
+            <a:pPr marL="0" lvl="0" indent="0" algn="l" rtl="0">
+              <a:spcBef>
+                <a:spcPts val="0"/>
+              </a:spcBef>
+              <a:spcAft>
+                <a:spcPts val="0"/>
+              </a:spcAft>
+              <a:buNone/>
+            </a:pPr>
+            <a:endParaRPr dirty="0"/>
+          </a:p>
+        </p:txBody>
+      </p:sp>
+    </p:spTree>
+    <p:extLst>
+      <p:ext uri="{BB962C8B-B14F-4D97-AF65-F5344CB8AC3E}">
+        <p14:creationId xmlns:p14="http://schemas.microsoft.com/office/powerpoint/2010/main" val="2836707662"/>
+      </p:ext>
+    </p:extLst>
+  </p:cSld>
+  <p:clrMapOvr>
+    <a:masterClrMapping/>
+  </p:clrMapOvr>
+</p:notes>
+</file>
+
+<file path=ppt/notesSlides/notesSlide53.xml><?xml version="1.0" encoding="utf-8"?>
+<p:notes xmlns:a="http://schemas.openxmlformats.org/drawingml/2006/main" xmlns:r="http://schemas.openxmlformats.org/officeDocument/2006/relationships" xmlns:p="http://schemas.openxmlformats.org/presentationml/2006/main" showMasterSp="0" showMasterPhAnim="0">
+  <p:cSld>
+    <p:spTree>
+      <p:nvGrpSpPr>
+        <p:cNvPr id="1" name="Shape 154">
+          <a:extLst>
+            <a:ext uri="{FF2B5EF4-FFF2-40B4-BE49-F238E27FC236}">
+              <a16:creationId xmlns:a16="http://schemas.microsoft.com/office/drawing/2014/main" id="{9545F657-E400-5126-7F74-1B1B51139203}"/>
+            </a:ext>
+          </a:extLst>
+        </p:cNvPr>
+        <p:cNvGrpSpPr/>
+        <p:nvPr/>
+      </p:nvGrpSpPr>
+      <p:grpSpPr>
+        <a:xfrm>
+          <a:off x="0" y="0"/>
+          <a:ext cx="0" cy="0"/>
+          <a:chOff x="0" y="0"/>
+          <a:chExt cx="0" cy="0"/>
+        </a:xfrm>
+      </p:grpSpPr>
+      <p:sp>
+        <p:nvSpPr>
+          <p:cNvPr id="155" name="Google Shape;155;ge1d838b627_4_100:notes">
+            <a:extLst>
+              <a:ext uri="{FF2B5EF4-FFF2-40B4-BE49-F238E27FC236}">
+                <a16:creationId xmlns:a16="http://schemas.microsoft.com/office/drawing/2014/main" id="{35DB0D36-E30E-D96C-4DAC-4D71EC8D7DBF}"/>
+              </a:ext>
+            </a:extLst>
+          </p:cNvPr>
+          <p:cNvSpPr>
+            <a:spLocks noGrp="1" noRot="1" noChangeAspect="1"/>
+          </p:cNvSpPr>
+          <p:nvPr>
+            <p:ph type="sldImg" idx="2"/>
+          </p:nvPr>
+        </p:nvSpPr>
+        <p:spPr>
+          <a:xfrm>
+            <a:off x="381000" y="685800"/>
+            <a:ext cx="6096000" cy="3429000"/>
+          </a:xfrm>
+          <a:custGeom>
+            <a:avLst/>
+            <a:gdLst/>
+            <a:ahLst/>
+            <a:cxnLst/>
+            <a:rect l="l" t="t" r="r" b="b"/>
+            <a:pathLst>
+              <a:path w="120000" h="120000" extrusionOk="0">
+                <a:moveTo>
+                  <a:pt x="0" y="0"/>
+                </a:moveTo>
+                <a:lnTo>
+                  <a:pt x="120000" y="0"/>
+                </a:lnTo>
+                <a:lnTo>
+                  <a:pt x="120000" y="120000"/>
+                </a:lnTo>
+                <a:lnTo>
+                  <a:pt x="0" y="120000"/>
+                </a:lnTo>
+                <a:close/>
+              </a:path>
+            </a:pathLst>
+          </a:custGeom>
+        </p:spPr>
+      </p:sp>
+      <p:sp>
+        <p:nvSpPr>
+          <p:cNvPr id="156" name="Google Shape;156;ge1d838b627_4_100:notes">
+            <a:extLst>
+              <a:ext uri="{FF2B5EF4-FFF2-40B4-BE49-F238E27FC236}">
+                <a16:creationId xmlns:a16="http://schemas.microsoft.com/office/drawing/2014/main" id="{1EE860EE-AB7D-D124-089C-393BB550DCF8}"/>
+              </a:ext>
+            </a:extLst>
+          </p:cNvPr>
+          <p:cNvSpPr txBox="1">
+            <a:spLocks noGrp="1"/>
+          </p:cNvSpPr>
+          <p:nvPr>
+            <p:ph type="body" idx="1"/>
+          </p:nvPr>
+        </p:nvSpPr>
+        <p:spPr>
+          <a:xfrm>
+            <a:off x="685800" y="4343400"/>
+            <a:ext cx="5486400" cy="4114800"/>
+          </a:xfrm>
+          <a:prstGeom prst="rect">
+            <a:avLst/>
+          </a:prstGeom>
+        </p:spPr>
+        <p:txBody>
+          <a:bodyPr spcFirstLastPara="1" wrap="square" lIns="91425" tIns="91425" rIns="91425" bIns="91425" anchor="t" anchorCtr="0">
+            <a:noAutofit/>
+          </a:bodyPr>
+          <a:lstStyle/>
+          <a:p>
+            <a:pPr marL="0" lvl="0" indent="0" algn="l" rtl="0">
+              <a:spcBef>
+                <a:spcPts val="0"/>
+              </a:spcBef>
+              <a:spcAft>
+                <a:spcPts val="0"/>
+              </a:spcAft>
+              <a:buNone/>
+            </a:pPr>
+            <a:endParaRPr dirty="0"/>
+          </a:p>
+        </p:txBody>
+      </p:sp>
+    </p:spTree>
+    <p:extLst>
+      <p:ext uri="{BB962C8B-B14F-4D97-AF65-F5344CB8AC3E}">
+        <p14:creationId xmlns:p14="http://schemas.microsoft.com/office/powerpoint/2010/main" val="3379481092"/>
       </p:ext>
     </p:extLst>
   </p:cSld>
@@ -24314,19 +25090,7 @@
           <a:p>
             <a:r>
               <a:rPr lang="es" sz="2800" dirty="0"/>
-              <a:t>A </a:t>
-            </a:r>
-            <a:r>
-              <a:rPr lang="es" sz="2800" dirty="0" err="1"/>
-              <a:t>Relevant</a:t>
-            </a:r>
-            <a:r>
-              <a:rPr lang="es" sz="2800" dirty="0"/>
-              <a:t> (?) </a:t>
-            </a:r>
-            <a:r>
-              <a:rPr lang="es" sz="2800" dirty="0" err="1"/>
-              <a:t>Example</a:t>
+              <a:t>An Experimental Activity </a:t>
             </a:r>
             <a:endParaRPr lang="en-US" dirty="0" err="1"/>
           </a:p>
@@ -24366,6 +25130,73 @@
           </a:ln>
         </p:spPr>
       </p:cxnSp>
+      <p:pic>
+        <p:nvPicPr>
+          <p:cNvPr id="2" name="Picture 1" descr="How I went from the “I have no idea what I'm doing golden retriever” meme  to a full stack developer. | by Monica Z | Medium">
+            <a:extLst>
+              <a:ext uri="{FF2B5EF4-FFF2-40B4-BE49-F238E27FC236}">
+                <a16:creationId xmlns:a16="http://schemas.microsoft.com/office/drawing/2014/main" id="{64466D8D-1745-8F85-0A6A-E988220227E6}"/>
+              </a:ext>
+            </a:extLst>
+          </p:cNvPr>
+          <p:cNvPicPr>
+            <a:picLocks noChangeAspect="1"/>
+          </p:cNvPicPr>
+          <p:nvPr/>
+        </p:nvPicPr>
+        <p:blipFill>
+          <a:blip r:embed="rId3"/>
+          <a:stretch>
+            <a:fillRect/>
+          </a:stretch>
+        </p:blipFill>
+        <p:spPr>
+          <a:xfrm>
+            <a:off x="812499" y="1265418"/>
+            <a:ext cx="5589202" cy="3147556"/>
+          </a:xfrm>
+          <a:prstGeom prst="rect">
+            <a:avLst/>
+          </a:prstGeom>
+        </p:spPr>
+      </p:pic>
+      <p:sp>
+        <p:nvSpPr>
+          <p:cNvPr id="3" name="TextBox 2">
+            <a:extLst>
+              <a:ext uri="{FF2B5EF4-FFF2-40B4-BE49-F238E27FC236}">
+                <a16:creationId xmlns:a16="http://schemas.microsoft.com/office/drawing/2014/main" id="{D3ABDF80-AAC4-589A-E295-A7F8BEACBB6A}"/>
+              </a:ext>
+            </a:extLst>
+          </p:cNvPr>
+          <p:cNvSpPr txBox="1"/>
+          <p:nvPr/>
+        </p:nvSpPr>
+        <p:spPr>
+          <a:xfrm>
+            <a:off x="8026106" y="4592665"/>
+            <a:ext cx="1911096" cy="215444"/>
+          </a:xfrm>
+          <a:prstGeom prst="rect">
+            <a:avLst/>
+          </a:prstGeom>
+          <a:noFill/>
+        </p:spPr>
+        <p:txBody>
+          <a:bodyPr wrap="square" lIns="91440" tIns="45720" rIns="91440" bIns="45720" rtlCol="0" anchor="t">
+            <a:spAutoFit/>
+          </a:bodyPr>
+          <a:lstStyle/>
+          <a:p>
+            <a:r>
+              <a:rPr lang="en-CA" sz="800" dirty="0">
+                <a:hlinkClick r:id="rId4"/>
+              </a:rPr>
+              <a:t>source</a:t>
+            </a:r>
+          </a:p>
+        </p:txBody>
+      </p:sp>
     </p:spTree>
     <p:extLst>
       <p:ext uri="{BB962C8B-B14F-4D97-AF65-F5344CB8AC3E}">
@@ -24380,6 +25211,1647 @@
 </file>
 
 <file path=ppt/slides/slide37.xml><?xml version="1.0" encoding="utf-8"?>
+<p:sld xmlns:a="http://schemas.openxmlformats.org/drawingml/2006/main" xmlns:r="http://schemas.openxmlformats.org/officeDocument/2006/relationships" xmlns:p="http://schemas.openxmlformats.org/presentationml/2006/main">
+  <p:cSld>
+    <p:spTree>
+      <p:nvGrpSpPr>
+        <p:cNvPr id="1" name="Shape 157">
+          <a:extLst>
+            <a:ext uri="{FF2B5EF4-FFF2-40B4-BE49-F238E27FC236}">
+              <a16:creationId xmlns:a16="http://schemas.microsoft.com/office/drawing/2014/main" id="{E62133E8-174D-16D9-C12E-B8A2D7BD2FE6}"/>
+            </a:ext>
+          </a:extLst>
+        </p:cNvPr>
+        <p:cNvGrpSpPr/>
+        <p:nvPr/>
+      </p:nvGrpSpPr>
+      <p:grpSpPr>
+        <a:xfrm>
+          <a:off x="0" y="0"/>
+          <a:ext cx="0" cy="0"/>
+          <a:chOff x="0" y="0"/>
+          <a:chExt cx="0" cy="0"/>
+        </a:xfrm>
+      </p:grpSpPr>
+      <p:sp>
+        <p:nvSpPr>
+          <p:cNvPr id="158" name="Google Shape;158;p30">
+            <a:extLst>
+              <a:ext uri="{FF2B5EF4-FFF2-40B4-BE49-F238E27FC236}">
+                <a16:creationId xmlns:a16="http://schemas.microsoft.com/office/drawing/2014/main" id="{0B208E9B-C1A6-6175-13E4-677CF014A1E5}"/>
+              </a:ext>
+            </a:extLst>
+          </p:cNvPr>
+          <p:cNvSpPr txBox="1">
+            <a:spLocks noGrp="1"/>
+          </p:cNvSpPr>
+          <p:nvPr>
+            <p:ph type="title" idx="6"/>
+          </p:nvPr>
+        </p:nvSpPr>
+        <p:spPr>
+          <a:xfrm>
+            <a:off x="710749" y="496774"/>
+            <a:ext cx="6735079" cy="776400"/>
+          </a:xfrm>
+          <a:prstGeom prst="rect">
+            <a:avLst/>
+          </a:prstGeom>
+        </p:spPr>
+        <p:txBody>
+          <a:bodyPr spcFirstLastPara="1" wrap="square" lIns="91425" tIns="91425" rIns="91425" bIns="91425" anchor="t" anchorCtr="0">
+            <a:noAutofit/>
+          </a:bodyPr>
+          <a:lstStyle/>
+          <a:p>
+            <a:pPr marL="0" lvl="0" indent="0" algn="l" rtl="0">
+              <a:spcBef>
+                <a:spcPts val="0"/>
+              </a:spcBef>
+              <a:spcAft>
+                <a:spcPts val="0"/>
+              </a:spcAft>
+              <a:buNone/>
+            </a:pPr>
+            <a:r>
+              <a:rPr lang="es" sz="2400" dirty="0"/>
+              <a:t>Tidy Data Principles</a:t>
+            </a:r>
+            <a:endParaRPr sz="2400" b="0" dirty="0"/>
+          </a:p>
+        </p:txBody>
+      </p:sp>
+      <p:cxnSp>
+        <p:nvCxnSpPr>
+          <p:cNvPr id="166" name="Google Shape;166;p30">
+            <a:extLst>
+              <a:ext uri="{FF2B5EF4-FFF2-40B4-BE49-F238E27FC236}">
+                <a16:creationId xmlns:a16="http://schemas.microsoft.com/office/drawing/2014/main" id="{D6F21D83-5D65-1500-75E3-CB625F24A212}"/>
+              </a:ext>
+            </a:extLst>
+          </p:cNvPr>
+          <p:cNvCxnSpPr>
+            <a:cxnSpLocks/>
+          </p:cNvCxnSpPr>
+          <p:nvPr/>
+        </p:nvCxnSpPr>
+        <p:spPr>
+          <a:xfrm>
+            <a:off x="812499" y="1045726"/>
+            <a:ext cx="7556438" cy="0"/>
+          </a:xfrm>
+          <a:prstGeom prst="straightConnector1">
+            <a:avLst/>
+          </a:prstGeom>
+          <a:noFill/>
+          <a:ln w="19050" cap="flat" cmpd="sng">
+            <a:solidFill>
+              <a:schemeClr val="dk1"/>
+            </a:solidFill>
+            <a:prstDash val="solid"/>
+            <a:round/>
+            <a:headEnd type="none" w="med" len="med"/>
+            <a:tailEnd type="none" w="med" len="med"/>
+          </a:ln>
+        </p:spPr>
+      </p:cxnSp>
+      <p:sp>
+        <p:nvSpPr>
+          <p:cNvPr id="4" name="Subtitle 3">
+            <a:extLst>
+              <a:ext uri="{FF2B5EF4-FFF2-40B4-BE49-F238E27FC236}">
+                <a16:creationId xmlns:a16="http://schemas.microsoft.com/office/drawing/2014/main" id="{208218E3-46FE-9C7A-5D1F-942251255438}"/>
+              </a:ext>
+            </a:extLst>
+          </p:cNvPr>
+          <p:cNvSpPr>
+            <a:spLocks noGrp="1"/>
+          </p:cNvSpPr>
+          <p:nvPr>
+            <p:ph type="subTitle" idx="3"/>
+          </p:nvPr>
+        </p:nvSpPr>
+        <p:spPr>
+          <a:xfrm>
+            <a:off x="710750" y="1627900"/>
+            <a:ext cx="5481250" cy="2469874"/>
+          </a:xfrm>
+        </p:spPr>
+        <p:txBody>
+          <a:bodyPr/>
+          <a:lstStyle/>
+          <a:p>
+            <a:pPr marL="482600" indent="-342900">
+              <a:buAutoNum type="arabicPeriod"/>
+            </a:pPr>
+            <a:r>
+              <a:rPr lang="en-US" sz="2000" dirty="0"/>
+              <a:t>Each column is a variable. </a:t>
+            </a:r>
+          </a:p>
+          <a:p>
+            <a:pPr marL="482600" indent="-342900">
+              <a:buAutoNum type="arabicPeriod"/>
+            </a:pPr>
+            <a:endParaRPr lang="en-US" sz="2000" dirty="0"/>
+          </a:p>
+          <a:p>
+            <a:pPr marL="482600" indent="-342900">
+              <a:buAutoNum type="arabicPeriod"/>
+            </a:pPr>
+            <a:r>
+              <a:rPr lang="en-US" sz="2000" dirty="0"/>
+              <a:t>Each row is an observation.</a:t>
+            </a:r>
+          </a:p>
+          <a:p>
+            <a:pPr marL="482600" indent="-342900">
+              <a:buAutoNum type="arabicPeriod"/>
+            </a:pPr>
+            <a:endParaRPr lang="en-US" sz="2000" dirty="0"/>
+          </a:p>
+          <a:p>
+            <a:pPr marL="482600" indent="-342900">
+              <a:buAutoNum type="arabicPeriod"/>
+            </a:pPr>
+            <a:r>
+              <a:rPr lang="en-US" sz="2000" dirty="0"/>
+              <a:t>Each cell is a single value.</a:t>
+            </a:r>
+          </a:p>
+          <a:p>
+            <a:pPr marL="482600" indent="-342900">
+              <a:buAutoNum type="arabicPeriod"/>
+            </a:pPr>
+            <a:endParaRPr lang="en-CA" dirty="0"/>
+          </a:p>
+        </p:txBody>
+      </p:sp>
+      <p:sp>
+        <p:nvSpPr>
+          <p:cNvPr id="6" name="TextBox 5">
+            <a:extLst>
+              <a:ext uri="{FF2B5EF4-FFF2-40B4-BE49-F238E27FC236}">
+                <a16:creationId xmlns:a16="http://schemas.microsoft.com/office/drawing/2014/main" id="{9AB80613-5413-F1F9-1658-BBD4EEB4D9F4}"/>
+              </a:ext>
+            </a:extLst>
+          </p:cNvPr>
+          <p:cNvSpPr txBox="1"/>
+          <p:nvPr/>
+        </p:nvSpPr>
+        <p:spPr>
+          <a:xfrm>
+            <a:off x="8474400" y="4730400"/>
+            <a:ext cx="1692000" cy="215444"/>
+          </a:xfrm>
+          <a:prstGeom prst="rect">
+            <a:avLst/>
+          </a:prstGeom>
+          <a:noFill/>
+        </p:spPr>
+        <p:txBody>
+          <a:bodyPr wrap="square" rtlCol="0">
+            <a:spAutoFit/>
+          </a:bodyPr>
+          <a:lstStyle/>
+          <a:p>
+            <a:r>
+              <a:rPr lang="en-US" sz="800" dirty="0">
+                <a:hlinkClick r:id="rId3"/>
+              </a:rPr>
+              <a:t>source</a:t>
+            </a:r>
+            <a:endParaRPr lang="en-CA" sz="800" dirty="0"/>
+          </a:p>
+        </p:txBody>
+      </p:sp>
+    </p:spTree>
+    <p:extLst>
+      <p:ext uri="{BB962C8B-B14F-4D97-AF65-F5344CB8AC3E}">
+        <p14:creationId xmlns:p14="http://schemas.microsoft.com/office/powerpoint/2010/main" val="1917511965"/>
+      </p:ext>
+    </p:extLst>
+  </p:cSld>
+  <p:clrMapOvr>
+    <a:masterClrMapping/>
+  </p:clrMapOvr>
+</p:sld>
+</file>
+
+<file path=ppt/slides/slide38.xml><?xml version="1.0" encoding="utf-8"?>
+<p:sld xmlns:a="http://schemas.openxmlformats.org/drawingml/2006/main" xmlns:r="http://schemas.openxmlformats.org/officeDocument/2006/relationships" xmlns:p="http://schemas.openxmlformats.org/presentationml/2006/main">
+  <p:cSld>
+    <p:spTree>
+      <p:nvGrpSpPr>
+        <p:cNvPr id="1" name="Shape 157">
+          <a:extLst>
+            <a:ext uri="{FF2B5EF4-FFF2-40B4-BE49-F238E27FC236}">
+              <a16:creationId xmlns:a16="http://schemas.microsoft.com/office/drawing/2014/main" id="{3BED49DB-60A7-7E1C-0154-FBD55A6698F5}"/>
+            </a:ext>
+          </a:extLst>
+        </p:cNvPr>
+        <p:cNvGrpSpPr/>
+        <p:nvPr/>
+      </p:nvGrpSpPr>
+      <p:grpSpPr>
+        <a:xfrm>
+          <a:off x="0" y="0"/>
+          <a:ext cx="0" cy="0"/>
+          <a:chOff x="0" y="0"/>
+          <a:chExt cx="0" cy="0"/>
+        </a:xfrm>
+      </p:grpSpPr>
+      <p:sp>
+        <p:nvSpPr>
+          <p:cNvPr id="158" name="Google Shape;158;p30">
+            <a:extLst>
+              <a:ext uri="{FF2B5EF4-FFF2-40B4-BE49-F238E27FC236}">
+                <a16:creationId xmlns:a16="http://schemas.microsoft.com/office/drawing/2014/main" id="{ADEF8AEB-669E-EAB3-CC62-DBEF12C68007}"/>
+              </a:ext>
+            </a:extLst>
+          </p:cNvPr>
+          <p:cNvSpPr txBox="1">
+            <a:spLocks noGrp="1"/>
+          </p:cNvSpPr>
+          <p:nvPr>
+            <p:ph type="title" idx="6"/>
+          </p:nvPr>
+        </p:nvSpPr>
+        <p:spPr>
+          <a:xfrm>
+            <a:off x="710749" y="496774"/>
+            <a:ext cx="6735079" cy="776400"/>
+          </a:xfrm>
+          <a:prstGeom prst="rect">
+            <a:avLst/>
+          </a:prstGeom>
+        </p:spPr>
+        <p:txBody>
+          <a:bodyPr spcFirstLastPara="1" wrap="square" lIns="91425" tIns="91425" rIns="91425" bIns="91425" anchor="t" anchorCtr="0">
+            <a:noAutofit/>
+          </a:bodyPr>
+          <a:lstStyle/>
+          <a:p>
+            <a:pPr marL="0" lvl="0" indent="0" algn="l" rtl="0">
+              <a:spcBef>
+                <a:spcPts val="0"/>
+              </a:spcBef>
+              <a:spcAft>
+                <a:spcPts val="0"/>
+              </a:spcAft>
+              <a:buNone/>
+            </a:pPr>
+            <a:r>
+              <a:rPr lang="es" sz="2400" dirty="0"/>
+              <a:t>Tidy Data Principles</a:t>
+            </a:r>
+            <a:endParaRPr sz="2400" b="0" dirty="0"/>
+          </a:p>
+        </p:txBody>
+      </p:sp>
+      <p:cxnSp>
+        <p:nvCxnSpPr>
+          <p:cNvPr id="166" name="Google Shape;166;p30">
+            <a:extLst>
+              <a:ext uri="{FF2B5EF4-FFF2-40B4-BE49-F238E27FC236}">
+                <a16:creationId xmlns:a16="http://schemas.microsoft.com/office/drawing/2014/main" id="{5CFEF172-857F-CF3A-A365-6D6206DD90BE}"/>
+              </a:ext>
+            </a:extLst>
+          </p:cNvPr>
+          <p:cNvCxnSpPr>
+            <a:cxnSpLocks/>
+          </p:cNvCxnSpPr>
+          <p:nvPr/>
+        </p:nvCxnSpPr>
+        <p:spPr>
+          <a:xfrm>
+            <a:off x="812499" y="1045726"/>
+            <a:ext cx="7556438" cy="0"/>
+          </a:xfrm>
+          <a:prstGeom prst="straightConnector1">
+            <a:avLst/>
+          </a:prstGeom>
+          <a:noFill/>
+          <a:ln w="19050" cap="flat" cmpd="sng">
+            <a:solidFill>
+              <a:schemeClr val="dk1"/>
+            </a:solidFill>
+            <a:prstDash val="solid"/>
+            <a:round/>
+            <a:headEnd type="none" w="med" len="med"/>
+            <a:tailEnd type="none" w="med" len="med"/>
+          </a:ln>
+        </p:spPr>
+      </p:cxnSp>
+      <p:sp>
+        <p:nvSpPr>
+          <p:cNvPr id="4" name="Subtitle 3">
+            <a:extLst>
+              <a:ext uri="{FF2B5EF4-FFF2-40B4-BE49-F238E27FC236}">
+                <a16:creationId xmlns:a16="http://schemas.microsoft.com/office/drawing/2014/main" id="{480D08FC-FF5D-B85D-54CE-22FFE524F01D}"/>
+              </a:ext>
+            </a:extLst>
+          </p:cNvPr>
+          <p:cNvSpPr>
+            <a:spLocks noGrp="1"/>
+          </p:cNvSpPr>
+          <p:nvPr>
+            <p:ph type="subTitle" idx="3"/>
+          </p:nvPr>
+        </p:nvSpPr>
+        <p:spPr>
+          <a:xfrm>
+            <a:off x="710750" y="1627900"/>
+            <a:ext cx="2874850" cy="1784900"/>
+          </a:xfrm>
+        </p:spPr>
+        <p:txBody>
+          <a:bodyPr/>
+          <a:lstStyle/>
+          <a:p>
+            <a:pPr marL="482600" indent="-342900">
+              <a:buAutoNum type="arabicPeriod"/>
+            </a:pPr>
+            <a:r>
+              <a:rPr lang="en-US" dirty="0"/>
+              <a:t>Each column is a variable. </a:t>
+            </a:r>
+          </a:p>
+          <a:p>
+            <a:pPr marL="482600" indent="-342900">
+              <a:buAutoNum type="arabicPeriod"/>
+            </a:pPr>
+            <a:endParaRPr lang="en-US" dirty="0"/>
+          </a:p>
+          <a:p>
+            <a:pPr marL="482600" indent="-342900">
+              <a:buAutoNum type="arabicPeriod"/>
+            </a:pPr>
+            <a:r>
+              <a:rPr lang="en-US" dirty="0"/>
+              <a:t>Each row is an observation.</a:t>
+            </a:r>
+          </a:p>
+          <a:p>
+            <a:pPr marL="482600" indent="-342900">
+              <a:buAutoNum type="arabicPeriod"/>
+            </a:pPr>
+            <a:endParaRPr lang="en-US" dirty="0"/>
+          </a:p>
+          <a:p>
+            <a:pPr marL="482600" indent="-342900">
+              <a:buAutoNum type="arabicPeriod"/>
+            </a:pPr>
+            <a:r>
+              <a:rPr lang="en-US" dirty="0"/>
+              <a:t>Each cell is a single value.</a:t>
+            </a:r>
+          </a:p>
+          <a:p>
+            <a:pPr marL="482600" indent="-342900">
+              <a:buAutoNum type="arabicPeriod"/>
+            </a:pPr>
+            <a:endParaRPr lang="en-CA" dirty="0"/>
+          </a:p>
+        </p:txBody>
+      </p:sp>
+      <p:sp>
+        <p:nvSpPr>
+          <p:cNvPr id="6" name="TextBox 5">
+            <a:extLst>
+              <a:ext uri="{FF2B5EF4-FFF2-40B4-BE49-F238E27FC236}">
+                <a16:creationId xmlns:a16="http://schemas.microsoft.com/office/drawing/2014/main" id="{C2EE771C-7B1C-4766-AB3C-F9C709CA2AB0}"/>
+              </a:ext>
+            </a:extLst>
+          </p:cNvPr>
+          <p:cNvSpPr txBox="1"/>
+          <p:nvPr/>
+        </p:nvSpPr>
+        <p:spPr>
+          <a:xfrm>
+            <a:off x="8474400" y="4730400"/>
+            <a:ext cx="1692000" cy="215444"/>
+          </a:xfrm>
+          <a:prstGeom prst="rect">
+            <a:avLst/>
+          </a:prstGeom>
+          <a:noFill/>
+        </p:spPr>
+        <p:txBody>
+          <a:bodyPr wrap="square" rtlCol="0">
+            <a:spAutoFit/>
+          </a:bodyPr>
+          <a:lstStyle/>
+          <a:p>
+            <a:r>
+              <a:rPr lang="en-US" sz="800" dirty="0">
+                <a:hlinkClick r:id="rId3"/>
+              </a:rPr>
+              <a:t>source</a:t>
+            </a:r>
+            <a:endParaRPr lang="en-CA" sz="800" dirty="0"/>
+          </a:p>
+        </p:txBody>
+      </p:sp>
+      <p:pic>
+        <p:nvPicPr>
+          <p:cNvPr id="2" name="Picture 1">
+            <a:extLst>
+              <a:ext uri="{FF2B5EF4-FFF2-40B4-BE49-F238E27FC236}">
+                <a16:creationId xmlns:a16="http://schemas.microsoft.com/office/drawing/2014/main" id="{9EB22D13-3FC9-54D5-80A5-6A62B6F03FE9}"/>
+              </a:ext>
+            </a:extLst>
+          </p:cNvPr>
+          <p:cNvPicPr>
+            <a:picLocks noChangeAspect="1"/>
+          </p:cNvPicPr>
+          <p:nvPr/>
+        </p:nvPicPr>
+        <p:blipFill>
+          <a:blip r:embed="rId4"/>
+          <a:stretch>
+            <a:fillRect/>
+          </a:stretch>
+        </p:blipFill>
+        <p:spPr>
+          <a:xfrm>
+            <a:off x="4295859" y="1541924"/>
+            <a:ext cx="4178541" cy="1956852"/>
+          </a:xfrm>
+          <a:prstGeom prst="rect">
+            <a:avLst/>
+          </a:prstGeom>
+        </p:spPr>
+      </p:pic>
+    </p:spTree>
+    <p:extLst>
+      <p:ext uri="{BB962C8B-B14F-4D97-AF65-F5344CB8AC3E}">
+        <p14:creationId xmlns:p14="http://schemas.microsoft.com/office/powerpoint/2010/main" val="548630920"/>
+      </p:ext>
+    </p:extLst>
+  </p:cSld>
+  <p:clrMapOvr>
+    <a:masterClrMapping/>
+  </p:clrMapOvr>
+</p:sld>
+</file>
+
+<file path=ppt/slides/slide39.xml><?xml version="1.0" encoding="utf-8"?>
+<p:sld xmlns:a="http://schemas.openxmlformats.org/drawingml/2006/main" xmlns:r="http://schemas.openxmlformats.org/officeDocument/2006/relationships" xmlns:p="http://schemas.openxmlformats.org/presentationml/2006/main">
+  <p:cSld>
+    <p:spTree>
+      <p:nvGrpSpPr>
+        <p:cNvPr id="1" name="Shape 157">
+          <a:extLst>
+            <a:ext uri="{FF2B5EF4-FFF2-40B4-BE49-F238E27FC236}">
+              <a16:creationId xmlns:a16="http://schemas.microsoft.com/office/drawing/2014/main" id="{7EBFEAB2-B5A6-D381-C7B3-CE2DB593BADE}"/>
+            </a:ext>
+          </a:extLst>
+        </p:cNvPr>
+        <p:cNvGrpSpPr/>
+        <p:nvPr/>
+      </p:nvGrpSpPr>
+      <p:grpSpPr>
+        <a:xfrm>
+          <a:off x="0" y="0"/>
+          <a:ext cx="0" cy="0"/>
+          <a:chOff x="0" y="0"/>
+          <a:chExt cx="0" cy="0"/>
+        </a:xfrm>
+      </p:grpSpPr>
+      <p:sp>
+        <p:nvSpPr>
+          <p:cNvPr id="158" name="Google Shape;158;p30">
+            <a:extLst>
+              <a:ext uri="{FF2B5EF4-FFF2-40B4-BE49-F238E27FC236}">
+                <a16:creationId xmlns:a16="http://schemas.microsoft.com/office/drawing/2014/main" id="{DFC56097-C75E-2441-F415-02D114282A30}"/>
+              </a:ext>
+            </a:extLst>
+          </p:cNvPr>
+          <p:cNvSpPr txBox="1">
+            <a:spLocks noGrp="1"/>
+          </p:cNvSpPr>
+          <p:nvPr>
+            <p:ph type="title" idx="6"/>
+          </p:nvPr>
+        </p:nvSpPr>
+        <p:spPr>
+          <a:xfrm>
+            <a:off x="710749" y="496774"/>
+            <a:ext cx="6735079" cy="776400"/>
+          </a:xfrm>
+          <a:prstGeom prst="rect">
+            <a:avLst/>
+          </a:prstGeom>
+        </p:spPr>
+        <p:txBody>
+          <a:bodyPr spcFirstLastPara="1" wrap="square" lIns="91425" tIns="91425" rIns="91425" bIns="91425" anchor="t" anchorCtr="0">
+            <a:noAutofit/>
+          </a:bodyPr>
+          <a:lstStyle/>
+          <a:p>
+            <a:pPr marL="0" lvl="0" indent="0" algn="l" rtl="0">
+              <a:spcBef>
+                <a:spcPts val="0"/>
+              </a:spcBef>
+              <a:spcAft>
+                <a:spcPts val="0"/>
+              </a:spcAft>
+              <a:buNone/>
+            </a:pPr>
+            <a:r>
+              <a:rPr lang="es" sz="2400" dirty="0"/>
+              <a:t>Tidy Data Principles</a:t>
+            </a:r>
+            <a:endParaRPr sz="2400" b="0" dirty="0"/>
+          </a:p>
+        </p:txBody>
+      </p:sp>
+      <p:cxnSp>
+        <p:nvCxnSpPr>
+          <p:cNvPr id="166" name="Google Shape;166;p30">
+            <a:extLst>
+              <a:ext uri="{FF2B5EF4-FFF2-40B4-BE49-F238E27FC236}">
+                <a16:creationId xmlns:a16="http://schemas.microsoft.com/office/drawing/2014/main" id="{6B90557A-A329-4F6C-57A8-E60F3A09FAB1}"/>
+              </a:ext>
+            </a:extLst>
+          </p:cNvPr>
+          <p:cNvCxnSpPr>
+            <a:cxnSpLocks/>
+          </p:cNvCxnSpPr>
+          <p:nvPr/>
+        </p:nvCxnSpPr>
+        <p:spPr>
+          <a:xfrm>
+            <a:off x="812499" y="1045726"/>
+            <a:ext cx="7556438" cy="0"/>
+          </a:xfrm>
+          <a:prstGeom prst="straightConnector1">
+            <a:avLst/>
+          </a:prstGeom>
+          <a:noFill/>
+          <a:ln w="19050" cap="flat" cmpd="sng">
+            <a:solidFill>
+              <a:schemeClr val="dk1"/>
+            </a:solidFill>
+            <a:prstDash val="solid"/>
+            <a:round/>
+            <a:headEnd type="none" w="med" len="med"/>
+            <a:tailEnd type="none" w="med" len="med"/>
+          </a:ln>
+        </p:spPr>
+      </p:cxnSp>
+      <p:sp>
+        <p:nvSpPr>
+          <p:cNvPr id="6" name="TextBox 5">
+            <a:extLst>
+              <a:ext uri="{FF2B5EF4-FFF2-40B4-BE49-F238E27FC236}">
+                <a16:creationId xmlns:a16="http://schemas.microsoft.com/office/drawing/2014/main" id="{EF90E0B5-73D5-8611-3A62-3D29326BED9A}"/>
+              </a:ext>
+            </a:extLst>
+          </p:cNvPr>
+          <p:cNvSpPr txBox="1"/>
+          <p:nvPr/>
+        </p:nvSpPr>
+        <p:spPr>
+          <a:xfrm>
+            <a:off x="8474400" y="4730400"/>
+            <a:ext cx="1692000" cy="215444"/>
+          </a:xfrm>
+          <a:prstGeom prst="rect">
+            <a:avLst/>
+          </a:prstGeom>
+          <a:noFill/>
+        </p:spPr>
+        <p:txBody>
+          <a:bodyPr wrap="square" rtlCol="0">
+            <a:spAutoFit/>
+          </a:bodyPr>
+          <a:lstStyle/>
+          <a:p>
+            <a:r>
+              <a:rPr lang="en-US" sz="800" dirty="0">
+                <a:hlinkClick r:id="rId3"/>
+              </a:rPr>
+              <a:t>source</a:t>
+            </a:r>
+            <a:endParaRPr lang="en-CA" sz="800" dirty="0"/>
+          </a:p>
+        </p:txBody>
+      </p:sp>
+      <p:pic>
+        <p:nvPicPr>
+          <p:cNvPr id="7" name="Picture 6">
+            <a:extLst>
+              <a:ext uri="{FF2B5EF4-FFF2-40B4-BE49-F238E27FC236}">
+                <a16:creationId xmlns:a16="http://schemas.microsoft.com/office/drawing/2014/main" id="{A600A1C6-9C7C-2F28-EA8C-0C5908C72FAE}"/>
+              </a:ext>
+            </a:extLst>
+          </p:cNvPr>
+          <p:cNvPicPr>
+            <a:picLocks noChangeAspect="1"/>
+          </p:cNvPicPr>
+          <p:nvPr/>
+        </p:nvPicPr>
+        <p:blipFill>
+          <a:blip r:embed="rId4"/>
+          <a:stretch>
+            <a:fillRect/>
+          </a:stretch>
+        </p:blipFill>
+        <p:spPr>
+          <a:xfrm>
+            <a:off x="481299" y="1457169"/>
+            <a:ext cx="3240700" cy="1517652"/>
+          </a:xfrm>
+          <a:prstGeom prst="rect">
+            <a:avLst/>
+          </a:prstGeom>
+        </p:spPr>
+      </p:pic>
+      <p:pic>
+        <p:nvPicPr>
+          <p:cNvPr id="9" name="Picture 8">
+            <a:extLst>
+              <a:ext uri="{FF2B5EF4-FFF2-40B4-BE49-F238E27FC236}">
+                <a16:creationId xmlns:a16="http://schemas.microsoft.com/office/drawing/2014/main" id="{8C44DA87-4279-E330-7D05-9F35E1F4348F}"/>
+              </a:ext>
+            </a:extLst>
+          </p:cNvPr>
+          <p:cNvPicPr>
+            <a:picLocks noChangeAspect="1"/>
+          </p:cNvPicPr>
+          <p:nvPr/>
+        </p:nvPicPr>
+        <p:blipFill>
+          <a:blip r:embed="rId5"/>
+          <a:stretch>
+            <a:fillRect/>
+          </a:stretch>
+        </p:blipFill>
+        <p:spPr>
+          <a:xfrm>
+            <a:off x="5299603" y="1273174"/>
+            <a:ext cx="2806028" cy="3403294"/>
+          </a:xfrm>
+          <a:prstGeom prst="rect">
+            <a:avLst/>
+          </a:prstGeom>
+        </p:spPr>
+      </p:pic>
+      <p:sp>
+        <p:nvSpPr>
+          <p:cNvPr id="10" name="Arrow: Right 9">
+            <a:extLst>
+              <a:ext uri="{FF2B5EF4-FFF2-40B4-BE49-F238E27FC236}">
+                <a16:creationId xmlns:a16="http://schemas.microsoft.com/office/drawing/2014/main" id="{461AECD9-22A3-DFF2-B572-1E5CD53B3DDC}"/>
+              </a:ext>
+            </a:extLst>
+          </p:cNvPr>
+          <p:cNvSpPr/>
+          <p:nvPr/>
+        </p:nvSpPr>
+        <p:spPr>
+          <a:xfrm>
+            <a:off x="4032002" y="2038950"/>
+            <a:ext cx="911312" cy="532800"/>
+          </a:xfrm>
+          <a:prstGeom prst="rightArrow">
+            <a:avLst/>
+          </a:prstGeom>
+        </p:spPr>
+        <p:style>
+          <a:lnRef idx="2">
+            <a:schemeClr val="accent1">
+              <a:shade val="15000"/>
+            </a:schemeClr>
+          </a:lnRef>
+          <a:fillRef idx="1">
+            <a:schemeClr val="accent1"/>
+          </a:fillRef>
+          <a:effectRef idx="0">
+            <a:schemeClr val="accent1"/>
+          </a:effectRef>
+          <a:fontRef idx="minor">
+            <a:schemeClr val="lt1"/>
+          </a:fontRef>
+        </p:style>
+        <p:txBody>
+          <a:bodyPr rtlCol="0" anchor="ctr"/>
+          <a:lstStyle/>
+          <a:p>
+            <a:pPr algn="ctr"/>
+            <a:endParaRPr lang="en-CA"/>
+          </a:p>
+        </p:txBody>
+      </p:sp>
+    </p:spTree>
+    <p:extLst>
+      <p:ext uri="{BB962C8B-B14F-4D97-AF65-F5344CB8AC3E}">
+        <p14:creationId xmlns:p14="http://schemas.microsoft.com/office/powerpoint/2010/main" val="1516744801"/>
+      </p:ext>
+    </p:extLst>
+  </p:cSld>
+  <p:clrMapOvr>
+    <a:masterClrMapping/>
+  </p:clrMapOvr>
+</p:sld>
+</file>
+
+<file path=ppt/slides/slide4.xml><?xml version="1.0" encoding="utf-8"?>
+<p:sld xmlns:a="http://schemas.openxmlformats.org/drawingml/2006/main" xmlns:r="http://schemas.openxmlformats.org/officeDocument/2006/relationships" xmlns:p="http://schemas.openxmlformats.org/presentationml/2006/main">
+  <p:cSld>
+    <p:spTree>
+      <p:nvGrpSpPr>
+        <p:cNvPr id="1" name="Shape 157">
+          <a:extLst>
+            <a:ext uri="{FF2B5EF4-FFF2-40B4-BE49-F238E27FC236}">
+              <a16:creationId xmlns:a16="http://schemas.microsoft.com/office/drawing/2014/main" id="{421C78ED-CFB4-BF71-C314-9FBDBAD0BE97}"/>
+            </a:ext>
+          </a:extLst>
+        </p:cNvPr>
+        <p:cNvGrpSpPr/>
+        <p:nvPr/>
+      </p:nvGrpSpPr>
+      <p:grpSpPr>
+        <a:xfrm>
+          <a:off x="0" y="0"/>
+          <a:ext cx="0" cy="0"/>
+          <a:chOff x="0" y="0"/>
+          <a:chExt cx="0" cy="0"/>
+        </a:xfrm>
+      </p:grpSpPr>
+      <p:sp>
+        <p:nvSpPr>
+          <p:cNvPr id="158" name="Google Shape;158;p30">
+            <a:extLst>
+              <a:ext uri="{FF2B5EF4-FFF2-40B4-BE49-F238E27FC236}">
+                <a16:creationId xmlns:a16="http://schemas.microsoft.com/office/drawing/2014/main" id="{094BEDF3-5B68-8EE5-646D-B0CA33696FF2}"/>
+              </a:ext>
+            </a:extLst>
+          </p:cNvPr>
+          <p:cNvSpPr txBox="1">
+            <a:spLocks noGrp="1"/>
+          </p:cNvSpPr>
+          <p:nvPr>
+            <p:ph type="title" idx="6"/>
+          </p:nvPr>
+        </p:nvSpPr>
+        <p:spPr>
+          <a:xfrm>
+            <a:off x="710750" y="387250"/>
+            <a:ext cx="7434783" cy="711702"/>
+          </a:xfrm>
+          <a:prstGeom prst="rect">
+            <a:avLst/>
+          </a:prstGeom>
+        </p:spPr>
+        <p:txBody>
+          <a:bodyPr spcFirstLastPara="1" wrap="square" lIns="91425" tIns="91425" rIns="91425" bIns="91425" anchor="t" anchorCtr="0">
+            <a:noAutofit/>
+          </a:bodyPr>
+          <a:lstStyle/>
+          <a:p>
+            <a:r>
+              <a:rPr lang="es" dirty="0" err="1"/>
+              <a:t>What</a:t>
+            </a:r>
+            <a:r>
+              <a:rPr lang="es" dirty="0"/>
+              <a:t> </a:t>
+            </a:r>
+            <a:r>
+              <a:rPr lang="es" dirty="0" err="1"/>
+              <a:t>is</a:t>
+            </a:r>
+            <a:r>
+              <a:rPr lang="es" dirty="0"/>
+              <a:t> </a:t>
+            </a:r>
+            <a:r>
+              <a:rPr lang="es" dirty="0" err="1"/>
+              <a:t>Reproducibility</a:t>
+            </a:r>
+            <a:r>
+              <a:rPr lang="es" dirty="0"/>
+              <a:t>?</a:t>
+            </a:r>
+            <a:endParaRPr lang="en-US" dirty="0"/>
+          </a:p>
+        </p:txBody>
+      </p:sp>
+      <p:sp>
+        <p:nvSpPr>
+          <p:cNvPr id="162" name="Google Shape;162;p30">
+            <a:extLst>
+              <a:ext uri="{FF2B5EF4-FFF2-40B4-BE49-F238E27FC236}">
+                <a16:creationId xmlns:a16="http://schemas.microsoft.com/office/drawing/2014/main" id="{B2B94977-2685-6122-CF8F-EEBEE77E75A7}"/>
+              </a:ext>
+            </a:extLst>
+          </p:cNvPr>
+          <p:cNvSpPr txBox="1">
+            <a:spLocks noGrp="1"/>
+          </p:cNvSpPr>
+          <p:nvPr>
+            <p:ph type="subTitle" idx="3"/>
+          </p:nvPr>
+        </p:nvSpPr>
+        <p:spPr>
+          <a:xfrm>
+            <a:off x="710749" y="1283957"/>
+            <a:ext cx="7433291" cy="3096454"/>
+          </a:xfrm>
+          <a:prstGeom prst="rect">
+            <a:avLst/>
+          </a:prstGeom>
+        </p:spPr>
+        <p:txBody>
+          <a:bodyPr spcFirstLastPara="1" wrap="square" lIns="91425" tIns="91425" rIns="91425" bIns="91425" anchor="t" anchorCtr="0">
+            <a:noAutofit/>
+          </a:bodyPr>
+          <a:lstStyle/>
+          <a:p>
+            <a:pPr marL="0" indent="0">
+              <a:lnSpc>
+                <a:spcPct val="150000"/>
+              </a:lnSpc>
+            </a:pPr>
+            <a:r>
+              <a:rPr lang="es" sz="1600" b="1" dirty="0"/>
+              <a:t>Reproducible</a:t>
+            </a:r>
+          </a:p>
+          <a:p>
+            <a:pPr marL="0" lvl="0" indent="0" algn="l">
+              <a:lnSpc>
+                <a:spcPct val="150000"/>
+              </a:lnSpc>
+              <a:spcBef>
+                <a:spcPts val="0"/>
+              </a:spcBef>
+              <a:spcAft>
+                <a:spcPts val="0"/>
+              </a:spcAft>
+            </a:pPr>
+            <a:endParaRPr lang="es" sz="1600" b="1" dirty="0"/>
+          </a:p>
+          <a:p>
+            <a:pPr marL="285750" indent="-285750">
+              <a:lnSpc>
+                <a:spcPct val="150000"/>
+              </a:lnSpc>
+              <a:buFont typeface="Arial"/>
+              <a:buChar char="•"/>
+            </a:pPr>
+            <a:r>
+              <a:rPr lang="es" sz="1600" dirty="0" err="1"/>
+              <a:t>The</a:t>
+            </a:r>
+            <a:r>
+              <a:rPr lang="es" sz="1600" dirty="0"/>
+              <a:t> </a:t>
+            </a:r>
+            <a:r>
+              <a:rPr lang="es" sz="1600" b="1" dirty="0" err="1"/>
+              <a:t>existing</a:t>
+            </a:r>
+            <a:r>
+              <a:rPr lang="es" sz="1600" b="1" dirty="0"/>
+              <a:t> data </a:t>
+            </a:r>
+            <a:r>
+              <a:rPr lang="es" sz="1600" dirty="0"/>
+              <a:t>can be </a:t>
+            </a:r>
+            <a:r>
+              <a:rPr lang="es" sz="1600" dirty="0" err="1"/>
+              <a:t>reanalyzed</a:t>
+            </a:r>
+            <a:r>
+              <a:rPr lang="es" sz="1600" dirty="0"/>
+              <a:t> </a:t>
+            </a:r>
+            <a:r>
+              <a:rPr lang="es" sz="1600" dirty="0" err="1"/>
+              <a:t>using</a:t>
+            </a:r>
+            <a:r>
+              <a:rPr lang="es" sz="1600" dirty="0"/>
+              <a:t> </a:t>
+            </a:r>
+            <a:r>
+              <a:rPr lang="es" sz="1600" dirty="0" err="1"/>
+              <a:t>the</a:t>
+            </a:r>
+            <a:r>
+              <a:rPr lang="es" sz="1600" dirty="0"/>
+              <a:t> </a:t>
+            </a:r>
+            <a:r>
+              <a:rPr lang="es" sz="1600" b="1" dirty="0" err="1"/>
+              <a:t>same</a:t>
+            </a:r>
+            <a:r>
+              <a:rPr lang="es" sz="1600" b="1" dirty="0"/>
+              <a:t> </a:t>
+            </a:r>
+            <a:r>
+              <a:rPr lang="es" sz="1600" b="1" dirty="0" err="1"/>
+              <a:t>research</a:t>
+            </a:r>
+            <a:r>
+              <a:rPr lang="es" sz="1600" b="1" dirty="0"/>
+              <a:t> </a:t>
+            </a:r>
+            <a:r>
+              <a:rPr lang="es" sz="1600" b="1" dirty="0" err="1"/>
+              <a:t>methods</a:t>
+            </a:r>
+            <a:r>
+              <a:rPr lang="es" sz="1600" dirty="0"/>
+              <a:t>, and </a:t>
+            </a:r>
+            <a:r>
+              <a:rPr lang="es" sz="1600" dirty="0" err="1"/>
+              <a:t>will</a:t>
+            </a:r>
+            <a:r>
+              <a:rPr lang="es" sz="1600" dirty="0"/>
+              <a:t> </a:t>
+            </a:r>
+            <a:r>
+              <a:rPr lang="es" sz="1600" dirty="0" err="1"/>
+              <a:t>yield</a:t>
+            </a:r>
+            <a:r>
+              <a:rPr lang="es" sz="1600" dirty="0"/>
+              <a:t> </a:t>
+            </a:r>
+            <a:r>
+              <a:rPr lang="es" sz="1600" dirty="0" err="1"/>
+              <a:t>the</a:t>
+            </a:r>
+            <a:r>
+              <a:rPr lang="es" sz="1600" dirty="0"/>
+              <a:t> </a:t>
+            </a:r>
+            <a:r>
+              <a:rPr lang="es" sz="1600" dirty="0" err="1"/>
+              <a:t>same</a:t>
+            </a:r>
+            <a:r>
+              <a:rPr lang="es" sz="1600" dirty="0"/>
+              <a:t> </a:t>
+            </a:r>
+            <a:r>
+              <a:rPr lang="es" sz="1600" dirty="0" err="1"/>
+              <a:t>results</a:t>
+            </a:r>
+          </a:p>
+          <a:p>
+            <a:pPr marL="285750" indent="-285750">
+              <a:buFont typeface="Arial" panose="020B0604020202020204" pitchFamily="34" charset="0"/>
+              <a:buChar char="•"/>
+            </a:pPr>
+            <a:endParaRPr lang="es" dirty="0"/>
+          </a:p>
+          <a:p>
+            <a:pPr marL="285750" indent="-285750">
+              <a:buFont typeface="Arial" panose="020B0604020202020204" pitchFamily="34" charset="0"/>
+              <a:buChar char="•"/>
+            </a:pPr>
+            <a:endParaRPr lang="es" dirty="0"/>
+          </a:p>
+          <a:p>
+            <a:pPr marL="285750" indent="-285750">
+              <a:buFont typeface="Arial" panose="020B0604020202020204" pitchFamily="34" charset="0"/>
+              <a:buChar char="•"/>
+            </a:pPr>
+            <a:endParaRPr lang="es" dirty="0"/>
+          </a:p>
+          <a:p>
+            <a:pPr marL="285750" indent="-285750">
+              <a:buFont typeface="Arial" panose="020B0604020202020204" pitchFamily="34" charset="0"/>
+              <a:buChar char="•"/>
+            </a:pPr>
+            <a:endParaRPr lang="es" dirty="0"/>
+          </a:p>
+        </p:txBody>
+      </p:sp>
+      <p:cxnSp>
+        <p:nvCxnSpPr>
+          <p:cNvPr id="166" name="Google Shape;166;p30">
+            <a:extLst>
+              <a:ext uri="{FF2B5EF4-FFF2-40B4-BE49-F238E27FC236}">
+                <a16:creationId xmlns:a16="http://schemas.microsoft.com/office/drawing/2014/main" id="{C08CD3A6-29E5-6BE9-E772-783262BD5A87}"/>
+              </a:ext>
+            </a:extLst>
+          </p:cNvPr>
+          <p:cNvCxnSpPr>
+            <a:cxnSpLocks/>
+          </p:cNvCxnSpPr>
+          <p:nvPr/>
+        </p:nvCxnSpPr>
+        <p:spPr>
+          <a:xfrm>
+            <a:off x="812499" y="1045726"/>
+            <a:ext cx="7321080" cy="0"/>
+          </a:xfrm>
+          <a:prstGeom prst="straightConnector1">
+            <a:avLst/>
+          </a:prstGeom>
+          <a:noFill/>
+          <a:ln w="19050" cap="flat" cmpd="sng">
+            <a:solidFill>
+              <a:schemeClr val="dk1"/>
+            </a:solidFill>
+            <a:prstDash val="solid"/>
+            <a:round/>
+            <a:headEnd type="none" w="med" len="med"/>
+            <a:tailEnd type="none" w="med" len="med"/>
+          </a:ln>
+        </p:spPr>
+      </p:cxnSp>
+    </p:spTree>
+    <p:extLst>
+      <p:ext uri="{BB962C8B-B14F-4D97-AF65-F5344CB8AC3E}">
+        <p14:creationId xmlns:p14="http://schemas.microsoft.com/office/powerpoint/2010/main" val="1155730660"/>
+      </p:ext>
+    </p:extLst>
+  </p:cSld>
+  <p:clrMapOvr>
+    <a:masterClrMapping/>
+  </p:clrMapOvr>
+</p:sld>
+</file>
+
+<file path=ppt/slides/slide40.xml><?xml version="1.0" encoding="utf-8"?>
+<p:sld xmlns:a="http://schemas.openxmlformats.org/drawingml/2006/main" xmlns:r="http://schemas.openxmlformats.org/officeDocument/2006/relationships" xmlns:p="http://schemas.openxmlformats.org/presentationml/2006/main">
+  <p:cSld>
+    <p:spTree>
+      <p:nvGrpSpPr>
+        <p:cNvPr id="1" name="Shape 157">
+          <a:extLst>
+            <a:ext uri="{FF2B5EF4-FFF2-40B4-BE49-F238E27FC236}">
+              <a16:creationId xmlns:a16="http://schemas.microsoft.com/office/drawing/2014/main" id="{BCA7D0B2-3A8F-EB4A-A5E5-49E5A868ABDD}"/>
+            </a:ext>
+          </a:extLst>
+        </p:cNvPr>
+        <p:cNvGrpSpPr/>
+        <p:nvPr/>
+      </p:nvGrpSpPr>
+      <p:grpSpPr>
+        <a:xfrm>
+          <a:off x="0" y="0"/>
+          <a:ext cx="0" cy="0"/>
+          <a:chOff x="0" y="0"/>
+          <a:chExt cx="0" cy="0"/>
+        </a:xfrm>
+      </p:grpSpPr>
+      <p:sp>
+        <p:nvSpPr>
+          <p:cNvPr id="158" name="Google Shape;158;p30">
+            <a:extLst>
+              <a:ext uri="{FF2B5EF4-FFF2-40B4-BE49-F238E27FC236}">
+                <a16:creationId xmlns:a16="http://schemas.microsoft.com/office/drawing/2014/main" id="{52F7AA87-87A4-4C6F-15D6-2F3D7A766B9A}"/>
+              </a:ext>
+            </a:extLst>
+          </p:cNvPr>
+          <p:cNvSpPr txBox="1">
+            <a:spLocks noGrp="1"/>
+          </p:cNvSpPr>
+          <p:nvPr>
+            <p:ph type="title" idx="6"/>
+          </p:nvPr>
+        </p:nvSpPr>
+        <p:spPr>
+          <a:xfrm>
+            <a:off x="710749" y="496774"/>
+            <a:ext cx="6735079" cy="776400"/>
+          </a:xfrm>
+          <a:prstGeom prst="rect">
+            <a:avLst/>
+          </a:prstGeom>
+        </p:spPr>
+        <p:txBody>
+          <a:bodyPr spcFirstLastPara="1" wrap="square" lIns="91425" tIns="91425" rIns="91425" bIns="91425" anchor="t" anchorCtr="0">
+            <a:noAutofit/>
+          </a:bodyPr>
+          <a:lstStyle/>
+          <a:p>
+            <a:pPr marL="0" lvl="0" indent="0" algn="l" rtl="0">
+              <a:spcBef>
+                <a:spcPts val="0"/>
+              </a:spcBef>
+              <a:spcAft>
+                <a:spcPts val="0"/>
+              </a:spcAft>
+              <a:buNone/>
+            </a:pPr>
+            <a:r>
+              <a:rPr lang="es" sz="2400" dirty="0"/>
+              <a:t>Tidy Data Principles</a:t>
+            </a:r>
+            <a:endParaRPr sz="2400" b="0" dirty="0"/>
+          </a:p>
+        </p:txBody>
+      </p:sp>
+      <p:cxnSp>
+        <p:nvCxnSpPr>
+          <p:cNvPr id="166" name="Google Shape;166;p30">
+            <a:extLst>
+              <a:ext uri="{FF2B5EF4-FFF2-40B4-BE49-F238E27FC236}">
+                <a16:creationId xmlns:a16="http://schemas.microsoft.com/office/drawing/2014/main" id="{0121B8CB-E315-96B5-6616-8BFF13DF08BD}"/>
+              </a:ext>
+            </a:extLst>
+          </p:cNvPr>
+          <p:cNvCxnSpPr>
+            <a:cxnSpLocks/>
+          </p:cNvCxnSpPr>
+          <p:nvPr/>
+        </p:nvCxnSpPr>
+        <p:spPr>
+          <a:xfrm>
+            <a:off x="812499" y="1045726"/>
+            <a:ext cx="7556438" cy="0"/>
+          </a:xfrm>
+          <a:prstGeom prst="straightConnector1">
+            <a:avLst/>
+          </a:prstGeom>
+          <a:noFill/>
+          <a:ln w="19050" cap="flat" cmpd="sng">
+            <a:solidFill>
+              <a:schemeClr val="dk1"/>
+            </a:solidFill>
+            <a:prstDash val="solid"/>
+            <a:round/>
+            <a:headEnd type="none" w="med" len="med"/>
+            <a:tailEnd type="none" w="med" len="med"/>
+          </a:ln>
+        </p:spPr>
+      </p:cxnSp>
+      <p:sp>
+        <p:nvSpPr>
+          <p:cNvPr id="6" name="TextBox 5">
+            <a:extLst>
+              <a:ext uri="{FF2B5EF4-FFF2-40B4-BE49-F238E27FC236}">
+                <a16:creationId xmlns:a16="http://schemas.microsoft.com/office/drawing/2014/main" id="{D2E06AD1-F08F-093A-5FFE-C83F37406853}"/>
+              </a:ext>
+            </a:extLst>
+          </p:cNvPr>
+          <p:cNvSpPr txBox="1"/>
+          <p:nvPr/>
+        </p:nvSpPr>
+        <p:spPr>
+          <a:xfrm>
+            <a:off x="8474400" y="4730400"/>
+            <a:ext cx="1692000" cy="215444"/>
+          </a:xfrm>
+          <a:prstGeom prst="rect">
+            <a:avLst/>
+          </a:prstGeom>
+          <a:noFill/>
+        </p:spPr>
+        <p:txBody>
+          <a:bodyPr wrap="square" rtlCol="0">
+            <a:spAutoFit/>
+          </a:bodyPr>
+          <a:lstStyle/>
+          <a:p>
+            <a:r>
+              <a:rPr lang="en-US" sz="800" dirty="0">
+                <a:hlinkClick r:id="rId3"/>
+              </a:rPr>
+              <a:t>source</a:t>
+            </a:r>
+            <a:endParaRPr lang="en-CA" sz="800" dirty="0"/>
+          </a:p>
+        </p:txBody>
+      </p:sp>
+      <p:pic>
+        <p:nvPicPr>
+          <p:cNvPr id="4" name="Picture 3">
+            <a:extLst>
+              <a:ext uri="{FF2B5EF4-FFF2-40B4-BE49-F238E27FC236}">
+                <a16:creationId xmlns:a16="http://schemas.microsoft.com/office/drawing/2014/main" id="{05CB5E93-99EC-4CC6-21A5-CFDCBFE142F4}"/>
+              </a:ext>
+            </a:extLst>
+          </p:cNvPr>
+          <p:cNvPicPr>
+            <a:picLocks noChangeAspect="1"/>
+          </p:cNvPicPr>
+          <p:nvPr/>
+        </p:nvPicPr>
+        <p:blipFill>
+          <a:blip r:embed="rId4"/>
+          <a:stretch>
+            <a:fillRect/>
+          </a:stretch>
+        </p:blipFill>
+        <p:spPr>
+          <a:xfrm>
+            <a:off x="812499" y="1317723"/>
+            <a:ext cx="6656658" cy="1821473"/>
+          </a:xfrm>
+          <a:prstGeom prst="rect">
+            <a:avLst/>
+          </a:prstGeom>
+        </p:spPr>
+      </p:pic>
+    </p:spTree>
+    <p:extLst>
+      <p:ext uri="{BB962C8B-B14F-4D97-AF65-F5344CB8AC3E}">
+        <p14:creationId xmlns:p14="http://schemas.microsoft.com/office/powerpoint/2010/main" val="192821325"/>
+      </p:ext>
+    </p:extLst>
+  </p:cSld>
+  <p:clrMapOvr>
+    <a:masterClrMapping/>
+  </p:clrMapOvr>
+</p:sld>
+</file>
+
+<file path=ppt/slides/slide41.xml><?xml version="1.0" encoding="utf-8"?>
+<p:sld xmlns:a="http://schemas.openxmlformats.org/drawingml/2006/main" xmlns:r="http://schemas.openxmlformats.org/officeDocument/2006/relationships" xmlns:p="http://schemas.openxmlformats.org/presentationml/2006/main">
+  <p:cSld>
+    <p:spTree>
+      <p:nvGrpSpPr>
+        <p:cNvPr id="1" name="Shape 157">
+          <a:extLst>
+            <a:ext uri="{FF2B5EF4-FFF2-40B4-BE49-F238E27FC236}">
+              <a16:creationId xmlns:a16="http://schemas.microsoft.com/office/drawing/2014/main" id="{7F84E84C-C64A-76A7-1962-6AC7A3A95505}"/>
+            </a:ext>
+          </a:extLst>
+        </p:cNvPr>
+        <p:cNvGrpSpPr/>
+        <p:nvPr/>
+      </p:nvGrpSpPr>
+      <p:grpSpPr>
+        <a:xfrm>
+          <a:off x="0" y="0"/>
+          <a:ext cx="0" cy="0"/>
+          <a:chOff x="0" y="0"/>
+          <a:chExt cx="0" cy="0"/>
+        </a:xfrm>
+      </p:grpSpPr>
+      <p:sp>
+        <p:nvSpPr>
+          <p:cNvPr id="158" name="Google Shape;158;p30">
+            <a:extLst>
+              <a:ext uri="{FF2B5EF4-FFF2-40B4-BE49-F238E27FC236}">
+                <a16:creationId xmlns:a16="http://schemas.microsoft.com/office/drawing/2014/main" id="{E28E2A0A-7379-C5D1-294C-A179A7D74055}"/>
+              </a:ext>
+            </a:extLst>
+          </p:cNvPr>
+          <p:cNvSpPr txBox="1">
+            <a:spLocks noGrp="1"/>
+          </p:cNvSpPr>
+          <p:nvPr>
+            <p:ph type="title" idx="6"/>
+          </p:nvPr>
+        </p:nvSpPr>
+        <p:spPr>
+          <a:xfrm>
+            <a:off x="710749" y="496774"/>
+            <a:ext cx="6735079" cy="776400"/>
+          </a:xfrm>
+          <a:prstGeom prst="rect">
+            <a:avLst/>
+          </a:prstGeom>
+        </p:spPr>
+        <p:txBody>
+          <a:bodyPr spcFirstLastPara="1" wrap="square" lIns="91425" tIns="91425" rIns="91425" bIns="91425" anchor="t" anchorCtr="0">
+            <a:noAutofit/>
+          </a:bodyPr>
+          <a:lstStyle/>
+          <a:p>
+            <a:pPr marL="0" lvl="0" indent="0" algn="l" rtl="0">
+              <a:spcBef>
+                <a:spcPts val="0"/>
+              </a:spcBef>
+              <a:spcAft>
+                <a:spcPts val="0"/>
+              </a:spcAft>
+              <a:buNone/>
+            </a:pPr>
+            <a:r>
+              <a:rPr lang="es" sz="2400" dirty="0"/>
+              <a:t>Tidy Data Principles</a:t>
+            </a:r>
+            <a:endParaRPr sz="2400" b="0" dirty="0"/>
+          </a:p>
+        </p:txBody>
+      </p:sp>
+      <p:cxnSp>
+        <p:nvCxnSpPr>
+          <p:cNvPr id="166" name="Google Shape;166;p30">
+            <a:extLst>
+              <a:ext uri="{FF2B5EF4-FFF2-40B4-BE49-F238E27FC236}">
+                <a16:creationId xmlns:a16="http://schemas.microsoft.com/office/drawing/2014/main" id="{62C393F3-7758-C0FA-8379-624AB769205B}"/>
+              </a:ext>
+            </a:extLst>
+          </p:cNvPr>
+          <p:cNvCxnSpPr>
+            <a:cxnSpLocks/>
+          </p:cNvCxnSpPr>
+          <p:nvPr/>
+        </p:nvCxnSpPr>
+        <p:spPr>
+          <a:xfrm>
+            <a:off x="812499" y="1045726"/>
+            <a:ext cx="7556438" cy="0"/>
+          </a:xfrm>
+          <a:prstGeom prst="straightConnector1">
+            <a:avLst/>
+          </a:prstGeom>
+          <a:noFill/>
+          <a:ln w="19050" cap="flat" cmpd="sng">
+            <a:solidFill>
+              <a:schemeClr val="dk1"/>
+            </a:solidFill>
+            <a:prstDash val="solid"/>
+            <a:round/>
+            <a:headEnd type="none" w="med" len="med"/>
+            <a:tailEnd type="none" w="med" len="med"/>
+          </a:ln>
+        </p:spPr>
+      </p:cxnSp>
+      <p:sp>
+        <p:nvSpPr>
+          <p:cNvPr id="6" name="TextBox 5">
+            <a:extLst>
+              <a:ext uri="{FF2B5EF4-FFF2-40B4-BE49-F238E27FC236}">
+                <a16:creationId xmlns:a16="http://schemas.microsoft.com/office/drawing/2014/main" id="{EC451139-84FD-E75D-6EB6-01B87D5CA794}"/>
+              </a:ext>
+            </a:extLst>
+          </p:cNvPr>
+          <p:cNvSpPr txBox="1"/>
+          <p:nvPr/>
+        </p:nvSpPr>
+        <p:spPr>
+          <a:xfrm>
+            <a:off x="8474400" y="4730400"/>
+            <a:ext cx="1692000" cy="215444"/>
+          </a:xfrm>
+          <a:prstGeom prst="rect">
+            <a:avLst/>
+          </a:prstGeom>
+          <a:noFill/>
+        </p:spPr>
+        <p:txBody>
+          <a:bodyPr wrap="square" rtlCol="0">
+            <a:spAutoFit/>
+          </a:bodyPr>
+          <a:lstStyle/>
+          <a:p>
+            <a:r>
+              <a:rPr lang="en-US" sz="800" dirty="0">
+                <a:hlinkClick r:id="rId3"/>
+              </a:rPr>
+              <a:t>source</a:t>
+            </a:r>
+            <a:endParaRPr lang="en-CA" sz="800" dirty="0"/>
+          </a:p>
+        </p:txBody>
+      </p:sp>
+      <p:pic>
+        <p:nvPicPr>
+          <p:cNvPr id="5" name="Picture 4">
+            <a:extLst>
+              <a:ext uri="{FF2B5EF4-FFF2-40B4-BE49-F238E27FC236}">
+                <a16:creationId xmlns:a16="http://schemas.microsoft.com/office/drawing/2014/main" id="{88358E7D-DF14-3998-8661-9FB52CBFEB54}"/>
+              </a:ext>
+            </a:extLst>
+          </p:cNvPr>
+          <p:cNvPicPr>
+            <a:picLocks noChangeAspect="1"/>
+          </p:cNvPicPr>
+          <p:nvPr/>
+        </p:nvPicPr>
+        <p:blipFill>
+          <a:blip r:embed="rId4"/>
+          <a:stretch>
+            <a:fillRect/>
+          </a:stretch>
+        </p:blipFill>
+        <p:spPr>
+          <a:xfrm>
+            <a:off x="5766809" y="1594679"/>
+            <a:ext cx="2975092" cy="2209761"/>
+          </a:xfrm>
+          <a:prstGeom prst="rect">
+            <a:avLst/>
+          </a:prstGeom>
+        </p:spPr>
+      </p:pic>
+      <p:pic>
+        <p:nvPicPr>
+          <p:cNvPr id="8" name="Picture 7">
+            <a:extLst>
+              <a:ext uri="{FF2B5EF4-FFF2-40B4-BE49-F238E27FC236}">
+                <a16:creationId xmlns:a16="http://schemas.microsoft.com/office/drawing/2014/main" id="{84BBADBB-DDD9-ED36-DB38-D1ADF959D5B3}"/>
+              </a:ext>
+            </a:extLst>
+          </p:cNvPr>
+          <p:cNvPicPr>
+            <a:picLocks noChangeAspect="1"/>
+          </p:cNvPicPr>
+          <p:nvPr/>
+        </p:nvPicPr>
+        <p:blipFill>
+          <a:blip r:embed="rId5"/>
+          <a:stretch>
+            <a:fillRect/>
+          </a:stretch>
+        </p:blipFill>
+        <p:spPr>
+          <a:xfrm>
+            <a:off x="258099" y="1891289"/>
+            <a:ext cx="4060607" cy="1111111"/>
+          </a:xfrm>
+          <a:prstGeom prst="rect">
+            <a:avLst/>
+          </a:prstGeom>
+        </p:spPr>
+      </p:pic>
+      <p:sp>
+        <p:nvSpPr>
+          <p:cNvPr id="11" name="Arrow: Right 10">
+            <a:extLst>
+              <a:ext uri="{FF2B5EF4-FFF2-40B4-BE49-F238E27FC236}">
+                <a16:creationId xmlns:a16="http://schemas.microsoft.com/office/drawing/2014/main" id="{BBC4BB5A-820C-D998-D9A5-A82EF5A5086F}"/>
+              </a:ext>
+            </a:extLst>
+          </p:cNvPr>
+          <p:cNvSpPr/>
+          <p:nvPr/>
+        </p:nvSpPr>
+        <p:spPr>
+          <a:xfrm>
+            <a:off x="4572000" y="2305350"/>
+            <a:ext cx="911312" cy="532800"/>
+          </a:xfrm>
+          <a:prstGeom prst="rightArrow">
+            <a:avLst/>
+          </a:prstGeom>
+        </p:spPr>
+        <p:style>
+          <a:lnRef idx="2">
+            <a:schemeClr val="accent1">
+              <a:shade val="15000"/>
+            </a:schemeClr>
+          </a:lnRef>
+          <a:fillRef idx="1">
+            <a:schemeClr val="accent1"/>
+          </a:fillRef>
+          <a:effectRef idx="0">
+            <a:schemeClr val="accent1"/>
+          </a:effectRef>
+          <a:fontRef idx="minor">
+            <a:schemeClr val="lt1"/>
+          </a:fontRef>
+        </p:style>
+        <p:txBody>
+          <a:bodyPr rtlCol="0" anchor="ctr"/>
+          <a:lstStyle/>
+          <a:p>
+            <a:pPr algn="ctr"/>
+            <a:endParaRPr lang="en-CA"/>
+          </a:p>
+        </p:txBody>
+      </p:sp>
+    </p:spTree>
+    <p:extLst>
+      <p:ext uri="{BB962C8B-B14F-4D97-AF65-F5344CB8AC3E}">
+        <p14:creationId xmlns:p14="http://schemas.microsoft.com/office/powerpoint/2010/main" val="2689083432"/>
+      </p:ext>
+    </p:extLst>
+  </p:cSld>
+  <p:clrMapOvr>
+    <a:masterClrMapping/>
+  </p:clrMapOvr>
+</p:sld>
+</file>
+
+<file path=ppt/slides/slide42.xml><?xml version="1.0" encoding="utf-8"?>
+<p:sld xmlns:a="http://schemas.openxmlformats.org/drawingml/2006/main" xmlns:r="http://schemas.openxmlformats.org/officeDocument/2006/relationships" xmlns:p="http://schemas.openxmlformats.org/presentationml/2006/main">
+  <p:cSld>
+    <p:spTree>
+      <p:nvGrpSpPr>
+        <p:cNvPr id="1" name="Shape 157">
+          <a:extLst>
+            <a:ext uri="{FF2B5EF4-FFF2-40B4-BE49-F238E27FC236}">
+              <a16:creationId xmlns:a16="http://schemas.microsoft.com/office/drawing/2014/main" id="{2C647170-DBCB-A314-5915-4D9CC67B3ADB}"/>
+            </a:ext>
+          </a:extLst>
+        </p:cNvPr>
+        <p:cNvGrpSpPr/>
+        <p:nvPr/>
+      </p:nvGrpSpPr>
+      <p:grpSpPr>
+        <a:xfrm>
+          <a:off x="0" y="0"/>
+          <a:ext cx="0" cy="0"/>
+          <a:chOff x="0" y="0"/>
+          <a:chExt cx="0" cy="0"/>
+        </a:xfrm>
+      </p:grpSpPr>
+      <p:sp>
+        <p:nvSpPr>
+          <p:cNvPr id="158" name="Google Shape;158;p30">
+            <a:extLst>
+              <a:ext uri="{FF2B5EF4-FFF2-40B4-BE49-F238E27FC236}">
+                <a16:creationId xmlns:a16="http://schemas.microsoft.com/office/drawing/2014/main" id="{3FA5E158-1D7F-0850-9008-1578B1664390}"/>
+              </a:ext>
+            </a:extLst>
+          </p:cNvPr>
+          <p:cNvSpPr txBox="1">
+            <a:spLocks noGrp="1"/>
+          </p:cNvSpPr>
+          <p:nvPr>
+            <p:ph type="title" idx="6"/>
+          </p:nvPr>
+        </p:nvSpPr>
+        <p:spPr>
+          <a:xfrm>
+            <a:off x="710749" y="496774"/>
+            <a:ext cx="6735079" cy="776400"/>
+          </a:xfrm>
+          <a:prstGeom prst="rect">
+            <a:avLst/>
+          </a:prstGeom>
+        </p:spPr>
+        <p:txBody>
+          <a:bodyPr spcFirstLastPara="1" wrap="square" lIns="91425" tIns="91425" rIns="91425" bIns="91425" anchor="t" anchorCtr="0">
+            <a:noAutofit/>
+          </a:bodyPr>
+          <a:lstStyle/>
+          <a:p>
+            <a:pPr marL="0" lvl="0" indent="0" algn="l" rtl="0">
+              <a:spcBef>
+                <a:spcPts val="0"/>
+              </a:spcBef>
+              <a:spcAft>
+                <a:spcPts val="0"/>
+              </a:spcAft>
+              <a:buNone/>
+            </a:pPr>
+            <a:r>
+              <a:rPr lang="es" sz="2400" dirty="0"/>
+              <a:t>Questions?</a:t>
+            </a:r>
+            <a:endParaRPr sz="2400" b="0" dirty="0"/>
+          </a:p>
+        </p:txBody>
+      </p:sp>
+      <p:cxnSp>
+        <p:nvCxnSpPr>
+          <p:cNvPr id="166" name="Google Shape;166;p30">
+            <a:extLst>
+              <a:ext uri="{FF2B5EF4-FFF2-40B4-BE49-F238E27FC236}">
+                <a16:creationId xmlns:a16="http://schemas.microsoft.com/office/drawing/2014/main" id="{FF6E22A6-49C7-A01D-95F0-57E1081D8946}"/>
+              </a:ext>
+            </a:extLst>
+          </p:cNvPr>
+          <p:cNvCxnSpPr>
+            <a:cxnSpLocks/>
+          </p:cNvCxnSpPr>
+          <p:nvPr/>
+        </p:nvCxnSpPr>
+        <p:spPr>
+          <a:xfrm>
+            <a:off x="812499" y="1045726"/>
+            <a:ext cx="7556438" cy="0"/>
+          </a:xfrm>
+          <a:prstGeom prst="straightConnector1">
+            <a:avLst/>
+          </a:prstGeom>
+          <a:noFill/>
+          <a:ln w="19050" cap="flat" cmpd="sng">
+            <a:solidFill>
+              <a:schemeClr val="dk1"/>
+            </a:solidFill>
+            <a:prstDash val="solid"/>
+            <a:round/>
+            <a:headEnd type="none" w="med" len="med"/>
+            <a:tailEnd type="none" w="med" len="med"/>
+          </a:ln>
+        </p:spPr>
+      </p:cxnSp>
+    </p:spTree>
+    <p:extLst>
+      <p:ext uri="{BB962C8B-B14F-4D97-AF65-F5344CB8AC3E}">
+        <p14:creationId xmlns:p14="http://schemas.microsoft.com/office/powerpoint/2010/main" val="3057823953"/>
+      </p:ext>
+    </p:extLst>
+  </p:cSld>
+  <p:clrMapOvr>
+    <a:masterClrMapping/>
+  </p:clrMapOvr>
+</p:sld>
+</file>
+
+<file path=ppt/slides/slide43.xml><?xml version="1.0" encoding="utf-8"?>
 <p:sld xmlns:a="http://schemas.openxmlformats.org/drawingml/2006/main" xmlns:r="http://schemas.openxmlformats.org/officeDocument/2006/relationships" xmlns:p="http://schemas.openxmlformats.org/presentationml/2006/main">
   <p:cSld>
     <p:spTree>
@@ -24508,37 +26980,57 @@
               </a:rPr>
               <a:t>source</a:t>
             </a:r>
+            <a:endParaRPr lang="en-CA" sz="800" dirty="0">
+              <a:hlinkClick r:id="rId4"/>
+            </a:endParaRPr>
           </a:p>
         </p:txBody>
       </p:sp>
       <p:pic>
         <p:nvPicPr>
-          <p:cNvPr id="3" name="Picture 2" descr="How I went from the “I have no idea what I'm doing golden retriever” meme  to a full stack developer. | by Monica Z | Medium">
+          <p:cNvPr id="1026" name="Picture 2" descr="Follow @the.data.science.memes for your constant stream of statistically  significant memes. #data #datascience #dataanalytics #machinelearning  #deeplearning #datascientist #dataanalyst #softwareengineer #python  #dataanalysis #siliconvalley #memes ...">
             <a:extLst>
               <a:ext uri="{FF2B5EF4-FFF2-40B4-BE49-F238E27FC236}">
-                <a16:creationId xmlns:a16="http://schemas.microsoft.com/office/drawing/2014/main" id="{431F7B1E-2F6D-0EA0-D77A-A80893148A15}"/>
+                <a16:creationId xmlns:a16="http://schemas.microsoft.com/office/drawing/2014/main" id="{A8A7F99D-CEB7-1184-AF30-84BF459F9D10}"/>
               </a:ext>
             </a:extLst>
           </p:cNvPr>
           <p:cNvPicPr>
-            <a:picLocks noChangeAspect="1"/>
+            <a:picLocks noChangeAspect="1" noChangeArrowheads="1"/>
           </p:cNvPicPr>
           <p:nvPr/>
         </p:nvPicPr>
         <p:blipFill>
-          <a:blip r:embed="rId4"/>
+          <a:blip r:embed="rId5">
+            <a:extLst>
+              <a:ext uri="{28A0092B-C50C-407E-A947-70E740481C1C}">
+                <a14:useLocalDpi xmlns:a14="http://schemas.microsoft.com/office/drawing/2010/main" val="0"/>
+              </a:ext>
+            </a:extLst>
+          </a:blip>
+          <a:srcRect/>
           <a:stretch>
             <a:fillRect/>
           </a:stretch>
         </p:blipFill>
-        <p:spPr>
+        <p:spPr bwMode="auto">
           <a:xfrm>
-            <a:off x="478136" y="1553653"/>
-            <a:ext cx="3615726" cy="2036194"/>
+            <a:off x="555001" y="589183"/>
+            <a:ext cx="3650960" cy="2923677"/>
           </a:xfrm>
           <a:prstGeom prst="rect">
             <a:avLst/>
           </a:prstGeom>
+          <a:noFill/>
+          <a:extLst>
+            <a:ext uri="{909E8E84-426E-40DD-AFC4-6F175D3DCCD1}">
+              <a14:hiddenFill xmlns:a14="http://schemas.microsoft.com/office/drawing/2010/main">
+                <a:solidFill>
+                  <a:srgbClr val="FFFFFF"/>
+                </a:solidFill>
+              </a14:hiddenFill>
+            </a:ext>
+          </a:extLst>
         </p:spPr>
       </p:pic>
     </p:spTree>
@@ -24554,7 +27046,7 @@
 </p:sld>
 </file>
 
-<file path=ppt/slides/slide38.xml><?xml version="1.0" encoding="utf-8"?>
+<file path=ppt/slides/slide44.xml><?xml version="1.0" encoding="utf-8"?>
 <p:sld xmlns:a="http://schemas.openxmlformats.org/drawingml/2006/main" xmlns:r="http://schemas.openxmlformats.org/officeDocument/2006/relationships" xmlns:p="http://schemas.openxmlformats.org/presentationml/2006/main">
   <p:cSld>
     <p:spTree>
@@ -24709,7 +27201,7 @@
 </p:sld>
 </file>
 
-<file path=ppt/slides/slide39.xml><?xml version="1.0" encoding="utf-8"?>
+<file path=ppt/slides/slide45.xml><?xml version="1.0" encoding="utf-8"?>
 <p:sld xmlns:a="http://schemas.openxmlformats.org/drawingml/2006/main" xmlns:r="http://schemas.openxmlformats.org/officeDocument/2006/relationships" xmlns:p="http://schemas.openxmlformats.org/presentationml/2006/main">
   <p:cSld>
     <p:spTree>
@@ -24864,334 +27356,7 @@
 </p:sld>
 </file>
 
-<file path=ppt/slides/slide4.xml><?xml version="1.0" encoding="utf-8"?>
-<p:sld xmlns:a="http://schemas.openxmlformats.org/drawingml/2006/main" xmlns:r="http://schemas.openxmlformats.org/officeDocument/2006/relationships" xmlns:p="http://schemas.openxmlformats.org/presentationml/2006/main">
-  <p:cSld>
-    <p:spTree>
-      <p:nvGrpSpPr>
-        <p:cNvPr id="1" name="Shape 157">
-          <a:extLst>
-            <a:ext uri="{FF2B5EF4-FFF2-40B4-BE49-F238E27FC236}">
-              <a16:creationId xmlns:a16="http://schemas.microsoft.com/office/drawing/2014/main" id="{421C78ED-CFB4-BF71-C314-9FBDBAD0BE97}"/>
-            </a:ext>
-          </a:extLst>
-        </p:cNvPr>
-        <p:cNvGrpSpPr/>
-        <p:nvPr/>
-      </p:nvGrpSpPr>
-      <p:grpSpPr>
-        <a:xfrm>
-          <a:off x="0" y="0"/>
-          <a:ext cx="0" cy="0"/>
-          <a:chOff x="0" y="0"/>
-          <a:chExt cx="0" cy="0"/>
-        </a:xfrm>
-      </p:grpSpPr>
-      <p:sp>
-        <p:nvSpPr>
-          <p:cNvPr id="158" name="Google Shape;158;p30">
-            <a:extLst>
-              <a:ext uri="{FF2B5EF4-FFF2-40B4-BE49-F238E27FC236}">
-                <a16:creationId xmlns:a16="http://schemas.microsoft.com/office/drawing/2014/main" id="{094BEDF3-5B68-8EE5-646D-B0CA33696FF2}"/>
-              </a:ext>
-            </a:extLst>
-          </p:cNvPr>
-          <p:cNvSpPr txBox="1">
-            <a:spLocks noGrp="1"/>
-          </p:cNvSpPr>
-          <p:nvPr>
-            <p:ph type="title" idx="6"/>
-          </p:nvPr>
-        </p:nvSpPr>
-        <p:spPr>
-          <a:xfrm>
-            <a:off x="710750" y="387250"/>
-            <a:ext cx="7434783" cy="711702"/>
-          </a:xfrm>
-          <a:prstGeom prst="rect">
-            <a:avLst/>
-          </a:prstGeom>
-        </p:spPr>
-        <p:txBody>
-          <a:bodyPr spcFirstLastPara="1" wrap="square" lIns="91425" tIns="91425" rIns="91425" bIns="91425" anchor="t" anchorCtr="0">
-            <a:noAutofit/>
-          </a:bodyPr>
-          <a:lstStyle/>
-          <a:p>
-            <a:r>
-              <a:rPr lang="es" dirty="0" err="1"/>
-              <a:t>What</a:t>
-            </a:r>
-            <a:r>
-              <a:rPr lang="es" dirty="0"/>
-              <a:t> </a:t>
-            </a:r>
-            <a:r>
-              <a:rPr lang="es" dirty="0" err="1"/>
-              <a:t>is</a:t>
-            </a:r>
-            <a:r>
-              <a:rPr lang="es" dirty="0"/>
-              <a:t> </a:t>
-            </a:r>
-            <a:r>
-              <a:rPr lang="es" dirty="0" err="1"/>
-              <a:t>Reproducibility</a:t>
-            </a:r>
-            <a:r>
-              <a:rPr lang="es" dirty="0"/>
-              <a:t>?</a:t>
-            </a:r>
-            <a:endParaRPr lang="en-US" dirty="0"/>
-          </a:p>
-        </p:txBody>
-      </p:sp>
-      <p:sp>
-        <p:nvSpPr>
-          <p:cNvPr id="162" name="Google Shape;162;p30">
-            <a:extLst>
-              <a:ext uri="{FF2B5EF4-FFF2-40B4-BE49-F238E27FC236}">
-                <a16:creationId xmlns:a16="http://schemas.microsoft.com/office/drawing/2014/main" id="{B2B94977-2685-6122-CF8F-EEBEE77E75A7}"/>
-              </a:ext>
-            </a:extLst>
-          </p:cNvPr>
-          <p:cNvSpPr txBox="1">
-            <a:spLocks noGrp="1"/>
-          </p:cNvSpPr>
-          <p:nvPr>
-            <p:ph type="subTitle" idx="3"/>
-          </p:nvPr>
-        </p:nvSpPr>
-        <p:spPr>
-          <a:xfrm>
-            <a:off x="710749" y="1283957"/>
-            <a:ext cx="7433291" cy="3096454"/>
-          </a:xfrm>
-          <a:prstGeom prst="rect">
-            <a:avLst/>
-          </a:prstGeom>
-        </p:spPr>
-        <p:txBody>
-          <a:bodyPr spcFirstLastPara="1" wrap="square" lIns="91425" tIns="91425" rIns="91425" bIns="91425" anchor="t" anchorCtr="0">
-            <a:noAutofit/>
-          </a:bodyPr>
-          <a:lstStyle/>
-          <a:p>
-            <a:pPr marL="0" indent="0">
-              <a:lnSpc>
-                <a:spcPct val="150000"/>
-              </a:lnSpc>
-            </a:pPr>
-            <a:r>
-              <a:rPr lang="es" sz="1600" b="1" dirty="0"/>
-              <a:t>Reproducible</a:t>
-            </a:r>
-          </a:p>
-          <a:p>
-            <a:pPr marL="0" lvl="0" indent="0" algn="l">
-              <a:lnSpc>
-                <a:spcPct val="150000"/>
-              </a:lnSpc>
-              <a:spcBef>
-                <a:spcPts val="0"/>
-              </a:spcBef>
-              <a:spcAft>
-                <a:spcPts val="0"/>
-              </a:spcAft>
-            </a:pPr>
-            <a:endParaRPr lang="es" sz="1600" b="1" dirty="0"/>
-          </a:p>
-          <a:p>
-            <a:pPr marL="285750" indent="-285750">
-              <a:lnSpc>
-                <a:spcPct val="150000"/>
-              </a:lnSpc>
-              <a:buFont typeface="Arial"/>
-              <a:buChar char="•"/>
-            </a:pPr>
-            <a:r>
-              <a:rPr lang="es" sz="1600" dirty="0" err="1"/>
-              <a:t>The</a:t>
-            </a:r>
-            <a:r>
-              <a:rPr lang="es" sz="1600" dirty="0"/>
-              <a:t> </a:t>
-            </a:r>
-            <a:r>
-              <a:rPr lang="es" sz="1600" b="1" dirty="0" err="1"/>
-              <a:t>existing</a:t>
-            </a:r>
-            <a:r>
-              <a:rPr lang="es" sz="1600" b="1" dirty="0"/>
-              <a:t> data </a:t>
-            </a:r>
-            <a:r>
-              <a:rPr lang="es" sz="1600" dirty="0"/>
-              <a:t>can be </a:t>
-            </a:r>
-            <a:r>
-              <a:rPr lang="es" sz="1600" dirty="0" err="1"/>
-              <a:t>reanalyzed</a:t>
-            </a:r>
-            <a:r>
-              <a:rPr lang="es" sz="1600" dirty="0"/>
-              <a:t> </a:t>
-            </a:r>
-            <a:r>
-              <a:rPr lang="es" sz="1600" dirty="0" err="1"/>
-              <a:t>using</a:t>
-            </a:r>
-            <a:r>
-              <a:rPr lang="es" sz="1600" dirty="0"/>
-              <a:t> </a:t>
-            </a:r>
-            <a:r>
-              <a:rPr lang="es" sz="1600" dirty="0" err="1"/>
-              <a:t>the</a:t>
-            </a:r>
-            <a:r>
-              <a:rPr lang="es" sz="1600" dirty="0"/>
-              <a:t> </a:t>
-            </a:r>
-            <a:r>
-              <a:rPr lang="es" sz="1600" b="1" dirty="0" err="1"/>
-              <a:t>same</a:t>
-            </a:r>
-            <a:r>
-              <a:rPr lang="es" sz="1600" b="1" dirty="0"/>
-              <a:t> </a:t>
-            </a:r>
-            <a:r>
-              <a:rPr lang="es" sz="1600" b="1" dirty="0" err="1"/>
-              <a:t>research</a:t>
-            </a:r>
-            <a:r>
-              <a:rPr lang="es" sz="1600" b="1" dirty="0"/>
-              <a:t> </a:t>
-            </a:r>
-            <a:r>
-              <a:rPr lang="es" sz="1600" b="1" dirty="0" err="1"/>
-              <a:t>methods</a:t>
-            </a:r>
-            <a:r>
-              <a:rPr lang="es" sz="1600" dirty="0"/>
-              <a:t>, and </a:t>
-            </a:r>
-            <a:r>
-              <a:rPr lang="es" sz="1600" dirty="0" err="1"/>
-              <a:t>will</a:t>
-            </a:r>
-            <a:r>
-              <a:rPr lang="es" sz="1600" dirty="0"/>
-              <a:t> </a:t>
-            </a:r>
-            <a:r>
-              <a:rPr lang="es" sz="1600" dirty="0" err="1"/>
-              <a:t>yield</a:t>
-            </a:r>
-            <a:r>
-              <a:rPr lang="es" sz="1600" dirty="0"/>
-              <a:t> </a:t>
-            </a:r>
-            <a:r>
-              <a:rPr lang="es" sz="1600" dirty="0" err="1"/>
-              <a:t>the</a:t>
-            </a:r>
-            <a:r>
-              <a:rPr lang="es" sz="1600" dirty="0"/>
-              <a:t> </a:t>
-            </a:r>
-            <a:r>
-              <a:rPr lang="es" sz="1600" dirty="0" err="1"/>
-              <a:t>same</a:t>
-            </a:r>
-            <a:r>
-              <a:rPr lang="es" sz="1600" dirty="0"/>
-              <a:t> </a:t>
-            </a:r>
-            <a:r>
-              <a:rPr lang="es" sz="1600" dirty="0" err="1"/>
-              <a:t>results</a:t>
-            </a:r>
-          </a:p>
-          <a:p>
-            <a:pPr marL="285750" indent="-285750">
-              <a:buFont typeface="Arial" panose="020B0604020202020204" pitchFamily="34" charset="0"/>
-              <a:buChar char="•"/>
-            </a:pPr>
-            <a:endParaRPr lang="es" dirty="0"/>
-          </a:p>
-          <a:p>
-            <a:pPr marL="285750" indent="-285750">
-              <a:buFont typeface="Arial" panose="020B0604020202020204" pitchFamily="34" charset="0"/>
-              <a:buChar char="•"/>
-            </a:pPr>
-            <a:endParaRPr lang="es" dirty="0"/>
-          </a:p>
-          <a:p>
-            <a:pPr marL="285750" indent="-285750">
-              <a:buFont typeface="Arial" panose="020B0604020202020204" pitchFamily="34" charset="0"/>
-              <a:buChar char="•"/>
-            </a:pPr>
-            <a:endParaRPr lang="es" dirty="0"/>
-          </a:p>
-          <a:p>
-            <a:pPr marL="285750" indent="-285750">
-              <a:buFont typeface="Arial" panose="020B0604020202020204" pitchFamily="34" charset="0"/>
-              <a:buChar char="•"/>
-            </a:pPr>
-            <a:endParaRPr lang="es" dirty="0"/>
-          </a:p>
-        </p:txBody>
-      </p:sp>
-      <p:cxnSp>
-        <p:nvCxnSpPr>
-          <p:cNvPr id="166" name="Google Shape;166;p30">
-            <a:extLst>
-              <a:ext uri="{FF2B5EF4-FFF2-40B4-BE49-F238E27FC236}">
-                <a16:creationId xmlns:a16="http://schemas.microsoft.com/office/drawing/2014/main" id="{C08CD3A6-29E5-6BE9-E772-783262BD5A87}"/>
-              </a:ext>
-            </a:extLst>
-          </p:cNvPr>
-          <p:cNvCxnSpPr>
-            <a:cxnSpLocks/>
-          </p:cNvCxnSpPr>
-          <p:nvPr/>
-        </p:nvCxnSpPr>
-        <p:spPr>
-          <a:xfrm>
-            <a:off x="812499" y="1045726"/>
-            <a:ext cx="7321080" cy="0"/>
-          </a:xfrm>
-          <a:prstGeom prst="straightConnector1">
-            <a:avLst/>
-          </a:prstGeom>
-          <a:noFill/>
-          <a:ln w="19050" cap="flat" cmpd="sng">
-            <a:solidFill>
-              <a:schemeClr val="dk1"/>
-            </a:solidFill>
-            <a:prstDash val="solid"/>
-            <a:round/>
-            <a:headEnd type="none" w="med" len="med"/>
-            <a:tailEnd type="none" w="med" len="med"/>
-          </a:ln>
-        </p:spPr>
-      </p:cxnSp>
-    </p:spTree>
-    <p:extLst>
-      <p:ext uri="{BB962C8B-B14F-4D97-AF65-F5344CB8AC3E}">
-        <p14:creationId xmlns:p14="http://schemas.microsoft.com/office/powerpoint/2010/main" val="1155730660"/>
-      </p:ext>
-    </p:extLst>
-  </p:cSld>
-  <p:clrMapOvr>
-    <a:masterClrMapping/>
-  </p:clrMapOvr>
-</p:sld>
-</file>
-
-<file path=ppt/slides/slide40.xml><?xml version="1.0" encoding="utf-8"?>
+<file path=ppt/slides/slide46.xml><?xml version="1.0" encoding="utf-8"?>
 <p:sld xmlns:a="http://schemas.openxmlformats.org/drawingml/2006/main" xmlns:r="http://schemas.openxmlformats.org/officeDocument/2006/relationships" xmlns:p="http://schemas.openxmlformats.org/presentationml/2006/main">
   <p:cSld>
     <p:spTree>
@@ -25663,7 +27828,7 @@
 </p:sld>
 </file>
 
-<file path=ppt/slides/slide41.xml><?xml version="1.0" encoding="utf-8"?>
+<file path=ppt/slides/slide47.xml><?xml version="1.0" encoding="utf-8"?>
 <p:sld xmlns:a="http://schemas.openxmlformats.org/drawingml/2006/main" xmlns:r="http://schemas.openxmlformats.org/officeDocument/2006/relationships" xmlns:p="http://schemas.openxmlformats.org/presentationml/2006/main">
   <p:cSld>
     <p:spTree>
@@ -26153,7 +28318,7 @@
 </p:sld>
 </file>
 
-<file path=ppt/slides/slide42.xml><?xml version="1.0" encoding="utf-8"?>
+<file path=ppt/slides/slide48.xml><?xml version="1.0" encoding="utf-8"?>
 <p:sld xmlns:a="http://schemas.openxmlformats.org/drawingml/2006/main" xmlns:r="http://schemas.openxmlformats.org/officeDocument/2006/relationships" xmlns:p="http://schemas.openxmlformats.org/presentationml/2006/main">
   <p:cSld>
     <p:spTree>
@@ -26515,7 +28680,7 @@
 </p:sld>
 </file>
 
-<file path=ppt/slides/slide43.xml><?xml version="1.0" encoding="utf-8"?>
+<file path=ppt/slides/slide49.xml><?xml version="1.0" encoding="utf-8"?>
 <p:sld xmlns:a="http://schemas.openxmlformats.org/drawingml/2006/main" xmlns:r="http://schemas.openxmlformats.org/officeDocument/2006/relationships" xmlns:p="http://schemas.openxmlformats.org/presentationml/2006/main">
   <p:cSld>
     <p:spTree>
@@ -26946,1226 +29111,6 @@
     <p:extLst>
       <p:ext uri="{BB962C8B-B14F-4D97-AF65-F5344CB8AC3E}">
         <p14:creationId xmlns:p14="http://schemas.microsoft.com/office/powerpoint/2010/main" val="2693461511"/>
-      </p:ext>
-    </p:extLst>
-  </p:cSld>
-  <p:clrMapOvr>
-    <a:masterClrMapping/>
-  </p:clrMapOvr>
-</p:sld>
-</file>
-
-<file path=ppt/slides/slide44.xml><?xml version="1.0" encoding="utf-8"?>
-<p:sld xmlns:a="http://schemas.openxmlformats.org/drawingml/2006/main" xmlns:r="http://schemas.openxmlformats.org/officeDocument/2006/relationships" xmlns:p="http://schemas.openxmlformats.org/presentationml/2006/main">
-  <p:cSld>
-    <p:spTree>
-      <p:nvGrpSpPr>
-        <p:cNvPr id="1" name="Shape 193">
-          <a:extLst>
-            <a:ext uri="{FF2B5EF4-FFF2-40B4-BE49-F238E27FC236}">
-              <a16:creationId xmlns:a16="http://schemas.microsoft.com/office/drawing/2014/main" id="{9FDCD1EE-D0A4-58C5-62A5-4B1550B26D35}"/>
-            </a:ext>
-          </a:extLst>
-        </p:cNvPr>
-        <p:cNvGrpSpPr/>
-        <p:nvPr/>
-      </p:nvGrpSpPr>
-      <p:grpSpPr>
-        <a:xfrm>
-          <a:off x="0" y="0"/>
-          <a:ext cx="0" cy="0"/>
-          <a:chOff x="0" y="0"/>
-          <a:chExt cx="0" cy="0"/>
-        </a:xfrm>
-      </p:grpSpPr>
-      <p:sp>
-        <p:nvSpPr>
-          <p:cNvPr id="195" name="Google Shape;195;p32">
-            <a:extLst>
-              <a:ext uri="{FF2B5EF4-FFF2-40B4-BE49-F238E27FC236}">
-                <a16:creationId xmlns:a16="http://schemas.microsoft.com/office/drawing/2014/main" id="{D0557AD8-3DDD-D159-18FA-80FD41D839E1}"/>
-              </a:ext>
-            </a:extLst>
-          </p:cNvPr>
-          <p:cNvSpPr txBox="1">
-            <a:spLocks noGrp="1"/>
-          </p:cNvSpPr>
-          <p:nvPr>
-            <p:ph type="title"/>
-          </p:nvPr>
-        </p:nvSpPr>
-        <p:spPr>
-          <a:xfrm>
-            <a:off x="4646880" y="1994568"/>
-            <a:ext cx="4017600" cy="841800"/>
-          </a:xfrm>
-          <a:prstGeom prst="rect">
-            <a:avLst/>
-          </a:prstGeom>
-        </p:spPr>
-        <p:txBody>
-          <a:bodyPr spcFirstLastPara="1" wrap="square" lIns="91425" tIns="91425" rIns="91425" bIns="91425" anchor="t" anchorCtr="0">
-            <a:noAutofit/>
-          </a:bodyPr>
-          <a:lstStyle/>
-          <a:p>
-            <a:pPr algn="l"/>
-            <a:r>
-              <a:rPr lang="en-CA" sz="4400" dirty="0"/>
-              <a:t>Across the </a:t>
-            </a:r>
-            <a:r>
-              <a:rPr lang="en-CA" sz="4400" dirty="0" err="1"/>
-              <a:t>Tidyverse</a:t>
-            </a:r>
-            <a:endParaRPr lang="en-US" dirty="0" err="1"/>
-          </a:p>
-        </p:txBody>
-      </p:sp>
-      <p:cxnSp>
-        <p:nvCxnSpPr>
-          <p:cNvPr id="197" name="Google Shape;197;p32">
-            <a:extLst>
-              <a:ext uri="{FF2B5EF4-FFF2-40B4-BE49-F238E27FC236}">
-                <a16:creationId xmlns:a16="http://schemas.microsoft.com/office/drawing/2014/main" id="{BCB07738-7CC3-DB7E-7FAD-EA8F1F33D863}"/>
-              </a:ext>
-            </a:extLst>
-          </p:cNvPr>
-          <p:cNvCxnSpPr/>
-          <p:nvPr/>
-        </p:nvCxnSpPr>
-        <p:spPr>
-          <a:xfrm>
-            <a:off x="4584237" y="3512869"/>
-            <a:ext cx="3439500" cy="0"/>
-          </a:xfrm>
-          <a:prstGeom prst="straightConnector1">
-            <a:avLst/>
-          </a:prstGeom>
-          <a:noFill/>
-          <a:ln w="19050" cap="flat" cmpd="sng">
-            <a:solidFill>
-              <a:schemeClr val="dk1"/>
-            </a:solidFill>
-            <a:prstDash val="solid"/>
-            <a:round/>
-            <a:headEnd type="none" w="med" len="med"/>
-            <a:tailEnd type="none" w="med" len="med"/>
-          </a:ln>
-        </p:spPr>
-      </p:cxnSp>
-      <p:sp>
-        <p:nvSpPr>
-          <p:cNvPr id="2" name="TextBox 1">
-            <a:extLst>
-              <a:ext uri="{FF2B5EF4-FFF2-40B4-BE49-F238E27FC236}">
-                <a16:creationId xmlns:a16="http://schemas.microsoft.com/office/drawing/2014/main" id="{650A2058-7D12-1DFF-2DEC-C6A73ADC93D5}"/>
-              </a:ext>
-            </a:extLst>
-          </p:cNvPr>
-          <p:cNvSpPr txBox="1"/>
-          <p:nvPr/>
-        </p:nvSpPr>
-        <p:spPr>
-          <a:xfrm>
-            <a:off x="8026106" y="4592665"/>
-            <a:ext cx="1911096" cy="215444"/>
-          </a:xfrm>
-          <a:prstGeom prst="rect">
-            <a:avLst/>
-          </a:prstGeom>
-          <a:noFill/>
-        </p:spPr>
-        <p:txBody>
-          <a:bodyPr wrap="square" lIns="91440" tIns="45720" rIns="91440" bIns="45720" rtlCol="0" anchor="t">
-            <a:spAutoFit/>
-          </a:bodyPr>
-          <a:lstStyle/>
-          <a:p>
-            <a:r>
-              <a:rPr lang="en-CA" sz="800" dirty="0">
-                <a:hlinkClick r:id="rId3"/>
-              </a:rPr>
-              <a:t>source</a:t>
-            </a:r>
-          </a:p>
-        </p:txBody>
-      </p:sp>
-      <p:pic>
-        <p:nvPicPr>
-          <p:cNvPr id="3" name="Picture 2" descr="Introduction to R with Tidyverse - 2 Introduction to tidyverse and data  wrangling">
-            <a:extLst>
-              <a:ext uri="{FF2B5EF4-FFF2-40B4-BE49-F238E27FC236}">
-                <a16:creationId xmlns:a16="http://schemas.microsoft.com/office/drawing/2014/main" id="{223B5190-C3C5-6843-5232-FF9145959995}"/>
-              </a:ext>
-            </a:extLst>
-          </p:cNvPr>
-          <p:cNvPicPr>
-            <a:picLocks noChangeAspect="1"/>
-          </p:cNvPicPr>
-          <p:nvPr/>
-        </p:nvPicPr>
-        <p:blipFill>
-          <a:blip r:embed="rId4"/>
-          <a:stretch>
-            <a:fillRect/>
-          </a:stretch>
-        </p:blipFill>
-        <p:spPr>
-          <a:xfrm>
-            <a:off x="387723" y="918676"/>
-            <a:ext cx="3796554" cy="2594575"/>
-          </a:xfrm>
-          <a:prstGeom prst="rect">
-            <a:avLst/>
-          </a:prstGeom>
-        </p:spPr>
-      </p:pic>
-    </p:spTree>
-    <p:extLst>
-      <p:ext uri="{BB962C8B-B14F-4D97-AF65-F5344CB8AC3E}">
-        <p14:creationId xmlns:p14="http://schemas.microsoft.com/office/powerpoint/2010/main" val="3537116997"/>
-      </p:ext>
-    </p:extLst>
-  </p:cSld>
-  <p:clrMapOvr>
-    <a:masterClrMapping/>
-  </p:clrMapOvr>
-</p:sld>
-</file>
-
-<file path=ppt/slides/slide45.xml><?xml version="1.0" encoding="utf-8"?>
-<p:sld xmlns:a="http://schemas.openxmlformats.org/drawingml/2006/main" xmlns:r="http://schemas.openxmlformats.org/officeDocument/2006/relationships" xmlns:p="http://schemas.openxmlformats.org/presentationml/2006/main">
-  <p:cSld>
-    <p:spTree>
-      <p:nvGrpSpPr>
-        <p:cNvPr id="1" name="Shape 157">
-          <a:extLst>
-            <a:ext uri="{FF2B5EF4-FFF2-40B4-BE49-F238E27FC236}">
-              <a16:creationId xmlns:a16="http://schemas.microsoft.com/office/drawing/2014/main" id="{795205B1-9E30-EDCD-EDDF-B88475DA74BE}"/>
-            </a:ext>
-          </a:extLst>
-        </p:cNvPr>
-        <p:cNvGrpSpPr/>
-        <p:nvPr/>
-      </p:nvGrpSpPr>
-      <p:grpSpPr>
-        <a:xfrm>
-          <a:off x="0" y="0"/>
-          <a:ext cx="0" cy="0"/>
-          <a:chOff x="0" y="0"/>
-          <a:chExt cx="0" cy="0"/>
-        </a:xfrm>
-      </p:grpSpPr>
-      <p:sp>
-        <p:nvSpPr>
-          <p:cNvPr id="158" name="Google Shape;158;p30">
-            <a:extLst>
-              <a:ext uri="{FF2B5EF4-FFF2-40B4-BE49-F238E27FC236}">
-                <a16:creationId xmlns:a16="http://schemas.microsoft.com/office/drawing/2014/main" id="{54F2BEBD-9BAC-35D2-AB29-3BBA92914078}"/>
-              </a:ext>
-            </a:extLst>
-          </p:cNvPr>
-          <p:cNvSpPr txBox="1">
-            <a:spLocks noGrp="1"/>
-          </p:cNvSpPr>
-          <p:nvPr>
-            <p:ph type="title" idx="6"/>
-          </p:nvPr>
-        </p:nvSpPr>
-        <p:spPr>
-          <a:xfrm>
-            <a:off x="710750" y="387250"/>
-            <a:ext cx="7779839" cy="711702"/>
-          </a:xfrm>
-          <a:prstGeom prst="rect">
-            <a:avLst/>
-          </a:prstGeom>
-        </p:spPr>
-        <p:txBody>
-          <a:bodyPr spcFirstLastPara="1" wrap="square" lIns="91425" tIns="91425" rIns="91425" bIns="91425" anchor="t" anchorCtr="0">
-            <a:noAutofit/>
-          </a:bodyPr>
-          <a:lstStyle/>
-          <a:p>
-            <a:r>
-              <a:rPr lang="es" dirty="0" err="1"/>
-              <a:t>The</a:t>
-            </a:r>
-            <a:r>
-              <a:rPr lang="es" dirty="0"/>
-              <a:t> </a:t>
-            </a:r>
-            <a:r>
-              <a:rPr lang="es" dirty="0" err="1"/>
-              <a:t>Tidyverse</a:t>
-            </a:r>
-            <a:endParaRPr lang="en-US" dirty="0" err="1"/>
-          </a:p>
-        </p:txBody>
-      </p:sp>
-      <p:sp>
-        <p:nvSpPr>
-          <p:cNvPr id="162" name="Google Shape;162;p30">
-            <a:extLst>
-              <a:ext uri="{FF2B5EF4-FFF2-40B4-BE49-F238E27FC236}">
-                <a16:creationId xmlns:a16="http://schemas.microsoft.com/office/drawing/2014/main" id="{DCB1EF04-37A1-D576-626E-92FDE408B47B}"/>
-              </a:ext>
-            </a:extLst>
-          </p:cNvPr>
-          <p:cNvSpPr txBox="1">
-            <a:spLocks noGrp="1"/>
-          </p:cNvSpPr>
-          <p:nvPr>
-            <p:ph type="subTitle" idx="3"/>
-          </p:nvPr>
-        </p:nvSpPr>
-        <p:spPr>
-          <a:xfrm>
-            <a:off x="710749" y="1283957"/>
-            <a:ext cx="8169879" cy="3096454"/>
-          </a:xfrm>
-          <a:prstGeom prst="rect">
-            <a:avLst/>
-          </a:prstGeom>
-        </p:spPr>
-        <p:txBody>
-          <a:bodyPr spcFirstLastPara="1" wrap="square" lIns="91425" tIns="91425" rIns="91425" bIns="91425" anchor="t" anchorCtr="0">
-            <a:noAutofit/>
-          </a:bodyPr>
-          <a:lstStyle/>
-          <a:p>
-            <a:pPr marL="457200" lvl="1" indent="0"/>
-            <a:endParaRPr lang="es" sz="1600" dirty="0"/>
-          </a:p>
-          <a:p>
-            <a:pPr marL="285750" indent="-285750">
-              <a:buFont typeface="Arial" panose="020B0604020202020204" pitchFamily="34" charset="0"/>
-              <a:buChar char="•"/>
-            </a:pPr>
-            <a:r>
-              <a:rPr lang="es" sz="1600" dirty="0"/>
-              <a:t>A </a:t>
-            </a:r>
-            <a:r>
-              <a:rPr lang="es" sz="1600" dirty="0" err="1"/>
-              <a:t>group</a:t>
-            </a:r>
-            <a:r>
-              <a:rPr lang="es" sz="1600" dirty="0"/>
-              <a:t> </a:t>
-            </a:r>
-            <a:r>
-              <a:rPr lang="es" sz="1600" dirty="0" err="1"/>
-              <a:t>of</a:t>
-            </a:r>
-            <a:r>
-              <a:rPr lang="es" sz="1600" dirty="0"/>
-              <a:t> R "</a:t>
-            </a:r>
-            <a:r>
-              <a:rPr lang="es" sz="1600" dirty="0" err="1"/>
-              <a:t>packages</a:t>
-            </a:r>
-            <a:r>
-              <a:rPr lang="es" sz="1600" dirty="0"/>
-              <a:t>" </a:t>
-            </a:r>
-            <a:r>
-              <a:rPr lang="es" sz="1600" dirty="0" err="1"/>
-              <a:t>for</a:t>
-            </a:r>
-            <a:r>
-              <a:rPr lang="es" sz="1600" dirty="0"/>
-              <a:t> data </a:t>
-            </a:r>
-            <a:r>
-              <a:rPr lang="es" sz="1600" dirty="0" err="1"/>
-              <a:t>manipulation</a:t>
-            </a:r>
-            <a:r>
-              <a:rPr lang="es" sz="1600" dirty="0"/>
-              <a:t>, </a:t>
-            </a:r>
-            <a:r>
-              <a:rPr lang="es" sz="1600" dirty="0" err="1"/>
-              <a:t>exploration</a:t>
-            </a:r>
-            <a:r>
-              <a:rPr lang="es" sz="1600" dirty="0"/>
-              <a:t>, and </a:t>
-            </a:r>
-            <a:r>
-              <a:rPr lang="es" sz="1600" dirty="0" err="1"/>
-              <a:t>visualization</a:t>
-            </a:r>
-            <a:r>
-              <a:rPr lang="es" sz="1600" dirty="0"/>
-              <a:t>.</a:t>
-            </a:r>
-          </a:p>
-          <a:p>
-            <a:pPr marL="285750" indent="-285750">
-              <a:buFont typeface="Arial" panose="020B0604020202020204" pitchFamily="34" charset="0"/>
-              <a:buChar char="•"/>
-            </a:pPr>
-            <a:endParaRPr lang="es" sz="1600" dirty="0"/>
-          </a:p>
-          <a:p>
-            <a:pPr marL="285750" indent="-285750">
-              <a:buFont typeface="Arial" panose="020B0604020202020204" pitchFamily="34" charset="0"/>
-              <a:buChar char="•"/>
-            </a:pPr>
-            <a:r>
-              <a:rPr lang="es" sz="1600" dirty="0" err="1"/>
-              <a:t>Focused</a:t>
-            </a:r>
-            <a:r>
-              <a:rPr lang="es" sz="1600" dirty="0"/>
-              <a:t> </a:t>
-            </a:r>
-            <a:r>
-              <a:rPr lang="es" sz="1600" dirty="0" err="1"/>
-              <a:t>on</a:t>
-            </a:r>
-            <a:r>
-              <a:rPr lang="es" sz="1600" dirty="0"/>
-              <a:t> </a:t>
-            </a:r>
-            <a:r>
-              <a:rPr lang="es" sz="1600" dirty="0" err="1"/>
-              <a:t>the</a:t>
-            </a:r>
-            <a:r>
-              <a:rPr lang="es" sz="1600" dirty="0"/>
-              <a:t> </a:t>
-            </a:r>
-            <a:r>
-              <a:rPr lang="es" sz="1600" dirty="0" err="1"/>
-              <a:t>connections</a:t>
-            </a:r>
-            <a:r>
-              <a:rPr lang="es" sz="1600" dirty="0"/>
-              <a:t> </a:t>
-            </a:r>
-            <a:r>
-              <a:rPr lang="es" sz="1600" dirty="0" err="1"/>
-              <a:t>between</a:t>
-            </a:r>
-            <a:r>
-              <a:rPr lang="es" sz="1600" dirty="0"/>
-              <a:t> </a:t>
-            </a:r>
-            <a:r>
-              <a:rPr lang="es" sz="1600" dirty="0" err="1"/>
-              <a:t>the</a:t>
-            </a:r>
-            <a:r>
-              <a:rPr lang="es" sz="1600" dirty="0"/>
-              <a:t> </a:t>
-            </a:r>
-            <a:r>
-              <a:rPr lang="es" sz="1600" dirty="0" err="1"/>
-              <a:t>activities</a:t>
-            </a:r>
-            <a:r>
-              <a:rPr lang="es" sz="1600" dirty="0"/>
-              <a:t> </a:t>
-            </a:r>
-            <a:r>
-              <a:rPr lang="es" sz="1600" dirty="0" err="1"/>
-              <a:t>that</a:t>
-            </a:r>
-            <a:r>
-              <a:rPr lang="es" sz="1600" dirty="0"/>
-              <a:t> </a:t>
-            </a:r>
-            <a:r>
-              <a:rPr lang="es" sz="1600" dirty="0" err="1"/>
-              <a:t>make</a:t>
-            </a:r>
-            <a:r>
-              <a:rPr lang="es" sz="1600" dirty="0"/>
-              <a:t> reproducible </a:t>
-            </a:r>
-            <a:r>
-              <a:rPr lang="es" sz="1600" dirty="0" err="1"/>
-              <a:t>workflows</a:t>
-            </a:r>
-            <a:r>
-              <a:rPr lang="es" sz="1600" dirty="0"/>
-              <a:t> </a:t>
-            </a:r>
-            <a:r>
-              <a:rPr lang="es" sz="1600" dirty="0" err="1"/>
-              <a:t>possible</a:t>
-            </a:r>
-            <a:r>
-              <a:rPr lang="es" sz="1600" dirty="0"/>
-              <a:t>.</a:t>
-            </a:r>
-          </a:p>
-          <a:p>
-            <a:pPr marL="285750" indent="-285750">
-              <a:buFont typeface="Arial" panose="020B0604020202020204" pitchFamily="34" charset="0"/>
-              <a:buChar char="•"/>
-            </a:pPr>
-            <a:endParaRPr lang="es" sz="1600" dirty="0"/>
-          </a:p>
-          <a:p>
-            <a:pPr marL="285750" indent="-285750">
-              <a:buFont typeface="Arial" panose="020B0604020202020204" pitchFamily="34" charset="0"/>
-              <a:buChar char="•"/>
-            </a:pPr>
-            <a:r>
-              <a:rPr lang="es" sz="1600" dirty="0" err="1"/>
-              <a:t>Provides</a:t>
-            </a:r>
-            <a:r>
-              <a:rPr lang="es" sz="1600" dirty="0"/>
-              <a:t> a </a:t>
-            </a:r>
-            <a:r>
-              <a:rPr lang="es" sz="1600" dirty="0" err="1"/>
-              <a:t>good</a:t>
-            </a:r>
-            <a:r>
-              <a:rPr lang="es" sz="1600" dirty="0"/>
-              <a:t> </a:t>
-            </a:r>
-            <a:r>
-              <a:rPr lang="es" sz="1600" dirty="0" err="1"/>
-              <a:t>reference</a:t>
-            </a:r>
-            <a:r>
-              <a:rPr lang="es" sz="1600" dirty="0"/>
-              <a:t> </a:t>
-            </a:r>
-            <a:r>
-              <a:rPr lang="es" sz="1600" dirty="0" err="1"/>
-              <a:t>point</a:t>
-            </a:r>
-            <a:r>
-              <a:rPr lang="es" sz="1600" dirty="0"/>
-              <a:t> </a:t>
-            </a:r>
-            <a:r>
-              <a:rPr lang="es" sz="1600" dirty="0" err="1"/>
-              <a:t>for</a:t>
-            </a:r>
-            <a:r>
-              <a:rPr lang="es" sz="1600" dirty="0"/>
-              <a:t> </a:t>
-            </a:r>
-            <a:r>
-              <a:rPr lang="es" sz="1600" dirty="0" err="1"/>
-              <a:t>those</a:t>
-            </a:r>
-            <a:r>
-              <a:rPr lang="es" sz="1600" dirty="0"/>
-              <a:t> new </a:t>
-            </a:r>
-            <a:r>
-              <a:rPr lang="es" sz="1600" dirty="0" err="1"/>
-              <a:t>to</a:t>
-            </a:r>
-            <a:r>
-              <a:rPr lang="es" sz="1600" dirty="0"/>
-              <a:t> </a:t>
-            </a:r>
-            <a:r>
-              <a:rPr lang="es" sz="1600" dirty="0" err="1"/>
-              <a:t>coding</a:t>
-            </a:r>
-            <a:r>
-              <a:rPr lang="es" sz="1600" dirty="0"/>
-              <a:t> </a:t>
-            </a:r>
-            <a:r>
-              <a:rPr lang="es" sz="1600" dirty="0" err="1"/>
-              <a:t>to</a:t>
-            </a:r>
-            <a:r>
-              <a:rPr lang="es" sz="1600" dirty="0"/>
-              <a:t> </a:t>
-            </a:r>
-            <a:r>
-              <a:rPr lang="es" sz="1600" dirty="0" err="1"/>
-              <a:t>engage</a:t>
-            </a:r>
-            <a:r>
-              <a:rPr lang="es" sz="1600" dirty="0"/>
-              <a:t> </a:t>
-            </a:r>
-            <a:r>
-              <a:rPr lang="es" sz="1600" dirty="0" err="1"/>
-              <a:t>with</a:t>
-            </a:r>
-            <a:r>
-              <a:rPr lang="es" sz="1600" dirty="0"/>
-              <a:t> </a:t>
-            </a:r>
-            <a:r>
-              <a:rPr lang="es" sz="1600" dirty="0" err="1"/>
-              <a:t>computational</a:t>
-            </a:r>
-            <a:r>
-              <a:rPr lang="es" sz="1600" dirty="0"/>
-              <a:t> </a:t>
-            </a:r>
-            <a:r>
-              <a:rPr lang="es" sz="1600" dirty="0" err="1"/>
-              <a:t>processes</a:t>
-            </a:r>
-            <a:r>
-              <a:rPr lang="es" sz="1600" dirty="0"/>
-              <a:t>.</a:t>
-            </a:r>
-          </a:p>
-          <a:p>
-            <a:pPr marL="742950" lvl="1" indent="-285750">
-              <a:buFont typeface="Courier New" panose="020B0604020202020204" pitchFamily="34" charset="0"/>
-              <a:buChar char="o"/>
-            </a:pPr>
-            <a:endParaRPr lang="es" sz="1600" dirty="0"/>
-          </a:p>
-          <a:p>
-            <a:pPr marL="285750" indent="-285750">
-              <a:buFont typeface="Arial" panose="020B0604020202020204" pitchFamily="34" charset="0"/>
-              <a:buChar char="•"/>
-            </a:pPr>
-            <a:endParaRPr lang="es" dirty="0"/>
-          </a:p>
-          <a:p>
-            <a:pPr marL="285750" indent="-285750">
-              <a:buFont typeface="Arial" panose="020B0604020202020204" pitchFamily="34" charset="0"/>
-              <a:buChar char="•"/>
-            </a:pPr>
-            <a:endParaRPr lang="es" dirty="0"/>
-          </a:p>
-          <a:p>
-            <a:pPr marL="285750" indent="-285750">
-              <a:buFont typeface="Arial" panose="020B0604020202020204" pitchFamily="34" charset="0"/>
-              <a:buChar char="•"/>
-            </a:pPr>
-            <a:endParaRPr lang="es" dirty="0"/>
-          </a:p>
-          <a:p>
-            <a:pPr marL="285750" indent="-285750">
-              <a:buFont typeface="Arial" panose="020B0604020202020204" pitchFamily="34" charset="0"/>
-              <a:buChar char="•"/>
-            </a:pPr>
-            <a:endParaRPr lang="es" dirty="0"/>
-          </a:p>
-        </p:txBody>
-      </p:sp>
-      <p:cxnSp>
-        <p:nvCxnSpPr>
-          <p:cNvPr id="166" name="Google Shape;166;p30">
-            <a:extLst>
-              <a:ext uri="{FF2B5EF4-FFF2-40B4-BE49-F238E27FC236}">
-                <a16:creationId xmlns:a16="http://schemas.microsoft.com/office/drawing/2014/main" id="{18CEB8B9-E6AA-ADB1-CA83-8797C20039C9}"/>
-              </a:ext>
-            </a:extLst>
-          </p:cNvPr>
-          <p:cNvCxnSpPr>
-            <a:cxnSpLocks/>
-          </p:cNvCxnSpPr>
-          <p:nvPr/>
-        </p:nvCxnSpPr>
-        <p:spPr>
-          <a:xfrm>
-            <a:off x="812499" y="1045726"/>
-            <a:ext cx="6436873" cy="0"/>
-          </a:xfrm>
-          <a:prstGeom prst="straightConnector1">
-            <a:avLst/>
-          </a:prstGeom>
-          <a:noFill/>
-          <a:ln w="19050" cap="flat" cmpd="sng">
-            <a:solidFill>
-              <a:schemeClr val="dk1"/>
-            </a:solidFill>
-            <a:prstDash val="solid"/>
-            <a:round/>
-            <a:headEnd type="none" w="med" len="med"/>
-            <a:tailEnd type="none" w="med" len="med"/>
-          </a:ln>
-        </p:spPr>
-      </p:cxnSp>
-    </p:spTree>
-    <p:extLst>
-      <p:ext uri="{BB962C8B-B14F-4D97-AF65-F5344CB8AC3E}">
-        <p14:creationId xmlns:p14="http://schemas.microsoft.com/office/powerpoint/2010/main" val="1445435713"/>
-      </p:ext>
-    </p:extLst>
-  </p:cSld>
-  <p:clrMapOvr>
-    <a:masterClrMapping/>
-  </p:clrMapOvr>
-</p:sld>
-</file>
-
-<file path=ppt/slides/slide46.xml><?xml version="1.0" encoding="utf-8"?>
-<p:sld xmlns:a="http://schemas.openxmlformats.org/drawingml/2006/main" xmlns:r="http://schemas.openxmlformats.org/officeDocument/2006/relationships" xmlns:p="http://schemas.openxmlformats.org/presentationml/2006/main">
-  <p:cSld>
-    <p:spTree>
-      <p:nvGrpSpPr>
-        <p:cNvPr id="1" name="Shape 157">
-          <a:extLst>
-            <a:ext uri="{FF2B5EF4-FFF2-40B4-BE49-F238E27FC236}">
-              <a16:creationId xmlns:a16="http://schemas.microsoft.com/office/drawing/2014/main" id="{B05294CA-6FF9-B73A-D4CC-41DE79DDFB70}"/>
-            </a:ext>
-          </a:extLst>
-        </p:cNvPr>
-        <p:cNvGrpSpPr/>
-        <p:nvPr/>
-      </p:nvGrpSpPr>
-      <p:grpSpPr>
-        <a:xfrm>
-          <a:off x="0" y="0"/>
-          <a:ext cx="0" cy="0"/>
-          <a:chOff x="0" y="0"/>
-          <a:chExt cx="0" cy="0"/>
-        </a:xfrm>
-      </p:grpSpPr>
-      <p:sp>
-        <p:nvSpPr>
-          <p:cNvPr id="158" name="Google Shape;158;p30">
-            <a:extLst>
-              <a:ext uri="{FF2B5EF4-FFF2-40B4-BE49-F238E27FC236}">
-                <a16:creationId xmlns:a16="http://schemas.microsoft.com/office/drawing/2014/main" id="{D26BEC0B-D12F-C6DD-BB24-EABE3EF2DD43}"/>
-              </a:ext>
-            </a:extLst>
-          </p:cNvPr>
-          <p:cNvSpPr txBox="1">
-            <a:spLocks noGrp="1"/>
-          </p:cNvSpPr>
-          <p:nvPr>
-            <p:ph type="title" idx="6"/>
-          </p:nvPr>
-        </p:nvSpPr>
-        <p:spPr>
-          <a:xfrm>
-            <a:off x="710750" y="387250"/>
-            <a:ext cx="7779839" cy="711702"/>
-          </a:xfrm>
-          <a:prstGeom prst="rect">
-            <a:avLst/>
-          </a:prstGeom>
-        </p:spPr>
-        <p:txBody>
-          <a:bodyPr spcFirstLastPara="1" wrap="square" lIns="91425" tIns="91425" rIns="91425" bIns="91425" anchor="t" anchorCtr="0">
-            <a:noAutofit/>
-          </a:bodyPr>
-          <a:lstStyle/>
-          <a:p>
-            <a:r>
-              <a:rPr lang="es" sz="2800" err="1"/>
-              <a:t>The</a:t>
-            </a:r>
-            <a:r>
-              <a:rPr lang="es" sz="2800" dirty="0"/>
-              <a:t> Data </a:t>
-            </a:r>
-            <a:r>
-              <a:rPr lang="es" sz="2800" err="1"/>
-              <a:t>Science</a:t>
-            </a:r>
-            <a:r>
-              <a:rPr lang="es" sz="2800" dirty="0"/>
-              <a:t> </a:t>
-            </a:r>
-            <a:r>
-              <a:rPr lang="es" sz="2800" err="1"/>
-              <a:t>Workflow</a:t>
-            </a:r>
-            <a:r>
-              <a:rPr lang="es" sz="2800" dirty="0"/>
-              <a:t> </a:t>
-            </a:r>
-            <a:r>
-              <a:rPr lang="es" sz="2800" err="1"/>
-              <a:t>with</a:t>
-            </a:r>
-            <a:r>
-              <a:rPr lang="es" sz="2800" dirty="0"/>
-              <a:t> </a:t>
-            </a:r>
-            <a:r>
-              <a:rPr lang="es" sz="2800" err="1"/>
-              <a:t>Tidyverse</a:t>
-            </a:r>
-            <a:endParaRPr lang="en-US" sz="2800"/>
-          </a:p>
-        </p:txBody>
-      </p:sp>
-      <p:cxnSp>
-        <p:nvCxnSpPr>
-          <p:cNvPr id="166" name="Google Shape;166;p30">
-            <a:extLst>
-              <a:ext uri="{FF2B5EF4-FFF2-40B4-BE49-F238E27FC236}">
-                <a16:creationId xmlns:a16="http://schemas.microsoft.com/office/drawing/2014/main" id="{A14523B0-5C84-63D6-1CE2-D0627CCE0AD5}"/>
-              </a:ext>
-            </a:extLst>
-          </p:cNvPr>
-          <p:cNvCxnSpPr>
-            <a:cxnSpLocks/>
-          </p:cNvCxnSpPr>
-          <p:nvPr/>
-        </p:nvCxnSpPr>
-        <p:spPr>
-          <a:xfrm>
-            <a:off x="812499" y="1045726"/>
-            <a:ext cx="6436873" cy="0"/>
-          </a:xfrm>
-          <a:prstGeom prst="straightConnector1">
-            <a:avLst/>
-          </a:prstGeom>
-          <a:noFill/>
-          <a:ln w="19050" cap="flat" cmpd="sng">
-            <a:solidFill>
-              <a:schemeClr val="dk1"/>
-            </a:solidFill>
-            <a:prstDash val="solid"/>
-            <a:round/>
-            <a:headEnd type="none" w="med" len="med"/>
-            <a:tailEnd type="none" w="med" len="med"/>
-          </a:ln>
-        </p:spPr>
-      </p:cxnSp>
-      <p:pic>
-        <p:nvPicPr>
-          <p:cNvPr id="4" name="Picture 3" descr="A diagram of a model&#10;&#10;AI-generated content may be incorrect.">
-            <a:extLst>
-              <a:ext uri="{FF2B5EF4-FFF2-40B4-BE49-F238E27FC236}">
-                <a16:creationId xmlns:a16="http://schemas.microsoft.com/office/drawing/2014/main" id="{883C7DA5-45E6-77CE-0EE0-841E2A078FB4}"/>
-              </a:ext>
-            </a:extLst>
-          </p:cNvPr>
-          <p:cNvPicPr>
-            <a:picLocks noChangeAspect="1"/>
-          </p:cNvPicPr>
-          <p:nvPr/>
-        </p:nvPicPr>
-        <p:blipFill>
-          <a:blip r:embed="rId3"/>
-          <a:stretch>
-            <a:fillRect/>
-          </a:stretch>
-        </p:blipFill>
-        <p:spPr>
-          <a:xfrm>
-            <a:off x="1591304" y="1281203"/>
-            <a:ext cx="5972175" cy="3292774"/>
-          </a:xfrm>
-          <a:prstGeom prst="rect">
-            <a:avLst/>
-          </a:prstGeom>
-        </p:spPr>
-      </p:pic>
-      <p:sp>
-        <p:nvSpPr>
-          <p:cNvPr id="5" name="TextBox 4">
-            <a:extLst>
-              <a:ext uri="{FF2B5EF4-FFF2-40B4-BE49-F238E27FC236}">
-                <a16:creationId xmlns:a16="http://schemas.microsoft.com/office/drawing/2014/main" id="{58023507-DCE6-7529-A145-9863D2D1AD78}"/>
-              </a:ext>
-            </a:extLst>
-          </p:cNvPr>
-          <p:cNvSpPr txBox="1"/>
-          <p:nvPr/>
-        </p:nvSpPr>
-        <p:spPr>
-          <a:xfrm>
-            <a:off x="8144359" y="4564718"/>
-            <a:ext cx="999641" cy="646331"/>
-          </a:xfrm>
-          <a:prstGeom prst="rect">
-            <a:avLst/>
-          </a:prstGeom>
-          <a:noFill/>
-        </p:spPr>
-        <p:txBody>
-          <a:bodyPr wrap="square">
-            <a:spAutoFit/>
-          </a:bodyPr>
-          <a:lstStyle>
-            <a:defPPr marR="0" lvl="0" algn="l" rtl="0">
-              <a:lnSpc>
-                <a:spcPct val="100000"/>
-              </a:lnSpc>
-              <a:spcBef>
-                <a:spcPts val="0"/>
-              </a:spcBef>
-              <a:spcAft>
-                <a:spcPts val="0"/>
-              </a:spcAft>
-            </a:defPPr>
-            <a:lvl1pPr marR="0" lvl="0" algn="l" rtl="0">
-              <a:lnSpc>
-                <a:spcPct val="100000"/>
-              </a:lnSpc>
-              <a:spcBef>
-                <a:spcPts val="0"/>
-              </a:spcBef>
-              <a:spcAft>
-                <a:spcPts val="0"/>
-              </a:spcAft>
-              <a:buClr>
-                <a:srgbClr val="000000"/>
-              </a:buClr>
-              <a:buFont typeface="Arial"/>
-              <a:defRPr sz="1400" b="0" i="0" u="none" strike="noStrike" cap="none">
-                <a:solidFill>
-                  <a:srgbClr val="000000"/>
-                </a:solidFill>
-                <a:latin typeface="Arial"/>
-                <a:ea typeface="Arial"/>
-                <a:cs typeface="Arial"/>
-                <a:sym typeface="Arial"/>
-              </a:defRPr>
-            </a:lvl1pPr>
-            <a:lvl2pPr marR="0" lvl="1" algn="l" rtl="0">
-              <a:lnSpc>
-                <a:spcPct val="100000"/>
-              </a:lnSpc>
-              <a:spcBef>
-                <a:spcPts val="0"/>
-              </a:spcBef>
-              <a:spcAft>
-                <a:spcPts val="0"/>
-              </a:spcAft>
-              <a:buClr>
-                <a:srgbClr val="000000"/>
-              </a:buClr>
-              <a:buFont typeface="Arial"/>
-              <a:defRPr sz="1400" b="0" i="0" u="none" strike="noStrike" cap="none">
-                <a:solidFill>
-                  <a:srgbClr val="000000"/>
-                </a:solidFill>
-                <a:latin typeface="Arial"/>
-                <a:ea typeface="Arial"/>
-                <a:cs typeface="Arial"/>
-                <a:sym typeface="Arial"/>
-              </a:defRPr>
-            </a:lvl2pPr>
-            <a:lvl3pPr marR="0" lvl="2" algn="l" rtl="0">
-              <a:lnSpc>
-                <a:spcPct val="100000"/>
-              </a:lnSpc>
-              <a:spcBef>
-                <a:spcPts val="0"/>
-              </a:spcBef>
-              <a:spcAft>
-                <a:spcPts val="0"/>
-              </a:spcAft>
-              <a:buClr>
-                <a:srgbClr val="000000"/>
-              </a:buClr>
-              <a:buFont typeface="Arial"/>
-              <a:defRPr sz="1400" b="0" i="0" u="none" strike="noStrike" cap="none">
-                <a:solidFill>
-                  <a:srgbClr val="000000"/>
-                </a:solidFill>
-                <a:latin typeface="Arial"/>
-                <a:ea typeface="Arial"/>
-                <a:cs typeface="Arial"/>
-                <a:sym typeface="Arial"/>
-              </a:defRPr>
-            </a:lvl3pPr>
-            <a:lvl4pPr marR="0" lvl="3" algn="l" rtl="0">
-              <a:lnSpc>
-                <a:spcPct val="100000"/>
-              </a:lnSpc>
-              <a:spcBef>
-                <a:spcPts val="0"/>
-              </a:spcBef>
-              <a:spcAft>
-                <a:spcPts val="0"/>
-              </a:spcAft>
-              <a:buClr>
-                <a:srgbClr val="000000"/>
-              </a:buClr>
-              <a:buFont typeface="Arial"/>
-              <a:defRPr sz="1400" b="0" i="0" u="none" strike="noStrike" cap="none">
-                <a:solidFill>
-                  <a:srgbClr val="000000"/>
-                </a:solidFill>
-                <a:latin typeface="Arial"/>
-                <a:ea typeface="Arial"/>
-                <a:cs typeface="Arial"/>
-                <a:sym typeface="Arial"/>
-              </a:defRPr>
-            </a:lvl4pPr>
-            <a:lvl5pPr marR="0" lvl="4" algn="l" rtl="0">
-              <a:lnSpc>
-                <a:spcPct val="100000"/>
-              </a:lnSpc>
-              <a:spcBef>
-                <a:spcPts val="0"/>
-              </a:spcBef>
-              <a:spcAft>
-                <a:spcPts val="0"/>
-              </a:spcAft>
-              <a:buClr>
-                <a:srgbClr val="000000"/>
-              </a:buClr>
-              <a:buFont typeface="Arial"/>
-              <a:defRPr sz="1400" b="0" i="0" u="none" strike="noStrike" cap="none">
-                <a:solidFill>
-                  <a:srgbClr val="000000"/>
-                </a:solidFill>
-                <a:latin typeface="Arial"/>
-                <a:ea typeface="Arial"/>
-                <a:cs typeface="Arial"/>
-                <a:sym typeface="Arial"/>
-              </a:defRPr>
-            </a:lvl5pPr>
-            <a:lvl6pPr marR="0" lvl="5" algn="l" rtl="0">
-              <a:lnSpc>
-                <a:spcPct val="100000"/>
-              </a:lnSpc>
-              <a:spcBef>
-                <a:spcPts val="0"/>
-              </a:spcBef>
-              <a:spcAft>
-                <a:spcPts val="0"/>
-              </a:spcAft>
-              <a:buClr>
-                <a:srgbClr val="000000"/>
-              </a:buClr>
-              <a:buFont typeface="Arial"/>
-              <a:defRPr sz="1400" b="0" i="0" u="none" strike="noStrike" cap="none">
-                <a:solidFill>
-                  <a:srgbClr val="000000"/>
-                </a:solidFill>
-                <a:latin typeface="Arial"/>
-                <a:ea typeface="Arial"/>
-                <a:cs typeface="Arial"/>
-                <a:sym typeface="Arial"/>
-              </a:defRPr>
-            </a:lvl6pPr>
-            <a:lvl7pPr marR="0" lvl="6" algn="l" rtl="0">
-              <a:lnSpc>
-                <a:spcPct val="100000"/>
-              </a:lnSpc>
-              <a:spcBef>
-                <a:spcPts val="0"/>
-              </a:spcBef>
-              <a:spcAft>
-                <a:spcPts val="0"/>
-              </a:spcAft>
-              <a:buClr>
-                <a:srgbClr val="000000"/>
-              </a:buClr>
-              <a:buFont typeface="Arial"/>
-              <a:defRPr sz="1400" b="0" i="0" u="none" strike="noStrike" cap="none">
-                <a:solidFill>
-                  <a:srgbClr val="000000"/>
-                </a:solidFill>
-                <a:latin typeface="Arial"/>
-                <a:ea typeface="Arial"/>
-                <a:cs typeface="Arial"/>
-                <a:sym typeface="Arial"/>
-              </a:defRPr>
-            </a:lvl7pPr>
-            <a:lvl8pPr marR="0" lvl="7" algn="l" rtl="0">
-              <a:lnSpc>
-                <a:spcPct val="100000"/>
-              </a:lnSpc>
-              <a:spcBef>
-                <a:spcPts val="0"/>
-              </a:spcBef>
-              <a:spcAft>
-                <a:spcPts val="0"/>
-              </a:spcAft>
-              <a:buClr>
-                <a:srgbClr val="000000"/>
-              </a:buClr>
-              <a:buFont typeface="Arial"/>
-              <a:defRPr sz="1400" b="0" i="0" u="none" strike="noStrike" cap="none">
-                <a:solidFill>
-                  <a:srgbClr val="000000"/>
-                </a:solidFill>
-                <a:latin typeface="Arial"/>
-                <a:ea typeface="Arial"/>
-                <a:cs typeface="Arial"/>
-                <a:sym typeface="Arial"/>
-              </a:defRPr>
-            </a:lvl8pPr>
-            <a:lvl9pPr marR="0" lvl="8" algn="l" rtl="0">
-              <a:lnSpc>
-                <a:spcPct val="100000"/>
-              </a:lnSpc>
-              <a:spcBef>
-                <a:spcPts val="0"/>
-              </a:spcBef>
-              <a:spcAft>
-                <a:spcPts val="0"/>
-              </a:spcAft>
-              <a:buClr>
-                <a:srgbClr val="000000"/>
-              </a:buClr>
-              <a:buFont typeface="Arial"/>
-              <a:defRPr sz="1400" b="0" i="0" u="none" strike="noStrike" cap="none">
-                <a:solidFill>
-                  <a:srgbClr val="000000"/>
-                </a:solidFill>
-                <a:latin typeface="Arial"/>
-                <a:ea typeface="Arial"/>
-                <a:cs typeface="Arial"/>
-                <a:sym typeface="Arial"/>
-              </a:defRPr>
-            </a:lvl9pPr>
-          </a:lstStyle>
-          <a:p>
-            <a:pPr rtl="0">
-              <a:buNone/>
-            </a:pPr>
-            <a:r>
-              <a:rPr lang="en-CA" sz="800" b="0" i="0" u="sng" strike="noStrike" dirty="0">
-                <a:solidFill>
-                  <a:srgbClr val="0097A7"/>
-                </a:solidFill>
-                <a:effectLst/>
-                <a:latin typeface="Arial" panose="020B0604020202020204" pitchFamily="34" charset="0"/>
-                <a:hlinkClick r:id="rId4"/>
-              </a:rPr>
-              <a:t>source</a:t>
-            </a:r>
-            <a:endParaRPr lang="en-CA" sz="800" b="0" dirty="0">
-              <a:effectLst/>
-            </a:endParaRPr>
-          </a:p>
-          <a:p>
-            <a:pPr>
-              <a:buNone/>
-            </a:pPr>
-            <a:br>
-              <a:rPr lang="en-CA" dirty="0"/>
-            </a:br>
-            <a:endParaRPr lang="en-CA" dirty="0"/>
-          </a:p>
-        </p:txBody>
-      </p:sp>
-    </p:spTree>
-    <p:extLst>
-      <p:ext uri="{BB962C8B-B14F-4D97-AF65-F5344CB8AC3E}">
-        <p14:creationId xmlns:p14="http://schemas.microsoft.com/office/powerpoint/2010/main" val="298268721"/>
-      </p:ext>
-    </p:extLst>
-  </p:cSld>
-  <p:clrMapOvr>
-    <a:masterClrMapping/>
-  </p:clrMapOvr>
-</p:sld>
-</file>
-
-<file path=ppt/slides/slide47.xml><?xml version="1.0" encoding="utf-8"?>
-<p:sld xmlns:a="http://schemas.openxmlformats.org/drawingml/2006/main" xmlns:r="http://schemas.openxmlformats.org/officeDocument/2006/relationships" xmlns:p="http://schemas.openxmlformats.org/presentationml/2006/main">
-  <p:cSld>
-    <p:spTree>
-      <p:nvGrpSpPr>
-        <p:cNvPr id="1" name="Shape 157">
-          <a:extLst>
-            <a:ext uri="{FF2B5EF4-FFF2-40B4-BE49-F238E27FC236}">
-              <a16:creationId xmlns:a16="http://schemas.microsoft.com/office/drawing/2014/main" id="{DEE43BF2-8928-A472-5B4C-33B1F3F6660B}"/>
-            </a:ext>
-          </a:extLst>
-        </p:cNvPr>
-        <p:cNvGrpSpPr/>
-        <p:nvPr/>
-      </p:nvGrpSpPr>
-      <p:grpSpPr>
-        <a:xfrm>
-          <a:off x="0" y="0"/>
-          <a:ext cx="0" cy="0"/>
-          <a:chOff x="0" y="0"/>
-          <a:chExt cx="0" cy="0"/>
-        </a:xfrm>
-      </p:grpSpPr>
-      <p:sp>
-        <p:nvSpPr>
-          <p:cNvPr id="158" name="Google Shape;158;p30">
-            <a:extLst>
-              <a:ext uri="{FF2B5EF4-FFF2-40B4-BE49-F238E27FC236}">
-                <a16:creationId xmlns:a16="http://schemas.microsoft.com/office/drawing/2014/main" id="{09BE95E4-3422-D5F6-C2A5-7549B6E29619}"/>
-              </a:ext>
-            </a:extLst>
-          </p:cNvPr>
-          <p:cNvSpPr txBox="1">
-            <a:spLocks noGrp="1"/>
-          </p:cNvSpPr>
-          <p:nvPr>
-            <p:ph type="title" idx="6"/>
-          </p:nvPr>
-        </p:nvSpPr>
-        <p:spPr>
-          <a:xfrm>
-            <a:off x="710750" y="387250"/>
-            <a:ext cx="7779839" cy="711702"/>
-          </a:xfrm>
-          <a:prstGeom prst="rect">
-            <a:avLst/>
-          </a:prstGeom>
-        </p:spPr>
-        <p:txBody>
-          <a:bodyPr spcFirstLastPara="1" wrap="square" lIns="91425" tIns="91425" rIns="91425" bIns="91425" anchor="t" anchorCtr="0">
-            <a:noAutofit/>
-          </a:bodyPr>
-          <a:lstStyle/>
-          <a:p>
-            <a:r>
-              <a:rPr lang="es" dirty="0" err="1"/>
-              <a:t>Questions</a:t>
-            </a:r>
-            <a:r>
-              <a:rPr lang="es" dirty="0"/>
-              <a:t>?</a:t>
-            </a:r>
-            <a:endParaRPr lang="en-US" dirty="0"/>
-          </a:p>
-        </p:txBody>
-      </p:sp>
-      <p:cxnSp>
-        <p:nvCxnSpPr>
-          <p:cNvPr id="166" name="Google Shape;166;p30">
-            <a:extLst>
-              <a:ext uri="{FF2B5EF4-FFF2-40B4-BE49-F238E27FC236}">
-                <a16:creationId xmlns:a16="http://schemas.microsoft.com/office/drawing/2014/main" id="{D8BE80F3-4992-1F01-5435-C853DF275338}"/>
-              </a:ext>
-            </a:extLst>
-          </p:cNvPr>
-          <p:cNvCxnSpPr>
-            <a:cxnSpLocks/>
-          </p:cNvCxnSpPr>
-          <p:nvPr/>
-        </p:nvCxnSpPr>
-        <p:spPr>
-          <a:xfrm>
-            <a:off x="812499" y="1045726"/>
-            <a:ext cx="6436873" cy="0"/>
-          </a:xfrm>
-          <a:prstGeom prst="straightConnector1">
-            <a:avLst/>
-          </a:prstGeom>
-          <a:noFill/>
-          <a:ln w="19050" cap="flat" cmpd="sng">
-            <a:solidFill>
-              <a:schemeClr val="dk1"/>
-            </a:solidFill>
-            <a:prstDash val="solid"/>
-            <a:round/>
-            <a:headEnd type="none" w="med" len="med"/>
-            <a:tailEnd type="none" w="med" len="med"/>
-          </a:ln>
-        </p:spPr>
-      </p:cxnSp>
-    </p:spTree>
-    <p:extLst>
-      <p:ext uri="{BB962C8B-B14F-4D97-AF65-F5344CB8AC3E}">
-        <p14:creationId xmlns:p14="http://schemas.microsoft.com/office/powerpoint/2010/main" val="1606987151"/>
       </p:ext>
     </p:extLst>
   </p:cSld>
@@ -28459,6 +29404,1226 @@
     <p:extLst>
       <p:ext uri="{BB962C8B-B14F-4D97-AF65-F5344CB8AC3E}">
         <p14:creationId xmlns:p14="http://schemas.microsoft.com/office/powerpoint/2010/main" val="3826474542"/>
+      </p:ext>
+    </p:extLst>
+  </p:cSld>
+  <p:clrMapOvr>
+    <a:masterClrMapping/>
+  </p:clrMapOvr>
+</p:sld>
+</file>
+
+<file path=ppt/slides/slide50.xml><?xml version="1.0" encoding="utf-8"?>
+<p:sld xmlns:a="http://schemas.openxmlformats.org/drawingml/2006/main" xmlns:r="http://schemas.openxmlformats.org/officeDocument/2006/relationships" xmlns:p="http://schemas.openxmlformats.org/presentationml/2006/main">
+  <p:cSld>
+    <p:spTree>
+      <p:nvGrpSpPr>
+        <p:cNvPr id="1" name="Shape 193">
+          <a:extLst>
+            <a:ext uri="{FF2B5EF4-FFF2-40B4-BE49-F238E27FC236}">
+              <a16:creationId xmlns:a16="http://schemas.microsoft.com/office/drawing/2014/main" id="{9FDCD1EE-D0A4-58C5-62A5-4B1550B26D35}"/>
+            </a:ext>
+          </a:extLst>
+        </p:cNvPr>
+        <p:cNvGrpSpPr/>
+        <p:nvPr/>
+      </p:nvGrpSpPr>
+      <p:grpSpPr>
+        <a:xfrm>
+          <a:off x="0" y="0"/>
+          <a:ext cx="0" cy="0"/>
+          <a:chOff x="0" y="0"/>
+          <a:chExt cx="0" cy="0"/>
+        </a:xfrm>
+      </p:grpSpPr>
+      <p:sp>
+        <p:nvSpPr>
+          <p:cNvPr id="195" name="Google Shape;195;p32">
+            <a:extLst>
+              <a:ext uri="{FF2B5EF4-FFF2-40B4-BE49-F238E27FC236}">
+                <a16:creationId xmlns:a16="http://schemas.microsoft.com/office/drawing/2014/main" id="{D0557AD8-3DDD-D159-18FA-80FD41D839E1}"/>
+              </a:ext>
+            </a:extLst>
+          </p:cNvPr>
+          <p:cNvSpPr txBox="1">
+            <a:spLocks noGrp="1"/>
+          </p:cNvSpPr>
+          <p:nvPr>
+            <p:ph type="title"/>
+          </p:nvPr>
+        </p:nvSpPr>
+        <p:spPr>
+          <a:xfrm>
+            <a:off x="4646880" y="1994568"/>
+            <a:ext cx="4017600" cy="841800"/>
+          </a:xfrm>
+          <a:prstGeom prst="rect">
+            <a:avLst/>
+          </a:prstGeom>
+        </p:spPr>
+        <p:txBody>
+          <a:bodyPr spcFirstLastPara="1" wrap="square" lIns="91425" tIns="91425" rIns="91425" bIns="91425" anchor="t" anchorCtr="0">
+            <a:noAutofit/>
+          </a:bodyPr>
+          <a:lstStyle/>
+          <a:p>
+            <a:pPr algn="l"/>
+            <a:r>
+              <a:rPr lang="en-CA" sz="4400" dirty="0"/>
+              <a:t>Across the </a:t>
+            </a:r>
+            <a:r>
+              <a:rPr lang="en-CA" sz="4400" dirty="0" err="1"/>
+              <a:t>Tidyverse</a:t>
+            </a:r>
+            <a:endParaRPr lang="en-US" dirty="0" err="1"/>
+          </a:p>
+        </p:txBody>
+      </p:sp>
+      <p:cxnSp>
+        <p:nvCxnSpPr>
+          <p:cNvPr id="197" name="Google Shape;197;p32">
+            <a:extLst>
+              <a:ext uri="{FF2B5EF4-FFF2-40B4-BE49-F238E27FC236}">
+                <a16:creationId xmlns:a16="http://schemas.microsoft.com/office/drawing/2014/main" id="{BCB07738-7CC3-DB7E-7FAD-EA8F1F33D863}"/>
+              </a:ext>
+            </a:extLst>
+          </p:cNvPr>
+          <p:cNvCxnSpPr/>
+          <p:nvPr/>
+        </p:nvCxnSpPr>
+        <p:spPr>
+          <a:xfrm>
+            <a:off x="4584237" y="3512869"/>
+            <a:ext cx="3439500" cy="0"/>
+          </a:xfrm>
+          <a:prstGeom prst="straightConnector1">
+            <a:avLst/>
+          </a:prstGeom>
+          <a:noFill/>
+          <a:ln w="19050" cap="flat" cmpd="sng">
+            <a:solidFill>
+              <a:schemeClr val="dk1"/>
+            </a:solidFill>
+            <a:prstDash val="solid"/>
+            <a:round/>
+            <a:headEnd type="none" w="med" len="med"/>
+            <a:tailEnd type="none" w="med" len="med"/>
+          </a:ln>
+        </p:spPr>
+      </p:cxnSp>
+      <p:sp>
+        <p:nvSpPr>
+          <p:cNvPr id="2" name="TextBox 1">
+            <a:extLst>
+              <a:ext uri="{FF2B5EF4-FFF2-40B4-BE49-F238E27FC236}">
+                <a16:creationId xmlns:a16="http://schemas.microsoft.com/office/drawing/2014/main" id="{650A2058-7D12-1DFF-2DEC-C6A73ADC93D5}"/>
+              </a:ext>
+            </a:extLst>
+          </p:cNvPr>
+          <p:cNvSpPr txBox="1"/>
+          <p:nvPr/>
+        </p:nvSpPr>
+        <p:spPr>
+          <a:xfrm>
+            <a:off x="8026106" y="4592665"/>
+            <a:ext cx="1911096" cy="215444"/>
+          </a:xfrm>
+          <a:prstGeom prst="rect">
+            <a:avLst/>
+          </a:prstGeom>
+          <a:noFill/>
+        </p:spPr>
+        <p:txBody>
+          <a:bodyPr wrap="square" lIns="91440" tIns="45720" rIns="91440" bIns="45720" rtlCol="0" anchor="t">
+            <a:spAutoFit/>
+          </a:bodyPr>
+          <a:lstStyle/>
+          <a:p>
+            <a:r>
+              <a:rPr lang="en-CA" sz="800" dirty="0">
+                <a:hlinkClick r:id="rId3"/>
+              </a:rPr>
+              <a:t>source</a:t>
+            </a:r>
+          </a:p>
+        </p:txBody>
+      </p:sp>
+      <p:pic>
+        <p:nvPicPr>
+          <p:cNvPr id="3" name="Picture 2" descr="Introduction to R with Tidyverse - 2 Introduction to tidyverse and data  wrangling">
+            <a:extLst>
+              <a:ext uri="{FF2B5EF4-FFF2-40B4-BE49-F238E27FC236}">
+                <a16:creationId xmlns:a16="http://schemas.microsoft.com/office/drawing/2014/main" id="{223B5190-C3C5-6843-5232-FF9145959995}"/>
+              </a:ext>
+            </a:extLst>
+          </p:cNvPr>
+          <p:cNvPicPr>
+            <a:picLocks noChangeAspect="1"/>
+          </p:cNvPicPr>
+          <p:nvPr/>
+        </p:nvPicPr>
+        <p:blipFill>
+          <a:blip r:embed="rId4"/>
+          <a:stretch>
+            <a:fillRect/>
+          </a:stretch>
+        </p:blipFill>
+        <p:spPr>
+          <a:xfrm>
+            <a:off x="387723" y="918676"/>
+            <a:ext cx="3796554" cy="2594575"/>
+          </a:xfrm>
+          <a:prstGeom prst="rect">
+            <a:avLst/>
+          </a:prstGeom>
+        </p:spPr>
+      </p:pic>
+    </p:spTree>
+    <p:extLst>
+      <p:ext uri="{BB962C8B-B14F-4D97-AF65-F5344CB8AC3E}">
+        <p14:creationId xmlns:p14="http://schemas.microsoft.com/office/powerpoint/2010/main" val="3537116997"/>
+      </p:ext>
+    </p:extLst>
+  </p:cSld>
+  <p:clrMapOvr>
+    <a:masterClrMapping/>
+  </p:clrMapOvr>
+</p:sld>
+</file>
+
+<file path=ppt/slides/slide51.xml><?xml version="1.0" encoding="utf-8"?>
+<p:sld xmlns:a="http://schemas.openxmlformats.org/drawingml/2006/main" xmlns:r="http://schemas.openxmlformats.org/officeDocument/2006/relationships" xmlns:p="http://schemas.openxmlformats.org/presentationml/2006/main">
+  <p:cSld>
+    <p:spTree>
+      <p:nvGrpSpPr>
+        <p:cNvPr id="1" name="Shape 157">
+          <a:extLst>
+            <a:ext uri="{FF2B5EF4-FFF2-40B4-BE49-F238E27FC236}">
+              <a16:creationId xmlns:a16="http://schemas.microsoft.com/office/drawing/2014/main" id="{795205B1-9E30-EDCD-EDDF-B88475DA74BE}"/>
+            </a:ext>
+          </a:extLst>
+        </p:cNvPr>
+        <p:cNvGrpSpPr/>
+        <p:nvPr/>
+      </p:nvGrpSpPr>
+      <p:grpSpPr>
+        <a:xfrm>
+          <a:off x="0" y="0"/>
+          <a:ext cx="0" cy="0"/>
+          <a:chOff x="0" y="0"/>
+          <a:chExt cx="0" cy="0"/>
+        </a:xfrm>
+      </p:grpSpPr>
+      <p:sp>
+        <p:nvSpPr>
+          <p:cNvPr id="158" name="Google Shape;158;p30">
+            <a:extLst>
+              <a:ext uri="{FF2B5EF4-FFF2-40B4-BE49-F238E27FC236}">
+                <a16:creationId xmlns:a16="http://schemas.microsoft.com/office/drawing/2014/main" id="{54F2BEBD-9BAC-35D2-AB29-3BBA92914078}"/>
+              </a:ext>
+            </a:extLst>
+          </p:cNvPr>
+          <p:cNvSpPr txBox="1">
+            <a:spLocks noGrp="1"/>
+          </p:cNvSpPr>
+          <p:nvPr>
+            <p:ph type="title" idx="6"/>
+          </p:nvPr>
+        </p:nvSpPr>
+        <p:spPr>
+          <a:xfrm>
+            <a:off x="710750" y="387250"/>
+            <a:ext cx="7779839" cy="711702"/>
+          </a:xfrm>
+          <a:prstGeom prst="rect">
+            <a:avLst/>
+          </a:prstGeom>
+        </p:spPr>
+        <p:txBody>
+          <a:bodyPr spcFirstLastPara="1" wrap="square" lIns="91425" tIns="91425" rIns="91425" bIns="91425" anchor="t" anchorCtr="0">
+            <a:noAutofit/>
+          </a:bodyPr>
+          <a:lstStyle/>
+          <a:p>
+            <a:r>
+              <a:rPr lang="es" dirty="0" err="1"/>
+              <a:t>The</a:t>
+            </a:r>
+            <a:r>
+              <a:rPr lang="es" dirty="0"/>
+              <a:t> </a:t>
+            </a:r>
+            <a:r>
+              <a:rPr lang="es" dirty="0" err="1"/>
+              <a:t>Tidyverse</a:t>
+            </a:r>
+            <a:endParaRPr lang="en-US" dirty="0" err="1"/>
+          </a:p>
+        </p:txBody>
+      </p:sp>
+      <p:sp>
+        <p:nvSpPr>
+          <p:cNvPr id="162" name="Google Shape;162;p30">
+            <a:extLst>
+              <a:ext uri="{FF2B5EF4-FFF2-40B4-BE49-F238E27FC236}">
+                <a16:creationId xmlns:a16="http://schemas.microsoft.com/office/drawing/2014/main" id="{DCB1EF04-37A1-D576-626E-92FDE408B47B}"/>
+              </a:ext>
+            </a:extLst>
+          </p:cNvPr>
+          <p:cNvSpPr txBox="1">
+            <a:spLocks noGrp="1"/>
+          </p:cNvSpPr>
+          <p:nvPr>
+            <p:ph type="subTitle" idx="3"/>
+          </p:nvPr>
+        </p:nvSpPr>
+        <p:spPr>
+          <a:xfrm>
+            <a:off x="710749" y="1283957"/>
+            <a:ext cx="8169879" cy="3096454"/>
+          </a:xfrm>
+          <a:prstGeom prst="rect">
+            <a:avLst/>
+          </a:prstGeom>
+        </p:spPr>
+        <p:txBody>
+          <a:bodyPr spcFirstLastPara="1" wrap="square" lIns="91425" tIns="91425" rIns="91425" bIns="91425" anchor="t" anchorCtr="0">
+            <a:noAutofit/>
+          </a:bodyPr>
+          <a:lstStyle/>
+          <a:p>
+            <a:pPr marL="457200" lvl="1" indent="0"/>
+            <a:endParaRPr lang="es" sz="1600" dirty="0"/>
+          </a:p>
+          <a:p>
+            <a:pPr marL="285750" indent="-285750">
+              <a:buFont typeface="Arial" panose="020B0604020202020204" pitchFamily="34" charset="0"/>
+              <a:buChar char="•"/>
+            </a:pPr>
+            <a:r>
+              <a:rPr lang="es" sz="1600" dirty="0"/>
+              <a:t>A </a:t>
+            </a:r>
+            <a:r>
+              <a:rPr lang="es" sz="1600" dirty="0" err="1"/>
+              <a:t>group</a:t>
+            </a:r>
+            <a:r>
+              <a:rPr lang="es" sz="1600" dirty="0"/>
+              <a:t> </a:t>
+            </a:r>
+            <a:r>
+              <a:rPr lang="es" sz="1600" dirty="0" err="1"/>
+              <a:t>of</a:t>
+            </a:r>
+            <a:r>
+              <a:rPr lang="es" sz="1600" dirty="0"/>
+              <a:t> R "</a:t>
+            </a:r>
+            <a:r>
+              <a:rPr lang="es" sz="1600" dirty="0" err="1"/>
+              <a:t>packages</a:t>
+            </a:r>
+            <a:r>
+              <a:rPr lang="es" sz="1600" dirty="0"/>
+              <a:t>" </a:t>
+            </a:r>
+            <a:r>
+              <a:rPr lang="es" sz="1600" dirty="0" err="1"/>
+              <a:t>for</a:t>
+            </a:r>
+            <a:r>
+              <a:rPr lang="es" sz="1600" dirty="0"/>
+              <a:t> data </a:t>
+            </a:r>
+            <a:r>
+              <a:rPr lang="es" sz="1600" dirty="0" err="1"/>
+              <a:t>manipulation</a:t>
+            </a:r>
+            <a:r>
+              <a:rPr lang="es" sz="1600" dirty="0"/>
+              <a:t>, </a:t>
+            </a:r>
+            <a:r>
+              <a:rPr lang="es" sz="1600" dirty="0" err="1"/>
+              <a:t>exploration</a:t>
+            </a:r>
+            <a:r>
+              <a:rPr lang="es" sz="1600" dirty="0"/>
+              <a:t>, and </a:t>
+            </a:r>
+            <a:r>
+              <a:rPr lang="es" sz="1600" dirty="0" err="1"/>
+              <a:t>visualization</a:t>
+            </a:r>
+            <a:r>
+              <a:rPr lang="es" sz="1600" dirty="0"/>
+              <a:t>.</a:t>
+            </a:r>
+          </a:p>
+          <a:p>
+            <a:pPr marL="285750" indent="-285750">
+              <a:buFont typeface="Arial" panose="020B0604020202020204" pitchFamily="34" charset="0"/>
+              <a:buChar char="•"/>
+            </a:pPr>
+            <a:endParaRPr lang="es" sz="1600" dirty="0"/>
+          </a:p>
+          <a:p>
+            <a:pPr marL="285750" indent="-285750">
+              <a:buFont typeface="Arial" panose="020B0604020202020204" pitchFamily="34" charset="0"/>
+              <a:buChar char="•"/>
+            </a:pPr>
+            <a:r>
+              <a:rPr lang="es" sz="1600" dirty="0" err="1"/>
+              <a:t>Focused</a:t>
+            </a:r>
+            <a:r>
+              <a:rPr lang="es" sz="1600" dirty="0"/>
+              <a:t> </a:t>
+            </a:r>
+            <a:r>
+              <a:rPr lang="es" sz="1600" dirty="0" err="1"/>
+              <a:t>on</a:t>
+            </a:r>
+            <a:r>
+              <a:rPr lang="es" sz="1600" dirty="0"/>
+              <a:t> </a:t>
+            </a:r>
+            <a:r>
+              <a:rPr lang="es" sz="1600" dirty="0" err="1"/>
+              <a:t>the</a:t>
+            </a:r>
+            <a:r>
+              <a:rPr lang="es" sz="1600" dirty="0"/>
+              <a:t> </a:t>
+            </a:r>
+            <a:r>
+              <a:rPr lang="es" sz="1600" dirty="0" err="1"/>
+              <a:t>connections</a:t>
+            </a:r>
+            <a:r>
+              <a:rPr lang="es" sz="1600" dirty="0"/>
+              <a:t> </a:t>
+            </a:r>
+            <a:r>
+              <a:rPr lang="es" sz="1600" dirty="0" err="1"/>
+              <a:t>between</a:t>
+            </a:r>
+            <a:r>
+              <a:rPr lang="es" sz="1600" dirty="0"/>
+              <a:t> </a:t>
+            </a:r>
+            <a:r>
+              <a:rPr lang="es" sz="1600" dirty="0" err="1"/>
+              <a:t>the</a:t>
+            </a:r>
+            <a:r>
+              <a:rPr lang="es" sz="1600" dirty="0"/>
+              <a:t> </a:t>
+            </a:r>
+            <a:r>
+              <a:rPr lang="es" sz="1600" dirty="0" err="1"/>
+              <a:t>activities</a:t>
+            </a:r>
+            <a:r>
+              <a:rPr lang="es" sz="1600" dirty="0"/>
+              <a:t> </a:t>
+            </a:r>
+            <a:r>
+              <a:rPr lang="es" sz="1600" dirty="0" err="1"/>
+              <a:t>that</a:t>
+            </a:r>
+            <a:r>
+              <a:rPr lang="es" sz="1600" dirty="0"/>
+              <a:t> </a:t>
+            </a:r>
+            <a:r>
+              <a:rPr lang="es" sz="1600" dirty="0" err="1"/>
+              <a:t>make</a:t>
+            </a:r>
+            <a:r>
+              <a:rPr lang="es" sz="1600" dirty="0"/>
+              <a:t> reproducible </a:t>
+            </a:r>
+            <a:r>
+              <a:rPr lang="es" sz="1600" dirty="0" err="1"/>
+              <a:t>workflows</a:t>
+            </a:r>
+            <a:r>
+              <a:rPr lang="es" sz="1600" dirty="0"/>
+              <a:t> </a:t>
+            </a:r>
+            <a:r>
+              <a:rPr lang="es" sz="1600" dirty="0" err="1"/>
+              <a:t>possible</a:t>
+            </a:r>
+            <a:r>
+              <a:rPr lang="es" sz="1600" dirty="0"/>
+              <a:t>.</a:t>
+            </a:r>
+          </a:p>
+          <a:p>
+            <a:pPr marL="285750" indent="-285750">
+              <a:buFont typeface="Arial" panose="020B0604020202020204" pitchFamily="34" charset="0"/>
+              <a:buChar char="•"/>
+            </a:pPr>
+            <a:endParaRPr lang="es" sz="1600" dirty="0"/>
+          </a:p>
+          <a:p>
+            <a:pPr marL="285750" indent="-285750">
+              <a:buFont typeface="Arial" panose="020B0604020202020204" pitchFamily="34" charset="0"/>
+              <a:buChar char="•"/>
+            </a:pPr>
+            <a:r>
+              <a:rPr lang="es" sz="1600" dirty="0" err="1"/>
+              <a:t>Provides</a:t>
+            </a:r>
+            <a:r>
+              <a:rPr lang="es" sz="1600" dirty="0"/>
+              <a:t> a </a:t>
+            </a:r>
+            <a:r>
+              <a:rPr lang="es" sz="1600" dirty="0" err="1"/>
+              <a:t>good</a:t>
+            </a:r>
+            <a:r>
+              <a:rPr lang="es" sz="1600" dirty="0"/>
+              <a:t> </a:t>
+            </a:r>
+            <a:r>
+              <a:rPr lang="es" sz="1600" dirty="0" err="1"/>
+              <a:t>reference</a:t>
+            </a:r>
+            <a:r>
+              <a:rPr lang="es" sz="1600" dirty="0"/>
+              <a:t> </a:t>
+            </a:r>
+            <a:r>
+              <a:rPr lang="es" sz="1600" dirty="0" err="1"/>
+              <a:t>point</a:t>
+            </a:r>
+            <a:r>
+              <a:rPr lang="es" sz="1600" dirty="0"/>
+              <a:t> </a:t>
+            </a:r>
+            <a:r>
+              <a:rPr lang="es" sz="1600" dirty="0" err="1"/>
+              <a:t>for</a:t>
+            </a:r>
+            <a:r>
+              <a:rPr lang="es" sz="1600" dirty="0"/>
+              <a:t> </a:t>
+            </a:r>
+            <a:r>
+              <a:rPr lang="es" sz="1600" dirty="0" err="1"/>
+              <a:t>those</a:t>
+            </a:r>
+            <a:r>
+              <a:rPr lang="es" sz="1600" dirty="0"/>
+              <a:t> new </a:t>
+            </a:r>
+            <a:r>
+              <a:rPr lang="es" sz="1600" dirty="0" err="1"/>
+              <a:t>to</a:t>
+            </a:r>
+            <a:r>
+              <a:rPr lang="es" sz="1600" dirty="0"/>
+              <a:t> </a:t>
+            </a:r>
+            <a:r>
+              <a:rPr lang="es" sz="1600" dirty="0" err="1"/>
+              <a:t>coding</a:t>
+            </a:r>
+            <a:r>
+              <a:rPr lang="es" sz="1600" dirty="0"/>
+              <a:t> </a:t>
+            </a:r>
+            <a:r>
+              <a:rPr lang="es" sz="1600" dirty="0" err="1"/>
+              <a:t>to</a:t>
+            </a:r>
+            <a:r>
+              <a:rPr lang="es" sz="1600" dirty="0"/>
+              <a:t> </a:t>
+            </a:r>
+            <a:r>
+              <a:rPr lang="es" sz="1600" dirty="0" err="1"/>
+              <a:t>engage</a:t>
+            </a:r>
+            <a:r>
+              <a:rPr lang="es" sz="1600" dirty="0"/>
+              <a:t> </a:t>
+            </a:r>
+            <a:r>
+              <a:rPr lang="es" sz="1600" dirty="0" err="1"/>
+              <a:t>with</a:t>
+            </a:r>
+            <a:r>
+              <a:rPr lang="es" sz="1600" dirty="0"/>
+              <a:t> </a:t>
+            </a:r>
+            <a:r>
+              <a:rPr lang="es" sz="1600" dirty="0" err="1"/>
+              <a:t>computational</a:t>
+            </a:r>
+            <a:r>
+              <a:rPr lang="es" sz="1600" dirty="0"/>
+              <a:t> </a:t>
+            </a:r>
+            <a:r>
+              <a:rPr lang="es" sz="1600" dirty="0" err="1"/>
+              <a:t>processes</a:t>
+            </a:r>
+            <a:r>
+              <a:rPr lang="es" sz="1600" dirty="0"/>
+              <a:t>.</a:t>
+            </a:r>
+          </a:p>
+          <a:p>
+            <a:pPr marL="742950" lvl="1" indent="-285750">
+              <a:buFont typeface="Courier New" panose="020B0604020202020204" pitchFamily="34" charset="0"/>
+              <a:buChar char="o"/>
+            </a:pPr>
+            <a:endParaRPr lang="es" sz="1600" dirty="0"/>
+          </a:p>
+          <a:p>
+            <a:pPr marL="285750" indent="-285750">
+              <a:buFont typeface="Arial" panose="020B0604020202020204" pitchFamily="34" charset="0"/>
+              <a:buChar char="•"/>
+            </a:pPr>
+            <a:endParaRPr lang="es" dirty="0"/>
+          </a:p>
+          <a:p>
+            <a:pPr marL="285750" indent="-285750">
+              <a:buFont typeface="Arial" panose="020B0604020202020204" pitchFamily="34" charset="0"/>
+              <a:buChar char="•"/>
+            </a:pPr>
+            <a:endParaRPr lang="es" dirty="0"/>
+          </a:p>
+          <a:p>
+            <a:pPr marL="285750" indent="-285750">
+              <a:buFont typeface="Arial" panose="020B0604020202020204" pitchFamily="34" charset="0"/>
+              <a:buChar char="•"/>
+            </a:pPr>
+            <a:endParaRPr lang="es" dirty="0"/>
+          </a:p>
+          <a:p>
+            <a:pPr marL="285750" indent="-285750">
+              <a:buFont typeface="Arial" panose="020B0604020202020204" pitchFamily="34" charset="0"/>
+              <a:buChar char="•"/>
+            </a:pPr>
+            <a:endParaRPr lang="es" dirty="0"/>
+          </a:p>
+        </p:txBody>
+      </p:sp>
+      <p:cxnSp>
+        <p:nvCxnSpPr>
+          <p:cNvPr id="166" name="Google Shape;166;p30">
+            <a:extLst>
+              <a:ext uri="{FF2B5EF4-FFF2-40B4-BE49-F238E27FC236}">
+                <a16:creationId xmlns:a16="http://schemas.microsoft.com/office/drawing/2014/main" id="{18CEB8B9-E6AA-ADB1-CA83-8797C20039C9}"/>
+              </a:ext>
+            </a:extLst>
+          </p:cNvPr>
+          <p:cNvCxnSpPr>
+            <a:cxnSpLocks/>
+          </p:cNvCxnSpPr>
+          <p:nvPr/>
+        </p:nvCxnSpPr>
+        <p:spPr>
+          <a:xfrm>
+            <a:off x="812499" y="1045726"/>
+            <a:ext cx="6436873" cy="0"/>
+          </a:xfrm>
+          <a:prstGeom prst="straightConnector1">
+            <a:avLst/>
+          </a:prstGeom>
+          <a:noFill/>
+          <a:ln w="19050" cap="flat" cmpd="sng">
+            <a:solidFill>
+              <a:schemeClr val="dk1"/>
+            </a:solidFill>
+            <a:prstDash val="solid"/>
+            <a:round/>
+            <a:headEnd type="none" w="med" len="med"/>
+            <a:tailEnd type="none" w="med" len="med"/>
+          </a:ln>
+        </p:spPr>
+      </p:cxnSp>
+    </p:spTree>
+    <p:extLst>
+      <p:ext uri="{BB962C8B-B14F-4D97-AF65-F5344CB8AC3E}">
+        <p14:creationId xmlns:p14="http://schemas.microsoft.com/office/powerpoint/2010/main" val="1445435713"/>
+      </p:ext>
+    </p:extLst>
+  </p:cSld>
+  <p:clrMapOvr>
+    <a:masterClrMapping/>
+  </p:clrMapOvr>
+</p:sld>
+</file>
+
+<file path=ppt/slides/slide52.xml><?xml version="1.0" encoding="utf-8"?>
+<p:sld xmlns:a="http://schemas.openxmlformats.org/drawingml/2006/main" xmlns:r="http://schemas.openxmlformats.org/officeDocument/2006/relationships" xmlns:p="http://schemas.openxmlformats.org/presentationml/2006/main">
+  <p:cSld>
+    <p:spTree>
+      <p:nvGrpSpPr>
+        <p:cNvPr id="1" name="Shape 157">
+          <a:extLst>
+            <a:ext uri="{FF2B5EF4-FFF2-40B4-BE49-F238E27FC236}">
+              <a16:creationId xmlns:a16="http://schemas.microsoft.com/office/drawing/2014/main" id="{B05294CA-6FF9-B73A-D4CC-41DE79DDFB70}"/>
+            </a:ext>
+          </a:extLst>
+        </p:cNvPr>
+        <p:cNvGrpSpPr/>
+        <p:nvPr/>
+      </p:nvGrpSpPr>
+      <p:grpSpPr>
+        <a:xfrm>
+          <a:off x="0" y="0"/>
+          <a:ext cx="0" cy="0"/>
+          <a:chOff x="0" y="0"/>
+          <a:chExt cx="0" cy="0"/>
+        </a:xfrm>
+      </p:grpSpPr>
+      <p:sp>
+        <p:nvSpPr>
+          <p:cNvPr id="158" name="Google Shape;158;p30">
+            <a:extLst>
+              <a:ext uri="{FF2B5EF4-FFF2-40B4-BE49-F238E27FC236}">
+                <a16:creationId xmlns:a16="http://schemas.microsoft.com/office/drawing/2014/main" id="{D26BEC0B-D12F-C6DD-BB24-EABE3EF2DD43}"/>
+              </a:ext>
+            </a:extLst>
+          </p:cNvPr>
+          <p:cNvSpPr txBox="1">
+            <a:spLocks noGrp="1"/>
+          </p:cNvSpPr>
+          <p:nvPr>
+            <p:ph type="title" idx="6"/>
+          </p:nvPr>
+        </p:nvSpPr>
+        <p:spPr>
+          <a:xfrm>
+            <a:off x="710750" y="387250"/>
+            <a:ext cx="7779839" cy="711702"/>
+          </a:xfrm>
+          <a:prstGeom prst="rect">
+            <a:avLst/>
+          </a:prstGeom>
+        </p:spPr>
+        <p:txBody>
+          <a:bodyPr spcFirstLastPara="1" wrap="square" lIns="91425" tIns="91425" rIns="91425" bIns="91425" anchor="t" anchorCtr="0">
+            <a:noAutofit/>
+          </a:bodyPr>
+          <a:lstStyle/>
+          <a:p>
+            <a:r>
+              <a:rPr lang="es" sz="2800" err="1"/>
+              <a:t>The</a:t>
+            </a:r>
+            <a:r>
+              <a:rPr lang="es" sz="2800" dirty="0"/>
+              <a:t> Data </a:t>
+            </a:r>
+            <a:r>
+              <a:rPr lang="es" sz="2800" err="1"/>
+              <a:t>Science</a:t>
+            </a:r>
+            <a:r>
+              <a:rPr lang="es" sz="2800" dirty="0"/>
+              <a:t> </a:t>
+            </a:r>
+            <a:r>
+              <a:rPr lang="es" sz="2800" err="1"/>
+              <a:t>Workflow</a:t>
+            </a:r>
+            <a:r>
+              <a:rPr lang="es" sz="2800" dirty="0"/>
+              <a:t> </a:t>
+            </a:r>
+            <a:r>
+              <a:rPr lang="es" sz="2800" err="1"/>
+              <a:t>with</a:t>
+            </a:r>
+            <a:r>
+              <a:rPr lang="es" sz="2800" dirty="0"/>
+              <a:t> </a:t>
+            </a:r>
+            <a:r>
+              <a:rPr lang="es" sz="2800" err="1"/>
+              <a:t>Tidyverse</a:t>
+            </a:r>
+            <a:endParaRPr lang="en-US" sz="2800"/>
+          </a:p>
+        </p:txBody>
+      </p:sp>
+      <p:cxnSp>
+        <p:nvCxnSpPr>
+          <p:cNvPr id="166" name="Google Shape;166;p30">
+            <a:extLst>
+              <a:ext uri="{FF2B5EF4-FFF2-40B4-BE49-F238E27FC236}">
+                <a16:creationId xmlns:a16="http://schemas.microsoft.com/office/drawing/2014/main" id="{A14523B0-5C84-63D6-1CE2-D0627CCE0AD5}"/>
+              </a:ext>
+            </a:extLst>
+          </p:cNvPr>
+          <p:cNvCxnSpPr>
+            <a:cxnSpLocks/>
+          </p:cNvCxnSpPr>
+          <p:nvPr/>
+        </p:nvCxnSpPr>
+        <p:spPr>
+          <a:xfrm>
+            <a:off x="812499" y="1045726"/>
+            <a:ext cx="6436873" cy="0"/>
+          </a:xfrm>
+          <a:prstGeom prst="straightConnector1">
+            <a:avLst/>
+          </a:prstGeom>
+          <a:noFill/>
+          <a:ln w="19050" cap="flat" cmpd="sng">
+            <a:solidFill>
+              <a:schemeClr val="dk1"/>
+            </a:solidFill>
+            <a:prstDash val="solid"/>
+            <a:round/>
+            <a:headEnd type="none" w="med" len="med"/>
+            <a:tailEnd type="none" w="med" len="med"/>
+          </a:ln>
+        </p:spPr>
+      </p:cxnSp>
+      <p:pic>
+        <p:nvPicPr>
+          <p:cNvPr id="4" name="Picture 3" descr="A diagram of a model&#10;&#10;AI-generated content may be incorrect.">
+            <a:extLst>
+              <a:ext uri="{FF2B5EF4-FFF2-40B4-BE49-F238E27FC236}">
+                <a16:creationId xmlns:a16="http://schemas.microsoft.com/office/drawing/2014/main" id="{883C7DA5-45E6-77CE-0EE0-841E2A078FB4}"/>
+              </a:ext>
+            </a:extLst>
+          </p:cNvPr>
+          <p:cNvPicPr>
+            <a:picLocks noChangeAspect="1"/>
+          </p:cNvPicPr>
+          <p:nvPr/>
+        </p:nvPicPr>
+        <p:blipFill>
+          <a:blip r:embed="rId3"/>
+          <a:stretch>
+            <a:fillRect/>
+          </a:stretch>
+        </p:blipFill>
+        <p:spPr>
+          <a:xfrm>
+            <a:off x="1591304" y="1281203"/>
+            <a:ext cx="5972175" cy="3292774"/>
+          </a:xfrm>
+          <a:prstGeom prst="rect">
+            <a:avLst/>
+          </a:prstGeom>
+        </p:spPr>
+      </p:pic>
+      <p:sp>
+        <p:nvSpPr>
+          <p:cNvPr id="5" name="TextBox 4">
+            <a:extLst>
+              <a:ext uri="{FF2B5EF4-FFF2-40B4-BE49-F238E27FC236}">
+                <a16:creationId xmlns:a16="http://schemas.microsoft.com/office/drawing/2014/main" id="{58023507-DCE6-7529-A145-9863D2D1AD78}"/>
+              </a:ext>
+            </a:extLst>
+          </p:cNvPr>
+          <p:cNvSpPr txBox="1"/>
+          <p:nvPr/>
+        </p:nvSpPr>
+        <p:spPr>
+          <a:xfrm>
+            <a:off x="8144359" y="4564718"/>
+            <a:ext cx="999641" cy="646331"/>
+          </a:xfrm>
+          <a:prstGeom prst="rect">
+            <a:avLst/>
+          </a:prstGeom>
+          <a:noFill/>
+        </p:spPr>
+        <p:txBody>
+          <a:bodyPr wrap="square">
+            <a:spAutoFit/>
+          </a:bodyPr>
+          <a:lstStyle>
+            <a:defPPr marR="0" lvl="0" algn="l" rtl="0">
+              <a:lnSpc>
+                <a:spcPct val="100000"/>
+              </a:lnSpc>
+              <a:spcBef>
+                <a:spcPts val="0"/>
+              </a:spcBef>
+              <a:spcAft>
+                <a:spcPts val="0"/>
+              </a:spcAft>
+            </a:defPPr>
+            <a:lvl1pPr marR="0" lvl="0" algn="l" rtl="0">
+              <a:lnSpc>
+                <a:spcPct val="100000"/>
+              </a:lnSpc>
+              <a:spcBef>
+                <a:spcPts val="0"/>
+              </a:spcBef>
+              <a:spcAft>
+                <a:spcPts val="0"/>
+              </a:spcAft>
+              <a:buClr>
+                <a:srgbClr val="000000"/>
+              </a:buClr>
+              <a:buFont typeface="Arial"/>
+              <a:defRPr sz="1400" b="0" i="0" u="none" strike="noStrike" cap="none">
+                <a:solidFill>
+                  <a:srgbClr val="000000"/>
+                </a:solidFill>
+                <a:latin typeface="Arial"/>
+                <a:ea typeface="Arial"/>
+                <a:cs typeface="Arial"/>
+                <a:sym typeface="Arial"/>
+              </a:defRPr>
+            </a:lvl1pPr>
+            <a:lvl2pPr marR="0" lvl="1" algn="l" rtl="0">
+              <a:lnSpc>
+                <a:spcPct val="100000"/>
+              </a:lnSpc>
+              <a:spcBef>
+                <a:spcPts val="0"/>
+              </a:spcBef>
+              <a:spcAft>
+                <a:spcPts val="0"/>
+              </a:spcAft>
+              <a:buClr>
+                <a:srgbClr val="000000"/>
+              </a:buClr>
+              <a:buFont typeface="Arial"/>
+              <a:defRPr sz="1400" b="0" i="0" u="none" strike="noStrike" cap="none">
+                <a:solidFill>
+                  <a:srgbClr val="000000"/>
+                </a:solidFill>
+                <a:latin typeface="Arial"/>
+                <a:ea typeface="Arial"/>
+                <a:cs typeface="Arial"/>
+                <a:sym typeface="Arial"/>
+              </a:defRPr>
+            </a:lvl2pPr>
+            <a:lvl3pPr marR="0" lvl="2" algn="l" rtl="0">
+              <a:lnSpc>
+                <a:spcPct val="100000"/>
+              </a:lnSpc>
+              <a:spcBef>
+                <a:spcPts val="0"/>
+              </a:spcBef>
+              <a:spcAft>
+                <a:spcPts val="0"/>
+              </a:spcAft>
+              <a:buClr>
+                <a:srgbClr val="000000"/>
+              </a:buClr>
+              <a:buFont typeface="Arial"/>
+              <a:defRPr sz="1400" b="0" i="0" u="none" strike="noStrike" cap="none">
+                <a:solidFill>
+                  <a:srgbClr val="000000"/>
+                </a:solidFill>
+                <a:latin typeface="Arial"/>
+                <a:ea typeface="Arial"/>
+                <a:cs typeface="Arial"/>
+                <a:sym typeface="Arial"/>
+              </a:defRPr>
+            </a:lvl3pPr>
+            <a:lvl4pPr marR="0" lvl="3" algn="l" rtl="0">
+              <a:lnSpc>
+                <a:spcPct val="100000"/>
+              </a:lnSpc>
+              <a:spcBef>
+                <a:spcPts val="0"/>
+              </a:spcBef>
+              <a:spcAft>
+                <a:spcPts val="0"/>
+              </a:spcAft>
+              <a:buClr>
+                <a:srgbClr val="000000"/>
+              </a:buClr>
+              <a:buFont typeface="Arial"/>
+              <a:defRPr sz="1400" b="0" i="0" u="none" strike="noStrike" cap="none">
+                <a:solidFill>
+                  <a:srgbClr val="000000"/>
+                </a:solidFill>
+                <a:latin typeface="Arial"/>
+                <a:ea typeface="Arial"/>
+                <a:cs typeface="Arial"/>
+                <a:sym typeface="Arial"/>
+              </a:defRPr>
+            </a:lvl4pPr>
+            <a:lvl5pPr marR="0" lvl="4" algn="l" rtl="0">
+              <a:lnSpc>
+                <a:spcPct val="100000"/>
+              </a:lnSpc>
+              <a:spcBef>
+                <a:spcPts val="0"/>
+              </a:spcBef>
+              <a:spcAft>
+                <a:spcPts val="0"/>
+              </a:spcAft>
+              <a:buClr>
+                <a:srgbClr val="000000"/>
+              </a:buClr>
+              <a:buFont typeface="Arial"/>
+              <a:defRPr sz="1400" b="0" i="0" u="none" strike="noStrike" cap="none">
+                <a:solidFill>
+                  <a:srgbClr val="000000"/>
+                </a:solidFill>
+                <a:latin typeface="Arial"/>
+                <a:ea typeface="Arial"/>
+                <a:cs typeface="Arial"/>
+                <a:sym typeface="Arial"/>
+              </a:defRPr>
+            </a:lvl5pPr>
+            <a:lvl6pPr marR="0" lvl="5" algn="l" rtl="0">
+              <a:lnSpc>
+                <a:spcPct val="100000"/>
+              </a:lnSpc>
+              <a:spcBef>
+                <a:spcPts val="0"/>
+              </a:spcBef>
+              <a:spcAft>
+                <a:spcPts val="0"/>
+              </a:spcAft>
+              <a:buClr>
+                <a:srgbClr val="000000"/>
+              </a:buClr>
+              <a:buFont typeface="Arial"/>
+              <a:defRPr sz="1400" b="0" i="0" u="none" strike="noStrike" cap="none">
+                <a:solidFill>
+                  <a:srgbClr val="000000"/>
+                </a:solidFill>
+                <a:latin typeface="Arial"/>
+                <a:ea typeface="Arial"/>
+                <a:cs typeface="Arial"/>
+                <a:sym typeface="Arial"/>
+              </a:defRPr>
+            </a:lvl6pPr>
+            <a:lvl7pPr marR="0" lvl="6" algn="l" rtl="0">
+              <a:lnSpc>
+                <a:spcPct val="100000"/>
+              </a:lnSpc>
+              <a:spcBef>
+                <a:spcPts val="0"/>
+              </a:spcBef>
+              <a:spcAft>
+                <a:spcPts val="0"/>
+              </a:spcAft>
+              <a:buClr>
+                <a:srgbClr val="000000"/>
+              </a:buClr>
+              <a:buFont typeface="Arial"/>
+              <a:defRPr sz="1400" b="0" i="0" u="none" strike="noStrike" cap="none">
+                <a:solidFill>
+                  <a:srgbClr val="000000"/>
+                </a:solidFill>
+                <a:latin typeface="Arial"/>
+                <a:ea typeface="Arial"/>
+                <a:cs typeface="Arial"/>
+                <a:sym typeface="Arial"/>
+              </a:defRPr>
+            </a:lvl7pPr>
+            <a:lvl8pPr marR="0" lvl="7" algn="l" rtl="0">
+              <a:lnSpc>
+                <a:spcPct val="100000"/>
+              </a:lnSpc>
+              <a:spcBef>
+                <a:spcPts val="0"/>
+              </a:spcBef>
+              <a:spcAft>
+                <a:spcPts val="0"/>
+              </a:spcAft>
+              <a:buClr>
+                <a:srgbClr val="000000"/>
+              </a:buClr>
+              <a:buFont typeface="Arial"/>
+              <a:defRPr sz="1400" b="0" i="0" u="none" strike="noStrike" cap="none">
+                <a:solidFill>
+                  <a:srgbClr val="000000"/>
+                </a:solidFill>
+                <a:latin typeface="Arial"/>
+                <a:ea typeface="Arial"/>
+                <a:cs typeface="Arial"/>
+                <a:sym typeface="Arial"/>
+              </a:defRPr>
+            </a:lvl8pPr>
+            <a:lvl9pPr marR="0" lvl="8" algn="l" rtl="0">
+              <a:lnSpc>
+                <a:spcPct val="100000"/>
+              </a:lnSpc>
+              <a:spcBef>
+                <a:spcPts val="0"/>
+              </a:spcBef>
+              <a:spcAft>
+                <a:spcPts val="0"/>
+              </a:spcAft>
+              <a:buClr>
+                <a:srgbClr val="000000"/>
+              </a:buClr>
+              <a:buFont typeface="Arial"/>
+              <a:defRPr sz="1400" b="0" i="0" u="none" strike="noStrike" cap="none">
+                <a:solidFill>
+                  <a:srgbClr val="000000"/>
+                </a:solidFill>
+                <a:latin typeface="Arial"/>
+                <a:ea typeface="Arial"/>
+                <a:cs typeface="Arial"/>
+                <a:sym typeface="Arial"/>
+              </a:defRPr>
+            </a:lvl9pPr>
+          </a:lstStyle>
+          <a:p>
+            <a:pPr rtl="0">
+              <a:buNone/>
+            </a:pPr>
+            <a:r>
+              <a:rPr lang="en-CA" sz="800" b="0" i="0" u="sng" strike="noStrike" dirty="0">
+                <a:solidFill>
+                  <a:srgbClr val="0097A7"/>
+                </a:solidFill>
+                <a:effectLst/>
+                <a:latin typeface="Arial" panose="020B0604020202020204" pitchFamily="34" charset="0"/>
+                <a:hlinkClick r:id="rId4"/>
+              </a:rPr>
+              <a:t>source</a:t>
+            </a:r>
+            <a:endParaRPr lang="en-CA" sz="800" b="0" dirty="0">
+              <a:effectLst/>
+            </a:endParaRPr>
+          </a:p>
+          <a:p>
+            <a:pPr>
+              <a:buNone/>
+            </a:pPr>
+            <a:br>
+              <a:rPr lang="en-CA" dirty="0"/>
+            </a:br>
+            <a:endParaRPr lang="en-CA" dirty="0"/>
+          </a:p>
+        </p:txBody>
+      </p:sp>
+    </p:spTree>
+    <p:extLst>
+      <p:ext uri="{BB962C8B-B14F-4D97-AF65-F5344CB8AC3E}">
+        <p14:creationId xmlns:p14="http://schemas.microsoft.com/office/powerpoint/2010/main" val="298268721"/>
+      </p:ext>
+    </p:extLst>
+  </p:cSld>
+  <p:clrMapOvr>
+    <a:masterClrMapping/>
+  </p:clrMapOvr>
+</p:sld>
+</file>
+
+<file path=ppt/slides/slide53.xml><?xml version="1.0" encoding="utf-8"?>
+<p:sld xmlns:a="http://schemas.openxmlformats.org/drawingml/2006/main" xmlns:r="http://schemas.openxmlformats.org/officeDocument/2006/relationships" xmlns:p="http://schemas.openxmlformats.org/presentationml/2006/main">
+  <p:cSld>
+    <p:spTree>
+      <p:nvGrpSpPr>
+        <p:cNvPr id="1" name="Shape 157">
+          <a:extLst>
+            <a:ext uri="{FF2B5EF4-FFF2-40B4-BE49-F238E27FC236}">
+              <a16:creationId xmlns:a16="http://schemas.microsoft.com/office/drawing/2014/main" id="{DEE43BF2-8928-A472-5B4C-33B1F3F6660B}"/>
+            </a:ext>
+          </a:extLst>
+        </p:cNvPr>
+        <p:cNvGrpSpPr/>
+        <p:nvPr/>
+      </p:nvGrpSpPr>
+      <p:grpSpPr>
+        <a:xfrm>
+          <a:off x="0" y="0"/>
+          <a:ext cx="0" cy="0"/>
+          <a:chOff x="0" y="0"/>
+          <a:chExt cx="0" cy="0"/>
+        </a:xfrm>
+      </p:grpSpPr>
+      <p:sp>
+        <p:nvSpPr>
+          <p:cNvPr id="158" name="Google Shape;158;p30">
+            <a:extLst>
+              <a:ext uri="{FF2B5EF4-FFF2-40B4-BE49-F238E27FC236}">
+                <a16:creationId xmlns:a16="http://schemas.microsoft.com/office/drawing/2014/main" id="{09BE95E4-3422-D5F6-C2A5-7549B6E29619}"/>
+              </a:ext>
+            </a:extLst>
+          </p:cNvPr>
+          <p:cNvSpPr txBox="1">
+            <a:spLocks noGrp="1"/>
+          </p:cNvSpPr>
+          <p:nvPr>
+            <p:ph type="title" idx="6"/>
+          </p:nvPr>
+        </p:nvSpPr>
+        <p:spPr>
+          <a:xfrm>
+            <a:off x="710750" y="387250"/>
+            <a:ext cx="7779839" cy="711702"/>
+          </a:xfrm>
+          <a:prstGeom prst="rect">
+            <a:avLst/>
+          </a:prstGeom>
+        </p:spPr>
+        <p:txBody>
+          <a:bodyPr spcFirstLastPara="1" wrap="square" lIns="91425" tIns="91425" rIns="91425" bIns="91425" anchor="t" anchorCtr="0">
+            <a:noAutofit/>
+          </a:bodyPr>
+          <a:lstStyle/>
+          <a:p>
+            <a:r>
+              <a:rPr lang="es" dirty="0" err="1"/>
+              <a:t>Questions</a:t>
+            </a:r>
+            <a:r>
+              <a:rPr lang="es" dirty="0"/>
+              <a:t>?</a:t>
+            </a:r>
+            <a:endParaRPr lang="en-US" dirty="0"/>
+          </a:p>
+        </p:txBody>
+      </p:sp>
+      <p:cxnSp>
+        <p:nvCxnSpPr>
+          <p:cNvPr id="166" name="Google Shape;166;p30">
+            <a:extLst>
+              <a:ext uri="{FF2B5EF4-FFF2-40B4-BE49-F238E27FC236}">
+                <a16:creationId xmlns:a16="http://schemas.microsoft.com/office/drawing/2014/main" id="{D8BE80F3-4992-1F01-5435-C853DF275338}"/>
+              </a:ext>
+            </a:extLst>
+          </p:cNvPr>
+          <p:cNvCxnSpPr>
+            <a:cxnSpLocks/>
+          </p:cNvCxnSpPr>
+          <p:nvPr/>
+        </p:nvCxnSpPr>
+        <p:spPr>
+          <a:xfrm>
+            <a:off x="812499" y="1045726"/>
+            <a:ext cx="6436873" cy="0"/>
+          </a:xfrm>
+          <a:prstGeom prst="straightConnector1">
+            <a:avLst/>
+          </a:prstGeom>
+          <a:noFill/>
+          <a:ln w="19050" cap="flat" cmpd="sng">
+            <a:solidFill>
+              <a:schemeClr val="dk1"/>
+            </a:solidFill>
+            <a:prstDash val="solid"/>
+            <a:round/>
+            <a:headEnd type="none" w="med" len="med"/>
+            <a:tailEnd type="none" w="med" len="med"/>
+          </a:ln>
+        </p:spPr>
+      </p:cxnSp>
+    </p:spTree>
+    <p:extLst>
+      <p:ext uri="{BB962C8B-B14F-4D97-AF65-F5344CB8AC3E}">
+        <p14:creationId xmlns:p14="http://schemas.microsoft.com/office/powerpoint/2010/main" val="1606987151"/>
       </p:ext>
     </p:extLst>
   </p:cSld>

--- a/docs/files/Block3-1_Excel-to-Scripting.pptx
+++ b/docs/files/Block3-1_Excel-to-Scripting.pptx
@@ -5,7 +5,7 @@
     <p:sldMasterId id="2147483673" r:id="rId1"/>
   </p:sldMasterIdLst>
   <p:notesMasterIdLst>
-    <p:notesMasterId r:id="rId55"/>
+    <p:notesMasterId r:id="rId58"/>
   </p:notesMasterIdLst>
   <p:sldIdLst>
     <p:sldId id="256" r:id="rId2"/>
@@ -27,54 +27,57 @@
     <p:sldId id="476" r:id="rId18"/>
     <p:sldId id="478" r:id="rId19"/>
     <p:sldId id="479" r:id="rId20"/>
-    <p:sldId id="480" r:id="rId21"/>
-    <p:sldId id="449" r:id="rId22"/>
-    <p:sldId id="481" r:id="rId23"/>
-    <p:sldId id="482" r:id="rId24"/>
-    <p:sldId id="521" r:id="rId25"/>
-    <p:sldId id="483" r:id="rId26"/>
-    <p:sldId id="484" r:id="rId27"/>
-    <p:sldId id="486" r:id="rId28"/>
-    <p:sldId id="487" r:id="rId29"/>
-    <p:sldId id="488" r:id="rId30"/>
-    <p:sldId id="489" r:id="rId31"/>
-    <p:sldId id="490" r:id="rId32"/>
-    <p:sldId id="491" r:id="rId33"/>
-    <p:sldId id="493" r:id="rId34"/>
-    <p:sldId id="494" r:id="rId35"/>
-    <p:sldId id="495" r:id="rId36"/>
-    <p:sldId id="520" r:id="rId37"/>
-    <p:sldId id="373" r:id="rId38"/>
-    <p:sldId id="522" r:id="rId39"/>
-    <p:sldId id="523" r:id="rId40"/>
-    <p:sldId id="524" r:id="rId41"/>
-    <p:sldId id="525" r:id="rId42"/>
-    <p:sldId id="526" r:id="rId43"/>
-    <p:sldId id="505" r:id="rId44"/>
-    <p:sldId id="508" r:id="rId45"/>
-    <p:sldId id="509" r:id="rId46"/>
-    <p:sldId id="510" r:id="rId47"/>
-    <p:sldId id="511" r:id="rId48"/>
-    <p:sldId id="512" r:id="rId49"/>
-    <p:sldId id="513" r:id="rId50"/>
-    <p:sldId id="514" r:id="rId51"/>
-    <p:sldId id="515" r:id="rId52"/>
-    <p:sldId id="516" r:id="rId53"/>
-    <p:sldId id="517" r:id="rId54"/>
+    <p:sldId id="527" r:id="rId21"/>
+    <p:sldId id="480" r:id="rId22"/>
+    <p:sldId id="449" r:id="rId23"/>
+    <p:sldId id="481" r:id="rId24"/>
+    <p:sldId id="482" r:id="rId25"/>
+    <p:sldId id="528" r:id="rId26"/>
+    <p:sldId id="521" r:id="rId27"/>
+    <p:sldId id="483" r:id="rId28"/>
+    <p:sldId id="484" r:id="rId29"/>
+    <p:sldId id="486" r:id="rId30"/>
+    <p:sldId id="487" r:id="rId31"/>
+    <p:sldId id="488" r:id="rId32"/>
+    <p:sldId id="489" r:id="rId33"/>
+    <p:sldId id="490" r:id="rId34"/>
+    <p:sldId id="491" r:id="rId35"/>
+    <p:sldId id="493" r:id="rId36"/>
+    <p:sldId id="494" r:id="rId37"/>
+    <p:sldId id="495" r:id="rId38"/>
+    <p:sldId id="520" r:id="rId39"/>
+    <p:sldId id="373" r:id="rId40"/>
+    <p:sldId id="522" r:id="rId41"/>
+    <p:sldId id="523" r:id="rId42"/>
+    <p:sldId id="524" r:id="rId43"/>
+    <p:sldId id="525" r:id="rId44"/>
+    <p:sldId id="526" r:id="rId45"/>
+    <p:sldId id="505" r:id="rId46"/>
+    <p:sldId id="508" r:id="rId47"/>
+    <p:sldId id="509" r:id="rId48"/>
+    <p:sldId id="510" r:id="rId49"/>
+    <p:sldId id="511" r:id="rId50"/>
+    <p:sldId id="512" r:id="rId51"/>
+    <p:sldId id="513" r:id="rId52"/>
+    <p:sldId id="529" r:id="rId53"/>
+    <p:sldId id="514" r:id="rId54"/>
+    <p:sldId id="515" r:id="rId55"/>
+    <p:sldId id="516" r:id="rId56"/>
+    <p:sldId id="517" r:id="rId57"/>
   </p:sldIdLst>
   <p:sldSz cx="9144000" cy="5143500" type="screen16x9"/>
   <p:notesSz cx="6858000" cy="9144000"/>
   <p:embeddedFontLst>
     <p:embeddedFont>
       <p:font typeface="Nunito" pitchFamily="2" charset="77"/>
-      <p:regular r:id="rId56"/>
-      <p:bold r:id="rId57"/>
-      <p:italic r:id="rId58"/>
-      <p:boldItalic r:id="rId59"/>
+      <p:regular r:id="rId59"/>
+      <p:bold r:id="rId60"/>
+      <p:italic r:id="rId61"/>
+      <p:boldItalic r:id="rId62"/>
     </p:embeddedFont>
     <p:embeddedFont>
       <p:font typeface="Questrial" pitchFamily="2" charset="77"/>
-      <p:regular r:id="rId60"/>
+      <p:regular r:id="rId63"/>
     </p:embeddedFont>
   </p:embeddedFontLst>
   <p:defaultTextStyle>
@@ -3171,7 +3174,11 @@
               </a:spcAft>
               <a:buNone/>
             </a:pPr>
-            <a:endParaRPr/>
+            <a:r>
+              <a:rPr lang="en-CA" dirty="0"/>
+              <a:t>Speak to preservation</a:t>
+            </a:r>
+            <a:endParaRPr dirty="0"/>
           </a:p>
         </p:txBody>
       </p:sp>
@@ -4059,6 +4066,133 @@
   <p:cSld>
     <p:spTree>
       <p:nvGrpSpPr>
+        <p:cNvPr id="1" name="Shape 154">
+          <a:extLst>
+            <a:ext uri="{FF2B5EF4-FFF2-40B4-BE49-F238E27FC236}">
+              <a16:creationId xmlns:a16="http://schemas.microsoft.com/office/drawing/2014/main" id="{FD6A74E7-CDB7-0442-A7A9-458CC221B01C}"/>
+            </a:ext>
+          </a:extLst>
+        </p:cNvPr>
+        <p:cNvGrpSpPr/>
+        <p:nvPr/>
+      </p:nvGrpSpPr>
+      <p:grpSpPr>
+        <a:xfrm>
+          <a:off x="0" y="0"/>
+          <a:ext cx="0" cy="0"/>
+          <a:chOff x="0" y="0"/>
+          <a:chExt cx="0" cy="0"/>
+        </a:xfrm>
+      </p:grpSpPr>
+      <p:sp>
+        <p:nvSpPr>
+          <p:cNvPr id="155" name="Google Shape;155;ge1d838b627_4_100:notes">
+            <a:extLst>
+              <a:ext uri="{FF2B5EF4-FFF2-40B4-BE49-F238E27FC236}">
+                <a16:creationId xmlns:a16="http://schemas.microsoft.com/office/drawing/2014/main" id="{9959D18A-D93D-574A-1114-195B1B870A11}"/>
+              </a:ext>
+            </a:extLst>
+          </p:cNvPr>
+          <p:cNvSpPr>
+            <a:spLocks noGrp="1" noRot="1" noChangeAspect="1"/>
+          </p:cNvSpPr>
+          <p:nvPr>
+            <p:ph type="sldImg" idx="2"/>
+          </p:nvPr>
+        </p:nvSpPr>
+        <p:spPr>
+          <a:xfrm>
+            <a:off x="381000" y="685800"/>
+            <a:ext cx="6096000" cy="3429000"/>
+          </a:xfrm>
+          <a:custGeom>
+            <a:avLst/>
+            <a:gdLst/>
+            <a:ahLst/>
+            <a:cxnLst/>
+            <a:rect l="l" t="t" r="r" b="b"/>
+            <a:pathLst>
+              <a:path w="120000" h="120000" extrusionOk="0">
+                <a:moveTo>
+                  <a:pt x="0" y="0"/>
+                </a:moveTo>
+                <a:lnTo>
+                  <a:pt x="120000" y="0"/>
+                </a:lnTo>
+                <a:lnTo>
+                  <a:pt x="120000" y="120000"/>
+                </a:lnTo>
+                <a:lnTo>
+                  <a:pt x="0" y="120000"/>
+                </a:lnTo>
+                <a:close/>
+              </a:path>
+            </a:pathLst>
+          </a:custGeom>
+        </p:spPr>
+      </p:sp>
+      <p:sp>
+        <p:nvSpPr>
+          <p:cNvPr id="156" name="Google Shape;156;ge1d838b627_4_100:notes">
+            <a:extLst>
+              <a:ext uri="{FF2B5EF4-FFF2-40B4-BE49-F238E27FC236}">
+                <a16:creationId xmlns:a16="http://schemas.microsoft.com/office/drawing/2014/main" id="{AC76C3D6-235B-1330-6BCF-B2950477ADF6}"/>
+              </a:ext>
+            </a:extLst>
+          </p:cNvPr>
+          <p:cNvSpPr txBox="1">
+            <a:spLocks noGrp="1"/>
+          </p:cNvSpPr>
+          <p:nvPr>
+            <p:ph type="body" idx="1"/>
+          </p:nvPr>
+        </p:nvSpPr>
+        <p:spPr>
+          <a:xfrm>
+            <a:off x="685800" y="4343400"/>
+            <a:ext cx="5486400" cy="4114800"/>
+          </a:xfrm>
+          <a:prstGeom prst="rect">
+            <a:avLst/>
+          </a:prstGeom>
+        </p:spPr>
+        <p:txBody>
+          <a:bodyPr spcFirstLastPara="1" wrap="square" lIns="91425" tIns="91425" rIns="91425" bIns="91425" anchor="t" anchorCtr="0">
+            <a:noAutofit/>
+          </a:bodyPr>
+          <a:lstStyle/>
+          <a:p>
+            <a:pPr marL="0" lvl="0" indent="0" algn="l" rtl="0">
+              <a:spcBef>
+                <a:spcPts val="0"/>
+              </a:spcBef>
+              <a:spcAft>
+                <a:spcPts val="0"/>
+              </a:spcAft>
+              <a:buNone/>
+            </a:pPr>
+            <a:endParaRPr/>
+          </a:p>
+        </p:txBody>
+      </p:sp>
+    </p:spTree>
+    <p:extLst>
+      <p:ext uri="{BB962C8B-B14F-4D97-AF65-F5344CB8AC3E}">
+        <p14:creationId xmlns:p14="http://schemas.microsoft.com/office/powerpoint/2010/main" val="3901047307"/>
+      </p:ext>
+    </p:extLst>
+  </p:cSld>
+  <p:clrMapOvr>
+    <a:masterClrMapping/>
+  </p:clrMapOvr>
+</p:notes>
+</file>
+
+<file path=ppt/notesSlides/notesSlide21.xml><?xml version="1.0" encoding="utf-8"?>
+<p:notes xmlns:a="http://schemas.openxmlformats.org/drawingml/2006/main" xmlns:r="http://schemas.openxmlformats.org/officeDocument/2006/relationships" xmlns:p="http://schemas.openxmlformats.org/presentationml/2006/main" showMasterSp="0" showMasterPhAnim="0">
+  <p:cSld>
+    <p:spTree>
+      <p:nvGrpSpPr>
         <p:cNvPr id="1" name="Shape 190">
           <a:extLst>
             <a:ext uri="{FF2B5EF4-FFF2-40B4-BE49-F238E27FC236}">
@@ -4181,7 +4315,7 @@
 </p:notes>
 </file>
 
-<file path=ppt/notesSlides/notesSlide21.xml><?xml version="1.0" encoding="utf-8"?>
+<file path=ppt/notesSlides/notesSlide22.xml><?xml version="1.0" encoding="utf-8"?>
 <p:notes xmlns:a="http://schemas.openxmlformats.org/drawingml/2006/main" xmlns:r="http://schemas.openxmlformats.org/officeDocument/2006/relationships" xmlns:p="http://schemas.openxmlformats.org/presentationml/2006/main" showMasterSp="0" showMasterPhAnim="0">
   <p:cSld>
     <p:spTree>
@@ -4308,7 +4442,7 @@
 </p:notes>
 </file>
 
-<file path=ppt/notesSlides/notesSlide22.xml><?xml version="1.0" encoding="utf-8"?>
+<file path=ppt/notesSlides/notesSlide23.xml><?xml version="1.0" encoding="utf-8"?>
 <p:notes xmlns:a="http://schemas.openxmlformats.org/drawingml/2006/main" xmlns:r="http://schemas.openxmlformats.org/officeDocument/2006/relationships" xmlns:p="http://schemas.openxmlformats.org/presentationml/2006/main" showMasterSp="0" showMasterPhAnim="0">
   <p:cSld>
     <p:spTree>
@@ -4435,7 +4569,7 @@
 </p:notes>
 </file>
 
-<file path=ppt/notesSlides/notesSlide23.xml><?xml version="1.0" encoding="utf-8"?>
+<file path=ppt/notesSlides/notesSlide24.xml><?xml version="1.0" encoding="utf-8"?>
 <p:notes xmlns:a="http://schemas.openxmlformats.org/drawingml/2006/main" xmlns:r="http://schemas.openxmlformats.org/officeDocument/2006/relationships" xmlns:p="http://schemas.openxmlformats.org/presentationml/2006/main" showMasterSp="0" showMasterPhAnim="0">
   <p:cSld>
     <p:spTree>
@@ -4562,7 +4696,134 @@
 </p:notes>
 </file>
 
-<file path=ppt/notesSlides/notesSlide24.xml><?xml version="1.0" encoding="utf-8"?>
+<file path=ppt/notesSlides/notesSlide25.xml><?xml version="1.0" encoding="utf-8"?>
+<p:notes xmlns:a="http://schemas.openxmlformats.org/drawingml/2006/main" xmlns:r="http://schemas.openxmlformats.org/officeDocument/2006/relationships" xmlns:p="http://schemas.openxmlformats.org/presentationml/2006/main" showMasterSp="0" showMasterPhAnim="0">
+  <p:cSld>
+    <p:spTree>
+      <p:nvGrpSpPr>
+        <p:cNvPr id="1" name="Shape 154">
+          <a:extLst>
+            <a:ext uri="{FF2B5EF4-FFF2-40B4-BE49-F238E27FC236}">
+              <a16:creationId xmlns:a16="http://schemas.microsoft.com/office/drawing/2014/main" id="{551769A1-5167-BC5A-1E02-AC358D616DD3}"/>
+            </a:ext>
+          </a:extLst>
+        </p:cNvPr>
+        <p:cNvGrpSpPr/>
+        <p:nvPr/>
+      </p:nvGrpSpPr>
+      <p:grpSpPr>
+        <a:xfrm>
+          <a:off x="0" y="0"/>
+          <a:ext cx="0" cy="0"/>
+          <a:chOff x="0" y="0"/>
+          <a:chExt cx="0" cy="0"/>
+        </a:xfrm>
+      </p:grpSpPr>
+      <p:sp>
+        <p:nvSpPr>
+          <p:cNvPr id="155" name="Google Shape;155;ge1d838b627_4_100:notes">
+            <a:extLst>
+              <a:ext uri="{FF2B5EF4-FFF2-40B4-BE49-F238E27FC236}">
+                <a16:creationId xmlns:a16="http://schemas.microsoft.com/office/drawing/2014/main" id="{DD5C822E-5D10-BC1A-7FAA-AA4C55D3A83F}"/>
+              </a:ext>
+            </a:extLst>
+          </p:cNvPr>
+          <p:cNvSpPr>
+            <a:spLocks noGrp="1" noRot="1" noChangeAspect="1"/>
+          </p:cNvSpPr>
+          <p:nvPr>
+            <p:ph type="sldImg" idx="2"/>
+          </p:nvPr>
+        </p:nvSpPr>
+        <p:spPr>
+          <a:xfrm>
+            <a:off x="381000" y="685800"/>
+            <a:ext cx="6096000" cy="3429000"/>
+          </a:xfrm>
+          <a:custGeom>
+            <a:avLst/>
+            <a:gdLst/>
+            <a:ahLst/>
+            <a:cxnLst/>
+            <a:rect l="l" t="t" r="r" b="b"/>
+            <a:pathLst>
+              <a:path w="120000" h="120000" extrusionOk="0">
+                <a:moveTo>
+                  <a:pt x="0" y="0"/>
+                </a:moveTo>
+                <a:lnTo>
+                  <a:pt x="120000" y="0"/>
+                </a:lnTo>
+                <a:lnTo>
+                  <a:pt x="120000" y="120000"/>
+                </a:lnTo>
+                <a:lnTo>
+                  <a:pt x="0" y="120000"/>
+                </a:lnTo>
+                <a:close/>
+              </a:path>
+            </a:pathLst>
+          </a:custGeom>
+        </p:spPr>
+      </p:sp>
+      <p:sp>
+        <p:nvSpPr>
+          <p:cNvPr id="156" name="Google Shape;156;ge1d838b627_4_100:notes">
+            <a:extLst>
+              <a:ext uri="{FF2B5EF4-FFF2-40B4-BE49-F238E27FC236}">
+                <a16:creationId xmlns:a16="http://schemas.microsoft.com/office/drawing/2014/main" id="{D46040BE-4B2F-255B-B40E-45E8C3B19492}"/>
+              </a:ext>
+            </a:extLst>
+          </p:cNvPr>
+          <p:cNvSpPr txBox="1">
+            <a:spLocks noGrp="1"/>
+          </p:cNvSpPr>
+          <p:nvPr>
+            <p:ph type="body" idx="1"/>
+          </p:nvPr>
+        </p:nvSpPr>
+        <p:spPr>
+          <a:xfrm>
+            <a:off x="685800" y="4343400"/>
+            <a:ext cx="5486400" cy="4114800"/>
+          </a:xfrm>
+          <a:prstGeom prst="rect">
+            <a:avLst/>
+          </a:prstGeom>
+        </p:spPr>
+        <p:txBody>
+          <a:bodyPr spcFirstLastPara="1" wrap="square" lIns="91425" tIns="91425" rIns="91425" bIns="91425" anchor="t" anchorCtr="0">
+            <a:noAutofit/>
+          </a:bodyPr>
+          <a:lstStyle/>
+          <a:p>
+            <a:pPr marL="0" lvl="0" indent="0" algn="l" rtl="0">
+              <a:spcBef>
+                <a:spcPts val="0"/>
+              </a:spcBef>
+              <a:spcAft>
+                <a:spcPts val="0"/>
+              </a:spcAft>
+              <a:buNone/>
+            </a:pPr>
+            <a:endParaRPr dirty="0"/>
+          </a:p>
+        </p:txBody>
+      </p:sp>
+    </p:spTree>
+    <p:extLst>
+      <p:ext uri="{BB962C8B-B14F-4D97-AF65-F5344CB8AC3E}">
+        <p14:creationId xmlns:p14="http://schemas.microsoft.com/office/powerpoint/2010/main" val="1349563087"/>
+      </p:ext>
+    </p:extLst>
+  </p:cSld>
+  <p:clrMapOvr>
+    <a:masterClrMapping/>
+  </p:clrMapOvr>
+</p:notes>
+</file>
+
+<file path=ppt/notesSlides/notesSlide26.xml><?xml version="1.0" encoding="utf-8"?>
 <p:notes xmlns:a="http://schemas.openxmlformats.org/drawingml/2006/main" xmlns:r="http://schemas.openxmlformats.org/officeDocument/2006/relationships" xmlns:p="http://schemas.openxmlformats.org/presentationml/2006/main" showMasterSp="0" showMasterPhAnim="0">
   <p:cSld>
     <p:spTree>
@@ -4689,7 +4950,7 @@
 </p:notes>
 </file>
 
-<file path=ppt/notesSlides/notesSlide25.xml><?xml version="1.0" encoding="utf-8"?>
+<file path=ppt/notesSlides/notesSlide27.xml><?xml version="1.0" encoding="utf-8"?>
 <p:notes xmlns:a="http://schemas.openxmlformats.org/drawingml/2006/main" xmlns:r="http://schemas.openxmlformats.org/officeDocument/2006/relationships" xmlns:p="http://schemas.openxmlformats.org/presentationml/2006/main" showMasterSp="0" showMasterPhAnim="0">
   <p:cSld>
     <p:spTree>
@@ -4799,7 +5060,11 @@
               </a:spcAft>
               <a:buNone/>
             </a:pPr>
-            <a:endParaRPr dirty="0"/>
+            <a:r>
+              <a:rPr lang="en-CA" b="1" dirty="0"/>
+              <a:t>Preservation***</a:t>
+            </a:r>
+            <a:endParaRPr b="1" dirty="0"/>
           </a:p>
         </p:txBody>
       </p:sp>
@@ -4816,7 +5081,7 @@
 </p:notes>
 </file>
 
-<file path=ppt/notesSlides/notesSlide26.xml><?xml version="1.0" encoding="utf-8"?>
+<file path=ppt/notesSlides/notesSlide28.xml><?xml version="1.0" encoding="utf-8"?>
 <p:notes xmlns:a="http://schemas.openxmlformats.org/drawingml/2006/main" xmlns:r="http://schemas.openxmlformats.org/officeDocument/2006/relationships" xmlns:p="http://schemas.openxmlformats.org/presentationml/2006/main" showMasterSp="0" showMasterPhAnim="0">
   <p:cSld>
     <p:spTree>
@@ -4943,7 +5208,7 @@
 </p:notes>
 </file>
 
-<file path=ppt/notesSlides/notesSlide27.xml><?xml version="1.0" encoding="utf-8"?>
+<file path=ppt/notesSlides/notesSlide29.xml><?xml version="1.0" encoding="utf-8"?>
 <p:notes xmlns:a="http://schemas.openxmlformats.org/drawingml/2006/main" xmlns:r="http://schemas.openxmlformats.org/officeDocument/2006/relationships" xmlns:p="http://schemas.openxmlformats.org/presentationml/2006/main" showMasterSp="0" showMasterPhAnim="0">
   <p:cSld>
     <p:spTree>
@@ -5061,260 +5326,6 @@
     <p:extLst>
       <p:ext uri="{BB962C8B-B14F-4D97-AF65-F5344CB8AC3E}">
         <p14:creationId xmlns:p14="http://schemas.microsoft.com/office/powerpoint/2010/main" val="3581634578"/>
-      </p:ext>
-    </p:extLst>
-  </p:cSld>
-  <p:clrMapOvr>
-    <a:masterClrMapping/>
-  </p:clrMapOvr>
-</p:notes>
-</file>
-
-<file path=ppt/notesSlides/notesSlide28.xml><?xml version="1.0" encoding="utf-8"?>
-<p:notes xmlns:a="http://schemas.openxmlformats.org/drawingml/2006/main" xmlns:r="http://schemas.openxmlformats.org/officeDocument/2006/relationships" xmlns:p="http://schemas.openxmlformats.org/presentationml/2006/main" showMasterSp="0" showMasterPhAnim="0">
-  <p:cSld>
-    <p:spTree>
-      <p:nvGrpSpPr>
-        <p:cNvPr id="1" name="Shape 190">
-          <a:extLst>
-            <a:ext uri="{FF2B5EF4-FFF2-40B4-BE49-F238E27FC236}">
-              <a16:creationId xmlns:a16="http://schemas.microsoft.com/office/drawing/2014/main" id="{E9F1B274-EEDE-F1A3-B40C-8E1D2B4A1431}"/>
-            </a:ext>
-          </a:extLst>
-        </p:cNvPr>
-        <p:cNvGrpSpPr/>
-        <p:nvPr/>
-      </p:nvGrpSpPr>
-      <p:grpSpPr>
-        <a:xfrm>
-          <a:off x="0" y="0"/>
-          <a:ext cx="0" cy="0"/>
-          <a:chOff x="0" y="0"/>
-          <a:chExt cx="0" cy="0"/>
-        </a:xfrm>
-      </p:grpSpPr>
-      <p:sp>
-        <p:nvSpPr>
-          <p:cNvPr id="191" name="Google Shape;191;ge1d838b627_4_0:notes">
-            <a:extLst>
-              <a:ext uri="{FF2B5EF4-FFF2-40B4-BE49-F238E27FC236}">
-                <a16:creationId xmlns:a16="http://schemas.microsoft.com/office/drawing/2014/main" id="{8270453D-6087-833C-1FD3-0B0ADD918230}"/>
-              </a:ext>
-            </a:extLst>
-          </p:cNvPr>
-          <p:cNvSpPr>
-            <a:spLocks noGrp="1" noRot="1" noChangeAspect="1"/>
-          </p:cNvSpPr>
-          <p:nvPr>
-            <p:ph type="sldImg" idx="2"/>
-          </p:nvPr>
-        </p:nvSpPr>
-        <p:spPr>
-          <a:xfrm>
-            <a:off x="381000" y="685800"/>
-            <a:ext cx="6096000" cy="3429000"/>
-          </a:xfrm>
-          <a:custGeom>
-            <a:avLst/>
-            <a:gdLst/>
-            <a:ahLst/>
-            <a:cxnLst/>
-            <a:rect l="l" t="t" r="r" b="b"/>
-            <a:pathLst>
-              <a:path w="120000" h="120000" extrusionOk="0">
-                <a:moveTo>
-                  <a:pt x="0" y="0"/>
-                </a:moveTo>
-                <a:lnTo>
-                  <a:pt x="120000" y="0"/>
-                </a:lnTo>
-                <a:lnTo>
-                  <a:pt x="120000" y="120000"/>
-                </a:lnTo>
-                <a:lnTo>
-                  <a:pt x="0" y="120000"/>
-                </a:lnTo>
-                <a:close/>
-              </a:path>
-            </a:pathLst>
-          </a:custGeom>
-        </p:spPr>
-      </p:sp>
-      <p:sp>
-        <p:nvSpPr>
-          <p:cNvPr id="192" name="Google Shape;192;ge1d838b627_4_0:notes">
-            <a:extLst>
-              <a:ext uri="{FF2B5EF4-FFF2-40B4-BE49-F238E27FC236}">
-                <a16:creationId xmlns:a16="http://schemas.microsoft.com/office/drawing/2014/main" id="{3BBF0DAC-F4EA-D487-E441-44A6C8D5212C}"/>
-              </a:ext>
-            </a:extLst>
-          </p:cNvPr>
-          <p:cNvSpPr txBox="1">
-            <a:spLocks noGrp="1"/>
-          </p:cNvSpPr>
-          <p:nvPr>
-            <p:ph type="body" idx="1"/>
-          </p:nvPr>
-        </p:nvSpPr>
-        <p:spPr>
-          <a:xfrm>
-            <a:off x="685800" y="4343400"/>
-            <a:ext cx="5486400" cy="4114800"/>
-          </a:xfrm>
-          <a:prstGeom prst="rect">
-            <a:avLst/>
-          </a:prstGeom>
-        </p:spPr>
-        <p:txBody>
-          <a:bodyPr spcFirstLastPara="1" wrap="square" lIns="91425" tIns="91425" rIns="91425" bIns="91425" anchor="t" anchorCtr="0">
-            <a:noAutofit/>
-          </a:bodyPr>
-          <a:lstStyle/>
-          <a:p>
-            <a:pPr marL="0" lvl="0" indent="0" algn="l" rtl="0">
-              <a:spcBef>
-                <a:spcPts val="0"/>
-              </a:spcBef>
-              <a:spcAft>
-                <a:spcPts val="0"/>
-              </a:spcAft>
-              <a:buNone/>
-            </a:pPr>
-            <a:endParaRPr dirty="0"/>
-          </a:p>
-        </p:txBody>
-      </p:sp>
-    </p:spTree>
-    <p:extLst>
-      <p:ext uri="{BB962C8B-B14F-4D97-AF65-F5344CB8AC3E}">
-        <p14:creationId xmlns:p14="http://schemas.microsoft.com/office/powerpoint/2010/main" val="1480701379"/>
-      </p:ext>
-    </p:extLst>
-  </p:cSld>
-  <p:clrMapOvr>
-    <a:masterClrMapping/>
-  </p:clrMapOvr>
-</p:notes>
-</file>
-
-<file path=ppt/notesSlides/notesSlide29.xml><?xml version="1.0" encoding="utf-8"?>
-<p:notes xmlns:a="http://schemas.openxmlformats.org/drawingml/2006/main" xmlns:r="http://schemas.openxmlformats.org/officeDocument/2006/relationships" xmlns:p="http://schemas.openxmlformats.org/presentationml/2006/main" showMasterSp="0" showMasterPhAnim="0">
-  <p:cSld>
-    <p:spTree>
-      <p:nvGrpSpPr>
-        <p:cNvPr id="1" name="Shape 154">
-          <a:extLst>
-            <a:ext uri="{FF2B5EF4-FFF2-40B4-BE49-F238E27FC236}">
-              <a16:creationId xmlns:a16="http://schemas.microsoft.com/office/drawing/2014/main" id="{7388144C-805C-3B05-B6ED-126D7819AB52}"/>
-            </a:ext>
-          </a:extLst>
-        </p:cNvPr>
-        <p:cNvGrpSpPr/>
-        <p:nvPr/>
-      </p:nvGrpSpPr>
-      <p:grpSpPr>
-        <a:xfrm>
-          <a:off x="0" y="0"/>
-          <a:ext cx="0" cy="0"/>
-          <a:chOff x="0" y="0"/>
-          <a:chExt cx="0" cy="0"/>
-        </a:xfrm>
-      </p:grpSpPr>
-      <p:sp>
-        <p:nvSpPr>
-          <p:cNvPr id="155" name="Google Shape;155;ge1d838b627_4_100:notes">
-            <a:extLst>
-              <a:ext uri="{FF2B5EF4-FFF2-40B4-BE49-F238E27FC236}">
-                <a16:creationId xmlns:a16="http://schemas.microsoft.com/office/drawing/2014/main" id="{00ED5FC0-1163-17B6-9366-DE44CDD4E065}"/>
-              </a:ext>
-            </a:extLst>
-          </p:cNvPr>
-          <p:cNvSpPr>
-            <a:spLocks noGrp="1" noRot="1" noChangeAspect="1"/>
-          </p:cNvSpPr>
-          <p:nvPr>
-            <p:ph type="sldImg" idx="2"/>
-          </p:nvPr>
-        </p:nvSpPr>
-        <p:spPr>
-          <a:xfrm>
-            <a:off x="381000" y="685800"/>
-            <a:ext cx="6096000" cy="3429000"/>
-          </a:xfrm>
-          <a:custGeom>
-            <a:avLst/>
-            <a:gdLst/>
-            <a:ahLst/>
-            <a:cxnLst/>
-            <a:rect l="l" t="t" r="r" b="b"/>
-            <a:pathLst>
-              <a:path w="120000" h="120000" extrusionOk="0">
-                <a:moveTo>
-                  <a:pt x="0" y="0"/>
-                </a:moveTo>
-                <a:lnTo>
-                  <a:pt x="120000" y="0"/>
-                </a:lnTo>
-                <a:lnTo>
-                  <a:pt x="120000" y="120000"/>
-                </a:lnTo>
-                <a:lnTo>
-                  <a:pt x="0" y="120000"/>
-                </a:lnTo>
-                <a:close/>
-              </a:path>
-            </a:pathLst>
-          </a:custGeom>
-        </p:spPr>
-      </p:sp>
-      <p:sp>
-        <p:nvSpPr>
-          <p:cNvPr id="156" name="Google Shape;156;ge1d838b627_4_100:notes">
-            <a:extLst>
-              <a:ext uri="{FF2B5EF4-FFF2-40B4-BE49-F238E27FC236}">
-                <a16:creationId xmlns:a16="http://schemas.microsoft.com/office/drawing/2014/main" id="{411F0C5B-14D6-2740-AEDC-56E8ACB3D1B3}"/>
-              </a:ext>
-            </a:extLst>
-          </p:cNvPr>
-          <p:cNvSpPr txBox="1">
-            <a:spLocks noGrp="1"/>
-          </p:cNvSpPr>
-          <p:nvPr>
-            <p:ph type="body" idx="1"/>
-          </p:nvPr>
-        </p:nvSpPr>
-        <p:spPr>
-          <a:xfrm>
-            <a:off x="685800" y="4343400"/>
-            <a:ext cx="5486400" cy="4114800"/>
-          </a:xfrm>
-          <a:prstGeom prst="rect">
-            <a:avLst/>
-          </a:prstGeom>
-        </p:spPr>
-        <p:txBody>
-          <a:bodyPr spcFirstLastPara="1" wrap="square" lIns="91425" tIns="91425" rIns="91425" bIns="91425" anchor="t" anchorCtr="0">
-            <a:noAutofit/>
-          </a:bodyPr>
-          <a:lstStyle/>
-          <a:p>
-            <a:pPr marL="0" lvl="0" indent="0" algn="l" rtl="0">
-              <a:spcBef>
-                <a:spcPts val="0"/>
-              </a:spcBef>
-              <a:spcAft>
-                <a:spcPts val="0"/>
-              </a:spcAft>
-              <a:buNone/>
-            </a:pPr>
-            <a:endParaRPr dirty="0"/>
-          </a:p>
-        </p:txBody>
-      </p:sp>
-    </p:spTree>
-    <p:extLst>
-      <p:ext uri="{BB962C8B-B14F-4D97-AF65-F5344CB8AC3E}">
-        <p14:creationId xmlns:p14="http://schemas.microsoft.com/office/powerpoint/2010/main" val="982479690"/>
       </p:ext>
     </p:extLst>
   </p:cSld>
@@ -5456,6 +5467,260 @@
   <p:cSld>
     <p:spTree>
       <p:nvGrpSpPr>
+        <p:cNvPr id="1" name="Shape 190">
+          <a:extLst>
+            <a:ext uri="{FF2B5EF4-FFF2-40B4-BE49-F238E27FC236}">
+              <a16:creationId xmlns:a16="http://schemas.microsoft.com/office/drawing/2014/main" id="{E9F1B274-EEDE-F1A3-B40C-8E1D2B4A1431}"/>
+            </a:ext>
+          </a:extLst>
+        </p:cNvPr>
+        <p:cNvGrpSpPr/>
+        <p:nvPr/>
+      </p:nvGrpSpPr>
+      <p:grpSpPr>
+        <a:xfrm>
+          <a:off x="0" y="0"/>
+          <a:ext cx="0" cy="0"/>
+          <a:chOff x="0" y="0"/>
+          <a:chExt cx="0" cy="0"/>
+        </a:xfrm>
+      </p:grpSpPr>
+      <p:sp>
+        <p:nvSpPr>
+          <p:cNvPr id="191" name="Google Shape;191;ge1d838b627_4_0:notes">
+            <a:extLst>
+              <a:ext uri="{FF2B5EF4-FFF2-40B4-BE49-F238E27FC236}">
+                <a16:creationId xmlns:a16="http://schemas.microsoft.com/office/drawing/2014/main" id="{8270453D-6087-833C-1FD3-0B0ADD918230}"/>
+              </a:ext>
+            </a:extLst>
+          </p:cNvPr>
+          <p:cNvSpPr>
+            <a:spLocks noGrp="1" noRot="1" noChangeAspect="1"/>
+          </p:cNvSpPr>
+          <p:nvPr>
+            <p:ph type="sldImg" idx="2"/>
+          </p:nvPr>
+        </p:nvSpPr>
+        <p:spPr>
+          <a:xfrm>
+            <a:off x="381000" y="685800"/>
+            <a:ext cx="6096000" cy="3429000"/>
+          </a:xfrm>
+          <a:custGeom>
+            <a:avLst/>
+            <a:gdLst/>
+            <a:ahLst/>
+            <a:cxnLst/>
+            <a:rect l="l" t="t" r="r" b="b"/>
+            <a:pathLst>
+              <a:path w="120000" h="120000" extrusionOk="0">
+                <a:moveTo>
+                  <a:pt x="0" y="0"/>
+                </a:moveTo>
+                <a:lnTo>
+                  <a:pt x="120000" y="0"/>
+                </a:lnTo>
+                <a:lnTo>
+                  <a:pt x="120000" y="120000"/>
+                </a:lnTo>
+                <a:lnTo>
+                  <a:pt x="0" y="120000"/>
+                </a:lnTo>
+                <a:close/>
+              </a:path>
+            </a:pathLst>
+          </a:custGeom>
+        </p:spPr>
+      </p:sp>
+      <p:sp>
+        <p:nvSpPr>
+          <p:cNvPr id="192" name="Google Shape;192;ge1d838b627_4_0:notes">
+            <a:extLst>
+              <a:ext uri="{FF2B5EF4-FFF2-40B4-BE49-F238E27FC236}">
+                <a16:creationId xmlns:a16="http://schemas.microsoft.com/office/drawing/2014/main" id="{3BBF0DAC-F4EA-D487-E441-44A6C8D5212C}"/>
+              </a:ext>
+            </a:extLst>
+          </p:cNvPr>
+          <p:cNvSpPr txBox="1">
+            <a:spLocks noGrp="1"/>
+          </p:cNvSpPr>
+          <p:nvPr>
+            <p:ph type="body" idx="1"/>
+          </p:nvPr>
+        </p:nvSpPr>
+        <p:spPr>
+          <a:xfrm>
+            <a:off x="685800" y="4343400"/>
+            <a:ext cx="5486400" cy="4114800"/>
+          </a:xfrm>
+          <a:prstGeom prst="rect">
+            <a:avLst/>
+          </a:prstGeom>
+        </p:spPr>
+        <p:txBody>
+          <a:bodyPr spcFirstLastPara="1" wrap="square" lIns="91425" tIns="91425" rIns="91425" bIns="91425" anchor="t" anchorCtr="0">
+            <a:noAutofit/>
+          </a:bodyPr>
+          <a:lstStyle/>
+          <a:p>
+            <a:pPr marL="0" lvl="0" indent="0" algn="l" rtl="0">
+              <a:spcBef>
+                <a:spcPts val="0"/>
+              </a:spcBef>
+              <a:spcAft>
+                <a:spcPts val="0"/>
+              </a:spcAft>
+              <a:buNone/>
+            </a:pPr>
+            <a:endParaRPr dirty="0"/>
+          </a:p>
+        </p:txBody>
+      </p:sp>
+    </p:spTree>
+    <p:extLst>
+      <p:ext uri="{BB962C8B-B14F-4D97-AF65-F5344CB8AC3E}">
+        <p14:creationId xmlns:p14="http://schemas.microsoft.com/office/powerpoint/2010/main" val="1480701379"/>
+      </p:ext>
+    </p:extLst>
+  </p:cSld>
+  <p:clrMapOvr>
+    <a:masterClrMapping/>
+  </p:clrMapOvr>
+</p:notes>
+</file>
+
+<file path=ppt/notesSlides/notesSlide31.xml><?xml version="1.0" encoding="utf-8"?>
+<p:notes xmlns:a="http://schemas.openxmlformats.org/drawingml/2006/main" xmlns:r="http://schemas.openxmlformats.org/officeDocument/2006/relationships" xmlns:p="http://schemas.openxmlformats.org/presentationml/2006/main" showMasterSp="0" showMasterPhAnim="0">
+  <p:cSld>
+    <p:spTree>
+      <p:nvGrpSpPr>
+        <p:cNvPr id="1" name="Shape 154">
+          <a:extLst>
+            <a:ext uri="{FF2B5EF4-FFF2-40B4-BE49-F238E27FC236}">
+              <a16:creationId xmlns:a16="http://schemas.microsoft.com/office/drawing/2014/main" id="{7388144C-805C-3B05-B6ED-126D7819AB52}"/>
+            </a:ext>
+          </a:extLst>
+        </p:cNvPr>
+        <p:cNvGrpSpPr/>
+        <p:nvPr/>
+      </p:nvGrpSpPr>
+      <p:grpSpPr>
+        <a:xfrm>
+          <a:off x="0" y="0"/>
+          <a:ext cx="0" cy="0"/>
+          <a:chOff x="0" y="0"/>
+          <a:chExt cx="0" cy="0"/>
+        </a:xfrm>
+      </p:grpSpPr>
+      <p:sp>
+        <p:nvSpPr>
+          <p:cNvPr id="155" name="Google Shape;155;ge1d838b627_4_100:notes">
+            <a:extLst>
+              <a:ext uri="{FF2B5EF4-FFF2-40B4-BE49-F238E27FC236}">
+                <a16:creationId xmlns:a16="http://schemas.microsoft.com/office/drawing/2014/main" id="{00ED5FC0-1163-17B6-9366-DE44CDD4E065}"/>
+              </a:ext>
+            </a:extLst>
+          </p:cNvPr>
+          <p:cNvSpPr>
+            <a:spLocks noGrp="1" noRot="1" noChangeAspect="1"/>
+          </p:cNvSpPr>
+          <p:nvPr>
+            <p:ph type="sldImg" idx="2"/>
+          </p:nvPr>
+        </p:nvSpPr>
+        <p:spPr>
+          <a:xfrm>
+            <a:off x="381000" y="685800"/>
+            <a:ext cx="6096000" cy="3429000"/>
+          </a:xfrm>
+          <a:custGeom>
+            <a:avLst/>
+            <a:gdLst/>
+            <a:ahLst/>
+            <a:cxnLst/>
+            <a:rect l="l" t="t" r="r" b="b"/>
+            <a:pathLst>
+              <a:path w="120000" h="120000" extrusionOk="0">
+                <a:moveTo>
+                  <a:pt x="0" y="0"/>
+                </a:moveTo>
+                <a:lnTo>
+                  <a:pt x="120000" y="0"/>
+                </a:lnTo>
+                <a:lnTo>
+                  <a:pt x="120000" y="120000"/>
+                </a:lnTo>
+                <a:lnTo>
+                  <a:pt x="0" y="120000"/>
+                </a:lnTo>
+                <a:close/>
+              </a:path>
+            </a:pathLst>
+          </a:custGeom>
+        </p:spPr>
+      </p:sp>
+      <p:sp>
+        <p:nvSpPr>
+          <p:cNvPr id="156" name="Google Shape;156;ge1d838b627_4_100:notes">
+            <a:extLst>
+              <a:ext uri="{FF2B5EF4-FFF2-40B4-BE49-F238E27FC236}">
+                <a16:creationId xmlns:a16="http://schemas.microsoft.com/office/drawing/2014/main" id="{411F0C5B-14D6-2740-AEDC-56E8ACB3D1B3}"/>
+              </a:ext>
+            </a:extLst>
+          </p:cNvPr>
+          <p:cNvSpPr txBox="1">
+            <a:spLocks noGrp="1"/>
+          </p:cNvSpPr>
+          <p:nvPr>
+            <p:ph type="body" idx="1"/>
+          </p:nvPr>
+        </p:nvSpPr>
+        <p:spPr>
+          <a:xfrm>
+            <a:off x="685800" y="4343400"/>
+            <a:ext cx="5486400" cy="4114800"/>
+          </a:xfrm>
+          <a:prstGeom prst="rect">
+            <a:avLst/>
+          </a:prstGeom>
+        </p:spPr>
+        <p:txBody>
+          <a:bodyPr spcFirstLastPara="1" wrap="square" lIns="91425" tIns="91425" rIns="91425" bIns="91425" anchor="t" anchorCtr="0">
+            <a:noAutofit/>
+          </a:bodyPr>
+          <a:lstStyle/>
+          <a:p>
+            <a:pPr marL="0" lvl="0" indent="0" algn="l" rtl="0">
+              <a:spcBef>
+                <a:spcPts val="0"/>
+              </a:spcBef>
+              <a:spcAft>
+                <a:spcPts val="0"/>
+              </a:spcAft>
+              <a:buNone/>
+            </a:pPr>
+            <a:endParaRPr dirty="0"/>
+          </a:p>
+        </p:txBody>
+      </p:sp>
+    </p:spTree>
+    <p:extLst>
+      <p:ext uri="{BB962C8B-B14F-4D97-AF65-F5344CB8AC3E}">
+        <p14:creationId xmlns:p14="http://schemas.microsoft.com/office/powerpoint/2010/main" val="982479690"/>
+      </p:ext>
+    </p:extLst>
+  </p:cSld>
+  <p:clrMapOvr>
+    <a:masterClrMapping/>
+  </p:clrMapOvr>
+</p:notes>
+</file>
+
+<file path=ppt/notesSlides/notesSlide32.xml><?xml version="1.0" encoding="utf-8"?>
+<p:notes xmlns:a="http://schemas.openxmlformats.org/drawingml/2006/main" xmlns:r="http://schemas.openxmlformats.org/officeDocument/2006/relationships" xmlns:p="http://schemas.openxmlformats.org/presentationml/2006/main" showMasterSp="0" showMasterPhAnim="0">
+  <p:cSld>
+    <p:spTree>
+      <p:nvGrpSpPr>
         <p:cNvPr id="1" name="Shape 154">
           <a:extLst>
             <a:ext uri="{FF2B5EF4-FFF2-40B4-BE49-F238E27FC236}">
@@ -5578,7 +5843,7 @@
 </p:notes>
 </file>
 
-<file path=ppt/notesSlides/notesSlide31.xml><?xml version="1.0" encoding="utf-8"?>
+<file path=ppt/notesSlides/notesSlide33.xml><?xml version="1.0" encoding="utf-8"?>
 <p:notes xmlns:a="http://schemas.openxmlformats.org/drawingml/2006/main" xmlns:r="http://schemas.openxmlformats.org/officeDocument/2006/relationships" xmlns:p="http://schemas.openxmlformats.org/presentationml/2006/main" showMasterSp="0" showMasterPhAnim="0">
   <p:cSld>
     <p:spTree>
@@ -5705,7 +5970,7 @@
 </p:notes>
 </file>
 
-<file path=ppt/notesSlides/notesSlide32.xml><?xml version="1.0" encoding="utf-8"?>
+<file path=ppt/notesSlides/notesSlide34.xml><?xml version="1.0" encoding="utf-8"?>
 <p:notes xmlns:a="http://schemas.openxmlformats.org/drawingml/2006/main" xmlns:r="http://schemas.openxmlformats.org/officeDocument/2006/relationships" xmlns:p="http://schemas.openxmlformats.org/presentationml/2006/main" showMasterSp="0" showMasterPhAnim="0">
   <p:cSld>
     <p:spTree>
@@ -5832,7 +6097,7 @@
 </p:notes>
 </file>
 
-<file path=ppt/notesSlides/notesSlide33.xml><?xml version="1.0" encoding="utf-8"?>
+<file path=ppt/notesSlides/notesSlide35.xml><?xml version="1.0" encoding="utf-8"?>
 <p:notes xmlns:a="http://schemas.openxmlformats.org/drawingml/2006/main" xmlns:r="http://schemas.openxmlformats.org/officeDocument/2006/relationships" xmlns:p="http://schemas.openxmlformats.org/presentationml/2006/main" showMasterSp="0" showMasterPhAnim="0">
   <p:cSld>
     <p:spTree>
@@ -5959,7 +6224,7 @@
 </p:notes>
 </file>
 
-<file path=ppt/notesSlides/notesSlide34.xml><?xml version="1.0" encoding="utf-8"?>
+<file path=ppt/notesSlides/notesSlide36.xml><?xml version="1.0" encoding="utf-8"?>
 <p:notes xmlns:a="http://schemas.openxmlformats.org/drawingml/2006/main" xmlns:r="http://schemas.openxmlformats.org/officeDocument/2006/relationships" xmlns:p="http://schemas.openxmlformats.org/presentationml/2006/main" showMasterSp="0" showMasterPhAnim="0">
   <p:cSld>
     <p:spTree>
@@ -6086,7 +6351,7 @@
 </p:notes>
 </file>
 
-<file path=ppt/notesSlides/notesSlide35.xml><?xml version="1.0" encoding="utf-8"?>
+<file path=ppt/notesSlides/notesSlide37.xml><?xml version="1.0" encoding="utf-8"?>
 <p:notes xmlns:a="http://schemas.openxmlformats.org/drawingml/2006/main" xmlns:r="http://schemas.openxmlformats.org/officeDocument/2006/relationships" xmlns:p="http://schemas.openxmlformats.org/presentationml/2006/main" showMasterSp="0" showMasterPhAnim="0">
   <p:cSld>
     <p:spTree>
@@ -6213,7 +6478,7 @@
 </p:notes>
 </file>
 
-<file path=ppt/notesSlides/notesSlide36.xml><?xml version="1.0" encoding="utf-8"?>
+<file path=ppt/notesSlides/notesSlide38.xml><?xml version="1.0" encoding="utf-8"?>
 <p:notes xmlns:a="http://schemas.openxmlformats.org/drawingml/2006/main" xmlns:r="http://schemas.openxmlformats.org/officeDocument/2006/relationships" xmlns:p="http://schemas.openxmlformats.org/presentationml/2006/main" showMasterSp="0" showMasterPhAnim="0">
   <p:cSld>
     <p:spTree>
@@ -6340,7 +6605,7 @@
 </p:notes>
 </file>
 
-<file path=ppt/notesSlides/notesSlide37.xml><?xml version="1.0" encoding="utf-8"?>
+<file path=ppt/notesSlides/notesSlide39.xml><?xml version="1.0" encoding="utf-8"?>
 <p:notes xmlns:a="http://schemas.openxmlformats.org/drawingml/2006/main" xmlns:r="http://schemas.openxmlformats.org/officeDocument/2006/relationships" xmlns:p="http://schemas.openxmlformats.org/presentationml/2006/main" showMasterSp="0" showMasterPhAnim="0">
   <p:cSld>
     <p:spTree>
@@ -6466,260 +6731,6 @@
     <p:extLst>
       <p:ext uri="{BB962C8B-B14F-4D97-AF65-F5344CB8AC3E}">
         <p14:creationId xmlns:p14="http://schemas.microsoft.com/office/powerpoint/2010/main" val="763760753"/>
-      </p:ext>
-    </p:extLst>
-  </p:cSld>
-  <p:clrMapOvr>
-    <a:masterClrMapping/>
-  </p:clrMapOvr>
-</p:notes>
-</file>
-
-<file path=ppt/notesSlides/notesSlide38.xml><?xml version="1.0" encoding="utf-8"?>
-<p:notes xmlns:a="http://schemas.openxmlformats.org/drawingml/2006/main" xmlns:r="http://schemas.openxmlformats.org/officeDocument/2006/relationships" xmlns:p="http://schemas.openxmlformats.org/presentationml/2006/main" showMasterSp="0" showMasterPhAnim="0">
-  <p:cSld>
-    <p:spTree>
-      <p:nvGrpSpPr>
-        <p:cNvPr id="1" name="Shape 154">
-          <a:extLst>
-            <a:ext uri="{FF2B5EF4-FFF2-40B4-BE49-F238E27FC236}">
-              <a16:creationId xmlns:a16="http://schemas.microsoft.com/office/drawing/2014/main" id="{104BCE6E-1A5E-BE9A-6D95-33879BC546E6}"/>
-            </a:ext>
-          </a:extLst>
-        </p:cNvPr>
-        <p:cNvGrpSpPr/>
-        <p:nvPr/>
-      </p:nvGrpSpPr>
-      <p:grpSpPr>
-        <a:xfrm>
-          <a:off x="0" y="0"/>
-          <a:ext cx="0" cy="0"/>
-          <a:chOff x="0" y="0"/>
-          <a:chExt cx="0" cy="0"/>
-        </a:xfrm>
-      </p:grpSpPr>
-      <p:sp>
-        <p:nvSpPr>
-          <p:cNvPr id="155" name="Google Shape;155;ge1d838b627_4_100:notes">
-            <a:extLst>
-              <a:ext uri="{FF2B5EF4-FFF2-40B4-BE49-F238E27FC236}">
-                <a16:creationId xmlns:a16="http://schemas.microsoft.com/office/drawing/2014/main" id="{608A6E80-36D8-A3E0-258E-3FD340ED2511}"/>
-              </a:ext>
-            </a:extLst>
-          </p:cNvPr>
-          <p:cNvSpPr>
-            <a:spLocks noGrp="1" noRot="1" noChangeAspect="1"/>
-          </p:cNvSpPr>
-          <p:nvPr>
-            <p:ph type="sldImg" idx="2"/>
-          </p:nvPr>
-        </p:nvSpPr>
-        <p:spPr>
-          <a:xfrm>
-            <a:off x="381000" y="685800"/>
-            <a:ext cx="6096000" cy="3429000"/>
-          </a:xfrm>
-          <a:custGeom>
-            <a:avLst/>
-            <a:gdLst/>
-            <a:ahLst/>
-            <a:cxnLst/>
-            <a:rect l="l" t="t" r="r" b="b"/>
-            <a:pathLst>
-              <a:path w="120000" h="120000" extrusionOk="0">
-                <a:moveTo>
-                  <a:pt x="0" y="0"/>
-                </a:moveTo>
-                <a:lnTo>
-                  <a:pt x="120000" y="0"/>
-                </a:lnTo>
-                <a:lnTo>
-                  <a:pt x="120000" y="120000"/>
-                </a:lnTo>
-                <a:lnTo>
-                  <a:pt x="0" y="120000"/>
-                </a:lnTo>
-                <a:close/>
-              </a:path>
-            </a:pathLst>
-          </a:custGeom>
-        </p:spPr>
-      </p:sp>
-      <p:sp>
-        <p:nvSpPr>
-          <p:cNvPr id="156" name="Google Shape;156;ge1d838b627_4_100:notes">
-            <a:extLst>
-              <a:ext uri="{FF2B5EF4-FFF2-40B4-BE49-F238E27FC236}">
-                <a16:creationId xmlns:a16="http://schemas.microsoft.com/office/drawing/2014/main" id="{E3098C61-D053-483A-829F-02E23ECC6F1E}"/>
-              </a:ext>
-            </a:extLst>
-          </p:cNvPr>
-          <p:cNvSpPr txBox="1">
-            <a:spLocks noGrp="1"/>
-          </p:cNvSpPr>
-          <p:nvPr>
-            <p:ph type="body" idx="1"/>
-          </p:nvPr>
-        </p:nvSpPr>
-        <p:spPr>
-          <a:xfrm>
-            <a:off x="685800" y="4343400"/>
-            <a:ext cx="5486400" cy="4114800"/>
-          </a:xfrm>
-          <a:prstGeom prst="rect">
-            <a:avLst/>
-          </a:prstGeom>
-        </p:spPr>
-        <p:txBody>
-          <a:bodyPr spcFirstLastPara="1" wrap="square" lIns="91425" tIns="91425" rIns="91425" bIns="91425" anchor="t" anchorCtr="0">
-            <a:noAutofit/>
-          </a:bodyPr>
-          <a:lstStyle/>
-          <a:p>
-            <a:pPr marL="0" lvl="0" indent="0" algn="l" rtl="0">
-              <a:spcBef>
-                <a:spcPts val="0"/>
-              </a:spcBef>
-              <a:spcAft>
-                <a:spcPts val="0"/>
-              </a:spcAft>
-              <a:buNone/>
-            </a:pPr>
-            <a:endParaRPr/>
-          </a:p>
-        </p:txBody>
-      </p:sp>
-    </p:spTree>
-    <p:extLst>
-      <p:ext uri="{BB962C8B-B14F-4D97-AF65-F5344CB8AC3E}">
-        <p14:creationId xmlns:p14="http://schemas.microsoft.com/office/powerpoint/2010/main" val="2817488792"/>
-      </p:ext>
-    </p:extLst>
-  </p:cSld>
-  <p:clrMapOvr>
-    <a:masterClrMapping/>
-  </p:clrMapOvr>
-</p:notes>
-</file>
-
-<file path=ppt/notesSlides/notesSlide39.xml><?xml version="1.0" encoding="utf-8"?>
-<p:notes xmlns:a="http://schemas.openxmlformats.org/drawingml/2006/main" xmlns:r="http://schemas.openxmlformats.org/officeDocument/2006/relationships" xmlns:p="http://schemas.openxmlformats.org/presentationml/2006/main" showMasterSp="0" showMasterPhAnim="0">
-  <p:cSld>
-    <p:spTree>
-      <p:nvGrpSpPr>
-        <p:cNvPr id="1" name="Shape 154">
-          <a:extLst>
-            <a:ext uri="{FF2B5EF4-FFF2-40B4-BE49-F238E27FC236}">
-              <a16:creationId xmlns:a16="http://schemas.microsoft.com/office/drawing/2014/main" id="{434B5DA8-C6D2-AB64-EC51-D3CB424EBE78}"/>
-            </a:ext>
-          </a:extLst>
-        </p:cNvPr>
-        <p:cNvGrpSpPr/>
-        <p:nvPr/>
-      </p:nvGrpSpPr>
-      <p:grpSpPr>
-        <a:xfrm>
-          <a:off x="0" y="0"/>
-          <a:ext cx="0" cy="0"/>
-          <a:chOff x="0" y="0"/>
-          <a:chExt cx="0" cy="0"/>
-        </a:xfrm>
-      </p:grpSpPr>
-      <p:sp>
-        <p:nvSpPr>
-          <p:cNvPr id="155" name="Google Shape;155;ge1d838b627_4_100:notes">
-            <a:extLst>
-              <a:ext uri="{FF2B5EF4-FFF2-40B4-BE49-F238E27FC236}">
-                <a16:creationId xmlns:a16="http://schemas.microsoft.com/office/drawing/2014/main" id="{4CB6EE13-F2E2-CEA9-63A6-F18E677A4BEE}"/>
-              </a:ext>
-            </a:extLst>
-          </p:cNvPr>
-          <p:cNvSpPr>
-            <a:spLocks noGrp="1" noRot="1" noChangeAspect="1"/>
-          </p:cNvSpPr>
-          <p:nvPr>
-            <p:ph type="sldImg" idx="2"/>
-          </p:nvPr>
-        </p:nvSpPr>
-        <p:spPr>
-          <a:xfrm>
-            <a:off x="381000" y="685800"/>
-            <a:ext cx="6096000" cy="3429000"/>
-          </a:xfrm>
-          <a:custGeom>
-            <a:avLst/>
-            <a:gdLst/>
-            <a:ahLst/>
-            <a:cxnLst/>
-            <a:rect l="l" t="t" r="r" b="b"/>
-            <a:pathLst>
-              <a:path w="120000" h="120000" extrusionOk="0">
-                <a:moveTo>
-                  <a:pt x="0" y="0"/>
-                </a:moveTo>
-                <a:lnTo>
-                  <a:pt x="120000" y="0"/>
-                </a:lnTo>
-                <a:lnTo>
-                  <a:pt x="120000" y="120000"/>
-                </a:lnTo>
-                <a:lnTo>
-                  <a:pt x="0" y="120000"/>
-                </a:lnTo>
-                <a:close/>
-              </a:path>
-            </a:pathLst>
-          </a:custGeom>
-        </p:spPr>
-      </p:sp>
-      <p:sp>
-        <p:nvSpPr>
-          <p:cNvPr id="156" name="Google Shape;156;ge1d838b627_4_100:notes">
-            <a:extLst>
-              <a:ext uri="{FF2B5EF4-FFF2-40B4-BE49-F238E27FC236}">
-                <a16:creationId xmlns:a16="http://schemas.microsoft.com/office/drawing/2014/main" id="{7D524A4E-75E4-0478-F9B7-708A54D61AB7}"/>
-              </a:ext>
-            </a:extLst>
-          </p:cNvPr>
-          <p:cNvSpPr txBox="1">
-            <a:spLocks noGrp="1"/>
-          </p:cNvSpPr>
-          <p:nvPr>
-            <p:ph type="body" idx="1"/>
-          </p:nvPr>
-        </p:nvSpPr>
-        <p:spPr>
-          <a:xfrm>
-            <a:off x="685800" y="4343400"/>
-            <a:ext cx="5486400" cy="4114800"/>
-          </a:xfrm>
-          <a:prstGeom prst="rect">
-            <a:avLst/>
-          </a:prstGeom>
-        </p:spPr>
-        <p:txBody>
-          <a:bodyPr spcFirstLastPara="1" wrap="square" lIns="91425" tIns="91425" rIns="91425" bIns="91425" anchor="t" anchorCtr="0">
-            <a:noAutofit/>
-          </a:bodyPr>
-          <a:lstStyle/>
-          <a:p>
-            <a:pPr marL="0" lvl="0" indent="0" algn="l" rtl="0">
-              <a:spcBef>
-                <a:spcPts val="0"/>
-              </a:spcBef>
-              <a:spcAft>
-                <a:spcPts val="0"/>
-              </a:spcAft>
-              <a:buNone/>
-            </a:pPr>
-            <a:endParaRPr/>
-          </a:p>
-        </p:txBody>
-      </p:sp>
-    </p:spTree>
-    <p:extLst>
-      <p:ext uri="{BB962C8B-B14F-4D97-AF65-F5344CB8AC3E}">
-        <p14:creationId xmlns:p14="http://schemas.microsoft.com/office/powerpoint/2010/main" val="2911788681"/>
       </p:ext>
     </p:extLst>
   </p:cSld>
@@ -6864,6 +6875,260 @@
         <p:cNvPr id="1" name="Shape 154">
           <a:extLst>
             <a:ext uri="{FF2B5EF4-FFF2-40B4-BE49-F238E27FC236}">
+              <a16:creationId xmlns:a16="http://schemas.microsoft.com/office/drawing/2014/main" id="{104BCE6E-1A5E-BE9A-6D95-33879BC546E6}"/>
+            </a:ext>
+          </a:extLst>
+        </p:cNvPr>
+        <p:cNvGrpSpPr/>
+        <p:nvPr/>
+      </p:nvGrpSpPr>
+      <p:grpSpPr>
+        <a:xfrm>
+          <a:off x="0" y="0"/>
+          <a:ext cx="0" cy="0"/>
+          <a:chOff x="0" y="0"/>
+          <a:chExt cx="0" cy="0"/>
+        </a:xfrm>
+      </p:grpSpPr>
+      <p:sp>
+        <p:nvSpPr>
+          <p:cNvPr id="155" name="Google Shape;155;ge1d838b627_4_100:notes">
+            <a:extLst>
+              <a:ext uri="{FF2B5EF4-FFF2-40B4-BE49-F238E27FC236}">
+                <a16:creationId xmlns:a16="http://schemas.microsoft.com/office/drawing/2014/main" id="{608A6E80-36D8-A3E0-258E-3FD340ED2511}"/>
+              </a:ext>
+            </a:extLst>
+          </p:cNvPr>
+          <p:cNvSpPr>
+            <a:spLocks noGrp="1" noRot="1" noChangeAspect="1"/>
+          </p:cNvSpPr>
+          <p:nvPr>
+            <p:ph type="sldImg" idx="2"/>
+          </p:nvPr>
+        </p:nvSpPr>
+        <p:spPr>
+          <a:xfrm>
+            <a:off x="381000" y="685800"/>
+            <a:ext cx="6096000" cy="3429000"/>
+          </a:xfrm>
+          <a:custGeom>
+            <a:avLst/>
+            <a:gdLst/>
+            <a:ahLst/>
+            <a:cxnLst/>
+            <a:rect l="l" t="t" r="r" b="b"/>
+            <a:pathLst>
+              <a:path w="120000" h="120000" extrusionOk="0">
+                <a:moveTo>
+                  <a:pt x="0" y="0"/>
+                </a:moveTo>
+                <a:lnTo>
+                  <a:pt x="120000" y="0"/>
+                </a:lnTo>
+                <a:lnTo>
+                  <a:pt x="120000" y="120000"/>
+                </a:lnTo>
+                <a:lnTo>
+                  <a:pt x="0" y="120000"/>
+                </a:lnTo>
+                <a:close/>
+              </a:path>
+            </a:pathLst>
+          </a:custGeom>
+        </p:spPr>
+      </p:sp>
+      <p:sp>
+        <p:nvSpPr>
+          <p:cNvPr id="156" name="Google Shape;156;ge1d838b627_4_100:notes">
+            <a:extLst>
+              <a:ext uri="{FF2B5EF4-FFF2-40B4-BE49-F238E27FC236}">
+                <a16:creationId xmlns:a16="http://schemas.microsoft.com/office/drawing/2014/main" id="{E3098C61-D053-483A-829F-02E23ECC6F1E}"/>
+              </a:ext>
+            </a:extLst>
+          </p:cNvPr>
+          <p:cNvSpPr txBox="1">
+            <a:spLocks noGrp="1"/>
+          </p:cNvSpPr>
+          <p:nvPr>
+            <p:ph type="body" idx="1"/>
+          </p:nvPr>
+        </p:nvSpPr>
+        <p:spPr>
+          <a:xfrm>
+            <a:off x="685800" y="4343400"/>
+            <a:ext cx="5486400" cy="4114800"/>
+          </a:xfrm>
+          <a:prstGeom prst="rect">
+            <a:avLst/>
+          </a:prstGeom>
+        </p:spPr>
+        <p:txBody>
+          <a:bodyPr spcFirstLastPara="1" wrap="square" lIns="91425" tIns="91425" rIns="91425" bIns="91425" anchor="t" anchorCtr="0">
+            <a:noAutofit/>
+          </a:bodyPr>
+          <a:lstStyle/>
+          <a:p>
+            <a:pPr marL="0" lvl="0" indent="0" algn="l" rtl="0">
+              <a:spcBef>
+                <a:spcPts val="0"/>
+              </a:spcBef>
+              <a:spcAft>
+                <a:spcPts val="0"/>
+              </a:spcAft>
+              <a:buNone/>
+            </a:pPr>
+            <a:endParaRPr/>
+          </a:p>
+        </p:txBody>
+      </p:sp>
+    </p:spTree>
+    <p:extLst>
+      <p:ext uri="{BB962C8B-B14F-4D97-AF65-F5344CB8AC3E}">
+        <p14:creationId xmlns:p14="http://schemas.microsoft.com/office/powerpoint/2010/main" val="2817488792"/>
+      </p:ext>
+    </p:extLst>
+  </p:cSld>
+  <p:clrMapOvr>
+    <a:masterClrMapping/>
+  </p:clrMapOvr>
+</p:notes>
+</file>
+
+<file path=ppt/notesSlides/notesSlide41.xml><?xml version="1.0" encoding="utf-8"?>
+<p:notes xmlns:a="http://schemas.openxmlformats.org/drawingml/2006/main" xmlns:r="http://schemas.openxmlformats.org/officeDocument/2006/relationships" xmlns:p="http://schemas.openxmlformats.org/presentationml/2006/main" showMasterSp="0" showMasterPhAnim="0">
+  <p:cSld>
+    <p:spTree>
+      <p:nvGrpSpPr>
+        <p:cNvPr id="1" name="Shape 154">
+          <a:extLst>
+            <a:ext uri="{FF2B5EF4-FFF2-40B4-BE49-F238E27FC236}">
+              <a16:creationId xmlns:a16="http://schemas.microsoft.com/office/drawing/2014/main" id="{434B5DA8-C6D2-AB64-EC51-D3CB424EBE78}"/>
+            </a:ext>
+          </a:extLst>
+        </p:cNvPr>
+        <p:cNvGrpSpPr/>
+        <p:nvPr/>
+      </p:nvGrpSpPr>
+      <p:grpSpPr>
+        <a:xfrm>
+          <a:off x="0" y="0"/>
+          <a:ext cx="0" cy="0"/>
+          <a:chOff x="0" y="0"/>
+          <a:chExt cx="0" cy="0"/>
+        </a:xfrm>
+      </p:grpSpPr>
+      <p:sp>
+        <p:nvSpPr>
+          <p:cNvPr id="155" name="Google Shape;155;ge1d838b627_4_100:notes">
+            <a:extLst>
+              <a:ext uri="{FF2B5EF4-FFF2-40B4-BE49-F238E27FC236}">
+                <a16:creationId xmlns:a16="http://schemas.microsoft.com/office/drawing/2014/main" id="{4CB6EE13-F2E2-CEA9-63A6-F18E677A4BEE}"/>
+              </a:ext>
+            </a:extLst>
+          </p:cNvPr>
+          <p:cNvSpPr>
+            <a:spLocks noGrp="1" noRot="1" noChangeAspect="1"/>
+          </p:cNvSpPr>
+          <p:nvPr>
+            <p:ph type="sldImg" idx="2"/>
+          </p:nvPr>
+        </p:nvSpPr>
+        <p:spPr>
+          <a:xfrm>
+            <a:off x="381000" y="685800"/>
+            <a:ext cx="6096000" cy="3429000"/>
+          </a:xfrm>
+          <a:custGeom>
+            <a:avLst/>
+            <a:gdLst/>
+            <a:ahLst/>
+            <a:cxnLst/>
+            <a:rect l="l" t="t" r="r" b="b"/>
+            <a:pathLst>
+              <a:path w="120000" h="120000" extrusionOk="0">
+                <a:moveTo>
+                  <a:pt x="0" y="0"/>
+                </a:moveTo>
+                <a:lnTo>
+                  <a:pt x="120000" y="0"/>
+                </a:lnTo>
+                <a:lnTo>
+                  <a:pt x="120000" y="120000"/>
+                </a:lnTo>
+                <a:lnTo>
+                  <a:pt x="0" y="120000"/>
+                </a:lnTo>
+                <a:close/>
+              </a:path>
+            </a:pathLst>
+          </a:custGeom>
+        </p:spPr>
+      </p:sp>
+      <p:sp>
+        <p:nvSpPr>
+          <p:cNvPr id="156" name="Google Shape;156;ge1d838b627_4_100:notes">
+            <a:extLst>
+              <a:ext uri="{FF2B5EF4-FFF2-40B4-BE49-F238E27FC236}">
+                <a16:creationId xmlns:a16="http://schemas.microsoft.com/office/drawing/2014/main" id="{7D524A4E-75E4-0478-F9B7-708A54D61AB7}"/>
+              </a:ext>
+            </a:extLst>
+          </p:cNvPr>
+          <p:cNvSpPr txBox="1">
+            <a:spLocks noGrp="1"/>
+          </p:cNvSpPr>
+          <p:nvPr>
+            <p:ph type="body" idx="1"/>
+          </p:nvPr>
+        </p:nvSpPr>
+        <p:spPr>
+          <a:xfrm>
+            <a:off x="685800" y="4343400"/>
+            <a:ext cx="5486400" cy="4114800"/>
+          </a:xfrm>
+          <a:prstGeom prst="rect">
+            <a:avLst/>
+          </a:prstGeom>
+        </p:spPr>
+        <p:txBody>
+          <a:bodyPr spcFirstLastPara="1" wrap="square" lIns="91425" tIns="91425" rIns="91425" bIns="91425" anchor="t" anchorCtr="0">
+            <a:noAutofit/>
+          </a:bodyPr>
+          <a:lstStyle/>
+          <a:p>
+            <a:pPr marL="0" lvl="0" indent="0" algn="l" rtl="0">
+              <a:spcBef>
+                <a:spcPts val="0"/>
+              </a:spcBef>
+              <a:spcAft>
+                <a:spcPts val="0"/>
+              </a:spcAft>
+              <a:buNone/>
+            </a:pPr>
+            <a:endParaRPr/>
+          </a:p>
+        </p:txBody>
+      </p:sp>
+    </p:spTree>
+    <p:extLst>
+      <p:ext uri="{BB962C8B-B14F-4D97-AF65-F5344CB8AC3E}">
+        <p14:creationId xmlns:p14="http://schemas.microsoft.com/office/powerpoint/2010/main" val="2911788681"/>
+      </p:ext>
+    </p:extLst>
+  </p:cSld>
+  <p:clrMapOvr>
+    <a:masterClrMapping/>
+  </p:clrMapOvr>
+</p:notes>
+</file>
+
+<file path=ppt/notesSlides/notesSlide42.xml><?xml version="1.0" encoding="utf-8"?>
+<p:notes xmlns:a="http://schemas.openxmlformats.org/drawingml/2006/main" xmlns:r="http://schemas.openxmlformats.org/officeDocument/2006/relationships" xmlns:p="http://schemas.openxmlformats.org/presentationml/2006/main" showMasterSp="0" showMasterPhAnim="0">
+  <p:cSld>
+    <p:spTree>
+      <p:nvGrpSpPr>
+        <p:cNvPr id="1" name="Shape 154">
+          <a:extLst>
+            <a:ext uri="{FF2B5EF4-FFF2-40B4-BE49-F238E27FC236}">
               <a16:creationId xmlns:a16="http://schemas.microsoft.com/office/drawing/2014/main" id="{4831E017-D5CA-AB03-815D-DD9B97C5CC22}"/>
             </a:ext>
           </a:extLst>
@@ -6983,7 +7248,7 @@
 </p:notes>
 </file>
 
-<file path=ppt/notesSlides/notesSlide41.xml><?xml version="1.0" encoding="utf-8"?>
+<file path=ppt/notesSlides/notesSlide43.xml><?xml version="1.0" encoding="utf-8"?>
 <p:notes xmlns:a="http://schemas.openxmlformats.org/drawingml/2006/main" xmlns:r="http://schemas.openxmlformats.org/officeDocument/2006/relationships" xmlns:p="http://schemas.openxmlformats.org/presentationml/2006/main" showMasterSp="0" showMasterPhAnim="0">
   <p:cSld>
     <p:spTree>
@@ -7110,7 +7375,7 @@
 </p:notes>
 </file>
 
-<file path=ppt/notesSlides/notesSlide42.xml><?xml version="1.0" encoding="utf-8"?>
+<file path=ppt/notesSlides/notesSlide44.xml><?xml version="1.0" encoding="utf-8"?>
 <p:notes xmlns:a="http://schemas.openxmlformats.org/drawingml/2006/main" xmlns:r="http://schemas.openxmlformats.org/officeDocument/2006/relationships" xmlns:p="http://schemas.openxmlformats.org/presentationml/2006/main" showMasterSp="0" showMasterPhAnim="0">
   <p:cSld>
     <p:spTree>
@@ -7237,7 +7502,7 @@
 </p:notes>
 </file>
 
-<file path=ppt/notesSlides/notesSlide43.xml><?xml version="1.0" encoding="utf-8"?>
+<file path=ppt/notesSlides/notesSlide45.xml><?xml version="1.0" encoding="utf-8"?>
 <p:notes xmlns:a="http://schemas.openxmlformats.org/drawingml/2006/main" xmlns:r="http://schemas.openxmlformats.org/officeDocument/2006/relationships" xmlns:p="http://schemas.openxmlformats.org/presentationml/2006/main" showMasterSp="0" showMasterPhAnim="0">
   <p:cSld>
     <p:spTree>
@@ -7364,7 +7629,7 @@
 </p:notes>
 </file>
 
-<file path=ppt/notesSlides/notesSlide44.xml><?xml version="1.0" encoding="utf-8"?>
+<file path=ppt/notesSlides/notesSlide46.xml><?xml version="1.0" encoding="utf-8"?>
 <p:notes xmlns:a="http://schemas.openxmlformats.org/drawingml/2006/main" xmlns:r="http://schemas.openxmlformats.org/officeDocument/2006/relationships" xmlns:p="http://schemas.openxmlformats.org/presentationml/2006/main" showMasterSp="0" showMasterPhAnim="0">
   <p:cSld>
     <p:spTree>
@@ -7491,7 +7756,7 @@
 </p:notes>
 </file>
 
-<file path=ppt/notesSlides/notesSlide45.xml><?xml version="1.0" encoding="utf-8"?>
+<file path=ppt/notesSlides/notesSlide47.xml><?xml version="1.0" encoding="utf-8"?>
 <p:notes xmlns:a="http://schemas.openxmlformats.org/drawingml/2006/main" xmlns:r="http://schemas.openxmlformats.org/officeDocument/2006/relationships" xmlns:p="http://schemas.openxmlformats.org/presentationml/2006/main" showMasterSp="0" showMasterPhAnim="0">
   <p:cSld>
     <p:spTree>
@@ -7618,7 +7883,7 @@
 </p:notes>
 </file>
 
-<file path=ppt/notesSlides/notesSlide46.xml><?xml version="1.0" encoding="utf-8"?>
+<file path=ppt/notesSlides/notesSlide48.xml><?xml version="1.0" encoding="utf-8"?>
 <p:notes xmlns:a="http://schemas.openxmlformats.org/drawingml/2006/main" xmlns:r="http://schemas.openxmlformats.org/officeDocument/2006/relationships" xmlns:p="http://schemas.openxmlformats.org/presentationml/2006/main" showMasterSp="0" showMasterPhAnim="0">
   <p:cSld>
     <p:spTree>
@@ -7745,7 +8010,7 @@
 </p:notes>
 </file>
 
-<file path=ppt/notesSlides/notesSlide47.xml><?xml version="1.0" encoding="utf-8"?>
+<file path=ppt/notesSlides/notesSlide49.xml><?xml version="1.0" encoding="utf-8"?>
 <p:notes xmlns:a="http://schemas.openxmlformats.org/drawingml/2006/main" xmlns:r="http://schemas.openxmlformats.org/officeDocument/2006/relationships" xmlns:p="http://schemas.openxmlformats.org/presentationml/2006/main" showMasterSp="0" showMasterPhAnim="0">
   <p:cSld>
     <p:spTree>
@@ -7863,260 +8128,6 @@
     <p:extLst>
       <p:ext uri="{BB962C8B-B14F-4D97-AF65-F5344CB8AC3E}">
         <p14:creationId xmlns:p14="http://schemas.microsoft.com/office/powerpoint/2010/main" val="2815066614"/>
-      </p:ext>
-    </p:extLst>
-  </p:cSld>
-  <p:clrMapOvr>
-    <a:masterClrMapping/>
-  </p:clrMapOvr>
-</p:notes>
-</file>
-
-<file path=ppt/notesSlides/notesSlide48.xml><?xml version="1.0" encoding="utf-8"?>
-<p:notes xmlns:a="http://schemas.openxmlformats.org/drawingml/2006/main" xmlns:r="http://schemas.openxmlformats.org/officeDocument/2006/relationships" xmlns:p="http://schemas.openxmlformats.org/presentationml/2006/main" showMasterSp="0" showMasterPhAnim="0">
-  <p:cSld>
-    <p:spTree>
-      <p:nvGrpSpPr>
-        <p:cNvPr id="1" name="Shape 154">
-          <a:extLst>
-            <a:ext uri="{FF2B5EF4-FFF2-40B4-BE49-F238E27FC236}">
-              <a16:creationId xmlns:a16="http://schemas.microsoft.com/office/drawing/2014/main" id="{EF0E199C-3690-78FD-246E-B6B36DBD35F0}"/>
-            </a:ext>
-          </a:extLst>
-        </p:cNvPr>
-        <p:cNvGrpSpPr/>
-        <p:nvPr/>
-      </p:nvGrpSpPr>
-      <p:grpSpPr>
-        <a:xfrm>
-          <a:off x="0" y="0"/>
-          <a:ext cx="0" cy="0"/>
-          <a:chOff x="0" y="0"/>
-          <a:chExt cx="0" cy="0"/>
-        </a:xfrm>
-      </p:grpSpPr>
-      <p:sp>
-        <p:nvSpPr>
-          <p:cNvPr id="155" name="Google Shape;155;ge1d838b627_4_100:notes">
-            <a:extLst>
-              <a:ext uri="{FF2B5EF4-FFF2-40B4-BE49-F238E27FC236}">
-                <a16:creationId xmlns:a16="http://schemas.microsoft.com/office/drawing/2014/main" id="{3365E1B1-C805-AED4-A3DA-6A216C2EDAFD}"/>
-              </a:ext>
-            </a:extLst>
-          </p:cNvPr>
-          <p:cNvSpPr>
-            <a:spLocks noGrp="1" noRot="1" noChangeAspect="1"/>
-          </p:cNvSpPr>
-          <p:nvPr>
-            <p:ph type="sldImg" idx="2"/>
-          </p:nvPr>
-        </p:nvSpPr>
-        <p:spPr>
-          <a:xfrm>
-            <a:off x="381000" y="685800"/>
-            <a:ext cx="6096000" cy="3429000"/>
-          </a:xfrm>
-          <a:custGeom>
-            <a:avLst/>
-            <a:gdLst/>
-            <a:ahLst/>
-            <a:cxnLst/>
-            <a:rect l="l" t="t" r="r" b="b"/>
-            <a:pathLst>
-              <a:path w="120000" h="120000" extrusionOk="0">
-                <a:moveTo>
-                  <a:pt x="0" y="0"/>
-                </a:moveTo>
-                <a:lnTo>
-                  <a:pt x="120000" y="0"/>
-                </a:lnTo>
-                <a:lnTo>
-                  <a:pt x="120000" y="120000"/>
-                </a:lnTo>
-                <a:lnTo>
-                  <a:pt x="0" y="120000"/>
-                </a:lnTo>
-                <a:close/>
-              </a:path>
-            </a:pathLst>
-          </a:custGeom>
-        </p:spPr>
-      </p:sp>
-      <p:sp>
-        <p:nvSpPr>
-          <p:cNvPr id="156" name="Google Shape;156;ge1d838b627_4_100:notes">
-            <a:extLst>
-              <a:ext uri="{FF2B5EF4-FFF2-40B4-BE49-F238E27FC236}">
-                <a16:creationId xmlns:a16="http://schemas.microsoft.com/office/drawing/2014/main" id="{1EE99178-44FB-3CFE-F6FA-2D744CD768AC}"/>
-              </a:ext>
-            </a:extLst>
-          </p:cNvPr>
-          <p:cNvSpPr txBox="1">
-            <a:spLocks noGrp="1"/>
-          </p:cNvSpPr>
-          <p:nvPr>
-            <p:ph type="body" idx="1"/>
-          </p:nvPr>
-        </p:nvSpPr>
-        <p:spPr>
-          <a:xfrm>
-            <a:off x="685800" y="4343400"/>
-            <a:ext cx="5486400" cy="4114800"/>
-          </a:xfrm>
-          <a:prstGeom prst="rect">
-            <a:avLst/>
-          </a:prstGeom>
-        </p:spPr>
-        <p:txBody>
-          <a:bodyPr spcFirstLastPara="1" wrap="square" lIns="91425" tIns="91425" rIns="91425" bIns="91425" anchor="t" anchorCtr="0">
-            <a:noAutofit/>
-          </a:bodyPr>
-          <a:lstStyle/>
-          <a:p>
-            <a:pPr marL="0" lvl="0" indent="0" algn="l" rtl="0">
-              <a:spcBef>
-                <a:spcPts val="0"/>
-              </a:spcBef>
-              <a:spcAft>
-                <a:spcPts val="0"/>
-              </a:spcAft>
-              <a:buNone/>
-            </a:pPr>
-            <a:endParaRPr dirty="0"/>
-          </a:p>
-        </p:txBody>
-      </p:sp>
-    </p:spTree>
-    <p:extLst>
-      <p:ext uri="{BB962C8B-B14F-4D97-AF65-F5344CB8AC3E}">
-        <p14:creationId xmlns:p14="http://schemas.microsoft.com/office/powerpoint/2010/main" val="2244621146"/>
-      </p:ext>
-    </p:extLst>
-  </p:cSld>
-  <p:clrMapOvr>
-    <a:masterClrMapping/>
-  </p:clrMapOvr>
-</p:notes>
-</file>
-
-<file path=ppt/notesSlides/notesSlide49.xml><?xml version="1.0" encoding="utf-8"?>
-<p:notes xmlns:a="http://schemas.openxmlformats.org/drawingml/2006/main" xmlns:r="http://schemas.openxmlformats.org/officeDocument/2006/relationships" xmlns:p="http://schemas.openxmlformats.org/presentationml/2006/main" showMasterSp="0" showMasterPhAnim="0">
-  <p:cSld>
-    <p:spTree>
-      <p:nvGrpSpPr>
-        <p:cNvPr id="1" name="Shape 154">
-          <a:extLst>
-            <a:ext uri="{FF2B5EF4-FFF2-40B4-BE49-F238E27FC236}">
-              <a16:creationId xmlns:a16="http://schemas.microsoft.com/office/drawing/2014/main" id="{41D1FEB5-5FAD-910C-5E36-A08F0136E266}"/>
-            </a:ext>
-          </a:extLst>
-        </p:cNvPr>
-        <p:cNvGrpSpPr/>
-        <p:nvPr/>
-      </p:nvGrpSpPr>
-      <p:grpSpPr>
-        <a:xfrm>
-          <a:off x="0" y="0"/>
-          <a:ext cx="0" cy="0"/>
-          <a:chOff x="0" y="0"/>
-          <a:chExt cx="0" cy="0"/>
-        </a:xfrm>
-      </p:grpSpPr>
-      <p:sp>
-        <p:nvSpPr>
-          <p:cNvPr id="155" name="Google Shape;155;ge1d838b627_4_100:notes">
-            <a:extLst>
-              <a:ext uri="{FF2B5EF4-FFF2-40B4-BE49-F238E27FC236}">
-                <a16:creationId xmlns:a16="http://schemas.microsoft.com/office/drawing/2014/main" id="{6720FB72-529A-B0D8-58B1-19FECF6D54B7}"/>
-              </a:ext>
-            </a:extLst>
-          </p:cNvPr>
-          <p:cNvSpPr>
-            <a:spLocks noGrp="1" noRot="1" noChangeAspect="1"/>
-          </p:cNvSpPr>
-          <p:nvPr>
-            <p:ph type="sldImg" idx="2"/>
-          </p:nvPr>
-        </p:nvSpPr>
-        <p:spPr>
-          <a:xfrm>
-            <a:off x="381000" y="685800"/>
-            <a:ext cx="6096000" cy="3429000"/>
-          </a:xfrm>
-          <a:custGeom>
-            <a:avLst/>
-            <a:gdLst/>
-            <a:ahLst/>
-            <a:cxnLst/>
-            <a:rect l="l" t="t" r="r" b="b"/>
-            <a:pathLst>
-              <a:path w="120000" h="120000" extrusionOk="0">
-                <a:moveTo>
-                  <a:pt x="0" y="0"/>
-                </a:moveTo>
-                <a:lnTo>
-                  <a:pt x="120000" y="0"/>
-                </a:lnTo>
-                <a:lnTo>
-                  <a:pt x="120000" y="120000"/>
-                </a:lnTo>
-                <a:lnTo>
-                  <a:pt x="0" y="120000"/>
-                </a:lnTo>
-                <a:close/>
-              </a:path>
-            </a:pathLst>
-          </a:custGeom>
-        </p:spPr>
-      </p:sp>
-      <p:sp>
-        <p:nvSpPr>
-          <p:cNvPr id="156" name="Google Shape;156;ge1d838b627_4_100:notes">
-            <a:extLst>
-              <a:ext uri="{FF2B5EF4-FFF2-40B4-BE49-F238E27FC236}">
-                <a16:creationId xmlns:a16="http://schemas.microsoft.com/office/drawing/2014/main" id="{794CC25E-7C0B-572E-5511-F4DBF1F0177D}"/>
-              </a:ext>
-            </a:extLst>
-          </p:cNvPr>
-          <p:cNvSpPr txBox="1">
-            <a:spLocks noGrp="1"/>
-          </p:cNvSpPr>
-          <p:nvPr>
-            <p:ph type="body" idx="1"/>
-          </p:nvPr>
-        </p:nvSpPr>
-        <p:spPr>
-          <a:xfrm>
-            <a:off x="685800" y="4343400"/>
-            <a:ext cx="5486400" cy="4114800"/>
-          </a:xfrm>
-          <a:prstGeom prst="rect">
-            <a:avLst/>
-          </a:prstGeom>
-        </p:spPr>
-        <p:txBody>
-          <a:bodyPr spcFirstLastPara="1" wrap="square" lIns="91425" tIns="91425" rIns="91425" bIns="91425" anchor="t" anchorCtr="0">
-            <a:noAutofit/>
-          </a:bodyPr>
-          <a:lstStyle/>
-          <a:p>
-            <a:pPr marL="0" lvl="0" indent="0" algn="l" rtl="0">
-              <a:spcBef>
-                <a:spcPts val="0"/>
-              </a:spcBef>
-              <a:spcAft>
-                <a:spcPts val="0"/>
-              </a:spcAft>
-              <a:buNone/>
-            </a:pPr>
-            <a:endParaRPr dirty="0"/>
-          </a:p>
-        </p:txBody>
-      </p:sp>
-    </p:spTree>
-    <p:extLst>
-      <p:ext uri="{BB962C8B-B14F-4D97-AF65-F5344CB8AC3E}">
-        <p14:creationId xmlns:p14="http://schemas.microsoft.com/office/powerpoint/2010/main" val="2671679580"/>
       </p:ext>
     </p:extLst>
   </p:cSld>
@@ -8258,6 +8269,387 @@
   <p:cSld>
     <p:spTree>
       <p:nvGrpSpPr>
+        <p:cNvPr id="1" name="Shape 154">
+          <a:extLst>
+            <a:ext uri="{FF2B5EF4-FFF2-40B4-BE49-F238E27FC236}">
+              <a16:creationId xmlns:a16="http://schemas.microsoft.com/office/drawing/2014/main" id="{EF0E199C-3690-78FD-246E-B6B36DBD35F0}"/>
+            </a:ext>
+          </a:extLst>
+        </p:cNvPr>
+        <p:cNvGrpSpPr/>
+        <p:nvPr/>
+      </p:nvGrpSpPr>
+      <p:grpSpPr>
+        <a:xfrm>
+          <a:off x="0" y="0"/>
+          <a:ext cx="0" cy="0"/>
+          <a:chOff x="0" y="0"/>
+          <a:chExt cx="0" cy="0"/>
+        </a:xfrm>
+      </p:grpSpPr>
+      <p:sp>
+        <p:nvSpPr>
+          <p:cNvPr id="155" name="Google Shape;155;ge1d838b627_4_100:notes">
+            <a:extLst>
+              <a:ext uri="{FF2B5EF4-FFF2-40B4-BE49-F238E27FC236}">
+                <a16:creationId xmlns:a16="http://schemas.microsoft.com/office/drawing/2014/main" id="{3365E1B1-C805-AED4-A3DA-6A216C2EDAFD}"/>
+              </a:ext>
+            </a:extLst>
+          </p:cNvPr>
+          <p:cNvSpPr>
+            <a:spLocks noGrp="1" noRot="1" noChangeAspect="1"/>
+          </p:cNvSpPr>
+          <p:nvPr>
+            <p:ph type="sldImg" idx="2"/>
+          </p:nvPr>
+        </p:nvSpPr>
+        <p:spPr>
+          <a:xfrm>
+            <a:off x="381000" y="685800"/>
+            <a:ext cx="6096000" cy="3429000"/>
+          </a:xfrm>
+          <a:custGeom>
+            <a:avLst/>
+            <a:gdLst/>
+            <a:ahLst/>
+            <a:cxnLst/>
+            <a:rect l="l" t="t" r="r" b="b"/>
+            <a:pathLst>
+              <a:path w="120000" h="120000" extrusionOk="0">
+                <a:moveTo>
+                  <a:pt x="0" y="0"/>
+                </a:moveTo>
+                <a:lnTo>
+                  <a:pt x="120000" y="0"/>
+                </a:lnTo>
+                <a:lnTo>
+                  <a:pt x="120000" y="120000"/>
+                </a:lnTo>
+                <a:lnTo>
+                  <a:pt x="0" y="120000"/>
+                </a:lnTo>
+                <a:close/>
+              </a:path>
+            </a:pathLst>
+          </a:custGeom>
+        </p:spPr>
+      </p:sp>
+      <p:sp>
+        <p:nvSpPr>
+          <p:cNvPr id="156" name="Google Shape;156;ge1d838b627_4_100:notes">
+            <a:extLst>
+              <a:ext uri="{FF2B5EF4-FFF2-40B4-BE49-F238E27FC236}">
+                <a16:creationId xmlns:a16="http://schemas.microsoft.com/office/drawing/2014/main" id="{1EE99178-44FB-3CFE-F6FA-2D744CD768AC}"/>
+              </a:ext>
+            </a:extLst>
+          </p:cNvPr>
+          <p:cNvSpPr txBox="1">
+            <a:spLocks noGrp="1"/>
+          </p:cNvSpPr>
+          <p:nvPr>
+            <p:ph type="body" idx="1"/>
+          </p:nvPr>
+        </p:nvSpPr>
+        <p:spPr>
+          <a:xfrm>
+            <a:off x="685800" y="4343400"/>
+            <a:ext cx="5486400" cy="4114800"/>
+          </a:xfrm>
+          <a:prstGeom prst="rect">
+            <a:avLst/>
+          </a:prstGeom>
+        </p:spPr>
+        <p:txBody>
+          <a:bodyPr spcFirstLastPara="1" wrap="square" lIns="91425" tIns="91425" rIns="91425" bIns="91425" anchor="t" anchorCtr="0">
+            <a:noAutofit/>
+          </a:bodyPr>
+          <a:lstStyle/>
+          <a:p>
+            <a:pPr marL="0" lvl="0" indent="0" algn="l" rtl="0">
+              <a:spcBef>
+                <a:spcPts val="0"/>
+              </a:spcBef>
+              <a:spcAft>
+                <a:spcPts val="0"/>
+              </a:spcAft>
+              <a:buNone/>
+            </a:pPr>
+            <a:endParaRPr dirty="0"/>
+          </a:p>
+        </p:txBody>
+      </p:sp>
+    </p:spTree>
+    <p:extLst>
+      <p:ext uri="{BB962C8B-B14F-4D97-AF65-F5344CB8AC3E}">
+        <p14:creationId xmlns:p14="http://schemas.microsoft.com/office/powerpoint/2010/main" val="2244621146"/>
+      </p:ext>
+    </p:extLst>
+  </p:cSld>
+  <p:clrMapOvr>
+    <a:masterClrMapping/>
+  </p:clrMapOvr>
+</p:notes>
+</file>
+
+<file path=ppt/notesSlides/notesSlide51.xml><?xml version="1.0" encoding="utf-8"?>
+<p:notes xmlns:a="http://schemas.openxmlformats.org/drawingml/2006/main" xmlns:r="http://schemas.openxmlformats.org/officeDocument/2006/relationships" xmlns:p="http://schemas.openxmlformats.org/presentationml/2006/main" showMasterSp="0" showMasterPhAnim="0">
+  <p:cSld>
+    <p:spTree>
+      <p:nvGrpSpPr>
+        <p:cNvPr id="1" name="Shape 154">
+          <a:extLst>
+            <a:ext uri="{FF2B5EF4-FFF2-40B4-BE49-F238E27FC236}">
+              <a16:creationId xmlns:a16="http://schemas.microsoft.com/office/drawing/2014/main" id="{41D1FEB5-5FAD-910C-5E36-A08F0136E266}"/>
+            </a:ext>
+          </a:extLst>
+        </p:cNvPr>
+        <p:cNvGrpSpPr/>
+        <p:nvPr/>
+      </p:nvGrpSpPr>
+      <p:grpSpPr>
+        <a:xfrm>
+          <a:off x="0" y="0"/>
+          <a:ext cx="0" cy="0"/>
+          <a:chOff x="0" y="0"/>
+          <a:chExt cx="0" cy="0"/>
+        </a:xfrm>
+      </p:grpSpPr>
+      <p:sp>
+        <p:nvSpPr>
+          <p:cNvPr id="155" name="Google Shape;155;ge1d838b627_4_100:notes">
+            <a:extLst>
+              <a:ext uri="{FF2B5EF4-FFF2-40B4-BE49-F238E27FC236}">
+                <a16:creationId xmlns:a16="http://schemas.microsoft.com/office/drawing/2014/main" id="{6720FB72-529A-B0D8-58B1-19FECF6D54B7}"/>
+              </a:ext>
+            </a:extLst>
+          </p:cNvPr>
+          <p:cNvSpPr>
+            <a:spLocks noGrp="1" noRot="1" noChangeAspect="1"/>
+          </p:cNvSpPr>
+          <p:nvPr>
+            <p:ph type="sldImg" idx="2"/>
+          </p:nvPr>
+        </p:nvSpPr>
+        <p:spPr>
+          <a:xfrm>
+            <a:off x="381000" y="685800"/>
+            <a:ext cx="6096000" cy="3429000"/>
+          </a:xfrm>
+          <a:custGeom>
+            <a:avLst/>
+            <a:gdLst/>
+            <a:ahLst/>
+            <a:cxnLst/>
+            <a:rect l="l" t="t" r="r" b="b"/>
+            <a:pathLst>
+              <a:path w="120000" h="120000" extrusionOk="0">
+                <a:moveTo>
+                  <a:pt x="0" y="0"/>
+                </a:moveTo>
+                <a:lnTo>
+                  <a:pt x="120000" y="0"/>
+                </a:lnTo>
+                <a:lnTo>
+                  <a:pt x="120000" y="120000"/>
+                </a:lnTo>
+                <a:lnTo>
+                  <a:pt x="0" y="120000"/>
+                </a:lnTo>
+                <a:close/>
+              </a:path>
+            </a:pathLst>
+          </a:custGeom>
+        </p:spPr>
+      </p:sp>
+      <p:sp>
+        <p:nvSpPr>
+          <p:cNvPr id="156" name="Google Shape;156;ge1d838b627_4_100:notes">
+            <a:extLst>
+              <a:ext uri="{FF2B5EF4-FFF2-40B4-BE49-F238E27FC236}">
+                <a16:creationId xmlns:a16="http://schemas.microsoft.com/office/drawing/2014/main" id="{794CC25E-7C0B-572E-5511-F4DBF1F0177D}"/>
+              </a:ext>
+            </a:extLst>
+          </p:cNvPr>
+          <p:cNvSpPr txBox="1">
+            <a:spLocks noGrp="1"/>
+          </p:cNvSpPr>
+          <p:nvPr>
+            <p:ph type="body" idx="1"/>
+          </p:nvPr>
+        </p:nvSpPr>
+        <p:spPr>
+          <a:xfrm>
+            <a:off x="685800" y="4343400"/>
+            <a:ext cx="5486400" cy="4114800"/>
+          </a:xfrm>
+          <a:prstGeom prst="rect">
+            <a:avLst/>
+          </a:prstGeom>
+        </p:spPr>
+        <p:txBody>
+          <a:bodyPr spcFirstLastPara="1" wrap="square" lIns="91425" tIns="91425" rIns="91425" bIns="91425" anchor="t" anchorCtr="0">
+            <a:noAutofit/>
+          </a:bodyPr>
+          <a:lstStyle/>
+          <a:p>
+            <a:pPr marL="0" lvl="0" indent="0" algn="l" rtl="0">
+              <a:spcBef>
+                <a:spcPts val="0"/>
+              </a:spcBef>
+              <a:spcAft>
+                <a:spcPts val="0"/>
+              </a:spcAft>
+              <a:buNone/>
+            </a:pPr>
+            <a:endParaRPr dirty="0"/>
+          </a:p>
+        </p:txBody>
+      </p:sp>
+    </p:spTree>
+    <p:extLst>
+      <p:ext uri="{BB962C8B-B14F-4D97-AF65-F5344CB8AC3E}">
+        <p14:creationId xmlns:p14="http://schemas.microsoft.com/office/powerpoint/2010/main" val="2671679580"/>
+      </p:ext>
+    </p:extLst>
+  </p:cSld>
+  <p:clrMapOvr>
+    <a:masterClrMapping/>
+  </p:clrMapOvr>
+</p:notes>
+</file>
+
+<file path=ppt/notesSlides/notesSlide52.xml><?xml version="1.0" encoding="utf-8"?>
+<p:notes xmlns:a="http://schemas.openxmlformats.org/drawingml/2006/main" xmlns:r="http://schemas.openxmlformats.org/officeDocument/2006/relationships" xmlns:p="http://schemas.openxmlformats.org/presentationml/2006/main" showMasterSp="0" showMasterPhAnim="0">
+  <p:cSld>
+    <p:spTree>
+      <p:nvGrpSpPr>
+        <p:cNvPr id="1" name="Shape 154">
+          <a:extLst>
+            <a:ext uri="{FF2B5EF4-FFF2-40B4-BE49-F238E27FC236}">
+              <a16:creationId xmlns:a16="http://schemas.microsoft.com/office/drawing/2014/main" id="{09F076BA-1D62-B4A0-2095-9AB4D043A592}"/>
+            </a:ext>
+          </a:extLst>
+        </p:cNvPr>
+        <p:cNvGrpSpPr/>
+        <p:nvPr/>
+      </p:nvGrpSpPr>
+      <p:grpSpPr>
+        <a:xfrm>
+          <a:off x="0" y="0"/>
+          <a:ext cx="0" cy="0"/>
+          <a:chOff x="0" y="0"/>
+          <a:chExt cx="0" cy="0"/>
+        </a:xfrm>
+      </p:grpSpPr>
+      <p:sp>
+        <p:nvSpPr>
+          <p:cNvPr id="155" name="Google Shape;155;ge1d838b627_4_100:notes">
+            <a:extLst>
+              <a:ext uri="{FF2B5EF4-FFF2-40B4-BE49-F238E27FC236}">
+                <a16:creationId xmlns:a16="http://schemas.microsoft.com/office/drawing/2014/main" id="{EB7AAFC1-CBC1-1550-9CEB-CE851F75B0EE}"/>
+              </a:ext>
+            </a:extLst>
+          </p:cNvPr>
+          <p:cNvSpPr>
+            <a:spLocks noGrp="1" noRot="1" noChangeAspect="1"/>
+          </p:cNvSpPr>
+          <p:nvPr>
+            <p:ph type="sldImg" idx="2"/>
+          </p:nvPr>
+        </p:nvSpPr>
+        <p:spPr>
+          <a:xfrm>
+            <a:off x="381000" y="685800"/>
+            <a:ext cx="6096000" cy="3429000"/>
+          </a:xfrm>
+          <a:custGeom>
+            <a:avLst/>
+            <a:gdLst/>
+            <a:ahLst/>
+            <a:cxnLst/>
+            <a:rect l="l" t="t" r="r" b="b"/>
+            <a:pathLst>
+              <a:path w="120000" h="120000" extrusionOk="0">
+                <a:moveTo>
+                  <a:pt x="0" y="0"/>
+                </a:moveTo>
+                <a:lnTo>
+                  <a:pt x="120000" y="0"/>
+                </a:lnTo>
+                <a:lnTo>
+                  <a:pt x="120000" y="120000"/>
+                </a:lnTo>
+                <a:lnTo>
+                  <a:pt x="0" y="120000"/>
+                </a:lnTo>
+                <a:close/>
+              </a:path>
+            </a:pathLst>
+          </a:custGeom>
+        </p:spPr>
+      </p:sp>
+      <p:sp>
+        <p:nvSpPr>
+          <p:cNvPr id="156" name="Google Shape;156;ge1d838b627_4_100:notes">
+            <a:extLst>
+              <a:ext uri="{FF2B5EF4-FFF2-40B4-BE49-F238E27FC236}">
+                <a16:creationId xmlns:a16="http://schemas.microsoft.com/office/drawing/2014/main" id="{19B543EC-5E73-EE9A-B994-059B0999E331}"/>
+              </a:ext>
+            </a:extLst>
+          </p:cNvPr>
+          <p:cNvSpPr txBox="1">
+            <a:spLocks noGrp="1"/>
+          </p:cNvSpPr>
+          <p:nvPr>
+            <p:ph type="body" idx="1"/>
+          </p:nvPr>
+        </p:nvSpPr>
+        <p:spPr>
+          <a:xfrm>
+            <a:off x="685800" y="4343400"/>
+            <a:ext cx="5486400" cy="4114800"/>
+          </a:xfrm>
+          <a:prstGeom prst="rect">
+            <a:avLst/>
+          </a:prstGeom>
+        </p:spPr>
+        <p:txBody>
+          <a:bodyPr spcFirstLastPara="1" wrap="square" lIns="91425" tIns="91425" rIns="91425" bIns="91425" anchor="t" anchorCtr="0">
+            <a:noAutofit/>
+          </a:bodyPr>
+          <a:lstStyle/>
+          <a:p>
+            <a:pPr marL="0" lvl="0" indent="0" algn="l" rtl="0">
+              <a:spcBef>
+                <a:spcPts val="0"/>
+              </a:spcBef>
+              <a:spcAft>
+                <a:spcPts val="0"/>
+              </a:spcAft>
+              <a:buNone/>
+            </a:pPr>
+            <a:endParaRPr dirty="0"/>
+          </a:p>
+        </p:txBody>
+      </p:sp>
+    </p:spTree>
+    <p:extLst>
+      <p:ext uri="{BB962C8B-B14F-4D97-AF65-F5344CB8AC3E}">
+        <p14:creationId xmlns:p14="http://schemas.microsoft.com/office/powerpoint/2010/main" val="2476151223"/>
+      </p:ext>
+    </p:extLst>
+  </p:cSld>
+  <p:clrMapOvr>
+    <a:masterClrMapping/>
+  </p:clrMapOvr>
+</p:notes>
+</file>
+
+<file path=ppt/notesSlides/notesSlide53.xml><?xml version="1.0" encoding="utf-8"?>
+<p:notes xmlns:a="http://schemas.openxmlformats.org/drawingml/2006/main" xmlns:r="http://schemas.openxmlformats.org/officeDocument/2006/relationships" xmlns:p="http://schemas.openxmlformats.org/presentationml/2006/main" showMasterSp="0" showMasterPhAnim="0">
+  <p:cSld>
+    <p:spTree>
+      <p:nvGrpSpPr>
         <p:cNvPr id="1" name="Shape 190">
           <a:extLst>
             <a:ext uri="{FF2B5EF4-FFF2-40B4-BE49-F238E27FC236}">
@@ -8380,7 +8772,7 @@
 </p:notes>
 </file>
 
-<file path=ppt/notesSlides/notesSlide51.xml><?xml version="1.0" encoding="utf-8"?>
+<file path=ppt/notesSlides/notesSlide54.xml><?xml version="1.0" encoding="utf-8"?>
 <p:notes xmlns:a="http://schemas.openxmlformats.org/drawingml/2006/main" xmlns:r="http://schemas.openxmlformats.org/officeDocument/2006/relationships" xmlns:p="http://schemas.openxmlformats.org/presentationml/2006/main" showMasterSp="0" showMasterPhAnim="0">
   <p:cSld>
     <p:spTree>
@@ -8507,7 +8899,7 @@
 </p:notes>
 </file>
 
-<file path=ppt/notesSlides/notesSlide52.xml><?xml version="1.0" encoding="utf-8"?>
+<file path=ppt/notesSlides/notesSlide55.xml><?xml version="1.0" encoding="utf-8"?>
 <p:notes xmlns:a="http://schemas.openxmlformats.org/drawingml/2006/main" xmlns:r="http://schemas.openxmlformats.org/officeDocument/2006/relationships" xmlns:p="http://schemas.openxmlformats.org/presentationml/2006/main" showMasterSp="0" showMasterPhAnim="0">
   <p:cSld>
     <p:spTree>
@@ -8634,7 +9026,7 @@
 </p:notes>
 </file>
 
-<file path=ppt/notesSlides/notesSlide53.xml><?xml version="1.0" encoding="utf-8"?>
+<file path=ppt/notesSlides/notesSlide56.xml><?xml version="1.0" encoding="utf-8"?>
 <p:notes xmlns:a="http://schemas.openxmlformats.org/drawingml/2006/main" xmlns:r="http://schemas.openxmlformats.org/officeDocument/2006/relationships" xmlns:p="http://schemas.openxmlformats.org/presentationml/2006/main" showMasterSp="0" showMasterPhAnim="0">
   <p:cSld>
     <p:spTree>
@@ -16785,6 +17177,140 @@
   <p:cSld>
     <p:spTree>
       <p:nvGrpSpPr>
+        <p:cNvPr id="1" name="Shape 157">
+          <a:extLst>
+            <a:ext uri="{FF2B5EF4-FFF2-40B4-BE49-F238E27FC236}">
+              <a16:creationId xmlns:a16="http://schemas.microsoft.com/office/drawing/2014/main" id="{2E9B8EB8-8890-CB01-2776-E863CD29350C}"/>
+            </a:ext>
+          </a:extLst>
+        </p:cNvPr>
+        <p:cNvGrpSpPr/>
+        <p:nvPr/>
+      </p:nvGrpSpPr>
+      <p:grpSpPr>
+        <a:xfrm>
+          <a:off x="0" y="0"/>
+          <a:ext cx="0" cy="0"/>
+          <a:chOff x="0" y="0"/>
+          <a:chExt cx="0" cy="0"/>
+        </a:xfrm>
+      </p:grpSpPr>
+      <p:sp>
+        <p:nvSpPr>
+          <p:cNvPr id="158" name="Google Shape;158;p30">
+            <a:extLst>
+              <a:ext uri="{FF2B5EF4-FFF2-40B4-BE49-F238E27FC236}">
+                <a16:creationId xmlns:a16="http://schemas.microsoft.com/office/drawing/2014/main" id="{C18D7C10-16EC-ECB4-E10F-7A29FCA0D073}"/>
+              </a:ext>
+            </a:extLst>
+          </p:cNvPr>
+          <p:cNvSpPr txBox="1">
+            <a:spLocks noGrp="1"/>
+          </p:cNvSpPr>
+          <p:nvPr>
+            <p:ph type="title" idx="6"/>
+          </p:nvPr>
+        </p:nvSpPr>
+        <p:spPr>
+          <a:xfrm>
+            <a:off x="710750" y="387250"/>
+            <a:ext cx="7434783" cy="711702"/>
+          </a:xfrm>
+          <a:prstGeom prst="rect">
+            <a:avLst/>
+          </a:prstGeom>
+        </p:spPr>
+        <p:txBody>
+          <a:bodyPr spcFirstLastPara="1" wrap="square" lIns="91425" tIns="91425" rIns="91425" bIns="91425" anchor="t" anchorCtr="0">
+            <a:noAutofit/>
+          </a:bodyPr>
+          <a:lstStyle/>
+          <a:p>
+            <a:r>
+              <a:rPr lang="es" sz="2800" dirty="0"/>
+              <a:t>Questions?</a:t>
+            </a:r>
+            <a:endParaRPr lang="en-US" sz="2800" dirty="0"/>
+          </a:p>
+        </p:txBody>
+      </p:sp>
+      <p:cxnSp>
+        <p:nvCxnSpPr>
+          <p:cNvPr id="166" name="Google Shape;166;p30">
+            <a:extLst>
+              <a:ext uri="{FF2B5EF4-FFF2-40B4-BE49-F238E27FC236}">
+                <a16:creationId xmlns:a16="http://schemas.microsoft.com/office/drawing/2014/main" id="{9A7C3790-3603-D757-87F7-0DD4DBDDE305}"/>
+              </a:ext>
+            </a:extLst>
+          </p:cNvPr>
+          <p:cNvCxnSpPr>
+            <a:cxnSpLocks/>
+          </p:cNvCxnSpPr>
+          <p:nvPr/>
+        </p:nvCxnSpPr>
+        <p:spPr>
+          <a:xfrm>
+            <a:off x="812499" y="1045726"/>
+            <a:ext cx="7321080" cy="0"/>
+          </a:xfrm>
+          <a:prstGeom prst="straightConnector1">
+            <a:avLst/>
+          </a:prstGeom>
+          <a:noFill/>
+          <a:ln w="19050" cap="flat" cmpd="sng">
+            <a:solidFill>
+              <a:schemeClr val="dk1"/>
+            </a:solidFill>
+            <a:prstDash val="solid"/>
+            <a:round/>
+            <a:headEnd type="none" w="med" len="med"/>
+            <a:tailEnd type="none" w="med" len="med"/>
+          </a:ln>
+        </p:spPr>
+      </p:cxnSp>
+      <p:sp>
+        <p:nvSpPr>
+          <p:cNvPr id="3" name="Subtitle 2">
+            <a:extLst>
+              <a:ext uri="{FF2B5EF4-FFF2-40B4-BE49-F238E27FC236}">
+                <a16:creationId xmlns:a16="http://schemas.microsoft.com/office/drawing/2014/main" id="{C5EC9913-92BC-8D42-5791-641AC738AE30}"/>
+              </a:ext>
+            </a:extLst>
+          </p:cNvPr>
+          <p:cNvSpPr>
+            <a:spLocks noGrp="1"/>
+          </p:cNvSpPr>
+          <p:nvPr>
+            <p:ph type="subTitle" idx="3"/>
+          </p:nvPr>
+        </p:nvSpPr>
+        <p:spPr/>
+        <p:txBody>
+          <a:bodyPr/>
+          <a:lstStyle/>
+          <a:p>
+            <a:endParaRPr lang="en-US"/>
+          </a:p>
+        </p:txBody>
+      </p:sp>
+    </p:spTree>
+    <p:extLst>
+      <p:ext uri="{BB962C8B-B14F-4D97-AF65-F5344CB8AC3E}">
+        <p14:creationId xmlns:p14="http://schemas.microsoft.com/office/powerpoint/2010/main" val="2691948889"/>
+      </p:ext>
+    </p:extLst>
+  </p:cSld>
+  <p:clrMapOvr>
+    <a:masterClrMapping/>
+  </p:clrMapOvr>
+</p:sld>
+</file>
+
+<file path=ppt/slides/slide21.xml><?xml version="1.0" encoding="utf-8"?>
+<p:sld xmlns:a="http://schemas.openxmlformats.org/drawingml/2006/main" xmlns:r="http://schemas.openxmlformats.org/officeDocument/2006/relationships" xmlns:p="http://schemas.openxmlformats.org/presentationml/2006/main">
+  <p:cSld>
+    <p:spTree>
+      <p:nvGrpSpPr>
         <p:cNvPr id="1" name="Shape 193">
           <a:extLst>
             <a:ext uri="{FF2B5EF4-FFF2-40B4-BE49-F238E27FC236}">
@@ -16970,7 +17496,7 @@
 </p:sld>
 </file>
 
-<file path=ppt/slides/slide21.xml><?xml version="1.0" encoding="utf-8"?>
+<file path=ppt/slides/slide22.xml><?xml version="1.0" encoding="utf-8"?>
 <p:sld xmlns:a="http://schemas.openxmlformats.org/drawingml/2006/main" xmlns:r="http://schemas.openxmlformats.org/officeDocument/2006/relationships" xmlns:p="http://schemas.openxmlformats.org/presentationml/2006/main">
   <p:cSld>
     <p:spTree>
@@ -17305,7 +17831,7 @@
 </p:sld>
 </file>
 
-<file path=ppt/slides/slide22.xml><?xml version="1.0" encoding="utf-8"?>
+<file path=ppt/slides/slide23.xml><?xml version="1.0" encoding="utf-8"?>
 <p:sld xmlns:a="http://schemas.openxmlformats.org/drawingml/2006/main" xmlns:r="http://schemas.openxmlformats.org/officeDocument/2006/relationships" xmlns:p="http://schemas.openxmlformats.org/presentationml/2006/main">
   <p:cSld>
     <p:spTree>
@@ -17710,7 +18236,7 @@
 </p:sld>
 </file>
 
-<file path=ppt/slides/slide23.xml><?xml version="1.0" encoding="utf-8"?>
+<file path=ppt/slides/slide24.xml><?xml version="1.0" encoding="utf-8"?>
 <p:sld xmlns:a="http://schemas.openxmlformats.org/drawingml/2006/main" xmlns:r="http://schemas.openxmlformats.org/officeDocument/2006/relationships" xmlns:p="http://schemas.openxmlformats.org/presentationml/2006/main">
   <p:cSld>
     <p:spTree>
@@ -17779,263 +18305,6 @@
           </a:p>
         </p:txBody>
       </p:sp>
-      <p:sp>
-        <p:nvSpPr>
-          <p:cNvPr id="162" name="Google Shape;162;p30">
-            <a:extLst>
-              <a:ext uri="{FF2B5EF4-FFF2-40B4-BE49-F238E27FC236}">
-                <a16:creationId xmlns:a16="http://schemas.microsoft.com/office/drawing/2014/main" id="{47900F9E-A5F9-7FF5-F609-375DED74E4F4}"/>
-              </a:ext>
-            </a:extLst>
-          </p:cNvPr>
-          <p:cNvSpPr txBox="1">
-            <a:spLocks noGrp="1"/>
-          </p:cNvSpPr>
-          <p:nvPr>
-            <p:ph type="subTitle" idx="3"/>
-          </p:nvPr>
-        </p:nvSpPr>
-        <p:spPr>
-          <a:xfrm>
-            <a:off x="710749" y="1283957"/>
-            <a:ext cx="7350370" cy="3096454"/>
-          </a:xfrm>
-          <a:prstGeom prst="rect">
-            <a:avLst/>
-          </a:prstGeom>
-        </p:spPr>
-        <p:txBody>
-          <a:bodyPr spcFirstLastPara="1" wrap="square" lIns="91425" tIns="91425" rIns="91425" bIns="91425" anchor="t" anchorCtr="0">
-            <a:noAutofit/>
-          </a:bodyPr>
-          <a:lstStyle/>
-          <a:p>
-            <a:pPr marL="285750" indent="-285750">
-              <a:buFont typeface="Arial"/>
-              <a:buChar char="•"/>
-            </a:pPr>
-            <a:r>
-              <a:rPr lang="es" sz="1800" dirty="0"/>
-              <a:t>.</a:t>
-            </a:r>
-            <a:r>
-              <a:rPr lang="es" sz="1800" dirty="0" err="1"/>
-              <a:t>csv</a:t>
-            </a:r>
-            <a:r>
-              <a:rPr lang="es" sz="1800" dirty="0"/>
-              <a:t> files (</a:t>
-            </a:r>
-            <a:r>
-              <a:rPr lang="es" sz="1800" dirty="0" err="1"/>
-              <a:t>Comma</a:t>
-            </a:r>
-            <a:r>
-              <a:rPr lang="es" sz="1800" dirty="0"/>
-              <a:t> </a:t>
-            </a:r>
-            <a:r>
-              <a:rPr lang="es" sz="1800" dirty="0" err="1"/>
-              <a:t>Separated</a:t>
-            </a:r>
-            <a:r>
-              <a:rPr lang="es" sz="1800" dirty="0"/>
-              <a:t> </a:t>
-            </a:r>
-            <a:r>
-              <a:rPr lang="es" sz="1800" dirty="0" err="1"/>
-              <a:t>Values</a:t>
-            </a:r>
-            <a:r>
-              <a:rPr lang="es" sz="1800" dirty="0"/>
-              <a:t>) are tabular (</a:t>
-            </a:r>
-            <a:r>
-              <a:rPr lang="es" sz="1800" dirty="0" err="1"/>
-              <a:t>spreadsheet</a:t>
-            </a:r>
-            <a:r>
-              <a:rPr lang="es" sz="1800" dirty="0"/>
-              <a:t>) files, </a:t>
-            </a:r>
-            <a:r>
-              <a:rPr lang="es" sz="1800" dirty="0" err="1"/>
-              <a:t>with</a:t>
-            </a:r>
-            <a:r>
-              <a:rPr lang="es" sz="1800" dirty="0"/>
-              <a:t> </a:t>
-            </a:r>
-            <a:r>
-              <a:rPr lang="es" sz="1800" dirty="0" err="1"/>
-              <a:t>each</a:t>
-            </a:r>
-            <a:r>
-              <a:rPr lang="es" sz="1800" dirty="0"/>
-              <a:t> </a:t>
-            </a:r>
-            <a:r>
-              <a:rPr lang="es" sz="1800" dirty="0" err="1"/>
-              <a:t>row</a:t>
-            </a:r>
-            <a:r>
-              <a:rPr lang="es" sz="1800" dirty="0"/>
-              <a:t> </a:t>
-            </a:r>
-            <a:r>
-              <a:rPr lang="es" sz="1800" dirty="0" err="1"/>
-              <a:t>representing</a:t>
-            </a:r>
-            <a:r>
-              <a:rPr lang="es" sz="1800" dirty="0"/>
-              <a:t> a </a:t>
-            </a:r>
-            <a:r>
-              <a:rPr lang="es" sz="1800" dirty="0" err="1"/>
-              <a:t>record</a:t>
-            </a:r>
-            <a:r>
-              <a:rPr lang="es" sz="1800" dirty="0"/>
-              <a:t> and </a:t>
-            </a:r>
-            <a:r>
-              <a:rPr lang="es" sz="1800" dirty="0" err="1"/>
-              <a:t>values</a:t>
-            </a:r>
-            <a:r>
-              <a:rPr lang="es" sz="1800" dirty="0"/>
-              <a:t> </a:t>
-            </a:r>
-            <a:r>
-              <a:rPr lang="es" sz="1800" dirty="0" err="1"/>
-              <a:t>within</a:t>
-            </a:r>
-            <a:r>
-              <a:rPr lang="es" sz="1800" dirty="0"/>
-              <a:t> </a:t>
-            </a:r>
-            <a:r>
-              <a:rPr lang="es" sz="1800" dirty="0" err="1"/>
-              <a:t>each</a:t>
-            </a:r>
-            <a:r>
-              <a:rPr lang="es" sz="1800" dirty="0"/>
-              <a:t> </a:t>
-            </a:r>
-            <a:r>
-              <a:rPr lang="es" sz="1800" dirty="0" err="1"/>
-              <a:t>row</a:t>
-            </a:r>
-            <a:r>
-              <a:rPr lang="es" sz="1800" dirty="0"/>
-              <a:t> </a:t>
-            </a:r>
-            <a:r>
-              <a:rPr lang="es" sz="1800" dirty="0" err="1"/>
-              <a:t>separated</a:t>
-            </a:r>
-            <a:r>
-              <a:rPr lang="es" sz="1800" dirty="0"/>
-              <a:t> </a:t>
-            </a:r>
-            <a:r>
-              <a:rPr lang="es" sz="1800" dirty="0" err="1"/>
-              <a:t>by</a:t>
-            </a:r>
-            <a:r>
-              <a:rPr lang="es" sz="1800" dirty="0"/>
-              <a:t> </a:t>
-            </a:r>
-            <a:r>
-              <a:rPr lang="es" sz="1800" dirty="0" err="1"/>
-              <a:t>commas</a:t>
-            </a:r>
-            <a:r>
-              <a:rPr lang="es" sz="1800" dirty="0"/>
-              <a:t> (</a:t>
-            </a:r>
-            <a:r>
-              <a:rPr lang="es" sz="1800" dirty="0" err="1"/>
-              <a:t>even</a:t>
-            </a:r>
-            <a:r>
-              <a:rPr lang="es" sz="1800" dirty="0"/>
-              <a:t> </a:t>
-            </a:r>
-            <a:r>
-              <a:rPr lang="es" sz="1800" dirty="0" err="1"/>
-              <a:t>though</a:t>
-            </a:r>
-            <a:r>
-              <a:rPr lang="es" sz="1800" dirty="0"/>
-              <a:t> </a:t>
-            </a:r>
-            <a:r>
-              <a:rPr lang="es" sz="1800" dirty="0" err="1"/>
-              <a:t>they</a:t>
-            </a:r>
-            <a:r>
-              <a:rPr lang="es" sz="1800" dirty="0"/>
-              <a:t> can be </a:t>
-            </a:r>
-            <a:r>
-              <a:rPr lang="es" sz="1800" dirty="0" err="1"/>
-              <a:t>presented</a:t>
-            </a:r>
-            <a:r>
-              <a:rPr lang="es" sz="1800" dirty="0"/>
-              <a:t> in </a:t>
-            </a:r>
-            <a:r>
-              <a:rPr lang="es" sz="1800" dirty="0" err="1"/>
-              <a:t>cells</a:t>
-            </a:r>
-            <a:r>
-              <a:rPr lang="es" sz="1800" dirty="0"/>
-              <a:t>).</a:t>
-            </a:r>
-          </a:p>
-          <a:p>
-            <a:pPr marL="457200" lvl="1" indent="0"/>
-            <a:endParaRPr lang="es" sz="1800" dirty="0"/>
-          </a:p>
-          <a:p>
-            <a:pPr marL="285750" indent="-285750">
-              <a:buFont typeface="Arial" panose="020B0604020202020204" pitchFamily="34" charset="0"/>
-              <a:buChar char="•"/>
-            </a:pPr>
-            <a:endParaRPr lang="es" dirty="0"/>
-          </a:p>
-          <a:p>
-            <a:pPr marL="285750" indent="-285750">
-              <a:buFont typeface="Arial" panose="020B0604020202020204" pitchFamily="34" charset="0"/>
-              <a:buChar char="•"/>
-            </a:pPr>
-            <a:endParaRPr lang="es" dirty="0"/>
-          </a:p>
-          <a:p>
-            <a:pPr marL="285750" indent="-285750">
-              <a:buFont typeface="Arial" panose="020B0604020202020204" pitchFamily="34" charset="0"/>
-              <a:buChar char="•"/>
-            </a:pPr>
-            <a:endParaRPr lang="es" dirty="0"/>
-          </a:p>
-          <a:p>
-            <a:pPr marL="285750" indent="-285750">
-              <a:buFont typeface="Arial" panose="020B0604020202020204" pitchFamily="34" charset="0"/>
-              <a:buChar char="•"/>
-            </a:pPr>
-            <a:endParaRPr lang="es" dirty="0"/>
-          </a:p>
-          <a:p>
-            <a:pPr marL="285750" indent="-285750">
-              <a:buFont typeface="Arial" panose="020B0604020202020204" pitchFamily="34" charset="0"/>
-              <a:buChar char="•"/>
-            </a:pPr>
-            <a:endParaRPr lang="es" dirty="0"/>
-          </a:p>
-        </p:txBody>
-      </p:sp>
       <p:cxnSp>
         <p:nvCxnSpPr>
           <p:cNvPr id="166" name="Google Shape;166;p30">
@@ -18083,7 +18352,380 @@
 </p:sld>
 </file>
 
-<file path=ppt/slides/slide24.xml><?xml version="1.0" encoding="utf-8"?>
+<file path=ppt/slides/slide25.xml><?xml version="1.0" encoding="utf-8"?>
+<p:sld xmlns:a="http://schemas.openxmlformats.org/drawingml/2006/main" xmlns:r="http://schemas.openxmlformats.org/officeDocument/2006/relationships" xmlns:p="http://schemas.openxmlformats.org/presentationml/2006/main">
+  <p:cSld>
+    <p:spTree>
+      <p:nvGrpSpPr>
+        <p:cNvPr id="1" name="Shape 157">
+          <a:extLst>
+            <a:ext uri="{FF2B5EF4-FFF2-40B4-BE49-F238E27FC236}">
+              <a16:creationId xmlns:a16="http://schemas.microsoft.com/office/drawing/2014/main" id="{295BFAF8-CCCA-090D-372C-AB42DD922C34}"/>
+            </a:ext>
+          </a:extLst>
+        </p:cNvPr>
+        <p:cNvGrpSpPr/>
+        <p:nvPr/>
+      </p:nvGrpSpPr>
+      <p:grpSpPr>
+        <a:xfrm>
+          <a:off x="0" y="0"/>
+          <a:ext cx="0" cy="0"/>
+          <a:chOff x="0" y="0"/>
+          <a:chExt cx="0" cy="0"/>
+        </a:xfrm>
+      </p:grpSpPr>
+      <p:sp>
+        <p:nvSpPr>
+          <p:cNvPr id="158" name="Google Shape;158;p30">
+            <a:extLst>
+              <a:ext uri="{FF2B5EF4-FFF2-40B4-BE49-F238E27FC236}">
+                <a16:creationId xmlns:a16="http://schemas.microsoft.com/office/drawing/2014/main" id="{84D055CB-D65A-C54F-9AA5-68196DC4326E}"/>
+              </a:ext>
+            </a:extLst>
+          </p:cNvPr>
+          <p:cNvSpPr txBox="1">
+            <a:spLocks noGrp="1"/>
+          </p:cNvSpPr>
+          <p:nvPr>
+            <p:ph type="title" idx="6"/>
+          </p:nvPr>
+        </p:nvSpPr>
+        <p:spPr>
+          <a:xfrm>
+            <a:off x="710750" y="387250"/>
+            <a:ext cx="7779839" cy="711702"/>
+          </a:xfrm>
+          <a:prstGeom prst="rect">
+            <a:avLst/>
+          </a:prstGeom>
+        </p:spPr>
+        <p:txBody>
+          <a:bodyPr spcFirstLastPara="1" wrap="square" lIns="91425" tIns="91425" rIns="91425" bIns="91425" anchor="t" anchorCtr="0">
+            <a:noAutofit/>
+          </a:bodyPr>
+          <a:lstStyle/>
+          <a:p>
+            <a:r>
+              <a:rPr lang="es" dirty="0"/>
+              <a:t>.</a:t>
+            </a:r>
+            <a:r>
+              <a:rPr lang="es" dirty="0" err="1"/>
+              <a:t>csv</a:t>
+            </a:r>
+            <a:r>
+              <a:rPr lang="es" dirty="0"/>
+              <a:t> Files</a:t>
+            </a:r>
+          </a:p>
+        </p:txBody>
+      </p:sp>
+      <p:sp>
+        <p:nvSpPr>
+          <p:cNvPr id="162" name="Google Shape;162;p30">
+            <a:extLst>
+              <a:ext uri="{FF2B5EF4-FFF2-40B4-BE49-F238E27FC236}">
+                <a16:creationId xmlns:a16="http://schemas.microsoft.com/office/drawing/2014/main" id="{D67BE0A2-ECD4-0A8A-A9AE-4025435C0A34}"/>
+              </a:ext>
+            </a:extLst>
+          </p:cNvPr>
+          <p:cNvSpPr txBox="1">
+            <a:spLocks noGrp="1"/>
+          </p:cNvSpPr>
+          <p:nvPr>
+            <p:ph type="subTitle" idx="3"/>
+          </p:nvPr>
+        </p:nvSpPr>
+        <p:spPr>
+          <a:xfrm>
+            <a:off x="710749" y="1283957"/>
+            <a:ext cx="7350370" cy="3096454"/>
+          </a:xfrm>
+          <a:prstGeom prst="rect">
+            <a:avLst/>
+          </a:prstGeom>
+        </p:spPr>
+        <p:txBody>
+          <a:bodyPr spcFirstLastPara="1" wrap="square" lIns="91425" tIns="91425" rIns="91425" bIns="91425" anchor="t" anchorCtr="0">
+            <a:noAutofit/>
+          </a:bodyPr>
+          <a:lstStyle/>
+          <a:p>
+            <a:pPr marL="285750" indent="-285750">
+              <a:buFont typeface="Arial"/>
+              <a:buChar char="•"/>
+            </a:pPr>
+            <a:r>
+              <a:rPr lang="es" sz="1800" dirty="0"/>
+              <a:t>.</a:t>
+            </a:r>
+            <a:r>
+              <a:rPr lang="es" sz="1800" dirty="0" err="1"/>
+              <a:t>csv</a:t>
+            </a:r>
+            <a:r>
+              <a:rPr lang="es" sz="1800" dirty="0"/>
+              <a:t> files (</a:t>
+            </a:r>
+            <a:r>
+              <a:rPr lang="es" sz="1800" dirty="0" err="1"/>
+              <a:t>Comma</a:t>
+            </a:r>
+            <a:r>
+              <a:rPr lang="es" sz="1800" dirty="0"/>
+              <a:t> </a:t>
+            </a:r>
+            <a:r>
+              <a:rPr lang="es" sz="1800" dirty="0" err="1"/>
+              <a:t>Separated</a:t>
+            </a:r>
+            <a:r>
+              <a:rPr lang="es" sz="1800" dirty="0"/>
+              <a:t> </a:t>
+            </a:r>
+            <a:r>
+              <a:rPr lang="es" sz="1800" dirty="0" err="1"/>
+              <a:t>Values</a:t>
+            </a:r>
+            <a:r>
+              <a:rPr lang="es" sz="1800" dirty="0"/>
+              <a:t>) are tabular (</a:t>
+            </a:r>
+            <a:r>
+              <a:rPr lang="es" sz="1800" dirty="0" err="1"/>
+              <a:t>spreadsheet</a:t>
+            </a:r>
+            <a:r>
+              <a:rPr lang="es" sz="1800" dirty="0"/>
+              <a:t>) files, </a:t>
+            </a:r>
+            <a:r>
+              <a:rPr lang="es" sz="1800" dirty="0" err="1"/>
+              <a:t>with</a:t>
+            </a:r>
+            <a:r>
+              <a:rPr lang="es" sz="1800" dirty="0"/>
+              <a:t> </a:t>
+            </a:r>
+            <a:r>
+              <a:rPr lang="es" sz="1800" dirty="0" err="1"/>
+              <a:t>each</a:t>
+            </a:r>
+            <a:r>
+              <a:rPr lang="es" sz="1800" dirty="0"/>
+              <a:t> </a:t>
+            </a:r>
+            <a:r>
+              <a:rPr lang="es" sz="1800" dirty="0" err="1"/>
+              <a:t>row</a:t>
+            </a:r>
+            <a:r>
+              <a:rPr lang="es" sz="1800" dirty="0"/>
+              <a:t> </a:t>
+            </a:r>
+            <a:r>
+              <a:rPr lang="es" sz="1800" dirty="0" err="1"/>
+              <a:t>representing</a:t>
+            </a:r>
+            <a:r>
+              <a:rPr lang="es" sz="1800" dirty="0"/>
+              <a:t> a </a:t>
+            </a:r>
+            <a:r>
+              <a:rPr lang="es" sz="1800" dirty="0" err="1"/>
+              <a:t>record</a:t>
+            </a:r>
+            <a:r>
+              <a:rPr lang="es" sz="1800" dirty="0"/>
+              <a:t> and </a:t>
+            </a:r>
+            <a:r>
+              <a:rPr lang="es" sz="1800" dirty="0" err="1"/>
+              <a:t>values</a:t>
+            </a:r>
+            <a:r>
+              <a:rPr lang="es" sz="1800" dirty="0"/>
+              <a:t> </a:t>
+            </a:r>
+            <a:r>
+              <a:rPr lang="es" sz="1800" dirty="0" err="1"/>
+              <a:t>within</a:t>
+            </a:r>
+            <a:r>
+              <a:rPr lang="es" sz="1800" dirty="0"/>
+              <a:t> </a:t>
+            </a:r>
+            <a:r>
+              <a:rPr lang="es" sz="1800" dirty="0" err="1"/>
+              <a:t>each</a:t>
+            </a:r>
+            <a:r>
+              <a:rPr lang="es" sz="1800" dirty="0"/>
+              <a:t> </a:t>
+            </a:r>
+            <a:r>
+              <a:rPr lang="es" sz="1800" dirty="0" err="1"/>
+              <a:t>row</a:t>
+            </a:r>
+            <a:r>
+              <a:rPr lang="es" sz="1800" dirty="0"/>
+              <a:t> </a:t>
+            </a:r>
+            <a:r>
+              <a:rPr lang="es" sz="1800" dirty="0" err="1"/>
+              <a:t>separated</a:t>
+            </a:r>
+            <a:r>
+              <a:rPr lang="es" sz="1800" dirty="0"/>
+              <a:t> </a:t>
+            </a:r>
+            <a:r>
+              <a:rPr lang="es" sz="1800" dirty="0" err="1"/>
+              <a:t>by</a:t>
+            </a:r>
+            <a:r>
+              <a:rPr lang="es" sz="1800" dirty="0"/>
+              <a:t> </a:t>
+            </a:r>
+            <a:r>
+              <a:rPr lang="es" sz="1800" dirty="0" err="1"/>
+              <a:t>commas</a:t>
+            </a:r>
+            <a:r>
+              <a:rPr lang="es" sz="1800" dirty="0"/>
+              <a:t> (</a:t>
+            </a:r>
+            <a:r>
+              <a:rPr lang="es" sz="1800" dirty="0" err="1"/>
+              <a:t>even</a:t>
+            </a:r>
+            <a:r>
+              <a:rPr lang="es" sz="1800" dirty="0"/>
+              <a:t> </a:t>
+            </a:r>
+            <a:r>
+              <a:rPr lang="es" sz="1800" dirty="0" err="1"/>
+              <a:t>though</a:t>
+            </a:r>
+            <a:r>
+              <a:rPr lang="es" sz="1800" dirty="0"/>
+              <a:t> </a:t>
+            </a:r>
+            <a:r>
+              <a:rPr lang="es" sz="1800" dirty="0" err="1"/>
+              <a:t>they</a:t>
+            </a:r>
+            <a:r>
+              <a:rPr lang="es" sz="1800" dirty="0"/>
+              <a:t> can be </a:t>
+            </a:r>
+            <a:r>
+              <a:rPr lang="es" sz="1800" dirty="0" err="1"/>
+              <a:t>presented</a:t>
+            </a:r>
+            <a:r>
+              <a:rPr lang="es" sz="1800" dirty="0"/>
+              <a:t> in </a:t>
+            </a:r>
+            <a:r>
+              <a:rPr lang="es" sz="1800" dirty="0" err="1"/>
+              <a:t>cells</a:t>
+            </a:r>
+            <a:r>
+              <a:rPr lang="es" sz="1800" dirty="0"/>
+              <a:t>).</a:t>
+            </a:r>
+          </a:p>
+          <a:p>
+            <a:pPr marL="457200" lvl="1" indent="0"/>
+            <a:endParaRPr lang="es" sz="1800" dirty="0"/>
+          </a:p>
+          <a:p>
+            <a:pPr marL="285750" indent="-285750">
+              <a:buFont typeface="Arial" panose="020B0604020202020204" pitchFamily="34" charset="0"/>
+              <a:buChar char="•"/>
+            </a:pPr>
+            <a:endParaRPr lang="es" dirty="0"/>
+          </a:p>
+          <a:p>
+            <a:pPr marL="285750" indent="-285750">
+              <a:buFont typeface="Arial" panose="020B0604020202020204" pitchFamily="34" charset="0"/>
+              <a:buChar char="•"/>
+            </a:pPr>
+            <a:endParaRPr lang="es" dirty="0"/>
+          </a:p>
+          <a:p>
+            <a:pPr marL="285750" indent="-285750">
+              <a:buFont typeface="Arial" panose="020B0604020202020204" pitchFamily="34" charset="0"/>
+              <a:buChar char="•"/>
+            </a:pPr>
+            <a:endParaRPr lang="es" dirty="0"/>
+          </a:p>
+          <a:p>
+            <a:pPr marL="285750" indent="-285750">
+              <a:buFont typeface="Arial" panose="020B0604020202020204" pitchFamily="34" charset="0"/>
+              <a:buChar char="•"/>
+            </a:pPr>
+            <a:endParaRPr lang="es" dirty="0"/>
+          </a:p>
+          <a:p>
+            <a:pPr marL="285750" indent="-285750">
+              <a:buFont typeface="Arial" panose="020B0604020202020204" pitchFamily="34" charset="0"/>
+              <a:buChar char="•"/>
+            </a:pPr>
+            <a:endParaRPr lang="es" dirty="0"/>
+          </a:p>
+        </p:txBody>
+      </p:sp>
+      <p:cxnSp>
+        <p:nvCxnSpPr>
+          <p:cNvPr id="166" name="Google Shape;166;p30">
+            <a:extLst>
+              <a:ext uri="{FF2B5EF4-FFF2-40B4-BE49-F238E27FC236}">
+                <a16:creationId xmlns:a16="http://schemas.microsoft.com/office/drawing/2014/main" id="{A415C9B0-4E67-9930-2F6E-6A43FB8659EC}"/>
+              </a:ext>
+            </a:extLst>
+          </p:cNvPr>
+          <p:cNvCxnSpPr>
+            <a:cxnSpLocks/>
+          </p:cNvCxnSpPr>
+          <p:nvPr/>
+        </p:nvCxnSpPr>
+        <p:spPr>
+          <a:xfrm>
+            <a:off x="812499" y="1045726"/>
+            <a:ext cx="5239958" cy="0"/>
+          </a:xfrm>
+          <a:prstGeom prst="straightConnector1">
+            <a:avLst/>
+          </a:prstGeom>
+          <a:noFill/>
+          <a:ln w="19050" cap="flat" cmpd="sng">
+            <a:solidFill>
+              <a:schemeClr val="dk1"/>
+            </a:solidFill>
+            <a:prstDash val="solid"/>
+            <a:round/>
+            <a:headEnd type="none" w="med" len="med"/>
+            <a:tailEnd type="none" w="med" len="med"/>
+          </a:ln>
+        </p:spPr>
+      </p:cxnSp>
+    </p:spTree>
+    <p:extLst>
+      <p:ext uri="{BB962C8B-B14F-4D97-AF65-F5344CB8AC3E}">
+        <p14:creationId xmlns:p14="http://schemas.microsoft.com/office/powerpoint/2010/main" val="1045076539"/>
+      </p:ext>
+    </p:extLst>
+  </p:cSld>
+  <p:clrMapOvr>
+    <a:masterClrMapping/>
+  </p:clrMapOvr>
+</p:sld>
+</file>
+
+<file path=ppt/slides/slide26.xml><?xml version="1.0" encoding="utf-8"?>
 <p:sld xmlns:a="http://schemas.openxmlformats.org/drawingml/2006/main" xmlns:r="http://schemas.openxmlformats.org/officeDocument/2006/relationships" xmlns:p="http://schemas.openxmlformats.org/presentationml/2006/main">
   <p:cSld>
     <p:spTree>
@@ -18246,7 +18888,7 @@
 </p:sld>
 </file>
 
-<file path=ppt/slides/slide25.xml><?xml version="1.0" encoding="utf-8"?>
+<file path=ppt/slides/slide27.xml><?xml version="1.0" encoding="utf-8"?>
 <p:sld xmlns:a="http://schemas.openxmlformats.org/drawingml/2006/main" xmlns:r="http://schemas.openxmlformats.org/officeDocument/2006/relationships" xmlns:p="http://schemas.openxmlformats.org/presentationml/2006/main">
   <p:cSld>
     <p:spTree>
@@ -18793,7 +19435,7 @@
 </p:sld>
 </file>
 
-<file path=ppt/slides/slide26.xml><?xml version="1.0" encoding="utf-8"?>
+<file path=ppt/slides/slide28.xml><?xml version="1.0" encoding="utf-8"?>
 <p:sld xmlns:a="http://schemas.openxmlformats.org/drawingml/2006/main" xmlns:r="http://schemas.openxmlformats.org/officeDocument/2006/relationships" xmlns:p="http://schemas.openxmlformats.org/presentationml/2006/main">
   <p:cSld>
     <p:spTree>
@@ -19273,7 +19915,7 @@
 </p:sld>
 </file>
 
-<file path=ppt/slides/slide27.xml><?xml version="1.0" encoding="utf-8"?>
+<file path=ppt/slides/slide29.xml><?xml version="1.0" encoding="utf-8"?>
 <p:sld xmlns:a="http://schemas.openxmlformats.org/drawingml/2006/main" xmlns:r="http://schemas.openxmlformats.org/officeDocument/2006/relationships" xmlns:p="http://schemas.openxmlformats.org/presentationml/2006/main">
   <p:cSld>
     <p:spTree>
@@ -21510,7 +22152,161 @@
 </p:sld>
 </file>
 
-<file path=ppt/slides/slide28.xml><?xml version="1.0" encoding="utf-8"?>
+<file path=ppt/slides/slide3.xml><?xml version="1.0" encoding="utf-8"?>
+<p:sld xmlns:a="http://schemas.openxmlformats.org/drawingml/2006/main" xmlns:r="http://schemas.openxmlformats.org/officeDocument/2006/relationships" xmlns:p="http://schemas.openxmlformats.org/presentationml/2006/main">
+  <p:cSld>
+    <p:spTree>
+      <p:nvGrpSpPr>
+        <p:cNvPr id="1" name="Shape 157">
+          <a:extLst>
+            <a:ext uri="{FF2B5EF4-FFF2-40B4-BE49-F238E27FC236}">
+              <a16:creationId xmlns:a16="http://schemas.microsoft.com/office/drawing/2014/main" id="{5BEFE55C-8F84-E545-463C-AC6195F86205}"/>
+            </a:ext>
+          </a:extLst>
+        </p:cNvPr>
+        <p:cNvGrpSpPr/>
+        <p:nvPr/>
+      </p:nvGrpSpPr>
+      <p:grpSpPr>
+        <a:xfrm>
+          <a:off x="0" y="0"/>
+          <a:ext cx="0" cy="0"/>
+          <a:chOff x="0" y="0"/>
+          <a:chExt cx="0" cy="0"/>
+        </a:xfrm>
+      </p:grpSpPr>
+      <p:sp>
+        <p:nvSpPr>
+          <p:cNvPr id="158" name="Google Shape;158;p30">
+            <a:extLst>
+              <a:ext uri="{FF2B5EF4-FFF2-40B4-BE49-F238E27FC236}">
+                <a16:creationId xmlns:a16="http://schemas.microsoft.com/office/drawing/2014/main" id="{DA7866DC-EDDF-6441-CC6F-1B3BD86D5B55}"/>
+              </a:ext>
+            </a:extLst>
+          </p:cNvPr>
+          <p:cNvSpPr txBox="1">
+            <a:spLocks noGrp="1"/>
+          </p:cNvSpPr>
+          <p:nvPr>
+            <p:ph type="title" idx="6"/>
+          </p:nvPr>
+        </p:nvSpPr>
+        <p:spPr>
+          <a:xfrm>
+            <a:off x="710750" y="387250"/>
+            <a:ext cx="7434783" cy="711702"/>
+          </a:xfrm>
+          <a:prstGeom prst="rect">
+            <a:avLst/>
+          </a:prstGeom>
+        </p:spPr>
+        <p:txBody>
+          <a:bodyPr spcFirstLastPara="1" wrap="square" lIns="91425" tIns="91425" rIns="91425" bIns="91425" anchor="t" anchorCtr="0">
+            <a:noAutofit/>
+          </a:bodyPr>
+          <a:lstStyle/>
+          <a:p>
+            <a:r>
+              <a:rPr lang="es" dirty="0" err="1"/>
+              <a:t>What</a:t>
+            </a:r>
+            <a:r>
+              <a:rPr lang="es" dirty="0"/>
+              <a:t> </a:t>
+            </a:r>
+            <a:r>
+              <a:rPr lang="es" dirty="0" err="1"/>
+              <a:t>is</a:t>
+            </a:r>
+            <a:r>
+              <a:rPr lang="es" dirty="0"/>
+              <a:t> </a:t>
+            </a:r>
+            <a:r>
+              <a:rPr lang="es" dirty="0" err="1"/>
+              <a:t>Reproducibility</a:t>
+            </a:r>
+            <a:r>
+              <a:rPr lang="es" dirty="0"/>
+              <a:t>?</a:t>
+            </a:r>
+            <a:endParaRPr lang="en-US" dirty="0"/>
+          </a:p>
+        </p:txBody>
+      </p:sp>
+      <p:cxnSp>
+        <p:nvCxnSpPr>
+          <p:cNvPr id="166" name="Google Shape;166;p30">
+            <a:extLst>
+              <a:ext uri="{FF2B5EF4-FFF2-40B4-BE49-F238E27FC236}">
+                <a16:creationId xmlns:a16="http://schemas.microsoft.com/office/drawing/2014/main" id="{A059CC19-8D88-6D7B-F5AF-912D62229A46}"/>
+              </a:ext>
+            </a:extLst>
+          </p:cNvPr>
+          <p:cNvCxnSpPr>
+            <a:cxnSpLocks/>
+          </p:cNvCxnSpPr>
+          <p:nvPr/>
+        </p:nvCxnSpPr>
+        <p:spPr>
+          <a:xfrm>
+            <a:off x="812499" y="1045726"/>
+            <a:ext cx="7321080" cy="0"/>
+          </a:xfrm>
+          <a:prstGeom prst="straightConnector1">
+            <a:avLst/>
+          </a:prstGeom>
+          <a:noFill/>
+          <a:ln w="19050" cap="flat" cmpd="sng">
+            <a:solidFill>
+              <a:schemeClr val="dk1"/>
+            </a:solidFill>
+            <a:prstDash val="solid"/>
+            <a:round/>
+            <a:headEnd type="none" w="med" len="med"/>
+            <a:tailEnd type="none" w="med" len="med"/>
+          </a:ln>
+        </p:spPr>
+      </p:cxnSp>
+      <p:sp>
+        <p:nvSpPr>
+          <p:cNvPr id="3" name="Subtitle 2">
+            <a:extLst>
+              <a:ext uri="{FF2B5EF4-FFF2-40B4-BE49-F238E27FC236}">
+                <a16:creationId xmlns:a16="http://schemas.microsoft.com/office/drawing/2014/main" id="{6E6F987C-CEF3-B790-3529-89F6652B7FEC}"/>
+              </a:ext>
+            </a:extLst>
+          </p:cNvPr>
+          <p:cNvSpPr>
+            <a:spLocks noGrp="1"/>
+          </p:cNvSpPr>
+          <p:nvPr>
+            <p:ph type="subTitle" idx="3"/>
+          </p:nvPr>
+        </p:nvSpPr>
+        <p:spPr/>
+        <p:txBody>
+          <a:bodyPr/>
+          <a:lstStyle/>
+          <a:p>
+            <a:endParaRPr lang="en-US"/>
+          </a:p>
+        </p:txBody>
+      </p:sp>
+    </p:spTree>
+    <p:extLst>
+      <p:ext uri="{BB962C8B-B14F-4D97-AF65-F5344CB8AC3E}">
+        <p14:creationId xmlns:p14="http://schemas.microsoft.com/office/powerpoint/2010/main" val="610322551"/>
+      </p:ext>
+    </p:extLst>
+  </p:cSld>
+  <p:clrMapOvr>
+    <a:masterClrMapping/>
+  </p:clrMapOvr>
+</p:sld>
+</file>
+
+<file path=ppt/slides/slide30.xml><?xml version="1.0" encoding="utf-8"?>
 <p:sld xmlns:a="http://schemas.openxmlformats.org/drawingml/2006/main" xmlns:r="http://schemas.openxmlformats.org/officeDocument/2006/relationships" xmlns:p="http://schemas.openxmlformats.org/presentationml/2006/main">
   <p:cSld>
     <p:spTree>
@@ -21685,7 +22481,7 @@
 </p:sld>
 </file>
 
-<file path=ppt/slides/slide29.xml><?xml version="1.0" encoding="utf-8"?>
+<file path=ppt/slides/slide31.xml><?xml version="1.0" encoding="utf-8"?>
 <p:sld xmlns:a="http://schemas.openxmlformats.org/drawingml/2006/main" xmlns:r="http://schemas.openxmlformats.org/officeDocument/2006/relationships" xmlns:p="http://schemas.openxmlformats.org/presentationml/2006/main">
   <p:cSld>
     <p:spTree>
@@ -22137,161 +22933,7 @@
 </p:sld>
 </file>
 
-<file path=ppt/slides/slide3.xml><?xml version="1.0" encoding="utf-8"?>
-<p:sld xmlns:a="http://schemas.openxmlformats.org/drawingml/2006/main" xmlns:r="http://schemas.openxmlformats.org/officeDocument/2006/relationships" xmlns:p="http://schemas.openxmlformats.org/presentationml/2006/main">
-  <p:cSld>
-    <p:spTree>
-      <p:nvGrpSpPr>
-        <p:cNvPr id="1" name="Shape 157">
-          <a:extLst>
-            <a:ext uri="{FF2B5EF4-FFF2-40B4-BE49-F238E27FC236}">
-              <a16:creationId xmlns:a16="http://schemas.microsoft.com/office/drawing/2014/main" id="{5BEFE55C-8F84-E545-463C-AC6195F86205}"/>
-            </a:ext>
-          </a:extLst>
-        </p:cNvPr>
-        <p:cNvGrpSpPr/>
-        <p:nvPr/>
-      </p:nvGrpSpPr>
-      <p:grpSpPr>
-        <a:xfrm>
-          <a:off x="0" y="0"/>
-          <a:ext cx="0" cy="0"/>
-          <a:chOff x="0" y="0"/>
-          <a:chExt cx="0" cy="0"/>
-        </a:xfrm>
-      </p:grpSpPr>
-      <p:sp>
-        <p:nvSpPr>
-          <p:cNvPr id="158" name="Google Shape;158;p30">
-            <a:extLst>
-              <a:ext uri="{FF2B5EF4-FFF2-40B4-BE49-F238E27FC236}">
-                <a16:creationId xmlns:a16="http://schemas.microsoft.com/office/drawing/2014/main" id="{DA7866DC-EDDF-6441-CC6F-1B3BD86D5B55}"/>
-              </a:ext>
-            </a:extLst>
-          </p:cNvPr>
-          <p:cNvSpPr txBox="1">
-            <a:spLocks noGrp="1"/>
-          </p:cNvSpPr>
-          <p:nvPr>
-            <p:ph type="title" idx="6"/>
-          </p:nvPr>
-        </p:nvSpPr>
-        <p:spPr>
-          <a:xfrm>
-            <a:off x="710750" y="387250"/>
-            <a:ext cx="7434783" cy="711702"/>
-          </a:xfrm>
-          <a:prstGeom prst="rect">
-            <a:avLst/>
-          </a:prstGeom>
-        </p:spPr>
-        <p:txBody>
-          <a:bodyPr spcFirstLastPara="1" wrap="square" lIns="91425" tIns="91425" rIns="91425" bIns="91425" anchor="t" anchorCtr="0">
-            <a:noAutofit/>
-          </a:bodyPr>
-          <a:lstStyle/>
-          <a:p>
-            <a:r>
-              <a:rPr lang="es" dirty="0" err="1"/>
-              <a:t>What</a:t>
-            </a:r>
-            <a:r>
-              <a:rPr lang="es" dirty="0"/>
-              <a:t> </a:t>
-            </a:r>
-            <a:r>
-              <a:rPr lang="es" dirty="0" err="1"/>
-              <a:t>is</a:t>
-            </a:r>
-            <a:r>
-              <a:rPr lang="es" dirty="0"/>
-              <a:t> </a:t>
-            </a:r>
-            <a:r>
-              <a:rPr lang="es" dirty="0" err="1"/>
-              <a:t>Reproducibility</a:t>
-            </a:r>
-            <a:r>
-              <a:rPr lang="es" dirty="0"/>
-              <a:t>?</a:t>
-            </a:r>
-            <a:endParaRPr lang="en-US" dirty="0"/>
-          </a:p>
-        </p:txBody>
-      </p:sp>
-      <p:cxnSp>
-        <p:nvCxnSpPr>
-          <p:cNvPr id="166" name="Google Shape;166;p30">
-            <a:extLst>
-              <a:ext uri="{FF2B5EF4-FFF2-40B4-BE49-F238E27FC236}">
-                <a16:creationId xmlns:a16="http://schemas.microsoft.com/office/drawing/2014/main" id="{A059CC19-8D88-6D7B-F5AF-912D62229A46}"/>
-              </a:ext>
-            </a:extLst>
-          </p:cNvPr>
-          <p:cNvCxnSpPr>
-            <a:cxnSpLocks/>
-          </p:cNvCxnSpPr>
-          <p:nvPr/>
-        </p:nvCxnSpPr>
-        <p:spPr>
-          <a:xfrm>
-            <a:off x="812499" y="1045726"/>
-            <a:ext cx="7321080" cy="0"/>
-          </a:xfrm>
-          <a:prstGeom prst="straightConnector1">
-            <a:avLst/>
-          </a:prstGeom>
-          <a:noFill/>
-          <a:ln w="19050" cap="flat" cmpd="sng">
-            <a:solidFill>
-              <a:schemeClr val="dk1"/>
-            </a:solidFill>
-            <a:prstDash val="solid"/>
-            <a:round/>
-            <a:headEnd type="none" w="med" len="med"/>
-            <a:tailEnd type="none" w="med" len="med"/>
-          </a:ln>
-        </p:spPr>
-      </p:cxnSp>
-      <p:sp>
-        <p:nvSpPr>
-          <p:cNvPr id="3" name="Subtitle 2">
-            <a:extLst>
-              <a:ext uri="{FF2B5EF4-FFF2-40B4-BE49-F238E27FC236}">
-                <a16:creationId xmlns:a16="http://schemas.microsoft.com/office/drawing/2014/main" id="{6E6F987C-CEF3-B790-3529-89F6652B7FEC}"/>
-              </a:ext>
-            </a:extLst>
-          </p:cNvPr>
-          <p:cNvSpPr>
-            <a:spLocks noGrp="1"/>
-          </p:cNvSpPr>
-          <p:nvPr>
-            <p:ph type="subTitle" idx="3"/>
-          </p:nvPr>
-        </p:nvSpPr>
-        <p:spPr/>
-        <p:txBody>
-          <a:bodyPr/>
-          <a:lstStyle/>
-          <a:p>
-            <a:endParaRPr lang="en-US"/>
-          </a:p>
-        </p:txBody>
-      </p:sp>
-    </p:spTree>
-    <p:extLst>
-      <p:ext uri="{BB962C8B-B14F-4D97-AF65-F5344CB8AC3E}">
-        <p14:creationId xmlns:p14="http://schemas.microsoft.com/office/powerpoint/2010/main" val="610322551"/>
-      </p:ext>
-    </p:extLst>
-  </p:cSld>
-  <p:clrMapOvr>
-    <a:masterClrMapping/>
-  </p:clrMapOvr>
-</p:sld>
-</file>
-
-<file path=ppt/slides/slide30.xml><?xml version="1.0" encoding="utf-8"?>
+<file path=ppt/slides/slide32.xml><?xml version="1.0" encoding="utf-8"?>
 <p:sld xmlns:a="http://schemas.openxmlformats.org/drawingml/2006/main" xmlns:r="http://schemas.openxmlformats.org/officeDocument/2006/relationships" xmlns:p="http://schemas.openxmlformats.org/presentationml/2006/main">
   <p:cSld>
     <p:spTree>
@@ -22482,7 +23124,7 @@
 </p:sld>
 </file>
 
-<file path=ppt/slides/slide31.xml><?xml version="1.0" encoding="utf-8"?>
+<file path=ppt/slides/slide33.xml><?xml version="1.0" encoding="utf-8"?>
 <p:sld xmlns:a="http://schemas.openxmlformats.org/drawingml/2006/main" xmlns:r="http://schemas.openxmlformats.org/officeDocument/2006/relationships" xmlns:p="http://schemas.openxmlformats.org/presentationml/2006/main">
   <p:cSld>
     <p:spTree>
@@ -22757,211 +23399,12 @@
               <a:buChar char="•"/>
             </a:pPr>
             <a:r>
-              <a:rPr lang="es" sz="1600" dirty="0" err="1"/>
-              <a:t>We've</a:t>
-            </a:r>
-            <a:r>
-              <a:rPr lang="es" sz="1600" dirty="0"/>
-              <a:t> </a:t>
-            </a:r>
-            <a:r>
-              <a:rPr lang="es" sz="1600" dirty="0" err="1"/>
-              <a:t>already</a:t>
-            </a:r>
-            <a:r>
-              <a:rPr lang="es" sz="1600" dirty="0"/>
-              <a:t> </a:t>
-            </a:r>
-            <a:r>
-              <a:rPr lang="es" sz="1600" dirty="0" err="1"/>
-              <a:t>discussed</a:t>
-            </a:r>
-            <a:r>
-              <a:rPr lang="es" sz="1600" dirty="0"/>
-              <a:t> </a:t>
-            </a:r>
-            <a:r>
-              <a:rPr lang="es" sz="1600" dirty="0" err="1"/>
-              <a:t>how</a:t>
-            </a:r>
-            <a:r>
-              <a:rPr lang="es" sz="1600" dirty="0"/>
-              <a:t> </a:t>
-            </a:r>
-            <a:r>
-              <a:rPr lang="es" sz="1600" dirty="0" err="1"/>
-              <a:t>to</a:t>
-            </a:r>
-            <a:r>
-              <a:rPr lang="es" sz="1600" dirty="0"/>
-              <a:t> </a:t>
-            </a:r>
-            <a:r>
-              <a:rPr lang="es" sz="1600" dirty="0" err="1"/>
-              <a:t>document</a:t>
-            </a:r>
-            <a:r>
-              <a:rPr lang="es" sz="1600" dirty="0"/>
-              <a:t> </a:t>
-            </a:r>
-            <a:r>
-              <a:rPr lang="es" sz="1600" dirty="0" err="1"/>
-              <a:t>our</a:t>
-            </a:r>
-            <a:r>
-              <a:rPr lang="es" sz="1600" dirty="0"/>
-              <a:t> files and data, </a:t>
-            </a:r>
-            <a:r>
-              <a:rPr lang="es" sz="1600" dirty="0" err="1"/>
-              <a:t>but</a:t>
-            </a:r>
-            <a:r>
-              <a:rPr lang="es" sz="1600" dirty="0"/>
-              <a:t> as </a:t>
-            </a:r>
-            <a:r>
-              <a:rPr lang="es" sz="1600" dirty="0" err="1"/>
-              <a:t>we</a:t>
-            </a:r>
-            <a:r>
-              <a:rPr lang="es" sz="1600" dirty="0"/>
-              <a:t> </a:t>
-            </a:r>
-            <a:r>
-              <a:rPr lang="es" sz="1600" dirty="0" err="1"/>
-              <a:t>move</a:t>
-            </a:r>
-            <a:r>
-              <a:rPr lang="es" sz="1600" dirty="0"/>
-              <a:t> </a:t>
-            </a:r>
-            <a:r>
-              <a:rPr lang="es" sz="1600" dirty="0" err="1"/>
-              <a:t>through</a:t>
-            </a:r>
-            <a:r>
-              <a:rPr lang="es" sz="1600" dirty="0"/>
-              <a:t> </a:t>
-            </a:r>
-            <a:r>
-              <a:rPr lang="es" sz="1600" dirty="0" err="1"/>
-              <a:t>the</a:t>
-            </a:r>
-            <a:r>
-              <a:rPr lang="es" sz="1600" dirty="0"/>
-              <a:t> </a:t>
-            </a:r>
-            <a:r>
-              <a:rPr lang="es" sz="1600" dirty="0" err="1"/>
-              <a:t>program</a:t>
-            </a:r>
-            <a:r>
-              <a:rPr lang="es" sz="1600" dirty="0"/>
-              <a:t> </a:t>
-            </a:r>
-            <a:r>
-              <a:rPr lang="es" sz="1600" dirty="0" err="1"/>
-              <a:t>we're</a:t>
-            </a:r>
-            <a:r>
-              <a:rPr lang="es" sz="1600" dirty="0"/>
-              <a:t> </a:t>
-            </a:r>
-            <a:r>
-              <a:rPr lang="es" sz="1600" dirty="0" err="1"/>
-              <a:t>also</a:t>
-            </a:r>
-            <a:r>
-              <a:rPr lang="es" sz="1600" dirty="0"/>
-              <a:t> </a:t>
-            </a:r>
-            <a:r>
-              <a:rPr lang="es" sz="1600" dirty="0" err="1"/>
-              <a:t>going</a:t>
-            </a:r>
-            <a:r>
-              <a:rPr lang="es" sz="1600" dirty="0"/>
-              <a:t> </a:t>
-            </a:r>
-            <a:r>
-              <a:rPr lang="es" sz="1600" dirty="0" err="1"/>
-              <a:t>to</a:t>
-            </a:r>
-            <a:r>
-              <a:rPr lang="es" sz="1600" dirty="0"/>
-              <a:t> </a:t>
-            </a:r>
-            <a:r>
-              <a:rPr lang="es" sz="1600" dirty="0" err="1"/>
-              <a:t>talk</a:t>
-            </a:r>
-            <a:r>
-              <a:rPr lang="es" sz="1600" dirty="0"/>
-              <a:t> </a:t>
-            </a:r>
-            <a:r>
-              <a:rPr lang="es" sz="1600" dirty="0" err="1"/>
-              <a:t>about</a:t>
-            </a:r>
-            <a:r>
-              <a:rPr lang="es" sz="1600" dirty="0"/>
-              <a:t> </a:t>
-            </a:r>
-            <a:r>
-              <a:rPr lang="es" sz="1600" dirty="0" err="1"/>
-              <a:t>implementing</a:t>
-            </a:r>
-            <a:r>
-              <a:rPr lang="es" sz="1600" dirty="0"/>
-              <a:t> </a:t>
-            </a:r>
-            <a:r>
-              <a:rPr lang="es" sz="1600" dirty="0" err="1"/>
-              <a:t>documentation</a:t>
-            </a:r>
-            <a:r>
-              <a:rPr lang="es" sz="1600" dirty="0"/>
-              <a:t> in </a:t>
-            </a:r>
-            <a:r>
-              <a:rPr lang="es" sz="1600" dirty="0" err="1"/>
-              <a:t>our</a:t>
-            </a:r>
-            <a:r>
-              <a:rPr lang="es" sz="1600" dirty="0"/>
-              <a:t> </a:t>
-            </a:r>
-            <a:r>
-              <a:rPr lang="es" sz="1600" dirty="0" err="1"/>
-              <a:t>code</a:t>
-            </a:r>
-            <a:r>
-              <a:rPr lang="es" sz="1600" dirty="0"/>
-              <a:t> and literate </a:t>
-            </a:r>
-            <a:r>
-              <a:rPr lang="es" sz="1600" dirty="0" err="1"/>
-              <a:t>coding</a:t>
-            </a:r>
-            <a:r>
-              <a:rPr lang="es" sz="1600" dirty="0"/>
-              <a:t> </a:t>
-            </a:r>
-            <a:r>
-              <a:rPr lang="es" sz="1600" dirty="0" err="1"/>
-              <a:t>principles</a:t>
-            </a:r>
-            <a:r>
-              <a:rPr lang="es" sz="1600" dirty="0"/>
-              <a:t>.</a:t>
-            </a:r>
-          </a:p>
-          <a:p>
-            <a:pPr marL="285750" indent="-285750">
-              <a:buFont typeface="Arial" panose="020B0604020202020204" pitchFamily="34" charset="0"/>
-              <a:buChar char="•"/>
-            </a:pPr>
+              <a:rPr lang="es" sz="1600" dirty="0"/>
+              <a:t>We've already discussed how to document our files and data, but as we move through the program we're also going to talk about documentating our code and literate coding principles.</a:t>
+            </a:r>
+          </a:p>
+          <a:p>
+            <a:pPr marL="0" indent="0"/>
             <a:endParaRPr lang="es" dirty="0"/>
           </a:p>
           <a:p>
@@ -23034,7 +23477,7 @@
 </p:sld>
 </file>
 
-<file path=ppt/slides/slide32.xml><?xml version="1.0" encoding="utf-8"?>
+<file path=ppt/slides/slide34.xml><?xml version="1.0" encoding="utf-8"?>
 <p:sld xmlns:a="http://schemas.openxmlformats.org/drawingml/2006/main" xmlns:r="http://schemas.openxmlformats.org/officeDocument/2006/relationships" xmlns:p="http://schemas.openxmlformats.org/presentationml/2006/main">
   <p:cSld>
     <p:spTree>
@@ -23562,7 +24005,7 @@
 </p:sld>
 </file>
 
-<file path=ppt/slides/slide33.xml><?xml version="1.0" encoding="utf-8"?>
+<file path=ppt/slides/slide35.xml><?xml version="1.0" encoding="utf-8"?>
 <p:sld xmlns:a="http://schemas.openxmlformats.org/drawingml/2006/main" xmlns:r="http://schemas.openxmlformats.org/officeDocument/2006/relationships" xmlns:p="http://schemas.openxmlformats.org/presentationml/2006/main">
   <p:cSld>
     <p:spTree>
@@ -23950,7 +24393,7 @@
 </p:sld>
 </file>
 
-<file path=ppt/slides/slide34.xml><?xml version="1.0" encoding="utf-8"?>
+<file path=ppt/slides/slide36.xml><?xml version="1.0" encoding="utf-8"?>
 <p:sld xmlns:a="http://schemas.openxmlformats.org/drawingml/2006/main" xmlns:r="http://schemas.openxmlformats.org/officeDocument/2006/relationships" xmlns:p="http://schemas.openxmlformats.org/presentationml/2006/main">
   <p:cSld>
     <p:spTree>
@@ -24685,7 +25128,7 @@
 </p:sld>
 </file>
 
-<file path=ppt/slides/slide35.xml><?xml version="1.0" encoding="utf-8"?>
+<file path=ppt/slides/slide37.xml><?xml version="1.0" encoding="utf-8"?>
 <p:sld xmlns:a="http://schemas.openxmlformats.org/drawingml/2006/main" xmlns:r="http://schemas.openxmlformats.org/officeDocument/2006/relationships" xmlns:p="http://schemas.openxmlformats.org/presentationml/2006/main">
   <p:cSld>
     <p:spTree>
@@ -25034,7 +25477,7 @@
 </p:sld>
 </file>
 
-<file path=ppt/slides/slide36.xml><?xml version="1.0" encoding="utf-8"?>
+<file path=ppt/slides/slide38.xml><?xml version="1.0" encoding="utf-8"?>
 <p:sld xmlns:a="http://schemas.openxmlformats.org/drawingml/2006/main" xmlns:r="http://schemas.openxmlformats.org/officeDocument/2006/relationships" xmlns:p="http://schemas.openxmlformats.org/presentationml/2006/main">
   <p:cSld>
     <p:spTree>
@@ -25210,7 +25653,7 @@
 </p:sld>
 </file>
 
-<file path=ppt/slides/slide37.xml><?xml version="1.0" encoding="utf-8"?>
+<file path=ppt/slides/slide39.xml><?xml version="1.0" encoding="utf-8"?>
 <p:sld xmlns:a="http://schemas.openxmlformats.org/drawingml/2006/main" xmlns:r="http://schemas.openxmlformats.org/officeDocument/2006/relationships" xmlns:p="http://schemas.openxmlformats.org/presentationml/2006/main">
   <p:cSld>
     <p:spTree>
@@ -25438,7 +25881,334 @@
 </p:sld>
 </file>
 
-<file path=ppt/slides/slide38.xml><?xml version="1.0" encoding="utf-8"?>
+<file path=ppt/slides/slide4.xml><?xml version="1.0" encoding="utf-8"?>
+<p:sld xmlns:a="http://schemas.openxmlformats.org/drawingml/2006/main" xmlns:r="http://schemas.openxmlformats.org/officeDocument/2006/relationships" xmlns:p="http://schemas.openxmlformats.org/presentationml/2006/main">
+  <p:cSld>
+    <p:spTree>
+      <p:nvGrpSpPr>
+        <p:cNvPr id="1" name="Shape 157">
+          <a:extLst>
+            <a:ext uri="{FF2B5EF4-FFF2-40B4-BE49-F238E27FC236}">
+              <a16:creationId xmlns:a16="http://schemas.microsoft.com/office/drawing/2014/main" id="{421C78ED-CFB4-BF71-C314-9FBDBAD0BE97}"/>
+            </a:ext>
+          </a:extLst>
+        </p:cNvPr>
+        <p:cNvGrpSpPr/>
+        <p:nvPr/>
+      </p:nvGrpSpPr>
+      <p:grpSpPr>
+        <a:xfrm>
+          <a:off x="0" y="0"/>
+          <a:ext cx="0" cy="0"/>
+          <a:chOff x="0" y="0"/>
+          <a:chExt cx="0" cy="0"/>
+        </a:xfrm>
+      </p:grpSpPr>
+      <p:sp>
+        <p:nvSpPr>
+          <p:cNvPr id="158" name="Google Shape;158;p30">
+            <a:extLst>
+              <a:ext uri="{FF2B5EF4-FFF2-40B4-BE49-F238E27FC236}">
+                <a16:creationId xmlns:a16="http://schemas.microsoft.com/office/drawing/2014/main" id="{094BEDF3-5B68-8EE5-646D-B0CA33696FF2}"/>
+              </a:ext>
+            </a:extLst>
+          </p:cNvPr>
+          <p:cNvSpPr txBox="1">
+            <a:spLocks noGrp="1"/>
+          </p:cNvSpPr>
+          <p:nvPr>
+            <p:ph type="title" idx="6"/>
+          </p:nvPr>
+        </p:nvSpPr>
+        <p:spPr>
+          <a:xfrm>
+            <a:off x="710750" y="387250"/>
+            <a:ext cx="7434783" cy="711702"/>
+          </a:xfrm>
+          <a:prstGeom prst="rect">
+            <a:avLst/>
+          </a:prstGeom>
+        </p:spPr>
+        <p:txBody>
+          <a:bodyPr spcFirstLastPara="1" wrap="square" lIns="91425" tIns="91425" rIns="91425" bIns="91425" anchor="t" anchorCtr="0">
+            <a:noAutofit/>
+          </a:bodyPr>
+          <a:lstStyle/>
+          <a:p>
+            <a:r>
+              <a:rPr lang="es" dirty="0" err="1"/>
+              <a:t>What</a:t>
+            </a:r>
+            <a:r>
+              <a:rPr lang="es" dirty="0"/>
+              <a:t> </a:t>
+            </a:r>
+            <a:r>
+              <a:rPr lang="es" dirty="0" err="1"/>
+              <a:t>is</a:t>
+            </a:r>
+            <a:r>
+              <a:rPr lang="es" dirty="0"/>
+              <a:t> </a:t>
+            </a:r>
+            <a:r>
+              <a:rPr lang="es" dirty="0" err="1"/>
+              <a:t>Reproducibility</a:t>
+            </a:r>
+            <a:r>
+              <a:rPr lang="es" dirty="0"/>
+              <a:t>?</a:t>
+            </a:r>
+            <a:endParaRPr lang="en-US" dirty="0"/>
+          </a:p>
+        </p:txBody>
+      </p:sp>
+      <p:sp>
+        <p:nvSpPr>
+          <p:cNvPr id="162" name="Google Shape;162;p30">
+            <a:extLst>
+              <a:ext uri="{FF2B5EF4-FFF2-40B4-BE49-F238E27FC236}">
+                <a16:creationId xmlns:a16="http://schemas.microsoft.com/office/drawing/2014/main" id="{B2B94977-2685-6122-CF8F-EEBEE77E75A7}"/>
+              </a:ext>
+            </a:extLst>
+          </p:cNvPr>
+          <p:cNvSpPr txBox="1">
+            <a:spLocks noGrp="1"/>
+          </p:cNvSpPr>
+          <p:nvPr>
+            <p:ph type="subTitle" idx="3"/>
+          </p:nvPr>
+        </p:nvSpPr>
+        <p:spPr>
+          <a:xfrm>
+            <a:off x="710749" y="1283957"/>
+            <a:ext cx="7433291" cy="3096454"/>
+          </a:xfrm>
+          <a:prstGeom prst="rect">
+            <a:avLst/>
+          </a:prstGeom>
+        </p:spPr>
+        <p:txBody>
+          <a:bodyPr spcFirstLastPara="1" wrap="square" lIns="91425" tIns="91425" rIns="91425" bIns="91425" anchor="t" anchorCtr="0">
+            <a:noAutofit/>
+          </a:bodyPr>
+          <a:lstStyle/>
+          <a:p>
+            <a:pPr marL="0" indent="0">
+              <a:lnSpc>
+                <a:spcPct val="150000"/>
+              </a:lnSpc>
+            </a:pPr>
+            <a:r>
+              <a:rPr lang="es" sz="1600" b="1" dirty="0"/>
+              <a:t>Reproducible</a:t>
+            </a:r>
+          </a:p>
+          <a:p>
+            <a:pPr marL="0" lvl="0" indent="0" algn="l">
+              <a:lnSpc>
+                <a:spcPct val="150000"/>
+              </a:lnSpc>
+              <a:spcBef>
+                <a:spcPts val="0"/>
+              </a:spcBef>
+              <a:spcAft>
+                <a:spcPts val="0"/>
+              </a:spcAft>
+            </a:pPr>
+            <a:endParaRPr lang="es" sz="1600" b="1" dirty="0"/>
+          </a:p>
+          <a:p>
+            <a:pPr marL="285750" indent="-285750">
+              <a:lnSpc>
+                <a:spcPct val="150000"/>
+              </a:lnSpc>
+              <a:buFont typeface="Arial"/>
+              <a:buChar char="•"/>
+            </a:pPr>
+            <a:r>
+              <a:rPr lang="es" sz="1600" dirty="0" err="1"/>
+              <a:t>The</a:t>
+            </a:r>
+            <a:r>
+              <a:rPr lang="es" sz="1600" dirty="0"/>
+              <a:t> </a:t>
+            </a:r>
+            <a:r>
+              <a:rPr lang="es" sz="1600" b="1" dirty="0" err="1"/>
+              <a:t>existing</a:t>
+            </a:r>
+            <a:r>
+              <a:rPr lang="es" sz="1600" b="1" dirty="0"/>
+              <a:t> data </a:t>
+            </a:r>
+            <a:r>
+              <a:rPr lang="es" sz="1600" dirty="0"/>
+              <a:t>can be </a:t>
+            </a:r>
+            <a:r>
+              <a:rPr lang="es" sz="1600" dirty="0" err="1"/>
+              <a:t>reanalyzed</a:t>
+            </a:r>
+            <a:r>
+              <a:rPr lang="es" sz="1600" dirty="0"/>
+              <a:t> </a:t>
+            </a:r>
+            <a:r>
+              <a:rPr lang="es" sz="1600" dirty="0" err="1"/>
+              <a:t>using</a:t>
+            </a:r>
+            <a:r>
+              <a:rPr lang="es" sz="1600" dirty="0"/>
+              <a:t> </a:t>
+            </a:r>
+            <a:r>
+              <a:rPr lang="es" sz="1600" dirty="0" err="1"/>
+              <a:t>the</a:t>
+            </a:r>
+            <a:r>
+              <a:rPr lang="es" sz="1600" dirty="0"/>
+              <a:t> </a:t>
+            </a:r>
+            <a:r>
+              <a:rPr lang="es" sz="1600" b="1" dirty="0" err="1"/>
+              <a:t>same</a:t>
+            </a:r>
+            <a:r>
+              <a:rPr lang="es" sz="1600" b="1" dirty="0"/>
+              <a:t> </a:t>
+            </a:r>
+            <a:r>
+              <a:rPr lang="es" sz="1600" b="1" dirty="0" err="1"/>
+              <a:t>research</a:t>
+            </a:r>
+            <a:r>
+              <a:rPr lang="es" sz="1600" b="1" dirty="0"/>
+              <a:t> </a:t>
+            </a:r>
+            <a:r>
+              <a:rPr lang="es" sz="1600" b="1" dirty="0" err="1"/>
+              <a:t>methods</a:t>
+            </a:r>
+            <a:r>
+              <a:rPr lang="es" sz="1600" dirty="0"/>
+              <a:t>, and </a:t>
+            </a:r>
+            <a:r>
+              <a:rPr lang="es" sz="1600" dirty="0" err="1"/>
+              <a:t>will</a:t>
+            </a:r>
+            <a:r>
+              <a:rPr lang="es" sz="1600" dirty="0"/>
+              <a:t> </a:t>
+            </a:r>
+            <a:r>
+              <a:rPr lang="es" sz="1600" dirty="0" err="1"/>
+              <a:t>yield</a:t>
+            </a:r>
+            <a:r>
+              <a:rPr lang="es" sz="1600" dirty="0"/>
+              <a:t> </a:t>
+            </a:r>
+            <a:r>
+              <a:rPr lang="es" sz="1600" dirty="0" err="1"/>
+              <a:t>the</a:t>
+            </a:r>
+            <a:r>
+              <a:rPr lang="es" sz="1600" dirty="0"/>
+              <a:t> </a:t>
+            </a:r>
+            <a:r>
+              <a:rPr lang="es" sz="1600" dirty="0" err="1"/>
+              <a:t>same</a:t>
+            </a:r>
+            <a:r>
+              <a:rPr lang="es" sz="1600" dirty="0"/>
+              <a:t> </a:t>
+            </a:r>
+            <a:r>
+              <a:rPr lang="es" sz="1600" dirty="0" err="1"/>
+              <a:t>results</a:t>
+            </a:r>
+          </a:p>
+          <a:p>
+            <a:pPr marL="285750" indent="-285750">
+              <a:buFont typeface="Arial" panose="020B0604020202020204" pitchFamily="34" charset="0"/>
+              <a:buChar char="•"/>
+            </a:pPr>
+            <a:endParaRPr lang="es" dirty="0"/>
+          </a:p>
+          <a:p>
+            <a:pPr marL="285750" indent="-285750">
+              <a:buFont typeface="Arial" panose="020B0604020202020204" pitchFamily="34" charset="0"/>
+              <a:buChar char="•"/>
+            </a:pPr>
+            <a:endParaRPr lang="es" dirty="0"/>
+          </a:p>
+          <a:p>
+            <a:pPr marL="285750" indent="-285750">
+              <a:buFont typeface="Arial" panose="020B0604020202020204" pitchFamily="34" charset="0"/>
+              <a:buChar char="•"/>
+            </a:pPr>
+            <a:endParaRPr lang="es" dirty="0"/>
+          </a:p>
+          <a:p>
+            <a:pPr marL="285750" indent="-285750">
+              <a:buFont typeface="Arial" panose="020B0604020202020204" pitchFamily="34" charset="0"/>
+              <a:buChar char="•"/>
+            </a:pPr>
+            <a:endParaRPr lang="es" dirty="0"/>
+          </a:p>
+        </p:txBody>
+      </p:sp>
+      <p:cxnSp>
+        <p:nvCxnSpPr>
+          <p:cNvPr id="166" name="Google Shape;166;p30">
+            <a:extLst>
+              <a:ext uri="{FF2B5EF4-FFF2-40B4-BE49-F238E27FC236}">
+                <a16:creationId xmlns:a16="http://schemas.microsoft.com/office/drawing/2014/main" id="{C08CD3A6-29E5-6BE9-E772-783262BD5A87}"/>
+              </a:ext>
+            </a:extLst>
+          </p:cNvPr>
+          <p:cNvCxnSpPr>
+            <a:cxnSpLocks/>
+          </p:cNvCxnSpPr>
+          <p:nvPr/>
+        </p:nvCxnSpPr>
+        <p:spPr>
+          <a:xfrm>
+            <a:off x="812499" y="1045726"/>
+            <a:ext cx="7321080" cy="0"/>
+          </a:xfrm>
+          <a:prstGeom prst="straightConnector1">
+            <a:avLst/>
+          </a:prstGeom>
+          <a:noFill/>
+          <a:ln w="19050" cap="flat" cmpd="sng">
+            <a:solidFill>
+              <a:schemeClr val="dk1"/>
+            </a:solidFill>
+            <a:prstDash val="solid"/>
+            <a:round/>
+            <a:headEnd type="none" w="med" len="med"/>
+            <a:tailEnd type="none" w="med" len="med"/>
+          </a:ln>
+        </p:spPr>
+      </p:cxnSp>
+    </p:spTree>
+    <p:extLst>
+      <p:ext uri="{BB962C8B-B14F-4D97-AF65-F5344CB8AC3E}">
+        <p14:creationId xmlns:p14="http://schemas.microsoft.com/office/powerpoint/2010/main" val="1155730660"/>
+      </p:ext>
+    </p:extLst>
+  </p:cSld>
+  <p:clrMapOvr>
+    <a:masterClrMapping/>
+  </p:clrMapOvr>
+</p:sld>
+</file>
+
+<file path=ppt/slides/slide40.xml><?xml version="1.0" encoding="utf-8"?>
 <p:sld xmlns:a="http://schemas.openxmlformats.org/drawingml/2006/main" xmlns:r="http://schemas.openxmlformats.org/officeDocument/2006/relationships" xmlns:p="http://schemas.openxmlformats.org/presentationml/2006/main">
   <p:cSld>
     <p:spTree>
@@ -25696,7 +26466,7 @@
 </p:sld>
 </file>
 
-<file path=ppt/slides/slide39.xml><?xml version="1.0" encoding="utf-8"?>
+<file path=ppt/slides/slide41.xml><?xml version="1.0" encoding="utf-8"?>
 <p:sld xmlns:a="http://schemas.openxmlformats.org/drawingml/2006/main" xmlns:r="http://schemas.openxmlformats.org/officeDocument/2006/relationships" xmlns:p="http://schemas.openxmlformats.org/presentationml/2006/main">
   <p:cSld>
     <p:spTree>
@@ -25958,334 +26728,7 @@
 </p:sld>
 </file>
 
-<file path=ppt/slides/slide4.xml><?xml version="1.0" encoding="utf-8"?>
-<p:sld xmlns:a="http://schemas.openxmlformats.org/drawingml/2006/main" xmlns:r="http://schemas.openxmlformats.org/officeDocument/2006/relationships" xmlns:p="http://schemas.openxmlformats.org/presentationml/2006/main">
-  <p:cSld>
-    <p:spTree>
-      <p:nvGrpSpPr>
-        <p:cNvPr id="1" name="Shape 157">
-          <a:extLst>
-            <a:ext uri="{FF2B5EF4-FFF2-40B4-BE49-F238E27FC236}">
-              <a16:creationId xmlns:a16="http://schemas.microsoft.com/office/drawing/2014/main" id="{421C78ED-CFB4-BF71-C314-9FBDBAD0BE97}"/>
-            </a:ext>
-          </a:extLst>
-        </p:cNvPr>
-        <p:cNvGrpSpPr/>
-        <p:nvPr/>
-      </p:nvGrpSpPr>
-      <p:grpSpPr>
-        <a:xfrm>
-          <a:off x="0" y="0"/>
-          <a:ext cx="0" cy="0"/>
-          <a:chOff x="0" y="0"/>
-          <a:chExt cx="0" cy="0"/>
-        </a:xfrm>
-      </p:grpSpPr>
-      <p:sp>
-        <p:nvSpPr>
-          <p:cNvPr id="158" name="Google Shape;158;p30">
-            <a:extLst>
-              <a:ext uri="{FF2B5EF4-FFF2-40B4-BE49-F238E27FC236}">
-                <a16:creationId xmlns:a16="http://schemas.microsoft.com/office/drawing/2014/main" id="{094BEDF3-5B68-8EE5-646D-B0CA33696FF2}"/>
-              </a:ext>
-            </a:extLst>
-          </p:cNvPr>
-          <p:cNvSpPr txBox="1">
-            <a:spLocks noGrp="1"/>
-          </p:cNvSpPr>
-          <p:nvPr>
-            <p:ph type="title" idx="6"/>
-          </p:nvPr>
-        </p:nvSpPr>
-        <p:spPr>
-          <a:xfrm>
-            <a:off x="710750" y="387250"/>
-            <a:ext cx="7434783" cy="711702"/>
-          </a:xfrm>
-          <a:prstGeom prst="rect">
-            <a:avLst/>
-          </a:prstGeom>
-        </p:spPr>
-        <p:txBody>
-          <a:bodyPr spcFirstLastPara="1" wrap="square" lIns="91425" tIns="91425" rIns="91425" bIns="91425" anchor="t" anchorCtr="0">
-            <a:noAutofit/>
-          </a:bodyPr>
-          <a:lstStyle/>
-          <a:p>
-            <a:r>
-              <a:rPr lang="es" dirty="0" err="1"/>
-              <a:t>What</a:t>
-            </a:r>
-            <a:r>
-              <a:rPr lang="es" dirty="0"/>
-              <a:t> </a:t>
-            </a:r>
-            <a:r>
-              <a:rPr lang="es" dirty="0" err="1"/>
-              <a:t>is</a:t>
-            </a:r>
-            <a:r>
-              <a:rPr lang="es" dirty="0"/>
-              <a:t> </a:t>
-            </a:r>
-            <a:r>
-              <a:rPr lang="es" dirty="0" err="1"/>
-              <a:t>Reproducibility</a:t>
-            </a:r>
-            <a:r>
-              <a:rPr lang="es" dirty="0"/>
-              <a:t>?</a:t>
-            </a:r>
-            <a:endParaRPr lang="en-US" dirty="0"/>
-          </a:p>
-        </p:txBody>
-      </p:sp>
-      <p:sp>
-        <p:nvSpPr>
-          <p:cNvPr id="162" name="Google Shape;162;p30">
-            <a:extLst>
-              <a:ext uri="{FF2B5EF4-FFF2-40B4-BE49-F238E27FC236}">
-                <a16:creationId xmlns:a16="http://schemas.microsoft.com/office/drawing/2014/main" id="{B2B94977-2685-6122-CF8F-EEBEE77E75A7}"/>
-              </a:ext>
-            </a:extLst>
-          </p:cNvPr>
-          <p:cNvSpPr txBox="1">
-            <a:spLocks noGrp="1"/>
-          </p:cNvSpPr>
-          <p:nvPr>
-            <p:ph type="subTitle" idx="3"/>
-          </p:nvPr>
-        </p:nvSpPr>
-        <p:spPr>
-          <a:xfrm>
-            <a:off x="710749" y="1283957"/>
-            <a:ext cx="7433291" cy="3096454"/>
-          </a:xfrm>
-          <a:prstGeom prst="rect">
-            <a:avLst/>
-          </a:prstGeom>
-        </p:spPr>
-        <p:txBody>
-          <a:bodyPr spcFirstLastPara="1" wrap="square" lIns="91425" tIns="91425" rIns="91425" bIns="91425" anchor="t" anchorCtr="0">
-            <a:noAutofit/>
-          </a:bodyPr>
-          <a:lstStyle/>
-          <a:p>
-            <a:pPr marL="0" indent="0">
-              <a:lnSpc>
-                <a:spcPct val="150000"/>
-              </a:lnSpc>
-            </a:pPr>
-            <a:r>
-              <a:rPr lang="es" sz="1600" b="1" dirty="0"/>
-              <a:t>Reproducible</a:t>
-            </a:r>
-          </a:p>
-          <a:p>
-            <a:pPr marL="0" lvl="0" indent="0" algn="l">
-              <a:lnSpc>
-                <a:spcPct val="150000"/>
-              </a:lnSpc>
-              <a:spcBef>
-                <a:spcPts val="0"/>
-              </a:spcBef>
-              <a:spcAft>
-                <a:spcPts val="0"/>
-              </a:spcAft>
-            </a:pPr>
-            <a:endParaRPr lang="es" sz="1600" b="1" dirty="0"/>
-          </a:p>
-          <a:p>
-            <a:pPr marL="285750" indent="-285750">
-              <a:lnSpc>
-                <a:spcPct val="150000"/>
-              </a:lnSpc>
-              <a:buFont typeface="Arial"/>
-              <a:buChar char="•"/>
-            </a:pPr>
-            <a:r>
-              <a:rPr lang="es" sz="1600" dirty="0" err="1"/>
-              <a:t>The</a:t>
-            </a:r>
-            <a:r>
-              <a:rPr lang="es" sz="1600" dirty="0"/>
-              <a:t> </a:t>
-            </a:r>
-            <a:r>
-              <a:rPr lang="es" sz="1600" b="1" dirty="0" err="1"/>
-              <a:t>existing</a:t>
-            </a:r>
-            <a:r>
-              <a:rPr lang="es" sz="1600" b="1" dirty="0"/>
-              <a:t> data </a:t>
-            </a:r>
-            <a:r>
-              <a:rPr lang="es" sz="1600" dirty="0"/>
-              <a:t>can be </a:t>
-            </a:r>
-            <a:r>
-              <a:rPr lang="es" sz="1600" dirty="0" err="1"/>
-              <a:t>reanalyzed</a:t>
-            </a:r>
-            <a:r>
-              <a:rPr lang="es" sz="1600" dirty="0"/>
-              <a:t> </a:t>
-            </a:r>
-            <a:r>
-              <a:rPr lang="es" sz="1600" dirty="0" err="1"/>
-              <a:t>using</a:t>
-            </a:r>
-            <a:r>
-              <a:rPr lang="es" sz="1600" dirty="0"/>
-              <a:t> </a:t>
-            </a:r>
-            <a:r>
-              <a:rPr lang="es" sz="1600" dirty="0" err="1"/>
-              <a:t>the</a:t>
-            </a:r>
-            <a:r>
-              <a:rPr lang="es" sz="1600" dirty="0"/>
-              <a:t> </a:t>
-            </a:r>
-            <a:r>
-              <a:rPr lang="es" sz="1600" b="1" dirty="0" err="1"/>
-              <a:t>same</a:t>
-            </a:r>
-            <a:r>
-              <a:rPr lang="es" sz="1600" b="1" dirty="0"/>
-              <a:t> </a:t>
-            </a:r>
-            <a:r>
-              <a:rPr lang="es" sz="1600" b="1" dirty="0" err="1"/>
-              <a:t>research</a:t>
-            </a:r>
-            <a:r>
-              <a:rPr lang="es" sz="1600" b="1" dirty="0"/>
-              <a:t> </a:t>
-            </a:r>
-            <a:r>
-              <a:rPr lang="es" sz="1600" b="1" dirty="0" err="1"/>
-              <a:t>methods</a:t>
-            </a:r>
-            <a:r>
-              <a:rPr lang="es" sz="1600" dirty="0"/>
-              <a:t>, and </a:t>
-            </a:r>
-            <a:r>
-              <a:rPr lang="es" sz="1600" dirty="0" err="1"/>
-              <a:t>will</a:t>
-            </a:r>
-            <a:r>
-              <a:rPr lang="es" sz="1600" dirty="0"/>
-              <a:t> </a:t>
-            </a:r>
-            <a:r>
-              <a:rPr lang="es" sz="1600" dirty="0" err="1"/>
-              <a:t>yield</a:t>
-            </a:r>
-            <a:r>
-              <a:rPr lang="es" sz="1600" dirty="0"/>
-              <a:t> </a:t>
-            </a:r>
-            <a:r>
-              <a:rPr lang="es" sz="1600" dirty="0" err="1"/>
-              <a:t>the</a:t>
-            </a:r>
-            <a:r>
-              <a:rPr lang="es" sz="1600" dirty="0"/>
-              <a:t> </a:t>
-            </a:r>
-            <a:r>
-              <a:rPr lang="es" sz="1600" dirty="0" err="1"/>
-              <a:t>same</a:t>
-            </a:r>
-            <a:r>
-              <a:rPr lang="es" sz="1600" dirty="0"/>
-              <a:t> </a:t>
-            </a:r>
-            <a:r>
-              <a:rPr lang="es" sz="1600" dirty="0" err="1"/>
-              <a:t>results</a:t>
-            </a:r>
-          </a:p>
-          <a:p>
-            <a:pPr marL="285750" indent="-285750">
-              <a:buFont typeface="Arial" panose="020B0604020202020204" pitchFamily="34" charset="0"/>
-              <a:buChar char="•"/>
-            </a:pPr>
-            <a:endParaRPr lang="es" dirty="0"/>
-          </a:p>
-          <a:p>
-            <a:pPr marL="285750" indent="-285750">
-              <a:buFont typeface="Arial" panose="020B0604020202020204" pitchFamily="34" charset="0"/>
-              <a:buChar char="•"/>
-            </a:pPr>
-            <a:endParaRPr lang="es" dirty="0"/>
-          </a:p>
-          <a:p>
-            <a:pPr marL="285750" indent="-285750">
-              <a:buFont typeface="Arial" panose="020B0604020202020204" pitchFamily="34" charset="0"/>
-              <a:buChar char="•"/>
-            </a:pPr>
-            <a:endParaRPr lang="es" dirty="0"/>
-          </a:p>
-          <a:p>
-            <a:pPr marL="285750" indent="-285750">
-              <a:buFont typeface="Arial" panose="020B0604020202020204" pitchFamily="34" charset="0"/>
-              <a:buChar char="•"/>
-            </a:pPr>
-            <a:endParaRPr lang="es" dirty="0"/>
-          </a:p>
-        </p:txBody>
-      </p:sp>
-      <p:cxnSp>
-        <p:nvCxnSpPr>
-          <p:cNvPr id="166" name="Google Shape;166;p30">
-            <a:extLst>
-              <a:ext uri="{FF2B5EF4-FFF2-40B4-BE49-F238E27FC236}">
-                <a16:creationId xmlns:a16="http://schemas.microsoft.com/office/drawing/2014/main" id="{C08CD3A6-29E5-6BE9-E772-783262BD5A87}"/>
-              </a:ext>
-            </a:extLst>
-          </p:cNvPr>
-          <p:cNvCxnSpPr>
-            <a:cxnSpLocks/>
-          </p:cNvCxnSpPr>
-          <p:nvPr/>
-        </p:nvCxnSpPr>
-        <p:spPr>
-          <a:xfrm>
-            <a:off x="812499" y="1045726"/>
-            <a:ext cx="7321080" cy="0"/>
-          </a:xfrm>
-          <a:prstGeom prst="straightConnector1">
-            <a:avLst/>
-          </a:prstGeom>
-          <a:noFill/>
-          <a:ln w="19050" cap="flat" cmpd="sng">
-            <a:solidFill>
-              <a:schemeClr val="dk1"/>
-            </a:solidFill>
-            <a:prstDash val="solid"/>
-            <a:round/>
-            <a:headEnd type="none" w="med" len="med"/>
-            <a:tailEnd type="none" w="med" len="med"/>
-          </a:ln>
-        </p:spPr>
-      </p:cxnSp>
-    </p:spTree>
-    <p:extLst>
-      <p:ext uri="{BB962C8B-B14F-4D97-AF65-F5344CB8AC3E}">
-        <p14:creationId xmlns:p14="http://schemas.microsoft.com/office/powerpoint/2010/main" val="1155730660"/>
-      </p:ext>
-    </p:extLst>
-  </p:cSld>
-  <p:clrMapOvr>
-    <a:masterClrMapping/>
-  </p:clrMapOvr>
-</p:sld>
-</file>
-
-<file path=ppt/slides/slide40.xml><?xml version="1.0" encoding="utf-8"?>
+<file path=ppt/slides/slide42.xml><?xml version="1.0" encoding="utf-8"?>
 <p:sld xmlns:a="http://schemas.openxmlformats.org/drawingml/2006/main" xmlns:r="http://schemas.openxmlformats.org/officeDocument/2006/relationships" xmlns:p="http://schemas.openxmlformats.org/presentationml/2006/main">
   <p:cSld>
     <p:spTree>
@@ -26471,7 +26914,7 @@
 </p:sld>
 </file>
 
-<file path=ppt/slides/slide41.xml><?xml version="1.0" encoding="utf-8"?>
+<file path=ppt/slides/slide43.xml><?xml version="1.0" encoding="utf-8"?>
 <p:sld xmlns:a="http://schemas.openxmlformats.org/drawingml/2006/main" xmlns:r="http://schemas.openxmlformats.org/officeDocument/2006/relationships" xmlns:p="http://schemas.openxmlformats.org/presentationml/2006/main">
   <p:cSld>
     <p:spTree>
@@ -26733,7 +27176,7 @@
 </p:sld>
 </file>
 
-<file path=ppt/slides/slide42.xml><?xml version="1.0" encoding="utf-8"?>
+<file path=ppt/slides/slide44.xml><?xml version="1.0" encoding="utf-8"?>
 <p:sld xmlns:a="http://schemas.openxmlformats.org/drawingml/2006/main" xmlns:r="http://schemas.openxmlformats.org/officeDocument/2006/relationships" xmlns:p="http://schemas.openxmlformats.org/presentationml/2006/main">
   <p:cSld>
     <p:spTree>
@@ -26851,7 +27294,7 @@
 </p:sld>
 </file>
 
-<file path=ppt/slides/slide43.xml><?xml version="1.0" encoding="utf-8"?>
+<file path=ppt/slides/slide45.xml><?xml version="1.0" encoding="utf-8"?>
 <p:sld xmlns:a="http://schemas.openxmlformats.org/drawingml/2006/main" xmlns:r="http://schemas.openxmlformats.org/officeDocument/2006/relationships" xmlns:p="http://schemas.openxmlformats.org/presentationml/2006/main">
   <p:cSld>
     <p:spTree>
@@ -27046,7 +27489,7 @@
 </p:sld>
 </file>
 
-<file path=ppt/slides/slide44.xml><?xml version="1.0" encoding="utf-8"?>
+<file path=ppt/slides/slide46.xml><?xml version="1.0" encoding="utf-8"?>
 <p:sld xmlns:a="http://schemas.openxmlformats.org/drawingml/2006/main" xmlns:r="http://schemas.openxmlformats.org/officeDocument/2006/relationships" xmlns:p="http://schemas.openxmlformats.org/presentationml/2006/main">
   <p:cSld>
     <p:spTree>
@@ -27201,7 +27644,7 @@
 </p:sld>
 </file>
 
-<file path=ppt/slides/slide45.xml><?xml version="1.0" encoding="utf-8"?>
+<file path=ppt/slides/slide47.xml><?xml version="1.0" encoding="utf-8"?>
 <p:sld xmlns:a="http://schemas.openxmlformats.org/drawingml/2006/main" xmlns:r="http://schemas.openxmlformats.org/officeDocument/2006/relationships" xmlns:p="http://schemas.openxmlformats.org/presentationml/2006/main">
   <p:cSld>
     <p:spTree>
@@ -27356,7 +27799,7 @@
 </p:sld>
 </file>
 
-<file path=ppt/slides/slide46.xml><?xml version="1.0" encoding="utf-8"?>
+<file path=ppt/slides/slide48.xml><?xml version="1.0" encoding="utf-8"?>
 <p:sld xmlns:a="http://schemas.openxmlformats.org/drawingml/2006/main" xmlns:r="http://schemas.openxmlformats.org/officeDocument/2006/relationships" xmlns:p="http://schemas.openxmlformats.org/presentationml/2006/main">
   <p:cSld>
     <p:spTree>
@@ -27828,7 +28271,7 @@
 </p:sld>
 </file>
 
-<file path=ppt/slides/slide47.xml><?xml version="1.0" encoding="utf-8"?>
+<file path=ppt/slides/slide49.xml><?xml version="1.0" encoding="utf-8"?>
 <p:sld xmlns:a="http://schemas.openxmlformats.org/drawingml/2006/main" xmlns:r="http://schemas.openxmlformats.org/officeDocument/2006/relationships" xmlns:p="http://schemas.openxmlformats.org/presentationml/2006/main">
   <p:cSld>
     <p:spTree>
@@ -28309,808 +28752,6 @@
     <p:extLst>
       <p:ext uri="{BB962C8B-B14F-4D97-AF65-F5344CB8AC3E}">
         <p14:creationId xmlns:p14="http://schemas.microsoft.com/office/powerpoint/2010/main" val="681617870"/>
-      </p:ext>
-    </p:extLst>
-  </p:cSld>
-  <p:clrMapOvr>
-    <a:masterClrMapping/>
-  </p:clrMapOvr>
-</p:sld>
-</file>
-
-<file path=ppt/slides/slide48.xml><?xml version="1.0" encoding="utf-8"?>
-<p:sld xmlns:a="http://schemas.openxmlformats.org/drawingml/2006/main" xmlns:r="http://schemas.openxmlformats.org/officeDocument/2006/relationships" xmlns:p="http://schemas.openxmlformats.org/presentationml/2006/main">
-  <p:cSld>
-    <p:spTree>
-      <p:nvGrpSpPr>
-        <p:cNvPr id="1" name="Shape 157">
-          <a:extLst>
-            <a:ext uri="{FF2B5EF4-FFF2-40B4-BE49-F238E27FC236}">
-              <a16:creationId xmlns:a16="http://schemas.microsoft.com/office/drawing/2014/main" id="{918B3F89-90F1-6D0D-8FE7-2D4E00C4D8DE}"/>
-            </a:ext>
-          </a:extLst>
-        </p:cNvPr>
-        <p:cNvGrpSpPr/>
-        <p:nvPr/>
-      </p:nvGrpSpPr>
-      <p:grpSpPr>
-        <a:xfrm>
-          <a:off x="0" y="0"/>
-          <a:ext cx="0" cy="0"/>
-          <a:chOff x="0" y="0"/>
-          <a:chExt cx="0" cy="0"/>
-        </a:xfrm>
-      </p:grpSpPr>
-      <p:sp>
-        <p:nvSpPr>
-          <p:cNvPr id="158" name="Google Shape;158;p30">
-            <a:extLst>
-              <a:ext uri="{FF2B5EF4-FFF2-40B4-BE49-F238E27FC236}">
-                <a16:creationId xmlns:a16="http://schemas.microsoft.com/office/drawing/2014/main" id="{90DB3DD6-02EC-90C2-DF52-449723DAF484}"/>
-              </a:ext>
-            </a:extLst>
-          </p:cNvPr>
-          <p:cNvSpPr txBox="1">
-            <a:spLocks noGrp="1"/>
-          </p:cNvSpPr>
-          <p:nvPr>
-            <p:ph type="title" idx="6"/>
-          </p:nvPr>
-        </p:nvSpPr>
-        <p:spPr>
-          <a:xfrm>
-            <a:off x="710750" y="387250"/>
-            <a:ext cx="7779839" cy="711702"/>
-          </a:xfrm>
-          <a:prstGeom prst="rect">
-            <a:avLst/>
-          </a:prstGeom>
-        </p:spPr>
-        <p:txBody>
-          <a:bodyPr spcFirstLastPara="1" wrap="square" lIns="91425" tIns="91425" rIns="91425" bIns="91425" anchor="t" anchorCtr="0">
-            <a:noAutofit/>
-          </a:bodyPr>
-          <a:lstStyle/>
-          <a:p>
-            <a:r>
-              <a:rPr lang="es" dirty="0" err="1"/>
-              <a:t>RStudio</a:t>
-            </a:r>
-            <a:endParaRPr lang="en-US" dirty="0" err="1"/>
-          </a:p>
-        </p:txBody>
-      </p:sp>
-      <p:sp>
-        <p:nvSpPr>
-          <p:cNvPr id="162" name="Google Shape;162;p30">
-            <a:extLst>
-              <a:ext uri="{FF2B5EF4-FFF2-40B4-BE49-F238E27FC236}">
-                <a16:creationId xmlns:a16="http://schemas.microsoft.com/office/drawing/2014/main" id="{EA2DD3DD-81CF-ADC1-931B-951DE2582E05}"/>
-              </a:ext>
-            </a:extLst>
-          </p:cNvPr>
-          <p:cNvSpPr txBox="1">
-            <a:spLocks noGrp="1"/>
-          </p:cNvSpPr>
-          <p:nvPr>
-            <p:ph type="subTitle" idx="3"/>
-          </p:nvPr>
-        </p:nvSpPr>
-        <p:spPr>
-          <a:xfrm>
-            <a:off x="710749" y="1283957"/>
-            <a:ext cx="8169879" cy="3096454"/>
-          </a:xfrm>
-          <a:prstGeom prst="rect">
-            <a:avLst/>
-          </a:prstGeom>
-        </p:spPr>
-        <p:txBody>
-          <a:bodyPr spcFirstLastPara="1" wrap="square" lIns="91425" tIns="91425" rIns="91425" bIns="91425" anchor="t" anchorCtr="0">
-            <a:noAutofit/>
-          </a:bodyPr>
-          <a:lstStyle/>
-          <a:p>
-            <a:pPr marL="457200" lvl="1" indent="0"/>
-            <a:endParaRPr lang="es" sz="1600" dirty="0"/>
-          </a:p>
-          <a:p>
-            <a:pPr marL="285750" indent="-285750">
-              <a:buFont typeface="Arial" panose="020B0604020202020204" pitchFamily="34" charset="0"/>
-              <a:buChar char="•"/>
-            </a:pPr>
-            <a:r>
-              <a:rPr lang="es" sz="1600" dirty="0" err="1"/>
-              <a:t>While</a:t>
-            </a:r>
-            <a:r>
-              <a:rPr lang="es" sz="1600" dirty="0"/>
-              <a:t> R </a:t>
-            </a:r>
-            <a:r>
-              <a:rPr lang="es" sz="1600" dirty="0" err="1"/>
-              <a:t>is</a:t>
-            </a:r>
-            <a:r>
-              <a:rPr lang="es" sz="1600" dirty="0"/>
-              <a:t> </a:t>
-            </a:r>
-            <a:r>
-              <a:rPr lang="es" sz="1600" dirty="0" err="1"/>
-              <a:t>the</a:t>
-            </a:r>
-            <a:r>
-              <a:rPr lang="es" sz="1600" dirty="0"/>
-              <a:t> </a:t>
-            </a:r>
-            <a:r>
-              <a:rPr lang="es" sz="1600" dirty="0" err="1"/>
-              <a:t>programming</a:t>
-            </a:r>
-            <a:r>
-              <a:rPr lang="es" sz="1600" dirty="0"/>
-              <a:t> </a:t>
-            </a:r>
-            <a:r>
-              <a:rPr lang="es" sz="1600" dirty="0" err="1"/>
-              <a:t>language</a:t>
-            </a:r>
-            <a:r>
-              <a:rPr lang="es" sz="1600" dirty="0"/>
-              <a:t>, </a:t>
-            </a:r>
-            <a:r>
-              <a:rPr lang="es" sz="1600" dirty="0" err="1"/>
-              <a:t>RStudio</a:t>
-            </a:r>
-            <a:r>
-              <a:rPr lang="es" sz="1600" dirty="0"/>
-              <a:t> </a:t>
-            </a:r>
-            <a:r>
-              <a:rPr lang="es" sz="1600" dirty="0" err="1"/>
-              <a:t>is</a:t>
-            </a:r>
-            <a:r>
-              <a:rPr lang="es" sz="1600" dirty="0"/>
-              <a:t> </a:t>
-            </a:r>
-            <a:r>
-              <a:rPr lang="es" sz="1600" dirty="0" err="1"/>
-              <a:t>an</a:t>
-            </a:r>
-            <a:r>
-              <a:rPr lang="es" sz="1600" dirty="0"/>
-              <a:t> </a:t>
-            </a:r>
-            <a:r>
-              <a:rPr lang="es" sz="1600" dirty="0" err="1"/>
-              <a:t>Integrated</a:t>
-            </a:r>
-            <a:r>
-              <a:rPr lang="es" sz="1600" dirty="0"/>
-              <a:t> </a:t>
-            </a:r>
-            <a:r>
-              <a:rPr lang="es" sz="1600" dirty="0" err="1"/>
-              <a:t>Development</a:t>
-            </a:r>
-            <a:r>
-              <a:rPr lang="es" sz="1600" dirty="0"/>
-              <a:t> </a:t>
-            </a:r>
-            <a:r>
-              <a:rPr lang="es" sz="1600" dirty="0" err="1"/>
-              <a:t>Environment</a:t>
-            </a:r>
-            <a:r>
-              <a:rPr lang="es" sz="1600" dirty="0"/>
-              <a:t> (IDE), </a:t>
-            </a:r>
-            <a:r>
-              <a:rPr lang="es" sz="1600" dirty="0" err="1"/>
-              <a:t>which</a:t>
-            </a:r>
-            <a:r>
-              <a:rPr lang="es" sz="1600" dirty="0"/>
-              <a:t> </a:t>
-            </a:r>
-            <a:r>
-              <a:rPr lang="es" sz="1600" dirty="0" err="1"/>
-              <a:t>is</a:t>
-            </a:r>
-            <a:r>
-              <a:rPr lang="es" sz="1600" dirty="0"/>
-              <a:t> a </a:t>
-            </a:r>
-            <a:r>
-              <a:rPr lang="es" sz="1600" dirty="0" err="1"/>
-              <a:t>fancy</a:t>
-            </a:r>
-            <a:r>
-              <a:rPr lang="es" sz="1600" dirty="0"/>
-              <a:t> </a:t>
-            </a:r>
-            <a:r>
-              <a:rPr lang="es" sz="1600" dirty="0" err="1"/>
-              <a:t>term</a:t>
-            </a:r>
-            <a:r>
-              <a:rPr lang="es" sz="1600" dirty="0"/>
-              <a:t> </a:t>
-            </a:r>
-            <a:r>
-              <a:rPr lang="es" sz="1600" dirty="0" err="1"/>
-              <a:t>for</a:t>
-            </a:r>
-            <a:r>
-              <a:rPr lang="es" sz="1600" dirty="0"/>
-              <a:t> a software </a:t>
-            </a:r>
-            <a:r>
-              <a:rPr lang="es" sz="1600" dirty="0" err="1"/>
-              <a:t>application</a:t>
-            </a:r>
-            <a:r>
-              <a:rPr lang="es" sz="1600" dirty="0"/>
-              <a:t> </a:t>
-            </a:r>
-            <a:r>
-              <a:rPr lang="es" sz="1600" dirty="0" err="1"/>
-              <a:t>that</a:t>
-            </a:r>
-            <a:r>
-              <a:rPr lang="es" sz="1600" dirty="0"/>
-              <a:t> </a:t>
-            </a:r>
-            <a:r>
-              <a:rPr lang="es" sz="1600" dirty="0" err="1"/>
-              <a:t>makes</a:t>
-            </a:r>
-            <a:r>
-              <a:rPr lang="es" sz="1600" dirty="0"/>
-              <a:t> </a:t>
-            </a:r>
-            <a:r>
-              <a:rPr lang="es" sz="1600" dirty="0" err="1"/>
-              <a:t>working</a:t>
-            </a:r>
-            <a:r>
-              <a:rPr lang="es" sz="1600" dirty="0"/>
-              <a:t> in R </a:t>
-            </a:r>
-            <a:r>
-              <a:rPr lang="es" sz="1600" dirty="0" err="1"/>
-              <a:t>much</a:t>
-            </a:r>
-            <a:r>
-              <a:rPr lang="es" sz="1600" dirty="0"/>
-              <a:t> more </a:t>
-            </a:r>
-            <a:r>
-              <a:rPr lang="es" sz="1600" dirty="0" err="1"/>
-              <a:t>user-friendly</a:t>
-            </a:r>
-            <a:r>
-              <a:rPr lang="es" sz="1600" dirty="0"/>
-              <a:t>.</a:t>
-            </a:r>
-          </a:p>
-          <a:p>
-            <a:pPr marL="742950" lvl="1" indent="-285750">
-              <a:buFont typeface="Courier New" panose="020B0604020202020204" pitchFamily="34" charset="0"/>
-              <a:buChar char="o"/>
-            </a:pPr>
-            <a:endParaRPr lang="es" sz="1600" dirty="0"/>
-          </a:p>
-          <a:p>
-            <a:pPr marL="285750" indent="-285750">
-              <a:buFont typeface="Arial" panose="020B0604020202020204" pitchFamily="34" charset="0"/>
-              <a:buChar char="•"/>
-            </a:pPr>
-            <a:endParaRPr lang="es" dirty="0"/>
-          </a:p>
-          <a:p>
-            <a:pPr marL="285750" indent="-285750">
-              <a:buFont typeface="Arial" panose="020B0604020202020204" pitchFamily="34" charset="0"/>
-              <a:buChar char="•"/>
-            </a:pPr>
-            <a:endParaRPr lang="es" dirty="0"/>
-          </a:p>
-          <a:p>
-            <a:pPr marL="285750" indent="-285750">
-              <a:buFont typeface="Arial" panose="020B0604020202020204" pitchFamily="34" charset="0"/>
-              <a:buChar char="•"/>
-            </a:pPr>
-            <a:endParaRPr lang="es" dirty="0"/>
-          </a:p>
-          <a:p>
-            <a:pPr marL="285750" indent="-285750">
-              <a:buFont typeface="Arial" panose="020B0604020202020204" pitchFamily="34" charset="0"/>
-              <a:buChar char="•"/>
-            </a:pPr>
-            <a:endParaRPr lang="es" dirty="0"/>
-          </a:p>
-        </p:txBody>
-      </p:sp>
-      <p:cxnSp>
-        <p:nvCxnSpPr>
-          <p:cNvPr id="166" name="Google Shape;166;p30">
-            <a:extLst>
-              <a:ext uri="{FF2B5EF4-FFF2-40B4-BE49-F238E27FC236}">
-                <a16:creationId xmlns:a16="http://schemas.microsoft.com/office/drawing/2014/main" id="{65D08A69-9131-DEF5-8E26-1051BFB29DA3}"/>
-              </a:ext>
-            </a:extLst>
-          </p:cNvPr>
-          <p:cNvCxnSpPr>
-            <a:cxnSpLocks/>
-          </p:cNvCxnSpPr>
-          <p:nvPr/>
-        </p:nvCxnSpPr>
-        <p:spPr>
-          <a:xfrm>
-            <a:off x="812499" y="1045726"/>
-            <a:ext cx="6436873" cy="0"/>
-          </a:xfrm>
-          <a:prstGeom prst="straightConnector1">
-            <a:avLst/>
-          </a:prstGeom>
-          <a:noFill/>
-          <a:ln w="19050" cap="flat" cmpd="sng">
-            <a:solidFill>
-              <a:schemeClr val="dk1"/>
-            </a:solidFill>
-            <a:prstDash val="solid"/>
-            <a:round/>
-            <a:headEnd type="none" w="med" len="med"/>
-            <a:tailEnd type="none" w="med" len="med"/>
-          </a:ln>
-        </p:spPr>
-      </p:cxnSp>
-    </p:spTree>
-    <p:extLst>
-      <p:ext uri="{BB962C8B-B14F-4D97-AF65-F5344CB8AC3E}">
-        <p14:creationId xmlns:p14="http://schemas.microsoft.com/office/powerpoint/2010/main" val="711183476"/>
-      </p:ext>
-    </p:extLst>
-  </p:cSld>
-  <p:clrMapOvr>
-    <a:masterClrMapping/>
-  </p:clrMapOvr>
-</p:sld>
-</file>
-
-<file path=ppt/slides/slide49.xml><?xml version="1.0" encoding="utf-8"?>
-<p:sld xmlns:a="http://schemas.openxmlformats.org/drawingml/2006/main" xmlns:r="http://schemas.openxmlformats.org/officeDocument/2006/relationships" xmlns:p="http://schemas.openxmlformats.org/presentationml/2006/main">
-  <p:cSld>
-    <p:spTree>
-      <p:nvGrpSpPr>
-        <p:cNvPr id="1" name="Shape 157">
-          <a:extLst>
-            <a:ext uri="{FF2B5EF4-FFF2-40B4-BE49-F238E27FC236}">
-              <a16:creationId xmlns:a16="http://schemas.microsoft.com/office/drawing/2014/main" id="{42D84917-434A-6566-A99D-C02DE7B1FF5B}"/>
-            </a:ext>
-          </a:extLst>
-        </p:cNvPr>
-        <p:cNvGrpSpPr/>
-        <p:nvPr/>
-      </p:nvGrpSpPr>
-      <p:grpSpPr>
-        <a:xfrm>
-          <a:off x="0" y="0"/>
-          <a:ext cx="0" cy="0"/>
-          <a:chOff x="0" y="0"/>
-          <a:chExt cx="0" cy="0"/>
-        </a:xfrm>
-      </p:grpSpPr>
-      <p:sp>
-        <p:nvSpPr>
-          <p:cNvPr id="158" name="Google Shape;158;p30">
-            <a:extLst>
-              <a:ext uri="{FF2B5EF4-FFF2-40B4-BE49-F238E27FC236}">
-                <a16:creationId xmlns:a16="http://schemas.microsoft.com/office/drawing/2014/main" id="{EF35CE53-3F55-F3CD-A779-1E5A89EF21C4}"/>
-              </a:ext>
-            </a:extLst>
-          </p:cNvPr>
-          <p:cNvSpPr txBox="1">
-            <a:spLocks noGrp="1"/>
-          </p:cNvSpPr>
-          <p:nvPr>
-            <p:ph type="title" idx="6"/>
-          </p:nvPr>
-        </p:nvSpPr>
-        <p:spPr>
-          <a:xfrm>
-            <a:off x="710750" y="387250"/>
-            <a:ext cx="7779839" cy="711702"/>
-          </a:xfrm>
-          <a:prstGeom prst="rect">
-            <a:avLst/>
-          </a:prstGeom>
-        </p:spPr>
-        <p:txBody>
-          <a:bodyPr spcFirstLastPara="1" wrap="square" lIns="91425" tIns="91425" rIns="91425" bIns="91425" anchor="t" anchorCtr="0">
-            <a:noAutofit/>
-          </a:bodyPr>
-          <a:lstStyle/>
-          <a:p>
-            <a:r>
-              <a:rPr lang="es" dirty="0" err="1"/>
-              <a:t>RStudio</a:t>
-            </a:r>
-            <a:endParaRPr lang="en-US" dirty="0" err="1"/>
-          </a:p>
-        </p:txBody>
-      </p:sp>
-      <p:sp>
-        <p:nvSpPr>
-          <p:cNvPr id="162" name="Google Shape;162;p30">
-            <a:extLst>
-              <a:ext uri="{FF2B5EF4-FFF2-40B4-BE49-F238E27FC236}">
-                <a16:creationId xmlns:a16="http://schemas.microsoft.com/office/drawing/2014/main" id="{EB2A9693-AED4-D6A9-7D26-3BCE402EC6CB}"/>
-              </a:ext>
-            </a:extLst>
-          </p:cNvPr>
-          <p:cNvSpPr txBox="1">
-            <a:spLocks noGrp="1"/>
-          </p:cNvSpPr>
-          <p:nvPr>
-            <p:ph type="subTitle" idx="3"/>
-          </p:nvPr>
-        </p:nvSpPr>
-        <p:spPr>
-          <a:xfrm>
-            <a:off x="710749" y="1283957"/>
-            <a:ext cx="8169879" cy="3096454"/>
-          </a:xfrm>
-          <a:prstGeom prst="rect">
-            <a:avLst/>
-          </a:prstGeom>
-        </p:spPr>
-        <p:txBody>
-          <a:bodyPr spcFirstLastPara="1" wrap="square" lIns="91425" tIns="91425" rIns="91425" bIns="91425" anchor="t" anchorCtr="0">
-            <a:noAutofit/>
-          </a:bodyPr>
-          <a:lstStyle/>
-          <a:p>
-            <a:pPr marL="457200" lvl="1" indent="0"/>
-            <a:endParaRPr lang="es" sz="1600" dirty="0"/>
-          </a:p>
-          <a:p>
-            <a:pPr marL="0" indent="0"/>
-            <a:r>
-              <a:rPr lang="es" sz="1600" dirty="0"/>
-              <a:t>A (</a:t>
-            </a:r>
-            <a:r>
-              <a:rPr lang="es" sz="1600" dirty="0" err="1"/>
-              <a:t>bad</a:t>
-            </a:r>
-            <a:r>
-              <a:rPr lang="es" sz="1600" dirty="0"/>
-              <a:t>?) </a:t>
-            </a:r>
-            <a:r>
-              <a:rPr lang="es" sz="1600" dirty="0" err="1"/>
-              <a:t>analogy</a:t>
-            </a:r>
-            <a:r>
-              <a:rPr lang="es" sz="1600" dirty="0"/>
-              <a:t> </a:t>
-            </a:r>
-            <a:r>
-              <a:rPr lang="es" sz="1600" dirty="0" err="1"/>
-              <a:t>could</a:t>
-            </a:r>
-            <a:r>
-              <a:rPr lang="es" sz="1600" dirty="0"/>
-              <a:t> be:</a:t>
-            </a:r>
-          </a:p>
-          <a:p>
-            <a:pPr marL="285750" indent="-285750">
-              <a:buFont typeface="Arial" panose="020B0604020202020204" pitchFamily="34" charset="0"/>
-              <a:buChar char="•"/>
-            </a:pPr>
-            <a:endParaRPr lang="es" sz="1600" dirty="0"/>
-          </a:p>
-          <a:p>
-            <a:pPr marL="285750" indent="-285750">
-              <a:buFont typeface="Arial"/>
-              <a:buChar char="•"/>
-            </a:pPr>
-            <a:r>
-              <a:rPr lang="es" sz="1600" dirty="0" err="1"/>
-              <a:t>You</a:t>
-            </a:r>
-            <a:r>
-              <a:rPr lang="es" sz="1600" dirty="0"/>
-              <a:t> are </a:t>
-            </a:r>
-            <a:r>
-              <a:rPr lang="es" sz="1600" dirty="0" err="1"/>
-              <a:t>writing</a:t>
-            </a:r>
-            <a:r>
-              <a:rPr lang="es" sz="1600" dirty="0"/>
-              <a:t> a </a:t>
-            </a:r>
-            <a:r>
-              <a:rPr lang="es" sz="1600" dirty="0" err="1"/>
-              <a:t>document</a:t>
-            </a:r>
-            <a:r>
-              <a:rPr lang="es" sz="1600" dirty="0"/>
-              <a:t> in Microsoft Word.  In </a:t>
-            </a:r>
-            <a:r>
-              <a:rPr lang="es" sz="1600" dirty="0" err="1"/>
-              <a:t>this</a:t>
-            </a:r>
-            <a:r>
-              <a:rPr lang="es" sz="1600" dirty="0"/>
-              <a:t> case, </a:t>
-            </a:r>
-            <a:r>
-              <a:rPr lang="es" sz="1600" dirty="0" err="1"/>
-              <a:t>the</a:t>
-            </a:r>
-            <a:r>
-              <a:rPr lang="es" sz="1600" dirty="0"/>
-              <a:t> </a:t>
-            </a:r>
-            <a:r>
-              <a:rPr lang="es" sz="1600" dirty="0" err="1"/>
-              <a:t>plain</a:t>
-            </a:r>
-            <a:r>
-              <a:rPr lang="es" sz="1600" dirty="0"/>
-              <a:t> human </a:t>
-            </a:r>
-            <a:r>
-              <a:rPr lang="es" sz="1600" dirty="0" err="1"/>
-              <a:t>language</a:t>
-            </a:r>
-            <a:r>
-              <a:rPr lang="es" sz="1600" dirty="0"/>
-              <a:t> </a:t>
-            </a:r>
-            <a:r>
-              <a:rPr lang="es" sz="1600" dirty="0" err="1"/>
-              <a:t>that</a:t>
-            </a:r>
-            <a:r>
-              <a:rPr lang="es" sz="1600" dirty="0"/>
-              <a:t> </a:t>
-            </a:r>
-            <a:r>
-              <a:rPr lang="es" sz="1600" dirty="0" err="1"/>
-              <a:t>you</a:t>
-            </a:r>
-            <a:r>
-              <a:rPr lang="es" sz="1600" dirty="0"/>
-              <a:t> are </a:t>
-            </a:r>
-            <a:r>
-              <a:rPr lang="es" sz="1600" dirty="0" err="1"/>
-              <a:t>typing</a:t>
-            </a:r>
-            <a:r>
-              <a:rPr lang="es" sz="1600" dirty="0"/>
-              <a:t> </a:t>
-            </a:r>
-            <a:r>
-              <a:rPr lang="es" sz="1600" dirty="0" err="1"/>
-              <a:t>would</a:t>
-            </a:r>
-            <a:r>
-              <a:rPr lang="es" sz="1600" dirty="0"/>
-              <a:t> be R, and Microsoft Word, </a:t>
-            </a:r>
-            <a:r>
-              <a:rPr lang="es" sz="1600" dirty="0" err="1"/>
-              <a:t>which</a:t>
-            </a:r>
-            <a:r>
-              <a:rPr lang="es" sz="1600" dirty="0"/>
-              <a:t> </a:t>
-            </a:r>
-            <a:r>
-              <a:rPr lang="es" sz="1600" dirty="0" err="1"/>
-              <a:t>is</a:t>
-            </a:r>
-            <a:r>
-              <a:rPr lang="es" sz="1600" dirty="0"/>
-              <a:t> </a:t>
-            </a:r>
-            <a:r>
-              <a:rPr lang="es" sz="1600" dirty="0" err="1"/>
-              <a:t>the</a:t>
-            </a:r>
-            <a:r>
-              <a:rPr lang="es" sz="1600" dirty="0"/>
-              <a:t> software </a:t>
-            </a:r>
-            <a:r>
-              <a:rPr lang="es" sz="1600" dirty="0" err="1"/>
-              <a:t>that</a:t>
-            </a:r>
-            <a:r>
-              <a:rPr lang="es" sz="1600" dirty="0"/>
-              <a:t> </a:t>
-            </a:r>
-            <a:r>
-              <a:rPr lang="es" sz="1600" dirty="0" err="1"/>
-              <a:t>allows</a:t>
-            </a:r>
-            <a:r>
-              <a:rPr lang="es" sz="1600" dirty="0"/>
-              <a:t> </a:t>
-            </a:r>
-            <a:r>
-              <a:rPr lang="es" sz="1600" dirty="0" err="1"/>
-              <a:t>you</a:t>
-            </a:r>
-            <a:r>
-              <a:rPr lang="es" sz="1600" dirty="0"/>
-              <a:t> </a:t>
-            </a:r>
-            <a:r>
-              <a:rPr lang="es" sz="1600" dirty="0" err="1"/>
-              <a:t>to</a:t>
-            </a:r>
-            <a:r>
-              <a:rPr lang="es" sz="1600" dirty="0"/>
-              <a:t> </a:t>
-            </a:r>
-            <a:r>
-              <a:rPr lang="es" sz="1600" dirty="0" err="1"/>
-              <a:t>view</a:t>
-            </a:r>
-            <a:r>
-              <a:rPr lang="es" sz="1600" dirty="0"/>
-              <a:t>, </a:t>
-            </a:r>
-            <a:r>
-              <a:rPr lang="es" sz="1600" dirty="0" err="1"/>
-              <a:t>format</a:t>
-            </a:r>
-            <a:r>
-              <a:rPr lang="es" sz="1600" dirty="0"/>
-              <a:t>, </a:t>
-            </a:r>
-            <a:r>
-              <a:rPr lang="es" sz="1600" dirty="0" err="1"/>
-              <a:t>add</a:t>
-            </a:r>
-            <a:r>
-              <a:rPr lang="es" sz="1600" dirty="0"/>
-              <a:t> </a:t>
-            </a:r>
-            <a:r>
-              <a:rPr lang="es" sz="1600" dirty="0" err="1"/>
-              <a:t>visuals</a:t>
-            </a:r>
-            <a:r>
-              <a:rPr lang="es" sz="1600" dirty="0"/>
-              <a:t>, and </a:t>
-            </a:r>
-            <a:r>
-              <a:rPr lang="es" sz="1600" dirty="0" err="1"/>
-              <a:t>save</a:t>
-            </a:r>
-            <a:r>
-              <a:rPr lang="es" sz="1600" dirty="0"/>
-              <a:t> </a:t>
-            </a:r>
-            <a:r>
-              <a:rPr lang="es" sz="1600" dirty="0" err="1"/>
-              <a:t>your</a:t>
-            </a:r>
-            <a:r>
-              <a:rPr lang="es" sz="1600" dirty="0"/>
-              <a:t> </a:t>
-            </a:r>
-            <a:r>
-              <a:rPr lang="es" sz="1600" dirty="0" err="1"/>
-              <a:t>work</a:t>
-            </a:r>
-            <a:r>
-              <a:rPr lang="es" sz="1600" dirty="0"/>
-              <a:t>, </a:t>
-            </a:r>
-            <a:r>
-              <a:rPr lang="es" sz="1600" dirty="0" err="1"/>
-              <a:t>is</a:t>
-            </a:r>
-            <a:r>
-              <a:rPr lang="es" sz="1600" dirty="0"/>
-              <a:t> </a:t>
-            </a:r>
-            <a:r>
-              <a:rPr lang="es" sz="1600" dirty="0" err="1"/>
-              <a:t>RStudio</a:t>
-            </a:r>
-            <a:r>
-              <a:rPr lang="es" sz="1600" dirty="0"/>
-              <a:t>.</a:t>
-            </a:r>
-          </a:p>
-          <a:p>
-            <a:pPr marL="742950" lvl="1" indent="-285750">
-              <a:buFont typeface="Courier New" panose="020B0604020202020204" pitchFamily="34" charset="0"/>
-              <a:buChar char="o"/>
-            </a:pPr>
-            <a:endParaRPr lang="es" sz="1600" dirty="0"/>
-          </a:p>
-          <a:p>
-            <a:pPr marL="285750" indent="-285750">
-              <a:buFont typeface="Arial" panose="020B0604020202020204" pitchFamily="34" charset="0"/>
-              <a:buChar char="•"/>
-            </a:pPr>
-            <a:endParaRPr lang="es" dirty="0"/>
-          </a:p>
-          <a:p>
-            <a:pPr marL="285750" indent="-285750">
-              <a:buFont typeface="Arial" panose="020B0604020202020204" pitchFamily="34" charset="0"/>
-              <a:buChar char="•"/>
-            </a:pPr>
-            <a:endParaRPr lang="es" dirty="0"/>
-          </a:p>
-          <a:p>
-            <a:pPr marL="285750" indent="-285750">
-              <a:buFont typeface="Arial" panose="020B0604020202020204" pitchFamily="34" charset="0"/>
-              <a:buChar char="•"/>
-            </a:pPr>
-            <a:endParaRPr lang="es" dirty="0"/>
-          </a:p>
-          <a:p>
-            <a:pPr marL="285750" indent="-285750">
-              <a:buFont typeface="Arial" panose="020B0604020202020204" pitchFamily="34" charset="0"/>
-              <a:buChar char="•"/>
-            </a:pPr>
-            <a:endParaRPr lang="es" dirty="0"/>
-          </a:p>
-        </p:txBody>
-      </p:sp>
-      <p:cxnSp>
-        <p:nvCxnSpPr>
-          <p:cNvPr id="166" name="Google Shape;166;p30">
-            <a:extLst>
-              <a:ext uri="{FF2B5EF4-FFF2-40B4-BE49-F238E27FC236}">
-                <a16:creationId xmlns:a16="http://schemas.microsoft.com/office/drawing/2014/main" id="{19883505-368C-2C0D-F47B-90259A15D261}"/>
-              </a:ext>
-            </a:extLst>
-          </p:cNvPr>
-          <p:cNvCxnSpPr>
-            <a:cxnSpLocks/>
-          </p:cNvCxnSpPr>
-          <p:nvPr/>
-        </p:nvCxnSpPr>
-        <p:spPr>
-          <a:xfrm>
-            <a:off x="812499" y="1045726"/>
-            <a:ext cx="6436873" cy="0"/>
-          </a:xfrm>
-          <a:prstGeom prst="straightConnector1">
-            <a:avLst/>
-          </a:prstGeom>
-          <a:noFill/>
-          <a:ln w="19050" cap="flat" cmpd="sng">
-            <a:solidFill>
-              <a:schemeClr val="dk1"/>
-            </a:solidFill>
-            <a:prstDash val="solid"/>
-            <a:round/>
-            <a:headEnd type="none" w="med" len="med"/>
-            <a:tailEnd type="none" w="med" len="med"/>
-          </a:ln>
-        </p:spPr>
-      </p:cxnSp>
-    </p:spTree>
-    <p:extLst>
-      <p:ext uri="{BB962C8B-B14F-4D97-AF65-F5344CB8AC3E}">
-        <p14:creationId xmlns:p14="http://schemas.microsoft.com/office/powerpoint/2010/main" val="2693461511"/>
       </p:ext>
     </p:extLst>
   </p:cSld>
@@ -29418,6 +29059,1004 @@
   <p:cSld>
     <p:spTree>
       <p:nvGrpSpPr>
+        <p:cNvPr id="1" name="Shape 157">
+          <a:extLst>
+            <a:ext uri="{FF2B5EF4-FFF2-40B4-BE49-F238E27FC236}">
+              <a16:creationId xmlns:a16="http://schemas.microsoft.com/office/drawing/2014/main" id="{918B3F89-90F1-6D0D-8FE7-2D4E00C4D8DE}"/>
+            </a:ext>
+          </a:extLst>
+        </p:cNvPr>
+        <p:cNvGrpSpPr/>
+        <p:nvPr/>
+      </p:nvGrpSpPr>
+      <p:grpSpPr>
+        <a:xfrm>
+          <a:off x="0" y="0"/>
+          <a:ext cx="0" cy="0"/>
+          <a:chOff x="0" y="0"/>
+          <a:chExt cx="0" cy="0"/>
+        </a:xfrm>
+      </p:grpSpPr>
+      <p:sp>
+        <p:nvSpPr>
+          <p:cNvPr id="158" name="Google Shape;158;p30">
+            <a:extLst>
+              <a:ext uri="{FF2B5EF4-FFF2-40B4-BE49-F238E27FC236}">
+                <a16:creationId xmlns:a16="http://schemas.microsoft.com/office/drawing/2014/main" id="{90DB3DD6-02EC-90C2-DF52-449723DAF484}"/>
+              </a:ext>
+            </a:extLst>
+          </p:cNvPr>
+          <p:cNvSpPr txBox="1">
+            <a:spLocks noGrp="1"/>
+          </p:cNvSpPr>
+          <p:nvPr>
+            <p:ph type="title" idx="6"/>
+          </p:nvPr>
+        </p:nvSpPr>
+        <p:spPr>
+          <a:xfrm>
+            <a:off x="710750" y="387250"/>
+            <a:ext cx="7779839" cy="711702"/>
+          </a:xfrm>
+          <a:prstGeom prst="rect">
+            <a:avLst/>
+          </a:prstGeom>
+        </p:spPr>
+        <p:txBody>
+          <a:bodyPr spcFirstLastPara="1" wrap="square" lIns="91425" tIns="91425" rIns="91425" bIns="91425" anchor="t" anchorCtr="0">
+            <a:noAutofit/>
+          </a:bodyPr>
+          <a:lstStyle/>
+          <a:p>
+            <a:r>
+              <a:rPr lang="es" dirty="0" err="1"/>
+              <a:t>RStudio</a:t>
+            </a:r>
+            <a:endParaRPr lang="en-US" dirty="0" err="1"/>
+          </a:p>
+        </p:txBody>
+      </p:sp>
+      <p:sp>
+        <p:nvSpPr>
+          <p:cNvPr id="162" name="Google Shape;162;p30">
+            <a:extLst>
+              <a:ext uri="{FF2B5EF4-FFF2-40B4-BE49-F238E27FC236}">
+                <a16:creationId xmlns:a16="http://schemas.microsoft.com/office/drawing/2014/main" id="{EA2DD3DD-81CF-ADC1-931B-951DE2582E05}"/>
+              </a:ext>
+            </a:extLst>
+          </p:cNvPr>
+          <p:cNvSpPr txBox="1">
+            <a:spLocks noGrp="1"/>
+          </p:cNvSpPr>
+          <p:nvPr>
+            <p:ph type="subTitle" idx="3"/>
+          </p:nvPr>
+        </p:nvSpPr>
+        <p:spPr>
+          <a:xfrm>
+            <a:off x="710749" y="1283957"/>
+            <a:ext cx="8169879" cy="3096454"/>
+          </a:xfrm>
+          <a:prstGeom prst="rect">
+            <a:avLst/>
+          </a:prstGeom>
+        </p:spPr>
+        <p:txBody>
+          <a:bodyPr spcFirstLastPara="1" wrap="square" lIns="91425" tIns="91425" rIns="91425" bIns="91425" anchor="t" anchorCtr="0">
+            <a:noAutofit/>
+          </a:bodyPr>
+          <a:lstStyle/>
+          <a:p>
+            <a:pPr marL="457200" lvl="1" indent="0"/>
+            <a:endParaRPr lang="es" sz="1600" dirty="0"/>
+          </a:p>
+          <a:p>
+            <a:pPr marL="285750" indent="-285750">
+              <a:buFont typeface="Arial" panose="020B0604020202020204" pitchFamily="34" charset="0"/>
+              <a:buChar char="•"/>
+            </a:pPr>
+            <a:r>
+              <a:rPr lang="es" sz="1600" dirty="0" err="1"/>
+              <a:t>While</a:t>
+            </a:r>
+            <a:r>
+              <a:rPr lang="es" sz="1600" dirty="0"/>
+              <a:t> R </a:t>
+            </a:r>
+            <a:r>
+              <a:rPr lang="es" sz="1600" dirty="0" err="1"/>
+              <a:t>is</a:t>
+            </a:r>
+            <a:r>
+              <a:rPr lang="es" sz="1600" dirty="0"/>
+              <a:t> </a:t>
+            </a:r>
+            <a:r>
+              <a:rPr lang="es" sz="1600" dirty="0" err="1"/>
+              <a:t>the</a:t>
+            </a:r>
+            <a:r>
+              <a:rPr lang="es" sz="1600" dirty="0"/>
+              <a:t> </a:t>
+            </a:r>
+            <a:r>
+              <a:rPr lang="es" sz="1600" dirty="0" err="1"/>
+              <a:t>programming</a:t>
+            </a:r>
+            <a:r>
+              <a:rPr lang="es" sz="1600" dirty="0"/>
+              <a:t> </a:t>
+            </a:r>
+            <a:r>
+              <a:rPr lang="es" sz="1600" dirty="0" err="1"/>
+              <a:t>language</a:t>
+            </a:r>
+            <a:r>
+              <a:rPr lang="es" sz="1600" dirty="0"/>
+              <a:t>, </a:t>
+            </a:r>
+            <a:r>
+              <a:rPr lang="es" sz="1600" dirty="0" err="1"/>
+              <a:t>RStudio</a:t>
+            </a:r>
+            <a:r>
+              <a:rPr lang="es" sz="1600" dirty="0"/>
+              <a:t> </a:t>
+            </a:r>
+            <a:r>
+              <a:rPr lang="es" sz="1600" dirty="0" err="1"/>
+              <a:t>is</a:t>
+            </a:r>
+            <a:r>
+              <a:rPr lang="es" sz="1600" dirty="0"/>
+              <a:t> </a:t>
+            </a:r>
+            <a:r>
+              <a:rPr lang="es" sz="1600" dirty="0" err="1"/>
+              <a:t>an</a:t>
+            </a:r>
+            <a:r>
+              <a:rPr lang="es" sz="1600" dirty="0"/>
+              <a:t> </a:t>
+            </a:r>
+            <a:r>
+              <a:rPr lang="es" sz="1600" dirty="0" err="1"/>
+              <a:t>Integrated</a:t>
+            </a:r>
+            <a:r>
+              <a:rPr lang="es" sz="1600" dirty="0"/>
+              <a:t> </a:t>
+            </a:r>
+            <a:r>
+              <a:rPr lang="es" sz="1600" dirty="0" err="1"/>
+              <a:t>Development</a:t>
+            </a:r>
+            <a:r>
+              <a:rPr lang="es" sz="1600" dirty="0"/>
+              <a:t> </a:t>
+            </a:r>
+            <a:r>
+              <a:rPr lang="es" sz="1600" dirty="0" err="1"/>
+              <a:t>Environment</a:t>
+            </a:r>
+            <a:r>
+              <a:rPr lang="es" sz="1600" dirty="0"/>
+              <a:t> (IDE), </a:t>
+            </a:r>
+            <a:r>
+              <a:rPr lang="es" sz="1600" dirty="0" err="1"/>
+              <a:t>which</a:t>
+            </a:r>
+            <a:r>
+              <a:rPr lang="es" sz="1600" dirty="0"/>
+              <a:t> </a:t>
+            </a:r>
+            <a:r>
+              <a:rPr lang="es" sz="1600" dirty="0" err="1"/>
+              <a:t>is</a:t>
+            </a:r>
+            <a:r>
+              <a:rPr lang="es" sz="1600" dirty="0"/>
+              <a:t> a </a:t>
+            </a:r>
+            <a:r>
+              <a:rPr lang="es" sz="1600" dirty="0" err="1"/>
+              <a:t>fancy</a:t>
+            </a:r>
+            <a:r>
+              <a:rPr lang="es" sz="1600" dirty="0"/>
+              <a:t> </a:t>
+            </a:r>
+            <a:r>
+              <a:rPr lang="es" sz="1600" dirty="0" err="1"/>
+              <a:t>term</a:t>
+            </a:r>
+            <a:r>
+              <a:rPr lang="es" sz="1600" dirty="0"/>
+              <a:t> </a:t>
+            </a:r>
+            <a:r>
+              <a:rPr lang="es" sz="1600" dirty="0" err="1"/>
+              <a:t>for</a:t>
+            </a:r>
+            <a:r>
+              <a:rPr lang="es" sz="1600" dirty="0"/>
+              <a:t> a software </a:t>
+            </a:r>
+            <a:r>
+              <a:rPr lang="es" sz="1600" dirty="0" err="1"/>
+              <a:t>application</a:t>
+            </a:r>
+            <a:r>
+              <a:rPr lang="es" sz="1600" dirty="0"/>
+              <a:t> </a:t>
+            </a:r>
+            <a:r>
+              <a:rPr lang="es" sz="1600" dirty="0" err="1"/>
+              <a:t>that</a:t>
+            </a:r>
+            <a:r>
+              <a:rPr lang="es" sz="1600" dirty="0"/>
+              <a:t> </a:t>
+            </a:r>
+            <a:r>
+              <a:rPr lang="es" sz="1600" dirty="0" err="1"/>
+              <a:t>makes</a:t>
+            </a:r>
+            <a:r>
+              <a:rPr lang="es" sz="1600" dirty="0"/>
+              <a:t> </a:t>
+            </a:r>
+            <a:r>
+              <a:rPr lang="es" sz="1600" dirty="0" err="1"/>
+              <a:t>working</a:t>
+            </a:r>
+            <a:r>
+              <a:rPr lang="es" sz="1600" dirty="0"/>
+              <a:t> in R </a:t>
+            </a:r>
+            <a:r>
+              <a:rPr lang="es" sz="1600" dirty="0" err="1"/>
+              <a:t>much</a:t>
+            </a:r>
+            <a:r>
+              <a:rPr lang="es" sz="1600" dirty="0"/>
+              <a:t> more </a:t>
+            </a:r>
+            <a:r>
+              <a:rPr lang="es" sz="1600" dirty="0" err="1"/>
+              <a:t>user-friendly</a:t>
+            </a:r>
+            <a:r>
+              <a:rPr lang="es" sz="1600" dirty="0"/>
+              <a:t>.</a:t>
+            </a:r>
+          </a:p>
+          <a:p>
+            <a:pPr marL="742950" lvl="1" indent="-285750">
+              <a:buFont typeface="Courier New" panose="020B0604020202020204" pitchFamily="34" charset="0"/>
+              <a:buChar char="o"/>
+            </a:pPr>
+            <a:endParaRPr lang="es" sz="1600" dirty="0"/>
+          </a:p>
+          <a:p>
+            <a:pPr marL="285750" indent="-285750">
+              <a:buFont typeface="Arial" panose="020B0604020202020204" pitchFamily="34" charset="0"/>
+              <a:buChar char="•"/>
+            </a:pPr>
+            <a:endParaRPr lang="es" dirty="0"/>
+          </a:p>
+          <a:p>
+            <a:pPr marL="285750" indent="-285750">
+              <a:buFont typeface="Arial" panose="020B0604020202020204" pitchFamily="34" charset="0"/>
+              <a:buChar char="•"/>
+            </a:pPr>
+            <a:endParaRPr lang="es" dirty="0"/>
+          </a:p>
+          <a:p>
+            <a:pPr marL="285750" indent="-285750">
+              <a:buFont typeface="Arial" panose="020B0604020202020204" pitchFamily="34" charset="0"/>
+              <a:buChar char="•"/>
+            </a:pPr>
+            <a:endParaRPr lang="es" dirty="0"/>
+          </a:p>
+          <a:p>
+            <a:pPr marL="285750" indent="-285750">
+              <a:buFont typeface="Arial" panose="020B0604020202020204" pitchFamily="34" charset="0"/>
+              <a:buChar char="•"/>
+            </a:pPr>
+            <a:endParaRPr lang="es" dirty="0"/>
+          </a:p>
+        </p:txBody>
+      </p:sp>
+      <p:cxnSp>
+        <p:nvCxnSpPr>
+          <p:cNvPr id="166" name="Google Shape;166;p30">
+            <a:extLst>
+              <a:ext uri="{FF2B5EF4-FFF2-40B4-BE49-F238E27FC236}">
+                <a16:creationId xmlns:a16="http://schemas.microsoft.com/office/drawing/2014/main" id="{65D08A69-9131-DEF5-8E26-1051BFB29DA3}"/>
+              </a:ext>
+            </a:extLst>
+          </p:cNvPr>
+          <p:cNvCxnSpPr>
+            <a:cxnSpLocks/>
+          </p:cNvCxnSpPr>
+          <p:nvPr/>
+        </p:nvCxnSpPr>
+        <p:spPr>
+          <a:xfrm>
+            <a:off x="812499" y="1045726"/>
+            <a:ext cx="6436873" cy="0"/>
+          </a:xfrm>
+          <a:prstGeom prst="straightConnector1">
+            <a:avLst/>
+          </a:prstGeom>
+          <a:noFill/>
+          <a:ln w="19050" cap="flat" cmpd="sng">
+            <a:solidFill>
+              <a:schemeClr val="dk1"/>
+            </a:solidFill>
+            <a:prstDash val="solid"/>
+            <a:round/>
+            <a:headEnd type="none" w="med" len="med"/>
+            <a:tailEnd type="none" w="med" len="med"/>
+          </a:ln>
+        </p:spPr>
+      </p:cxnSp>
+    </p:spTree>
+    <p:extLst>
+      <p:ext uri="{BB962C8B-B14F-4D97-AF65-F5344CB8AC3E}">
+        <p14:creationId xmlns:p14="http://schemas.microsoft.com/office/powerpoint/2010/main" val="711183476"/>
+      </p:ext>
+    </p:extLst>
+  </p:cSld>
+  <p:clrMapOvr>
+    <a:masterClrMapping/>
+  </p:clrMapOvr>
+</p:sld>
+</file>
+
+<file path=ppt/slides/slide51.xml><?xml version="1.0" encoding="utf-8"?>
+<p:sld xmlns:a="http://schemas.openxmlformats.org/drawingml/2006/main" xmlns:r="http://schemas.openxmlformats.org/officeDocument/2006/relationships" xmlns:p="http://schemas.openxmlformats.org/presentationml/2006/main">
+  <p:cSld>
+    <p:spTree>
+      <p:nvGrpSpPr>
+        <p:cNvPr id="1" name="Shape 157">
+          <a:extLst>
+            <a:ext uri="{FF2B5EF4-FFF2-40B4-BE49-F238E27FC236}">
+              <a16:creationId xmlns:a16="http://schemas.microsoft.com/office/drawing/2014/main" id="{42D84917-434A-6566-A99D-C02DE7B1FF5B}"/>
+            </a:ext>
+          </a:extLst>
+        </p:cNvPr>
+        <p:cNvGrpSpPr/>
+        <p:nvPr/>
+      </p:nvGrpSpPr>
+      <p:grpSpPr>
+        <a:xfrm>
+          <a:off x="0" y="0"/>
+          <a:ext cx="0" cy="0"/>
+          <a:chOff x="0" y="0"/>
+          <a:chExt cx="0" cy="0"/>
+        </a:xfrm>
+      </p:grpSpPr>
+      <p:sp>
+        <p:nvSpPr>
+          <p:cNvPr id="158" name="Google Shape;158;p30">
+            <a:extLst>
+              <a:ext uri="{FF2B5EF4-FFF2-40B4-BE49-F238E27FC236}">
+                <a16:creationId xmlns:a16="http://schemas.microsoft.com/office/drawing/2014/main" id="{EF35CE53-3F55-F3CD-A779-1E5A89EF21C4}"/>
+              </a:ext>
+            </a:extLst>
+          </p:cNvPr>
+          <p:cNvSpPr txBox="1">
+            <a:spLocks noGrp="1"/>
+          </p:cNvSpPr>
+          <p:nvPr>
+            <p:ph type="title" idx="6"/>
+          </p:nvPr>
+        </p:nvSpPr>
+        <p:spPr>
+          <a:xfrm>
+            <a:off x="710750" y="387250"/>
+            <a:ext cx="7779839" cy="711702"/>
+          </a:xfrm>
+          <a:prstGeom prst="rect">
+            <a:avLst/>
+          </a:prstGeom>
+        </p:spPr>
+        <p:txBody>
+          <a:bodyPr spcFirstLastPara="1" wrap="square" lIns="91425" tIns="91425" rIns="91425" bIns="91425" anchor="t" anchorCtr="0">
+            <a:noAutofit/>
+          </a:bodyPr>
+          <a:lstStyle/>
+          <a:p>
+            <a:r>
+              <a:rPr lang="es" dirty="0" err="1"/>
+              <a:t>RStudio</a:t>
+            </a:r>
+            <a:endParaRPr lang="en-US" dirty="0" err="1"/>
+          </a:p>
+        </p:txBody>
+      </p:sp>
+      <p:sp>
+        <p:nvSpPr>
+          <p:cNvPr id="162" name="Google Shape;162;p30">
+            <a:extLst>
+              <a:ext uri="{FF2B5EF4-FFF2-40B4-BE49-F238E27FC236}">
+                <a16:creationId xmlns:a16="http://schemas.microsoft.com/office/drawing/2014/main" id="{EB2A9693-AED4-D6A9-7D26-3BCE402EC6CB}"/>
+              </a:ext>
+            </a:extLst>
+          </p:cNvPr>
+          <p:cNvSpPr txBox="1">
+            <a:spLocks noGrp="1"/>
+          </p:cNvSpPr>
+          <p:nvPr>
+            <p:ph type="subTitle" idx="3"/>
+          </p:nvPr>
+        </p:nvSpPr>
+        <p:spPr>
+          <a:xfrm>
+            <a:off x="710749" y="1283957"/>
+            <a:ext cx="8169879" cy="3096454"/>
+          </a:xfrm>
+          <a:prstGeom prst="rect">
+            <a:avLst/>
+          </a:prstGeom>
+        </p:spPr>
+        <p:txBody>
+          <a:bodyPr spcFirstLastPara="1" wrap="square" lIns="91425" tIns="91425" rIns="91425" bIns="91425" anchor="t" anchorCtr="0">
+            <a:noAutofit/>
+          </a:bodyPr>
+          <a:lstStyle/>
+          <a:p>
+            <a:pPr marL="457200" lvl="1" indent="0"/>
+            <a:endParaRPr lang="es" sz="1600" dirty="0"/>
+          </a:p>
+          <a:p>
+            <a:pPr marL="0" indent="0"/>
+            <a:r>
+              <a:rPr lang="es" sz="1600" dirty="0"/>
+              <a:t>A (</a:t>
+            </a:r>
+            <a:r>
+              <a:rPr lang="es" sz="1600" dirty="0" err="1"/>
+              <a:t>bad</a:t>
+            </a:r>
+            <a:r>
+              <a:rPr lang="es" sz="1600" dirty="0"/>
+              <a:t>?) </a:t>
+            </a:r>
+            <a:r>
+              <a:rPr lang="es" sz="1600" dirty="0" err="1"/>
+              <a:t>analogy</a:t>
+            </a:r>
+            <a:r>
+              <a:rPr lang="es" sz="1600" dirty="0"/>
+              <a:t> </a:t>
+            </a:r>
+            <a:r>
+              <a:rPr lang="es" sz="1600" dirty="0" err="1"/>
+              <a:t>could</a:t>
+            </a:r>
+            <a:r>
+              <a:rPr lang="es" sz="1600" dirty="0"/>
+              <a:t> be:</a:t>
+            </a:r>
+          </a:p>
+          <a:p>
+            <a:pPr marL="285750" indent="-285750">
+              <a:buFont typeface="Arial" panose="020B0604020202020204" pitchFamily="34" charset="0"/>
+              <a:buChar char="•"/>
+            </a:pPr>
+            <a:endParaRPr lang="es" sz="1600" dirty="0"/>
+          </a:p>
+          <a:p>
+            <a:pPr marL="285750" indent="-285750">
+              <a:buFont typeface="Arial"/>
+              <a:buChar char="•"/>
+            </a:pPr>
+            <a:r>
+              <a:rPr lang="es" sz="1600" dirty="0" err="1"/>
+              <a:t>You</a:t>
+            </a:r>
+            <a:r>
+              <a:rPr lang="es" sz="1600" dirty="0"/>
+              <a:t> are </a:t>
+            </a:r>
+            <a:r>
+              <a:rPr lang="es" sz="1600" dirty="0" err="1"/>
+              <a:t>writing</a:t>
+            </a:r>
+            <a:r>
+              <a:rPr lang="es" sz="1600" dirty="0"/>
+              <a:t> a </a:t>
+            </a:r>
+            <a:r>
+              <a:rPr lang="es" sz="1600" dirty="0" err="1"/>
+              <a:t>document</a:t>
+            </a:r>
+            <a:r>
+              <a:rPr lang="es" sz="1600" dirty="0"/>
+              <a:t> in Microsoft Word.  In </a:t>
+            </a:r>
+            <a:r>
+              <a:rPr lang="es" sz="1600" dirty="0" err="1"/>
+              <a:t>this</a:t>
+            </a:r>
+            <a:r>
+              <a:rPr lang="es" sz="1600" dirty="0"/>
+              <a:t> case, </a:t>
+            </a:r>
+            <a:r>
+              <a:rPr lang="es" sz="1600" dirty="0" err="1"/>
+              <a:t>the</a:t>
+            </a:r>
+            <a:r>
+              <a:rPr lang="es" sz="1600" dirty="0"/>
+              <a:t> </a:t>
+            </a:r>
+            <a:r>
+              <a:rPr lang="es" sz="1600" dirty="0" err="1"/>
+              <a:t>plain</a:t>
+            </a:r>
+            <a:r>
+              <a:rPr lang="es" sz="1600" dirty="0"/>
+              <a:t> human </a:t>
+            </a:r>
+            <a:r>
+              <a:rPr lang="es" sz="1600" dirty="0" err="1"/>
+              <a:t>language</a:t>
+            </a:r>
+            <a:r>
+              <a:rPr lang="es" sz="1600" dirty="0"/>
+              <a:t> </a:t>
+            </a:r>
+            <a:r>
+              <a:rPr lang="es" sz="1600" dirty="0" err="1"/>
+              <a:t>that</a:t>
+            </a:r>
+            <a:r>
+              <a:rPr lang="es" sz="1600" dirty="0"/>
+              <a:t> </a:t>
+            </a:r>
+            <a:r>
+              <a:rPr lang="es" sz="1600" dirty="0" err="1"/>
+              <a:t>you</a:t>
+            </a:r>
+            <a:r>
+              <a:rPr lang="es" sz="1600" dirty="0"/>
+              <a:t> are </a:t>
+            </a:r>
+            <a:r>
+              <a:rPr lang="es" sz="1600" dirty="0" err="1"/>
+              <a:t>typing</a:t>
+            </a:r>
+            <a:r>
+              <a:rPr lang="es" sz="1600" dirty="0"/>
+              <a:t> </a:t>
+            </a:r>
+            <a:r>
+              <a:rPr lang="es" sz="1600" dirty="0" err="1"/>
+              <a:t>would</a:t>
+            </a:r>
+            <a:r>
+              <a:rPr lang="es" sz="1600" dirty="0"/>
+              <a:t> be R, and Microsoft Word, </a:t>
+            </a:r>
+            <a:r>
+              <a:rPr lang="es" sz="1600" dirty="0" err="1"/>
+              <a:t>which</a:t>
+            </a:r>
+            <a:r>
+              <a:rPr lang="es" sz="1600" dirty="0"/>
+              <a:t> </a:t>
+            </a:r>
+            <a:r>
+              <a:rPr lang="es" sz="1600" dirty="0" err="1"/>
+              <a:t>is</a:t>
+            </a:r>
+            <a:r>
+              <a:rPr lang="es" sz="1600" dirty="0"/>
+              <a:t> </a:t>
+            </a:r>
+            <a:r>
+              <a:rPr lang="es" sz="1600" dirty="0" err="1"/>
+              <a:t>the</a:t>
+            </a:r>
+            <a:r>
+              <a:rPr lang="es" sz="1600" dirty="0"/>
+              <a:t> software </a:t>
+            </a:r>
+            <a:r>
+              <a:rPr lang="es" sz="1600" dirty="0" err="1"/>
+              <a:t>that</a:t>
+            </a:r>
+            <a:r>
+              <a:rPr lang="es" sz="1600" dirty="0"/>
+              <a:t> </a:t>
+            </a:r>
+            <a:r>
+              <a:rPr lang="es" sz="1600" dirty="0" err="1"/>
+              <a:t>allows</a:t>
+            </a:r>
+            <a:r>
+              <a:rPr lang="es" sz="1600" dirty="0"/>
+              <a:t> </a:t>
+            </a:r>
+            <a:r>
+              <a:rPr lang="es" sz="1600" dirty="0" err="1"/>
+              <a:t>you</a:t>
+            </a:r>
+            <a:r>
+              <a:rPr lang="es" sz="1600" dirty="0"/>
+              <a:t> </a:t>
+            </a:r>
+            <a:r>
+              <a:rPr lang="es" sz="1600" dirty="0" err="1"/>
+              <a:t>to</a:t>
+            </a:r>
+            <a:r>
+              <a:rPr lang="es" sz="1600" dirty="0"/>
+              <a:t> </a:t>
+            </a:r>
+            <a:r>
+              <a:rPr lang="es" sz="1600" dirty="0" err="1"/>
+              <a:t>view</a:t>
+            </a:r>
+            <a:r>
+              <a:rPr lang="es" sz="1600" dirty="0"/>
+              <a:t>, </a:t>
+            </a:r>
+            <a:r>
+              <a:rPr lang="es" sz="1600" dirty="0" err="1"/>
+              <a:t>format</a:t>
+            </a:r>
+            <a:r>
+              <a:rPr lang="es" sz="1600" dirty="0"/>
+              <a:t>, </a:t>
+            </a:r>
+            <a:r>
+              <a:rPr lang="es" sz="1600" dirty="0" err="1"/>
+              <a:t>add</a:t>
+            </a:r>
+            <a:r>
+              <a:rPr lang="es" sz="1600" dirty="0"/>
+              <a:t> </a:t>
+            </a:r>
+            <a:r>
+              <a:rPr lang="es" sz="1600" dirty="0" err="1"/>
+              <a:t>visuals</a:t>
+            </a:r>
+            <a:r>
+              <a:rPr lang="es" sz="1600" dirty="0"/>
+              <a:t>, and </a:t>
+            </a:r>
+            <a:r>
+              <a:rPr lang="es" sz="1600" dirty="0" err="1"/>
+              <a:t>save</a:t>
+            </a:r>
+            <a:r>
+              <a:rPr lang="es" sz="1600" dirty="0"/>
+              <a:t> </a:t>
+            </a:r>
+            <a:r>
+              <a:rPr lang="es" sz="1600" dirty="0" err="1"/>
+              <a:t>your</a:t>
+            </a:r>
+            <a:r>
+              <a:rPr lang="es" sz="1600" dirty="0"/>
+              <a:t> </a:t>
+            </a:r>
+            <a:r>
+              <a:rPr lang="es" sz="1600" dirty="0" err="1"/>
+              <a:t>work</a:t>
+            </a:r>
+            <a:r>
+              <a:rPr lang="es" sz="1600" dirty="0"/>
+              <a:t>, </a:t>
+            </a:r>
+            <a:r>
+              <a:rPr lang="es" sz="1600" dirty="0" err="1"/>
+              <a:t>is</a:t>
+            </a:r>
+            <a:r>
+              <a:rPr lang="es" sz="1600" dirty="0"/>
+              <a:t> </a:t>
+            </a:r>
+            <a:r>
+              <a:rPr lang="es" sz="1600" dirty="0" err="1"/>
+              <a:t>RStudio</a:t>
+            </a:r>
+            <a:r>
+              <a:rPr lang="es" sz="1600" dirty="0"/>
+              <a:t>.</a:t>
+            </a:r>
+          </a:p>
+          <a:p>
+            <a:pPr marL="742950" lvl="1" indent="-285750">
+              <a:buFont typeface="Courier New" panose="020B0604020202020204" pitchFamily="34" charset="0"/>
+              <a:buChar char="o"/>
+            </a:pPr>
+            <a:endParaRPr lang="es" sz="1600" dirty="0"/>
+          </a:p>
+          <a:p>
+            <a:pPr marL="285750" indent="-285750">
+              <a:buFont typeface="Arial" panose="020B0604020202020204" pitchFamily="34" charset="0"/>
+              <a:buChar char="•"/>
+            </a:pPr>
+            <a:endParaRPr lang="es" dirty="0"/>
+          </a:p>
+          <a:p>
+            <a:pPr marL="285750" indent="-285750">
+              <a:buFont typeface="Arial" panose="020B0604020202020204" pitchFamily="34" charset="0"/>
+              <a:buChar char="•"/>
+            </a:pPr>
+            <a:endParaRPr lang="es" dirty="0"/>
+          </a:p>
+          <a:p>
+            <a:pPr marL="285750" indent="-285750">
+              <a:buFont typeface="Arial" panose="020B0604020202020204" pitchFamily="34" charset="0"/>
+              <a:buChar char="•"/>
+            </a:pPr>
+            <a:endParaRPr lang="es" dirty="0"/>
+          </a:p>
+          <a:p>
+            <a:pPr marL="285750" indent="-285750">
+              <a:buFont typeface="Arial" panose="020B0604020202020204" pitchFamily="34" charset="0"/>
+              <a:buChar char="•"/>
+            </a:pPr>
+            <a:endParaRPr lang="es" dirty="0"/>
+          </a:p>
+        </p:txBody>
+      </p:sp>
+      <p:cxnSp>
+        <p:nvCxnSpPr>
+          <p:cNvPr id="166" name="Google Shape;166;p30">
+            <a:extLst>
+              <a:ext uri="{FF2B5EF4-FFF2-40B4-BE49-F238E27FC236}">
+                <a16:creationId xmlns:a16="http://schemas.microsoft.com/office/drawing/2014/main" id="{19883505-368C-2C0D-F47B-90259A15D261}"/>
+              </a:ext>
+            </a:extLst>
+          </p:cNvPr>
+          <p:cNvCxnSpPr>
+            <a:cxnSpLocks/>
+          </p:cNvCxnSpPr>
+          <p:nvPr/>
+        </p:nvCxnSpPr>
+        <p:spPr>
+          <a:xfrm>
+            <a:off x="812499" y="1045726"/>
+            <a:ext cx="6436873" cy="0"/>
+          </a:xfrm>
+          <a:prstGeom prst="straightConnector1">
+            <a:avLst/>
+          </a:prstGeom>
+          <a:noFill/>
+          <a:ln w="19050" cap="flat" cmpd="sng">
+            <a:solidFill>
+              <a:schemeClr val="dk1"/>
+            </a:solidFill>
+            <a:prstDash val="solid"/>
+            <a:round/>
+            <a:headEnd type="none" w="med" len="med"/>
+            <a:tailEnd type="none" w="med" len="med"/>
+          </a:ln>
+        </p:spPr>
+      </p:cxnSp>
+    </p:spTree>
+    <p:extLst>
+      <p:ext uri="{BB962C8B-B14F-4D97-AF65-F5344CB8AC3E}">
+        <p14:creationId xmlns:p14="http://schemas.microsoft.com/office/powerpoint/2010/main" val="2693461511"/>
+      </p:ext>
+    </p:extLst>
+  </p:cSld>
+  <p:clrMapOvr>
+    <a:masterClrMapping/>
+  </p:clrMapOvr>
+</p:sld>
+</file>
+
+<file path=ppt/slides/slide52.xml><?xml version="1.0" encoding="utf-8"?>
+<p:sld xmlns:a="http://schemas.openxmlformats.org/drawingml/2006/main" xmlns:r="http://schemas.openxmlformats.org/officeDocument/2006/relationships" xmlns:p="http://schemas.openxmlformats.org/presentationml/2006/main">
+  <p:cSld>
+    <p:spTree>
+      <p:nvGrpSpPr>
+        <p:cNvPr id="1" name="Shape 157">
+          <a:extLst>
+            <a:ext uri="{FF2B5EF4-FFF2-40B4-BE49-F238E27FC236}">
+              <a16:creationId xmlns:a16="http://schemas.microsoft.com/office/drawing/2014/main" id="{452B4FE0-5DB5-249E-5079-9CFB18B9076D}"/>
+            </a:ext>
+          </a:extLst>
+        </p:cNvPr>
+        <p:cNvGrpSpPr/>
+        <p:nvPr/>
+      </p:nvGrpSpPr>
+      <p:grpSpPr>
+        <a:xfrm>
+          <a:off x="0" y="0"/>
+          <a:ext cx="0" cy="0"/>
+          <a:chOff x="0" y="0"/>
+          <a:chExt cx="0" cy="0"/>
+        </a:xfrm>
+      </p:grpSpPr>
+      <p:sp>
+        <p:nvSpPr>
+          <p:cNvPr id="158" name="Google Shape;158;p30">
+            <a:extLst>
+              <a:ext uri="{FF2B5EF4-FFF2-40B4-BE49-F238E27FC236}">
+                <a16:creationId xmlns:a16="http://schemas.microsoft.com/office/drawing/2014/main" id="{D30B4B8E-A879-91DB-B3A1-261952318BEF}"/>
+              </a:ext>
+            </a:extLst>
+          </p:cNvPr>
+          <p:cNvSpPr txBox="1">
+            <a:spLocks noGrp="1"/>
+          </p:cNvSpPr>
+          <p:nvPr>
+            <p:ph type="title" idx="6"/>
+          </p:nvPr>
+        </p:nvSpPr>
+        <p:spPr>
+          <a:xfrm>
+            <a:off x="710750" y="387250"/>
+            <a:ext cx="7779839" cy="711702"/>
+          </a:xfrm>
+          <a:prstGeom prst="rect">
+            <a:avLst/>
+          </a:prstGeom>
+        </p:spPr>
+        <p:txBody>
+          <a:bodyPr spcFirstLastPara="1" wrap="square" lIns="91425" tIns="91425" rIns="91425" bIns="91425" anchor="t" anchorCtr="0">
+            <a:noAutofit/>
+          </a:bodyPr>
+          <a:lstStyle/>
+          <a:p>
+            <a:r>
+              <a:rPr lang="es" dirty="0"/>
+              <a:t>Choosing a Coding Language</a:t>
+            </a:r>
+            <a:endParaRPr lang="en-US" dirty="0" err="1"/>
+          </a:p>
+        </p:txBody>
+      </p:sp>
+      <p:cxnSp>
+        <p:nvCxnSpPr>
+          <p:cNvPr id="166" name="Google Shape;166;p30">
+            <a:extLst>
+              <a:ext uri="{FF2B5EF4-FFF2-40B4-BE49-F238E27FC236}">
+                <a16:creationId xmlns:a16="http://schemas.microsoft.com/office/drawing/2014/main" id="{64B28C60-D2F8-6D71-202B-014F6CF7C34F}"/>
+              </a:ext>
+            </a:extLst>
+          </p:cNvPr>
+          <p:cNvCxnSpPr>
+            <a:cxnSpLocks/>
+          </p:cNvCxnSpPr>
+          <p:nvPr/>
+        </p:nvCxnSpPr>
+        <p:spPr>
+          <a:xfrm>
+            <a:off x="812499" y="1045726"/>
+            <a:ext cx="6436873" cy="0"/>
+          </a:xfrm>
+          <a:prstGeom prst="straightConnector1">
+            <a:avLst/>
+          </a:prstGeom>
+          <a:noFill/>
+          <a:ln w="19050" cap="flat" cmpd="sng">
+            <a:solidFill>
+              <a:schemeClr val="dk1"/>
+            </a:solidFill>
+            <a:prstDash val="solid"/>
+            <a:round/>
+            <a:headEnd type="none" w="med" len="med"/>
+            <a:tailEnd type="none" w="med" len="med"/>
+          </a:ln>
+        </p:spPr>
+      </p:cxnSp>
+      <p:pic>
+        <p:nvPicPr>
+          <p:cNvPr id="1028" name="Picture 4" descr="R vs. Python What Are the Differences | Python Development |  Justwebdevelopment">
+            <a:extLst>
+              <a:ext uri="{FF2B5EF4-FFF2-40B4-BE49-F238E27FC236}">
+                <a16:creationId xmlns:a16="http://schemas.microsoft.com/office/drawing/2014/main" id="{47BD1F0C-D012-BEBA-AF70-EC3B9FD0D0B0}"/>
+              </a:ext>
+            </a:extLst>
+          </p:cNvPr>
+          <p:cNvPicPr>
+            <a:picLocks noChangeAspect="1" noChangeArrowheads="1"/>
+          </p:cNvPicPr>
+          <p:nvPr/>
+        </p:nvPicPr>
+        <p:blipFill>
+          <a:blip r:embed="rId3">
+            <a:extLst>
+              <a:ext uri="{28A0092B-C50C-407E-A947-70E740481C1C}">
+                <a14:useLocalDpi xmlns:a14="http://schemas.microsoft.com/office/drawing/2010/main" val="0"/>
+              </a:ext>
+            </a:extLst>
+          </a:blip>
+          <a:srcRect/>
+          <a:stretch>
+            <a:fillRect/>
+          </a:stretch>
+        </p:blipFill>
+        <p:spPr bwMode="auto">
+          <a:xfrm>
+            <a:off x="812499" y="1319475"/>
+            <a:ext cx="6019800" cy="3380912"/>
+          </a:xfrm>
+          <a:prstGeom prst="rect">
+            <a:avLst/>
+          </a:prstGeom>
+          <a:noFill/>
+          <a:extLst>
+            <a:ext uri="{909E8E84-426E-40DD-AFC4-6F175D3DCCD1}">
+              <a14:hiddenFill xmlns:a14="http://schemas.microsoft.com/office/drawing/2010/main">
+                <a:solidFill>
+                  <a:srgbClr val="FFFFFF"/>
+                </a:solidFill>
+              </a14:hiddenFill>
+            </a:ext>
+          </a:extLst>
+        </p:spPr>
+      </p:pic>
+      <p:sp>
+        <p:nvSpPr>
+          <p:cNvPr id="4" name="TextBox 3">
+            <a:extLst>
+              <a:ext uri="{FF2B5EF4-FFF2-40B4-BE49-F238E27FC236}">
+                <a16:creationId xmlns:a16="http://schemas.microsoft.com/office/drawing/2014/main" id="{FCD0D8FE-322D-04D4-6345-5402D5F514E4}"/>
+              </a:ext>
+            </a:extLst>
+          </p:cNvPr>
+          <p:cNvSpPr txBox="1"/>
+          <p:nvPr/>
+        </p:nvSpPr>
+        <p:spPr>
+          <a:xfrm>
+            <a:off x="8026106" y="4592665"/>
+            <a:ext cx="1911096" cy="215444"/>
+          </a:xfrm>
+          <a:prstGeom prst="rect">
+            <a:avLst/>
+          </a:prstGeom>
+          <a:noFill/>
+        </p:spPr>
+        <p:txBody>
+          <a:bodyPr wrap="square" lIns="91440" tIns="45720" rIns="91440" bIns="45720" rtlCol="0" anchor="t">
+            <a:spAutoFit/>
+          </a:bodyPr>
+          <a:lstStyle/>
+          <a:p>
+            <a:r>
+              <a:rPr lang="en-CA" sz="800" dirty="0">
+                <a:hlinkClick r:id="rId4"/>
+              </a:rPr>
+              <a:t>source</a:t>
+            </a:r>
+            <a:endParaRPr lang="en-CA" sz="800" dirty="0">
+              <a:hlinkClick r:id="rId5"/>
+            </a:endParaRPr>
+          </a:p>
+        </p:txBody>
+      </p:sp>
+    </p:spTree>
+    <p:extLst>
+      <p:ext uri="{BB962C8B-B14F-4D97-AF65-F5344CB8AC3E}">
+        <p14:creationId xmlns:p14="http://schemas.microsoft.com/office/powerpoint/2010/main" val="4245579910"/>
+      </p:ext>
+    </p:extLst>
+  </p:cSld>
+  <p:clrMapOvr>
+    <a:masterClrMapping/>
+  </p:clrMapOvr>
+</p:sld>
+</file>
+
+<file path=ppt/slides/slide53.xml><?xml version="1.0" encoding="utf-8"?>
+<p:sld xmlns:a="http://schemas.openxmlformats.org/drawingml/2006/main" xmlns:r="http://schemas.openxmlformats.org/officeDocument/2006/relationships" xmlns:p="http://schemas.openxmlformats.org/presentationml/2006/main">
+  <p:cSld>
+    <p:spTree>
+      <p:nvGrpSpPr>
         <p:cNvPr id="1" name="Shape 193">
           <a:extLst>
             <a:ext uri="{FF2B5EF4-FFF2-40B4-BE49-F238E27FC236}">
@@ -29592,7 +30231,7 @@
 </p:sld>
 </file>
 
-<file path=ppt/slides/slide51.xml><?xml version="1.0" encoding="utf-8"?>
+<file path=ppt/slides/slide54.xml><?xml version="1.0" encoding="utf-8"?>
 <p:sld xmlns:a="http://schemas.openxmlformats.org/drawingml/2006/main" xmlns:r="http://schemas.openxmlformats.org/officeDocument/2006/relationships" xmlns:p="http://schemas.openxmlformats.org/presentationml/2006/main">
   <p:cSld>
     <p:spTree>
@@ -30064,7 +30703,7 @@
 </p:sld>
 </file>
 
-<file path=ppt/slides/slide52.xml><?xml version="1.0" encoding="utf-8"?>
+<file path=ppt/slides/slide55.xml><?xml version="1.0" encoding="utf-8"?>
 <p:sld xmlns:a="http://schemas.openxmlformats.org/drawingml/2006/main" xmlns:r="http://schemas.openxmlformats.org/officeDocument/2006/relationships" xmlns:p="http://schemas.openxmlformats.org/presentationml/2006/main">
   <p:cSld>
     <p:spTree>
@@ -30520,7 +31159,7 @@
 </p:sld>
 </file>
 
-<file path=ppt/slides/slide53.xml><?xml version="1.0" encoding="utf-8"?>
+<file path=ppt/slides/slide56.xml><?xml version="1.0" encoding="utf-8"?>
 <p:sld xmlns:a="http://schemas.openxmlformats.org/drawingml/2006/main" xmlns:r="http://schemas.openxmlformats.org/officeDocument/2006/relationships" xmlns:p="http://schemas.openxmlformats.org/presentationml/2006/main">
   <p:cSld>
     <p:spTree>
